--- a/University of Washington Class/Module 4 - Voltage control devices.pptx
+++ b/University of Washington Class/Module 4 - Voltage control devices.pptx
@@ -262,7 +262,7 @@
             <a:fld id="{30456DE2-1550-4DE2-8C7A-8D9992B45402}" type="datetimeFigureOut">
               <a:rPr lang="en-US" smtClean="0"/>
               <a:pPr/>
-              <a:t>11/14/2011</a:t>
+              <a:t>11/17/2011</a:t>
             </a:fld>
             <a:endParaRPr lang="en-US"/>
           </a:p>
@@ -712,10 +712,9 @@
           <a:bodyPr/>
           <a:lstStyle/>
           <a:p>
-            <a:fld id="{1D8BD707-D9CF-40AE-B4C6-C98DA3205C09}" type="datetimeFigureOut">
+            <a:fld id="{F5373481-B42A-4D4F-86EA-A88290C58964}" type="datetime1">
               <a:rPr lang="en-US" smtClean="0"/>
-              <a:pPr/>
-              <a:t>11/14/2011</a:t>
+              <a:t>11/17/2011</a:t>
             </a:fld>
             <a:endParaRPr lang="en-US"/>
           </a:p>
@@ -982,10 +981,9 @@
           <a:bodyPr/>
           <a:lstStyle/>
           <a:p>
-            <a:fld id="{1D8BD707-D9CF-40AE-B4C6-C98DA3205C09}" type="datetimeFigureOut">
+            <a:fld id="{03F670FF-8926-4709-96F6-FC2958129ED2}" type="datetime1">
               <a:rPr lang="en-US" smtClean="0"/>
-              <a:pPr/>
-              <a:t>11/14/2011</a:t>
+              <a:t>11/17/2011</a:t>
             </a:fld>
             <a:endParaRPr lang="en-US"/>
           </a:p>
@@ -1159,10 +1157,9 @@
           <a:bodyPr/>
           <a:lstStyle/>
           <a:p>
-            <a:fld id="{1D8BD707-D9CF-40AE-B4C6-C98DA3205C09}" type="datetimeFigureOut">
+            <a:fld id="{1BF16CE4-EFFC-4BDF-B5A4-4A15C47E021B}" type="datetime1">
               <a:rPr lang="en-US" smtClean="0"/>
-              <a:pPr/>
-              <a:t>11/14/2011</a:t>
+              <a:t>11/17/2011</a:t>
             </a:fld>
             <a:endParaRPr lang="en-US"/>
           </a:p>
@@ -1350,10 +1347,9 @@
           <a:bodyPr/>
           <a:lstStyle/>
           <a:p>
-            <a:fld id="{1D8BD707-D9CF-40AE-B4C6-C98DA3205C09}" type="datetimeFigureOut">
+            <a:fld id="{D89124DC-29B6-4231-9D25-0C78D5EFDDC9}" type="datetime1">
               <a:rPr lang="en-US" smtClean="0"/>
-              <a:pPr/>
-              <a:t>11/14/2011</a:t>
+              <a:t>11/17/2011</a:t>
             </a:fld>
             <a:endParaRPr lang="en-US" dirty="0"/>
           </a:p>
@@ -1600,10 +1596,9 @@
           <a:bodyPr/>
           <a:lstStyle/>
           <a:p>
-            <a:fld id="{1D8BD707-D9CF-40AE-B4C6-C98DA3205C09}" type="datetimeFigureOut">
+            <a:fld id="{63DA24F3-3618-4EAF-A9E8-EEFE221E1493}" type="datetime1">
               <a:rPr lang="en-US" smtClean="0"/>
-              <a:pPr/>
-              <a:t>11/14/2011</a:t>
+              <a:t>11/17/2011</a:t>
             </a:fld>
             <a:endParaRPr lang="en-US"/>
           </a:p>
@@ -1885,10 +1880,9 @@
           <a:bodyPr/>
           <a:lstStyle/>
           <a:p>
-            <a:fld id="{1D8BD707-D9CF-40AE-B4C6-C98DA3205C09}" type="datetimeFigureOut">
+            <a:fld id="{69D8CDEA-265C-4EA9-A607-0D7D771780DB}" type="datetime1">
               <a:rPr lang="en-US" smtClean="0"/>
-              <a:pPr/>
-              <a:t>11/14/2011</a:t>
+              <a:t>11/17/2011</a:t>
             </a:fld>
             <a:endParaRPr lang="en-US"/>
           </a:p>
@@ -2304,10 +2298,9 @@
           <a:bodyPr/>
           <a:lstStyle/>
           <a:p>
-            <a:fld id="{1D8BD707-D9CF-40AE-B4C6-C98DA3205C09}" type="datetimeFigureOut">
+            <a:fld id="{ACFA6542-36F3-4A89-93B6-B9FED0856CDB}" type="datetime1">
               <a:rPr lang="en-US" smtClean="0"/>
-              <a:pPr/>
-              <a:t>11/14/2011</a:t>
+              <a:t>11/17/2011</a:t>
             </a:fld>
             <a:endParaRPr lang="en-US"/>
           </a:p>
@@ -2419,10 +2412,9 @@
           <a:bodyPr/>
           <a:lstStyle/>
           <a:p>
-            <a:fld id="{1D8BD707-D9CF-40AE-B4C6-C98DA3205C09}" type="datetimeFigureOut">
+            <a:fld id="{AE3B9829-009A-44FD-B649-E323418E7E5E}" type="datetime1">
               <a:rPr lang="en-US" smtClean="0"/>
-              <a:pPr/>
-              <a:t>11/14/2011</a:t>
+              <a:t>11/17/2011</a:t>
             </a:fld>
             <a:endParaRPr lang="en-US"/>
           </a:p>
@@ -2511,10 +2503,9 @@
           <a:bodyPr/>
           <a:lstStyle/>
           <a:p>
-            <a:fld id="{1D8BD707-D9CF-40AE-B4C6-C98DA3205C09}" type="datetimeFigureOut">
+            <a:fld id="{4391B5C5-7D92-4C37-8071-F3311CBE73D5}" type="datetime1">
               <a:rPr lang="en-US" smtClean="0"/>
-              <a:pPr/>
-              <a:t>11/14/2011</a:t>
+              <a:t>11/17/2011</a:t>
             </a:fld>
             <a:endParaRPr lang="en-US"/>
           </a:p>
@@ -2785,10 +2776,9 @@
           <a:bodyPr/>
           <a:lstStyle/>
           <a:p>
-            <a:fld id="{1D8BD707-D9CF-40AE-B4C6-C98DA3205C09}" type="datetimeFigureOut">
+            <a:fld id="{4689F7FE-6C86-4059-B972-0BBDA5F301D9}" type="datetime1">
               <a:rPr lang="en-US" smtClean="0"/>
-              <a:pPr/>
-              <a:t>11/14/2011</a:t>
+              <a:t>11/17/2011</a:t>
             </a:fld>
             <a:endParaRPr lang="en-US"/>
           </a:p>
@@ -3035,10 +3025,9 @@
           <a:bodyPr/>
           <a:lstStyle/>
           <a:p>
-            <a:fld id="{1D8BD707-D9CF-40AE-B4C6-C98DA3205C09}" type="datetimeFigureOut">
+            <a:fld id="{F09338A6-2CCC-46F1-9871-B278557BB635}" type="datetime1">
               <a:rPr lang="en-US" smtClean="0"/>
-              <a:pPr/>
-              <a:t>11/14/2011</a:t>
+              <a:t>11/17/2011</a:t>
             </a:fld>
             <a:endParaRPr lang="en-US"/>
           </a:p>
@@ -3249,10 +3238,9 @@
             </a:lvl1pPr>
           </a:lstStyle>
           <a:p>
-            <a:fld id="{1D8BD707-D9CF-40AE-B4C6-C98DA3205C09}" type="datetimeFigureOut">
+            <a:fld id="{14FE97D8-1050-4CA4-8B4F-E964B5B645D9}" type="datetime1">
               <a:rPr lang="en-US" smtClean="0"/>
-              <a:pPr/>
-              <a:t>11/14/2011</a:t>
+              <a:t>11/17/2011</a:t>
             </a:fld>
             <a:endParaRPr lang="en-US" dirty="0"/>
           </a:p>
@@ -3362,6 +3350,7 @@
       </p:par>
     </p:tnLst>
   </p:timing>
+  <p:hf hdr="0" ftr="0" dt="0"/>
   <p:txStyles>
     <p:titleStyle>
       <a:lvl1pPr algn="ctr" defTabSz="914400" rtl="0" eaLnBrk="1" latinLnBrk="0" hangingPunct="1">
@@ -3386,7 +3375,7 @@
         </a:spcBef>
         <a:buFont typeface="Wingdings" pitchFamily="2" charset="2"/>
         <a:buChar char="Ø"/>
-        <a:defRPr sz="2000" kern="1200">
+        <a:defRPr sz="2400" kern="1200">
           <a:solidFill>
             <a:schemeClr val="tx1"/>
           </a:solidFill>
@@ -3401,7 +3390,7 @@
         </a:spcBef>
         <a:buFont typeface="Wingdings" pitchFamily="2" charset="2"/>
         <a:buChar char="Ø"/>
-        <a:defRPr sz="1800" kern="1200">
+        <a:defRPr sz="2000" kern="1200">
           <a:solidFill>
             <a:schemeClr val="tx1"/>
           </a:solidFill>
@@ -3416,7 +3405,7 @@
         </a:spcBef>
         <a:buFont typeface="Wingdings" pitchFamily="2" charset="2"/>
         <a:buChar char="Ø"/>
-        <a:defRPr sz="1600" kern="1200">
+        <a:defRPr sz="1800" kern="1200">
           <a:solidFill>
             <a:schemeClr val="tx1"/>
           </a:solidFill>
@@ -3431,7 +3420,7 @@
         </a:spcBef>
         <a:buFont typeface="Wingdings" pitchFamily="2" charset="2"/>
         <a:buChar char="Ø"/>
-        <a:defRPr sz="1400" kern="1200">
+        <a:defRPr sz="1600" kern="1200">
           <a:solidFill>
             <a:schemeClr val="tx1"/>
           </a:solidFill>
@@ -3446,7 +3435,7 @@
         </a:spcBef>
         <a:buFont typeface="Wingdings" pitchFamily="2" charset="2"/>
         <a:buChar char="Ø"/>
-        <a:defRPr sz="1400" kern="1200">
+        <a:defRPr sz="1600" kern="1200">
           <a:solidFill>
             <a:schemeClr val="tx1"/>
           </a:solidFill>
@@ -3687,6 +3676,30 @@
           </a:p>
         </p:txBody>
       </p:sp>
+      <p:sp>
+        <p:nvSpPr>
+          <p:cNvPr id="4" name="Slide Number Placeholder 3"/>
+          <p:cNvSpPr>
+            <a:spLocks noGrp="1"/>
+          </p:cNvSpPr>
+          <p:nvPr>
+            <p:ph type="sldNum" sz="quarter" idx="12"/>
+          </p:nvPr>
+        </p:nvSpPr>
+        <p:spPr/>
+        <p:txBody>
+          <a:bodyPr/>
+          <a:lstStyle/>
+          <a:p>
+            <a:fld id="{B6F15528-21DE-4FAA-801E-634DDDAF4B2B}" type="slidenum">
+              <a:rPr lang="en-US" smtClean="0"/>
+              <a:pPr/>
+              <a:t>1</a:t>
+            </a:fld>
+            <a:endParaRPr lang="en-US"/>
+          </a:p>
+        </p:txBody>
+      </p:sp>
     </p:spTree>
   </p:cSld>
   <p:clrMapOvr>
@@ -4071,6 +4084,30 @@
           </a:extLst>
         </p:spPr>
       </p:pic>
+      <p:sp>
+        <p:nvSpPr>
+          <p:cNvPr id="4" name="Slide Number Placeholder 3"/>
+          <p:cNvSpPr>
+            <a:spLocks noGrp="1"/>
+          </p:cNvSpPr>
+          <p:nvPr>
+            <p:ph type="sldNum" sz="quarter" idx="12"/>
+          </p:nvPr>
+        </p:nvSpPr>
+        <p:spPr/>
+        <p:txBody>
+          <a:bodyPr/>
+          <a:lstStyle/>
+          <a:p>
+            <a:fld id="{B6F15528-21DE-4FAA-801E-634DDDAF4B2B}" type="slidenum">
+              <a:rPr lang="en-US" smtClean="0"/>
+              <a:pPr/>
+              <a:t>10</a:t>
+            </a:fld>
+            <a:endParaRPr lang="en-US"/>
+          </a:p>
+        </p:txBody>
+      </p:sp>
     </p:spTree>
   </p:cSld>
   <p:clrMapOvr>
@@ -4353,6 +4390,30 @@
           </a:extLst>
         </p:spPr>
       </p:pic>
+      <p:sp>
+        <p:nvSpPr>
+          <p:cNvPr id="4" name="Slide Number Placeholder 3"/>
+          <p:cNvSpPr>
+            <a:spLocks noGrp="1"/>
+          </p:cNvSpPr>
+          <p:nvPr>
+            <p:ph type="sldNum" sz="quarter" idx="12"/>
+          </p:nvPr>
+        </p:nvSpPr>
+        <p:spPr/>
+        <p:txBody>
+          <a:bodyPr/>
+          <a:lstStyle/>
+          <a:p>
+            <a:fld id="{B6F15528-21DE-4FAA-801E-634DDDAF4B2B}" type="slidenum">
+              <a:rPr lang="en-US" smtClean="0"/>
+              <a:pPr/>
+              <a:t>11</a:t>
+            </a:fld>
+            <a:endParaRPr lang="en-US"/>
+          </a:p>
+        </p:txBody>
+      </p:sp>
     </p:spTree>
   </p:cSld>
   <p:clrMapOvr>
@@ -4754,7 +4815,7 @@
           <a:graphicData uri="http://schemas.openxmlformats.org/presentationml/2006/ole">
             <mc:AlternateContent xmlns:mc="http://schemas.openxmlformats.org/markup-compatibility/2006">
               <mc:Choice xmlns:v="urn:schemas-microsoft-com:vml" Requires="v">
-                <p:oleObj spid="_x0000_s20623" name="Equation" r:id="rId7" imgW="1739880" imgH="228600" progId="Equation.3">
+                <p:oleObj spid="_x0000_s20635" name="Equation" r:id="rId7" imgW="1739880" imgH="228600" progId="Equation.3">
                   <p:embed/>
                 </p:oleObj>
               </mc:Choice>
@@ -4818,7 +4879,7 @@
           <a:graphicData uri="http://schemas.openxmlformats.org/presentationml/2006/ole">
             <mc:AlternateContent xmlns:mc="http://schemas.openxmlformats.org/markup-compatibility/2006">
               <mc:Choice xmlns:v="urn:schemas-microsoft-com:vml" Requires="v">
-                <p:oleObj spid="_x0000_s20624" name="Equation" r:id="rId9" imgW="2108160" imgH="228600" progId="Equation.3">
+                <p:oleObj spid="_x0000_s20636" name="Equation" r:id="rId9" imgW="2108160" imgH="228600" progId="Equation.3">
                   <p:embed/>
                 </p:oleObj>
               </mc:Choice>
@@ -4882,7 +4943,7 @@
           <a:graphicData uri="http://schemas.openxmlformats.org/presentationml/2006/ole">
             <mc:AlternateContent xmlns:mc="http://schemas.openxmlformats.org/markup-compatibility/2006">
               <mc:Choice xmlns:v="urn:schemas-microsoft-com:vml" Requires="v">
-                <p:oleObj spid="_x0000_s20625" name="Equation" r:id="rId11" imgW="1981080" imgH="253800" progId="Equation.3">
+                <p:oleObj spid="_x0000_s20637" name="Equation" r:id="rId11" imgW="1981080" imgH="253800" progId="Equation.3">
                   <p:embed/>
                 </p:oleObj>
               </mc:Choice>
@@ -4943,6 +5004,30 @@
           </a:graphicData>
         </a:graphic>
       </p:graphicFrame>
+      <p:sp>
+        <p:nvSpPr>
+          <p:cNvPr id="5" name="Slide Number Placeholder 4"/>
+          <p:cNvSpPr>
+            <a:spLocks noGrp="1"/>
+          </p:cNvSpPr>
+          <p:nvPr>
+            <p:ph type="sldNum" sz="quarter" idx="12"/>
+          </p:nvPr>
+        </p:nvSpPr>
+        <p:spPr/>
+        <p:txBody>
+          <a:bodyPr/>
+          <a:lstStyle/>
+          <a:p>
+            <a:fld id="{B6F15528-21DE-4FAA-801E-634DDDAF4B2B}" type="slidenum">
+              <a:rPr lang="en-US" smtClean="0"/>
+              <a:pPr/>
+              <a:t>12</a:t>
+            </a:fld>
+            <a:endParaRPr lang="en-US"/>
+          </a:p>
+        </p:txBody>
+      </p:sp>
     </p:spTree>
     <p:extLst>
       <p:ext uri="{BB962C8B-B14F-4D97-AF65-F5344CB8AC3E}">
@@ -5380,6 +5465,30 @@
           </a:p>
         </p:txBody>
       </p:sp>
+      <p:sp>
+        <p:nvSpPr>
+          <p:cNvPr id="4" name="Slide Number Placeholder 3"/>
+          <p:cNvSpPr>
+            <a:spLocks noGrp="1"/>
+          </p:cNvSpPr>
+          <p:nvPr>
+            <p:ph type="sldNum" sz="quarter" idx="12"/>
+          </p:nvPr>
+        </p:nvSpPr>
+        <p:spPr/>
+        <p:txBody>
+          <a:bodyPr/>
+          <a:lstStyle/>
+          <a:p>
+            <a:fld id="{B6F15528-21DE-4FAA-801E-634DDDAF4B2B}" type="slidenum">
+              <a:rPr lang="en-US" smtClean="0"/>
+              <a:pPr/>
+              <a:t>13</a:t>
+            </a:fld>
+            <a:endParaRPr lang="en-US"/>
+          </a:p>
+        </p:txBody>
+      </p:sp>
     </p:spTree>
   </p:cSld>
   <p:clrMapOvr>
@@ -5527,6 +5636,30 @@
           </a:extLst>
         </p:spPr>
       </p:pic>
+      <p:sp>
+        <p:nvSpPr>
+          <p:cNvPr id="2" name="Slide Number Placeholder 1"/>
+          <p:cNvSpPr>
+            <a:spLocks noGrp="1"/>
+          </p:cNvSpPr>
+          <p:nvPr>
+            <p:ph type="sldNum" sz="quarter" idx="12"/>
+          </p:nvPr>
+        </p:nvSpPr>
+        <p:spPr/>
+        <p:txBody>
+          <a:bodyPr/>
+          <a:lstStyle/>
+          <a:p>
+            <a:fld id="{B6F15528-21DE-4FAA-801E-634DDDAF4B2B}" type="slidenum">
+              <a:rPr lang="en-US" smtClean="0"/>
+              <a:pPr/>
+              <a:t>14</a:t>
+            </a:fld>
+            <a:endParaRPr lang="en-US"/>
+          </a:p>
+        </p:txBody>
+      </p:sp>
     </p:spTree>
     <p:extLst>
       <p:ext uri="{BB962C8B-B14F-4D97-AF65-F5344CB8AC3E}">
@@ -5708,6 +5841,30 @@
           </a:extLst>
         </p:spPr>
       </p:pic>
+      <p:sp>
+        <p:nvSpPr>
+          <p:cNvPr id="4" name="Slide Number Placeholder 3"/>
+          <p:cNvSpPr>
+            <a:spLocks noGrp="1"/>
+          </p:cNvSpPr>
+          <p:nvPr>
+            <p:ph type="sldNum" sz="quarter" idx="12"/>
+          </p:nvPr>
+        </p:nvSpPr>
+        <p:spPr/>
+        <p:txBody>
+          <a:bodyPr/>
+          <a:lstStyle/>
+          <a:p>
+            <a:fld id="{B6F15528-21DE-4FAA-801E-634DDDAF4B2B}" type="slidenum">
+              <a:rPr lang="en-US" smtClean="0"/>
+              <a:pPr/>
+              <a:t>15</a:t>
+            </a:fld>
+            <a:endParaRPr lang="en-US"/>
+          </a:p>
+        </p:txBody>
+      </p:sp>
     </p:spTree>
     <p:extLst>
       <p:ext uri="{BB962C8B-B14F-4D97-AF65-F5344CB8AC3E}">
@@ -5837,7 +5994,7 @@
           <a:graphicData uri="http://schemas.openxmlformats.org/presentationml/2006/ole">
             <mc:AlternateContent xmlns:mc="http://schemas.openxmlformats.org/markup-compatibility/2006">
               <mc:Choice xmlns:v="urn:schemas-microsoft-com:vml" Requires="v">
-                <p:oleObj spid="_x0000_s24622" name="Equation" r:id="rId3" imgW="850680" imgH="431640" progId="Equation.3">
+                <p:oleObj spid="_x0000_s24626" name="Equation" r:id="rId3" imgW="850680" imgH="431640" progId="Equation.3">
                   <p:embed/>
                 </p:oleObj>
               </mc:Choice>
@@ -5943,6 +6100,30 @@
           </a:extLst>
         </p:spPr>
       </p:pic>
+      <p:sp>
+        <p:nvSpPr>
+          <p:cNvPr id="5" name="Slide Number Placeholder 4"/>
+          <p:cNvSpPr>
+            <a:spLocks noGrp="1"/>
+          </p:cNvSpPr>
+          <p:nvPr>
+            <p:ph type="sldNum" sz="quarter" idx="12"/>
+          </p:nvPr>
+        </p:nvSpPr>
+        <p:spPr/>
+        <p:txBody>
+          <a:bodyPr/>
+          <a:lstStyle/>
+          <a:p>
+            <a:fld id="{B6F15528-21DE-4FAA-801E-634DDDAF4B2B}" type="slidenum">
+              <a:rPr lang="en-US" smtClean="0"/>
+              <a:pPr/>
+              <a:t>16</a:t>
+            </a:fld>
+            <a:endParaRPr lang="en-US"/>
+          </a:p>
+        </p:txBody>
+      </p:sp>
     </p:spTree>
     <p:extLst>
       <p:ext uri="{BB962C8B-B14F-4D97-AF65-F5344CB8AC3E}">
@@ -6139,7 +6320,7 @@
           <a:graphicData uri="http://schemas.openxmlformats.org/presentationml/2006/ole">
             <mc:AlternateContent xmlns:mc="http://schemas.openxmlformats.org/markup-compatibility/2006">
               <mc:Choice xmlns:v="urn:schemas-microsoft-com:vml" Requires="v">
-                <p:oleObj spid="_x0000_s25677" name="Equation" r:id="rId3" imgW="850680" imgH="431640" progId="Equation.3">
+                <p:oleObj spid="_x0000_s25685" name="Equation" r:id="rId3" imgW="850680" imgH="431640" progId="Equation.3">
                   <p:embed/>
                 </p:oleObj>
               </mc:Choice>
@@ -6228,7 +6409,7 @@
           <a:graphicData uri="http://schemas.openxmlformats.org/presentationml/2006/ole">
             <mc:AlternateContent xmlns:mc="http://schemas.openxmlformats.org/markup-compatibility/2006">
               <mc:Choice xmlns:v="urn:schemas-microsoft-com:vml" Requires="v">
-                <p:oleObj spid="_x0000_s25678" name="Equation" r:id="rId5" imgW="850680" imgH="431640" progId="Equation.3">
+                <p:oleObj spid="_x0000_s25686" name="Equation" r:id="rId5" imgW="850680" imgH="431640" progId="Equation.3">
                   <p:embed/>
                 </p:oleObj>
               </mc:Choice>
@@ -6421,6 +6602,30 @@
           </a:extLst>
         </p:spPr>
       </p:pic>
+      <p:sp>
+        <p:nvSpPr>
+          <p:cNvPr id="3" name="Slide Number Placeholder 2"/>
+          <p:cNvSpPr>
+            <a:spLocks noGrp="1"/>
+          </p:cNvSpPr>
+          <p:nvPr>
+            <p:ph type="sldNum" sz="quarter" idx="12"/>
+          </p:nvPr>
+        </p:nvSpPr>
+        <p:spPr/>
+        <p:txBody>
+          <a:bodyPr/>
+          <a:lstStyle/>
+          <a:p>
+            <a:fld id="{B6F15528-21DE-4FAA-801E-634DDDAF4B2B}" type="slidenum">
+              <a:rPr lang="en-US" smtClean="0"/>
+              <a:pPr/>
+              <a:t>17</a:t>
+            </a:fld>
+            <a:endParaRPr lang="en-US"/>
+          </a:p>
+        </p:txBody>
+      </p:sp>
     </p:spTree>
     <p:extLst>
       <p:ext uri="{BB962C8B-B14F-4D97-AF65-F5344CB8AC3E}">
@@ -6700,6 +6905,30 @@
           </a:extLst>
         </p:spPr>
       </p:pic>
+      <p:sp>
+        <p:nvSpPr>
+          <p:cNvPr id="4" name="Slide Number Placeholder 3"/>
+          <p:cNvSpPr>
+            <a:spLocks noGrp="1"/>
+          </p:cNvSpPr>
+          <p:nvPr>
+            <p:ph type="sldNum" sz="quarter" idx="12"/>
+          </p:nvPr>
+        </p:nvSpPr>
+        <p:spPr/>
+        <p:txBody>
+          <a:bodyPr/>
+          <a:lstStyle/>
+          <a:p>
+            <a:fld id="{B6F15528-21DE-4FAA-801E-634DDDAF4B2B}" type="slidenum">
+              <a:rPr lang="en-US" smtClean="0"/>
+              <a:pPr/>
+              <a:t>18</a:t>
+            </a:fld>
+            <a:endParaRPr lang="en-US"/>
+          </a:p>
+        </p:txBody>
+      </p:sp>
     </p:spTree>
   </p:cSld>
   <p:clrMapOvr>
@@ -6819,7 +7048,7 @@
           <a:graphicData uri="http://schemas.openxmlformats.org/presentationml/2006/ole">
             <mc:AlternateContent xmlns:mc="http://schemas.openxmlformats.org/markup-compatibility/2006">
               <mc:Choice xmlns:v="urn:schemas-microsoft-com:vml" Requires="v">
-                <p:oleObj spid="_x0000_s21623" name="Equation" r:id="rId3" imgW="850680" imgH="431640" progId="Equation.3">
+                <p:oleObj spid="_x0000_s21631" name="Equation" r:id="rId3" imgW="850680" imgH="431640" progId="Equation.3">
                   <p:embed/>
                 </p:oleObj>
               </mc:Choice>
@@ -6883,7 +7112,7 @@
           <a:graphicData uri="http://schemas.openxmlformats.org/presentationml/2006/ole">
             <mc:AlternateContent xmlns:mc="http://schemas.openxmlformats.org/markup-compatibility/2006">
               <mc:Choice xmlns:v="urn:schemas-microsoft-com:vml" Requires="v">
-                <p:oleObj spid="_x0000_s21624" name="Equation" r:id="rId5" imgW="1193760" imgH="431640" progId="Equation.3">
+                <p:oleObj spid="_x0000_s21632" name="Equation" r:id="rId5" imgW="1193760" imgH="431640" progId="Equation.3">
                   <p:embed/>
                 </p:oleObj>
               </mc:Choice>
@@ -7008,6 +7237,30 @@
           </a:extLst>
         </p:spPr>
       </p:pic>
+      <p:sp>
+        <p:nvSpPr>
+          <p:cNvPr id="5" name="Slide Number Placeholder 4"/>
+          <p:cNvSpPr>
+            <a:spLocks noGrp="1"/>
+          </p:cNvSpPr>
+          <p:nvPr>
+            <p:ph type="sldNum" sz="quarter" idx="12"/>
+          </p:nvPr>
+        </p:nvSpPr>
+        <p:spPr/>
+        <p:txBody>
+          <a:bodyPr/>
+          <a:lstStyle/>
+          <a:p>
+            <a:fld id="{B6F15528-21DE-4FAA-801E-634DDDAF4B2B}" type="slidenum">
+              <a:rPr lang="en-US" smtClean="0"/>
+              <a:pPr/>
+              <a:t>19</a:t>
+            </a:fld>
+            <a:endParaRPr lang="en-US"/>
+          </a:p>
+        </p:txBody>
+      </p:sp>
     </p:spTree>
     <p:extLst>
       <p:ext uri="{BB962C8B-B14F-4D97-AF65-F5344CB8AC3E}">
@@ -7170,39 +7423,37 @@
         </p:nvSpPr>
         <p:spPr/>
         <p:txBody>
-          <a:bodyPr/>
-          <a:lstStyle/>
-          <a:p>
-            <a:r>
-              <a:rPr lang="en-US" sz="3600" dirty="0" smtClean="0"/>
-              <a:t>Module</a:t>
-            </a:r>
-            <a:r>
-              <a:rPr lang="en-US" dirty="0" smtClean="0"/>
-              <a:t> 4 Overview</a:t>
-            </a:r>
-            <a:endParaRPr lang="en-US" dirty="0"/>
-          </a:p>
-        </p:txBody>
-      </p:sp>
-      <p:sp>
-        <p:nvSpPr>
-          <p:cNvPr id="5" name="Content Placeholder 4"/>
-          <p:cNvSpPr>
-            <a:spLocks noGrp="1"/>
-          </p:cNvSpPr>
-          <p:nvPr>
-            <p:ph idx="1"/>
-          </p:nvPr>
-        </p:nvSpPr>
-        <p:spPr/>
-        <p:txBody>
           <a:bodyPr>
             <a:normAutofit/>
           </a:bodyPr>
           <a:lstStyle/>
           <a:p>
             <a:r>
+              <a:rPr lang="en-US" dirty="0" smtClean="0"/>
+              <a:t>Module 4 Overview</a:t>
+            </a:r>
+            <a:endParaRPr lang="en-US" dirty="0"/>
+          </a:p>
+        </p:txBody>
+      </p:sp>
+      <p:sp>
+        <p:nvSpPr>
+          <p:cNvPr id="5" name="Content Placeholder 4"/>
+          <p:cNvSpPr>
+            <a:spLocks noGrp="1"/>
+          </p:cNvSpPr>
+          <p:nvPr>
+            <p:ph idx="1"/>
+          </p:nvPr>
+        </p:nvSpPr>
+        <p:spPr/>
+        <p:txBody>
+          <a:bodyPr>
+            <a:normAutofit/>
+          </a:bodyPr>
+          <a:lstStyle/>
+          <a:p>
+            <a:r>
               <a:rPr lang="en-US" sz="2400" dirty="0" smtClean="0"/>
               <a:t>Part </a:t>
             </a:r>
@@ -7242,6 +7493,30 @@
               <a:t>Part 4: Detailed End-use Load Models</a:t>
             </a:r>
             <a:endParaRPr lang="en-US" sz="2400" dirty="0"/>
+          </a:p>
+        </p:txBody>
+      </p:sp>
+      <p:sp>
+        <p:nvSpPr>
+          <p:cNvPr id="2" name="Slide Number Placeholder 1"/>
+          <p:cNvSpPr>
+            <a:spLocks noGrp="1"/>
+          </p:cNvSpPr>
+          <p:nvPr>
+            <p:ph type="sldNum" sz="quarter" idx="12"/>
+          </p:nvPr>
+        </p:nvSpPr>
+        <p:spPr/>
+        <p:txBody>
+          <a:bodyPr/>
+          <a:lstStyle/>
+          <a:p>
+            <a:fld id="{B6F15528-21DE-4FAA-801E-634DDDAF4B2B}" type="slidenum">
+              <a:rPr lang="en-US" smtClean="0"/>
+              <a:pPr/>
+              <a:t>2</a:t>
+            </a:fld>
+            <a:endParaRPr lang="en-US"/>
           </a:p>
         </p:txBody>
       </p:sp>
@@ -7365,6 +7640,30 @@
           </a:p>
         </p:txBody>
       </p:sp>
+      <p:sp>
+        <p:nvSpPr>
+          <p:cNvPr id="4" name="Slide Number Placeholder 3"/>
+          <p:cNvSpPr>
+            <a:spLocks noGrp="1"/>
+          </p:cNvSpPr>
+          <p:nvPr>
+            <p:ph type="sldNum" sz="quarter" idx="12"/>
+          </p:nvPr>
+        </p:nvSpPr>
+        <p:spPr/>
+        <p:txBody>
+          <a:bodyPr/>
+          <a:lstStyle/>
+          <a:p>
+            <a:fld id="{B6F15528-21DE-4FAA-801E-634DDDAF4B2B}" type="slidenum">
+              <a:rPr lang="en-US" smtClean="0"/>
+              <a:pPr/>
+              <a:t>20</a:t>
+            </a:fld>
+            <a:endParaRPr lang="en-US"/>
+          </a:p>
+        </p:txBody>
+      </p:sp>
     </p:spTree>
   </p:cSld>
   <p:clrMapOvr>
@@ -7495,6 +7794,30 @@
           <a:effectLst/>
         </p:spPr>
       </p:pic>
+      <p:sp>
+        <p:nvSpPr>
+          <p:cNvPr id="4" name="Slide Number Placeholder 3"/>
+          <p:cNvSpPr>
+            <a:spLocks noGrp="1"/>
+          </p:cNvSpPr>
+          <p:nvPr>
+            <p:ph type="sldNum" sz="quarter" idx="12"/>
+          </p:nvPr>
+        </p:nvSpPr>
+        <p:spPr/>
+        <p:txBody>
+          <a:bodyPr/>
+          <a:lstStyle/>
+          <a:p>
+            <a:fld id="{B6F15528-21DE-4FAA-801E-634DDDAF4B2B}" type="slidenum">
+              <a:rPr lang="en-US" smtClean="0"/>
+              <a:pPr/>
+              <a:t>21</a:t>
+            </a:fld>
+            <a:endParaRPr lang="en-US"/>
+          </a:p>
+        </p:txBody>
+      </p:sp>
     </p:spTree>
   </p:cSld>
   <p:clrMapOvr>
@@ -7634,6 +7957,30 @@
           <a:effectLst/>
         </p:spPr>
       </p:pic>
+      <p:sp>
+        <p:nvSpPr>
+          <p:cNvPr id="4" name="Slide Number Placeholder 3"/>
+          <p:cNvSpPr>
+            <a:spLocks noGrp="1"/>
+          </p:cNvSpPr>
+          <p:nvPr>
+            <p:ph type="sldNum" sz="quarter" idx="12"/>
+          </p:nvPr>
+        </p:nvSpPr>
+        <p:spPr/>
+        <p:txBody>
+          <a:bodyPr/>
+          <a:lstStyle/>
+          <a:p>
+            <a:fld id="{B6F15528-21DE-4FAA-801E-634DDDAF4B2B}" type="slidenum">
+              <a:rPr lang="en-US" smtClean="0"/>
+              <a:pPr/>
+              <a:t>22</a:t>
+            </a:fld>
+            <a:endParaRPr lang="en-US"/>
+          </a:p>
+        </p:txBody>
+      </p:sp>
     </p:spTree>
   </p:cSld>
   <p:clrMapOvr>
@@ -7873,6 +8220,30 @@
           </a:extLst>
         </p:spPr>
       </p:pic>
+      <p:sp>
+        <p:nvSpPr>
+          <p:cNvPr id="3" name="Slide Number Placeholder 2"/>
+          <p:cNvSpPr>
+            <a:spLocks noGrp="1"/>
+          </p:cNvSpPr>
+          <p:nvPr>
+            <p:ph type="sldNum" sz="quarter" idx="12"/>
+          </p:nvPr>
+        </p:nvSpPr>
+        <p:spPr/>
+        <p:txBody>
+          <a:bodyPr/>
+          <a:lstStyle/>
+          <a:p>
+            <a:fld id="{B6F15528-21DE-4FAA-801E-634DDDAF4B2B}" type="slidenum">
+              <a:rPr lang="en-US" smtClean="0"/>
+              <a:pPr/>
+              <a:t>23</a:t>
+            </a:fld>
+            <a:endParaRPr lang="en-US"/>
+          </a:p>
+        </p:txBody>
+      </p:sp>
     </p:spTree>
     <p:extLst>
       <p:ext uri="{BB962C8B-B14F-4D97-AF65-F5344CB8AC3E}">
@@ -8004,6 +8375,30 @@
           <a:effectLst/>
         </p:spPr>
       </p:pic>
+      <p:sp>
+        <p:nvSpPr>
+          <p:cNvPr id="4" name="Slide Number Placeholder 3"/>
+          <p:cNvSpPr>
+            <a:spLocks noGrp="1"/>
+          </p:cNvSpPr>
+          <p:nvPr>
+            <p:ph type="sldNum" sz="quarter" idx="12"/>
+          </p:nvPr>
+        </p:nvSpPr>
+        <p:spPr/>
+        <p:txBody>
+          <a:bodyPr/>
+          <a:lstStyle/>
+          <a:p>
+            <a:fld id="{B6F15528-21DE-4FAA-801E-634DDDAF4B2B}" type="slidenum">
+              <a:rPr lang="en-US" smtClean="0"/>
+              <a:pPr/>
+              <a:t>24</a:t>
+            </a:fld>
+            <a:endParaRPr lang="en-US"/>
+          </a:p>
+        </p:txBody>
+      </p:sp>
     </p:spTree>
   </p:cSld>
   <p:clrMapOvr>
@@ -8131,6 +8526,30 @@
           <a:effectLst/>
         </p:spPr>
       </p:pic>
+      <p:sp>
+        <p:nvSpPr>
+          <p:cNvPr id="4" name="Slide Number Placeholder 3"/>
+          <p:cNvSpPr>
+            <a:spLocks noGrp="1"/>
+          </p:cNvSpPr>
+          <p:nvPr>
+            <p:ph type="sldNum" sz="quarter" idx="12"/>
+          </p:nvPr>
+        </p:nvSpPr>
+        <p:spPr/>
+        <p:txBody>
+          <a:bodyPr/>
+          <a:lstStyle/>
+          <a:p>
+            <a:fld id="{B6F15528-21DE-4FAA-801E-634DDDAF4B2B}" type="slidenum">
+              <a:rPr lang="en-US" smtClean="0"/>
+              <a:pPr/>
+              <a:t>25</a:t>
+            </a:fld>
+            <a:endParaRPr lang="en-US"/>
+          </a:p>
+        </p:txBody>
+      </p:sp>
     </p:spTree>
   </p:cSld>
   <p:clrMapOvr>
@@ -8278,6 +8697,30 @@
           </a:extLst>
         </p:spPr>
       </p:pic>
+      <p:sp>
+        <p:nvSpPr>
+          <p:cNvPr id="2" name="Slide Number Placeholder 1"/>
+          <p:cNvSpPr>
+            <a:spLocks noGrp="1"/>
+          </p:cNvSpPr>
+          <p:nvPr>
+            <p:ph type="sldNum" sz="quarter" idx="12"/>
+          </p:nvPr>
+        </p:nvSpPr>
+        <p:spPr/>
+        <p:txBody>
+          <a:bodyPr/>
+          <a:lstStyle/>
+          <a:p>
+            <a:fld id="{B6F15528-21DE-4FAA-801E-634DDDAF4B2B}" type="slidenum">
+              <a:rPr lang="en-US" smtClean="0"/>
+              <a:pPr/>
+              <a:t>26</a:t>
+            </a:fld>
+            <a:endParaRPr lang="en-US"/>
+          </a:p>
+        </p:txBody>
+      </p:sp>
     </p:spTree>
     <p:extLst>
       <p:ext uri="{BB962C8B-B14F-4D97-AF65-F5344CB8AC3E}">
@@ -8389,6 +8832,30 @@
           </a:p>
         </p:txBody>
       </p:sp>
+      <p:sp>
+        <p:nvSpPr>
+          <p:cNvPr id="4" name="Slide Number Placeholder 3"/>
+          <p:cNvSpPr>
+            <a:spLocks noGrp="1"/>
+          </p:cNvSpPr>
+          <p:nvPr>
+            <p:ph type="sldNum" sz="quarter" idx="12"/>
+          </p:nvPr>
+        </p:nvSpPr>
+        <p:spPr/>
+        <p:txBody>
+          <a:bodyPr/>
+          <a:lstStyle/>
+          <a:p>
+            <a:fld id="{B6F15528-21DE-4FAA-801E-634DDDAF4B2B}" type="slidenum">
+              <a:rPr lang="en-US" smtClean="0"/>
+              <a:pPr/>
+              <a:t>27</a:t>
+            </a:fld>
+            <a:endParaRPr lang="en-US"/>
+          </a:p>
+        </p:txBody>
+      </p:sp>
     </p:spTree>
     <p:extLst>
       <p:ext uri="{BB962C8B-B14F-4D97-AF65-F5344CB8AC3E}">
@@ -8512,6 +8979,30 @@
           </a:p>
         </p:txBody>
       </p:sp>
+      <p:sp>
+        <p:nvSpPr>
+          <p:cNvPr id="4" name="Slide Number Placeholder 3"/>
+          <p:cNvSpPr>
+            <a:spLocks noGrp="1"/>
+          </p:cNvSpPr>
+          <p:nvPr>
+            <p:ph type="sldNum" sz="quarter" idx="12"/>
+          </p:nvPr>
+        </p:nvSpPr>
+        <p:spPr/>
+        <p:txBody>
+          <a:bodyPr/>
+          <a:lstStyle/>
+          <a:p>
+            <a:fld id="{B6F15528-21DE-4FAA-801E-634DDDAF4B2B}" type="slidenum">
+              <a:rPr lang="en-US" smtClean="0"/>
+              <a:pPr/>
+              <a:t>28</a:t>
+            </a:fld>
+            <a:endParaRPr lang="en-US"/>
+          </a:p>
+        </p:txBody>
+      </p:sp>
     </p:spTree>
   </p:cSld>
   <p:clrMapOvr>
@@ -8636,6 +9127,30 @@
           <a:effectLst/>
         </p:spPr>
       </p:pic>
+      <p:sp>
+        <p:nvSpPr>
+          <p:cNvPr id="4" name="Slide Number Placeholder 3"/>
+          <p:cNvSpPr>
+            <a:spLocks noGrp="1"/>
+          </p:cNvSpPr>
+          <p:nvPr>
+            <p:ph type="sldNum" sz="quarter" idx="12"/>
+          </p:nvPr>
+        </p:nvSpPr>
+        <p:spPr/>
+        <p:txBody>
+          <a:bodyPr/>
+          <a:lstStyle/>
+          <a:p>
+            <a:fld id="{B6F15528-21DE-4FAA-801E-634DDDAF4B2B}" type="slidenum">
+              <a:rPr lang="en-US" smtClean="0"/>
+              <a:pPr/>
+              <a:t>29</a:t>
+            </a:fld>
+            <a:endParaRPr lang="en-US"/>
+          </a:p>
+        </p:txBody>
+      </p:sp>
     </p:spTree>
   </p:cSld>
   <p:clrMapOvr>
@@ -8783,6 +9298,30 @@
           </a:extLst>
         </p:spPr>
       </p:pic>
+      <p:sp>
+        <p:nvSpPr>
+          <p:cNvPr id="2" name="Slide Number Placeholder 1"/>
+          <p:cNvSpPr>
+            <a:spLocks noGrp="1"/>
+          </p:cNvSpPr>
+          <p:nvPr>
+            <p:ph type="sldNum" sz="quarter" idx="12"/>
+          </p:nvPr>
+        </p:nvSpPr>
+        <p:spPr/>
+        <p:txBody>
+          <a:bodyPr/>
+          <a:lstStyle/>
+          <a:p>
+            <a:fld id="{B6F15528-21DE-4FAA-801E-634DDDAF4B2B}" type="slidenum">
+              <a:rPr lang="en-US" smtClean="0"/>
+              <a:pPr/>
+              <a:t>3</a:t>
+            </a:fld>
+            <a:endParaRPr lang="en-US"/>
+          </a:p>
+        </p:txBody>
+      </p:sp>
     </p:spTree>
     <p:extLst>
       <p:ext uri="{BB962C8B-B14F-4D97-AF65-F5344CB8AC3E}">
@@ -8918,6 +9457,30 @@
           <a:effectLst/>
         </p:spPr>
       </p:pic>
+      <p:sp>
+        <p:nvSpPr>
+          <p:cNvPr id="4" name="Slide Number Placeholder 3"/>
+          <p:cNvSpPr>
+            <a:spLocks noGrp="1"/>
+          </p:cNvSpPr>
+          <p:nvPr>
+            <p:ph type="sldNum" sz="quarter" idx="12"/>
+          </p:nvPr>
+        </p:nvSpPr>
+        <p:spPr/>
+        <p:txBody>
+          <a:bodyPr/>
+          <a:lstStyle/>
+          <a:p>
+            <a:fld id="{B6F15528-21DE-4FAA-801E-634DDDAF4B2B}" type="slidenum">
+              <a:rPr lang="en-US" smtClean="0"/>
+              <a:pPr/>
+              <a:t>30</a:t>
+            </a:fld>
+            <a:endParaRPr lang="en-US"/>
+          </a:p>
+        </p:txBody>
+      </p:sp>
     </p:spTree>
   </p:cSld>
   <p:clrMapOvr>
@@ -9061,6 +9624,30 @@
           <a:effectLst/>
         </p:spPr>
       </p:pic>
+      <p:sp>
+        <p:nvSpPr>
+          <p:cNvPr id="4" name="Slide Number Placeholder 3"/>
+          <p:cNvSpPr>
+            <a:spLocks noGrp="1"/>
+          </p:cNvSpPr>
+          <p:nvPr>
+            <p:ph type="sldNum" sz="quarter" idx="12"/>
+          </p:nvPr>
+        </p:nvSpPr>
+        <p:spPr/>
+        <p:txBody>
+          <a:bodyPr/>
+          <a:lstStyle/>
+          <a:p>
+            <a:fld id="{B6F15528-21DE-4FAA-801E-634DDDAF4B2B}" type="slidenum">
+              <a:rPr lang="en-US" smtClean="0"/>
+              <a:pPr/>
+              <a:t>31</a:t>
+            </a:fld>
+            <a:endParaRPr lang="en-US"/>
+          </a:p>
+        </p:txBody>
+      </p:sp>
     </p:spTree>
   </p:cSld>
   <p:clrMapOvr>
@@ -9230,6 +9817,30 @@
           <a:effectLst/>
         </p:spPr>
       </p:pic>
+      <p:sp>
+        <p:nvSpPr>
+          <p:cNvPr id="4" name="Slide Number Placeholder 3"/>
+          <p:cNvSpPr>
+            <a:spLocks noGrp="1"/>
+          </p:cNvSpPr>
+          <p:nvPr>
+            <p:ph type="sldNum" sz="quarter" idx="12"/>
+          </p:nvPr>
+        </p:nvSpPr>
+        <p:spPr/>
+        <p:txBody>
+          <a:bodyPr/>
+          <a:lstStyle/>
+          <a:p>
+            <a:fld id="{B6F15528-21DE-4FAA-801E-634DDDAF4B2B}" type="slidenum">
+              <a:rPr lang="en-US" smtClean="0"/>
+              <a:pPr/>
+              <a:t>32</a:t>
+            </a:fld>
+            <a:endParaRPr lang="en-US"/>
+          </a:p>
+        </p:txBody>
+      </p:sp>
     </p:spTree>
   </p:cSld>
   <p:clrMapOvr>
@@ -9403,6 +10014,30 @@
           <a:effectLst/>
         </p:spPr>
       </p:pic>
+      <p:sp>
+        <p:nvSpPr>
+          <p:cNvPr id="4" name="Slide Number Placeholder 3"/>
+          <p:cNvSpPr>
+            <a:spLocks noGrp="1"/>
+          </p:cNvSpPr>
+          <p:nvPr>
+            <p:ph type="sldNum" sz="quarter" idx="12"/>
+          </p:nvPr>
+        </p:nvSpPr>
+        <p:spPr/>
+        <p:txBody>
+          <a:bodyPr/>
+          <a:lstStyle/>
+          <a:p>
+            <a:fld id="{B6F15528-21DE-4FAA-801E-634DDDAF4B2B}" type="slidenum">
+              <a:rPr lang="en-US" smtClean="0"/>
+              <a:pPr/>
+              <a:t>33</a:t>
+            </a:fld>
+            <a:endParaRPr lang="en-US"/>
+          </a:p>
+        </p:txBody>
+      </p:sp>
     </p:spTree>
   </p:cSld>
   <p:clrMapOvr>
@@ -9534,6 +10169,30 @@
           <a:noFill/>
         </p:spPr>
       </p:pic>
+      <p:sp>
+        <p:nvSpPr>
+          <p:cNvPr id="2" name="Slide Number Placeholder 1"/>
+          <p:cNvSpPr>
+            <a:spLocks noGrp="1"/>
+          </p:cNvSpPr>
+          <p:nvPr>
+            <p:ph type="sldNum" sz="quarter" idx="12"/>
+          </p:nvPr>
+        </p:nvSpPr>
+        <p:spPr/>
+        <p:txBody>
+          <a:bodyPr/>
+          <a:lstStyle/>
+          <a:p>
+            <a:fld id="{B6F15528-21DE-4FAA-801E-634DDDAF4B2B}" type="slidenum">
+              <a:rPr lang="en-US" smtClean="0"/>
+              <a:pPr/>
+              <a:t>34</a:t>
+            </a:fld>
+            <a:endParaRPr lang="en-US"/>
+          </a:p>
+        </p:txBody>
+      </p:sp>
     </p:spTree>
     <p:extLst>
       <p:ext uri="{BB962C8B-B14F-4D97-AF65-F5344CB8AC3E}">
@@ -9661,6 +10320,30 @@
           </a:p>
         </p:txBody>
       </p:sp>
+      <p:sp>
+        <p:nvSpPr>
+          <p:cNvPr id="4" name="Slide Number Placeholder 3"/>
+          <p:cNvSpPr>
+            <a:spLocks noGrp="1"/>
+          </p:cNvSpPr>
+          <p:nvPr>
+            <p:ph type="sldNum" sz="quarter" idx="12"/>
+          </p:nvPr>
+        </p:nvSpPr>
+        <p:spPr/>
+        <p:txBody>
+          <a:bodyPr/>
+          <a:lstStyle/>
+          <a:p>
+            <a:fld id="{B6F15528-21DE-4FAA-801E-634DDDAF4B2B}" type="slidenum">
+              <a:rPr lang="en-US" smtClean="0"/>
+              <a:pPr/>
+              <a:t>35</a:t>
+            </a:fld>
+            <a:endParaRPr lang="en-US"/>
+          </a:p>
+        </p:txBody>
+      </p:sp>
     </p:spTree>
   </p:cSld>
   <p:clrMapOvr>
@@ -9801,6 +10484,30 @@
           </a:p>
         </p:txBody>
       </p:sp>
+      <p:sp>
+        <p:nvSpPr>
+          <p:cNvPr id="4" name="Slide Number Placeholder 3"/>
+          <p:cNvSpPr>
+            <a:spLocks noGrp="1"/>
+          </p:cNvSpPr>
+          <p:nvPr>
+            <p:ph type="sldNum" sz="quarter" idx="12"/>
+          </p:nvPr>
+        </p:nvSpPr>
+        <p:spPr/>
+        <p:txBody>
+          <a:bodyPr/>
+          <a:lstStyle/>
+          <a:p>
+            <a:fld id="{B6F15528-21DE-4FAA-801E-634DDDAF4B2B}" type="slidenum">
+              <a:rPr lang="en-US" smtClean="0"/>
+              <a:pPr/>
+              <a:t>36</a:t>
+            </a:fld>
+            <a:endParaRPr lang="en-US"/>
+          </a:p>
+        </p:txBody>
+      </p:sp>
     </p:spTree>
   </p:cSld>
   <p:clrMapOvr>
@@ -9947,6 +10654,30 @@
               <a:buNone/>
             </a:pPr>
             <a:endParaRPr lang="en-US" dirty="0" smtClean="0"/>
+          </a:p>
+        </p:txBody>
+      </p:sp>
+      <p:sp>
+        <p:nvSpPr>
+          <p:cNvPr id="4" name="Slide Number Placeholder 3"/>
+          <p:cNvSpPr>
+            <a:spLocks noGrp="1"/>
+          </p:cNvSpPr>
+          <p:nvPr>
+            <p:ph type="sldNum" sz="quarter" idx="12"/>
+          </p:nvPr>
+        </p:nvSpPr>
+        <p:spPr/>
+        <p:txBody>
+          <a:bodyPr/>
+          <a:lstStyle/>
+          <a:p>
+            <a:fld id="{B6F15528-21DE-4FAA-801E-634DDDAF4B2B}" type="slidenum">
+              <a:rPr lang="en-US" smtClean="0"/>
+              <a:pPr/>
+              <a:t>37</a:t>
+            </a:fld>
+            <a:endParaRPr lang="en-US"/>
           </a:p>
         </p:txBody>
       </p:sp>
@@ -10012,37 +10743,6 @@
       </p:sp>
       <p:sp>
         <p:nvSpPr>
-          <p:cNvPr id="19459" name="Footer Placeholder 3"/>
-          <p:cNvSpPr>
-            <a:spLocks noGrp="1"/>
-          </p:cNvSpPr>
-          <p:nvPr>
-            <p:ph type="ftr" sz="quarter" idx="10"/>
-          </p:nvPr>
-        </p:nvSpPr>
-        <p:spPr>
-          <a:noFill/>
-        </p:spPr>
-        <p:txBody>
-          <a:bodyPr/>
-          <a:lstStyle/>
-          <a:p>
-            <a:fld id="{6226775D-2DBF-4BD5-92C5-DE447F338FB5}" type="slidenum">
-              <a:rPr lang="en-US" smtClean="0"/>
-              <a:pPr/>
-              <a:t>38</a:t>
-            </a:fld>
-            <a:r>
-              <a:rPr lang="en-US" smtClean="0">
-                <a:latin typeface="Times New Roman" pitchFamily="-80" charset="0"/>
-              </a:rPr>
-              <a:t> </a:t>
-            </a:r>
-          </a:p>
-        </p:txBody>
-      </p:sp>
-      <p:sp>
-        <p:nvSpPr>
           <p:cNvPr id="35842" name="Rectangle 2"/>
           <p:cNvSpPr>
             <a:spLocks noChangeArrowheads="1"/>
@@ -10481,7 +11181,7 @@
           <a:graphicData uri="http://schemas.openxmlformats.org/presentationml/2006/ole">
             <mc:AlternateContent xmlns:mc="http://schemas.openxmlformats.org/markup-compatibility/2006">
               <mc:Choice xmlns:v="urn:schemas-microsoft-com:vml" Requires="v">
-                <p:oleObj spid="_x0000_s2302" name="Equation" r:id="rId3" imgW="4203360" imgH="558720" progId="Equation.3">
+                <p:oleObj spid="_x0000_s2314" name="Equation" r:id="rId3" imgW="4203360" imgH="558720" progId="Equation.3">
                   <p:embed/>
                 </p:oleObj>
               </mc:Choice>
@@ -10549,7 +11249,7 @@
           <a:graphicData uri="http://schemas.openxmlformats.org/presentationml/2006/ole">
             <mc:AlternateContent xmlns:mc="http://schemas.openxmlformats.org/markup-compatibility/2006">
               <mc:Choice xmlns:v="urn:schemas-microsoft-com:vml" Requires="v">
-                <p:oleObj spid="_x0000_s2303" name="Equation" r:id="rId5" imgW="4165560" imgH="558720" progId="Equation.3">
+                <p:oleObj spid="_x0000_s2315" name="Equation" r:id="rId5" imgW="4165560" imgH="558720" progId="Equation.3">
                   <p:embed/>
                 </p:oleObj>
               </mc:Choice>
@@ -10617,7 +11317,7 @@
           <a:graphicData uri="http://schemas.openxmlformats.org/presentationml/2006/ole">
             <mc:AlternateContent xmlns:mc="http://schemas.openxmlformats.org/markup-compatibility/2006">
               <mc:Choice xmlns:v="urn:schemas-microsoft-com:vml" Requires="v">
-                <p:oleObj spid="_x0000_s2304" name="Equation" r:id="rId7" imgW="1015920" imgH="228600" progId="Equation.3">
+                <p:oleObj spid="_x0000_s2316" name="Equation" r:id="rId7" imgW="1015920" imgH="228600" progId="Equation.3">
                   <p:embed/>
                 </p:oleObj>
               </mc:Choice>
@@ -11259,6 +11959,30 @@
           </a:extLst>
         </p:spPr>
       </p:pic>
+      <p:sp>
+        <p:nvSpPr>
+          <p:cNvPr id="2" name="Slide Number Placeholder 1"/>
+          <p:cNvSpPr>
+            <a:spLocks noGrp="1"/>
+          </p:cNvSpPr>
+          <p:nvPr>
+            <p:ph type="sldNum" sz="quarter" idx="12"/>
+          </p:nvPr>
+        </p:nvSpPr>
+        <p:spPr/>
+        <p:txBody>
+          <a:bodyPr/>
+          <a:lstStyle/>
+          <a:p>
+            <a:fld id="{B6F15528-21DE-4FAA-801E-634DDDAF4B2B}" type="slidenum">
+              <a:rPr lang="en-US" smtClean="0"/>
+              <a:pPr/>
+              <a:t>38</a:t>
+            </a:fld>
+            <a:endParaRPr lang="en-US"/>
+          </a:p>
+        </p:txBody>
+      </p:sp>
     </p:spTree>
   </p:cSld>
   <p:clrMapOvr>
@@ -11316,37 +12040,6 @@
       </p:sp>
       <p:sp>
         <p:nvSpPr>
-          <p:cNvPr id="19459" name="Footer Placeholder 3"/>
-          <p:cNvSpPr>
-            <a:spLocks noGrp="1"/>
-          </p:cNvSpPr>
-          <p:nvPr>
-            <p:ph type="ftr" sz="quarter" idx="10"/>
-          </p:nvPr>
-        </p:nvSpPr>
-        <p:spPr>
-          <a:noFill/>
-        </p:spPr>
-        <p:txBody>
-          <a:bodyPr/>
-          <a:lstStyle/>
-          <a:p>
-            <a:fld id="{6226775D-2DBF-4BD5-92C5-DE447F338FB5}" type="slidenum">
-              <a:rPr lang="en-US" smtClean="0"/>
-              <a:pPr/>
-              <a:t>39</a:t>
-            </a:fld>
-            <a:r>
-              <a:rPr lang="en-US" smtClean="0">
-                <a:latin typeface="Times New Roman" pitchFamily="-80" charset="0"/>
-              </a:rPr>
-              <a:t> </a:t>
-            </a:r>
-          </a:p>
-        </p:txBody>
-      </p:sp>
-      <p:sp>
-        <p:nvSpPr>
           <p:cNvPr id="35842" name="Rectangle 2"/>
           <p:cNvSpPr>
             <a:spLocks noChangeArrowheads="1"/>
@@ -11785,7 +12478,7 @@
           <a:graphicData uri="http://schemas.openxmlformats.org/presentationml/2006/ole">
             <mc:AlternateContent xmlns:mc="http://schemas.openxmlformats.org/markup-compatibility/2006">
               <mc:Choice xmlns:v="urn:schemas-microsoft-com:vml" Requires="v">
-                <p:oleObj spid="_x0000_s16515" name="Equation" r:id="rId3" imgW="4965480" imgH="558720" progId="Equation.3">
+                <p:oleObj spid="_x0000_s16523" name="Equation" r:id="rId3" imgW="4965480" imgH="558720" progId="Equation.3">
                   <p:embed/>
                 </p:oleObj>
               </mc:Choice>
@@ -11855,7 +12548,7 @@
           <a:graphicData uri="http://schemas.openxmlformats.org/presentationml/2006/ole">
             <mc:AlternateContent xmlns:mc="http://schemas.openxmlformats.org/markup-compatibility/2006">
               <mc:Choice xmlns:v="urn:schemas-microsoft-com:vml" Requires="v">
-                <p:oleObj spid="_x0000_s16516" name="Equation" r:id="rId5" imgW="4927320" imgH="558720" progId="Equation.3">
+                <p:oleObj spid="_x0000_s16524" name="Equation" r:id="rId5" imgW="4927320" imgH="558720" progId="Equation.3">
                   <p:embed/>
                 </p:oleObj>
               </mc:Choice>
@@ -12126,6 +12819,30 @@
               <a:buNone/>
             </a:pPr>
             <a:endParaRPr lang="en-US" dirty="0" smtClean="0"/>
+          </a:p>
+        </p:txBody>
+      </p:sp>
+      <p:sp>
+        <p:nvSpPr>
+          <p:cNvPr id="2" name="Slide Number Placeholder 1"/>
+          <p:cNvSpPr>
+            <a:spLocks noGrp="1"/>
+          </p:cNvSpPr>
+          <p:nvPr>
+            <p:ph type="sldNum" sz="quarter" idx="12"/>
+          </p:nvPr>
+        </p:nvSpPr>
+        <p:spPr/>
+        <p:txBody>
+          <a:bodyPr/>
+          <a:lstStyle/>
+          <a:p>
+            <a:fld id="{B6F15528-21DE-4FAA-801E-634DDDAF4B2B}" type="slidenum">
+              <a:rPr lang="en-US" smtClean="0"/>
+              <a:pPr/>
+              <a:t>39</a:t>
+            </a:fld>
+            <a:endParaRPr lang="en-US"/>
           </a:p>
         </p:txBody>
       </p:sp>
@@ -12364,6 +13081,30 @@
           </a:p>
         </p:txBody>
       </p:sp>
+      <p:sp>
+        <p:nvSpPr>
+          <p:cNvPr id="4" name="Slide Number Placeholder 3"/>
+          <p:cNvSpPr>
+            <a:spLocks noGrp="1"/>
+          </p:cNvSpPr>
+          <p:nvPr>
+            <p:ph type="sldNum" sz="quarter" idx="12"/>
+          </p:nvPr>
+        </p:nvSpPr>
+        <p:spPr/>
+        <p:txBody>
+          <a:bodyPr/>
+          <a:lstStyle/>
+          <a:p>
+            <a:fld id="{B6F15528-21DE-4FAA-801E-634DDDAF4B2B}" type="slidenum">
+              <a:rPr lang="en-US" smtClean="0"/>
+              <a:pPr/>
+              <a:t>4</a:t>
+            </a:fld>
+            <a:endParaRPr lang="en-US"/>
+          </a:p>
+        </p:txBody>
+      </p:sp>
     </p:spTree>
   </p:cSld>
   <p:clrMapOvr>
@@ -12510,6 +13251,30 @@
           </a:p>
           <a:p>
             <a:endParaRPr lang="en-US" dirty="0"/>
+          </a:p>
+        </p:txBody>
+      </p:sp>
+      <p:sp>
+        <p:nvSpPr>
+          <p:cNvPr id="4" name="Slide Number Placeholder 3"/>
+          <p:cNvSpPr>
+            <a:spLocks noGrp="1"/>
+          </p:cNvSpPr>
+          <p:nvPr>
+            <p:ph type="sldNum" sz="quarter" idx="12"/>
+          </p:nvPr>
+        </p:nvSpPr>
+        <p:spPr/>
+        <p:txBody>
+          <a:bodyPr/>
+          <a:lstStyle/>
+          <a:p>
+            <a:fld id="{B6F15528-21DE-4FAA-801E-634DDDAF4B2B}" type="slidenum">
+              <a:rPr lang="en-US" smtClean="0"/>
+              <a:pPr/>
+              <a:t>40</a:t>
+            </a:fld>
+            <a:endParaRPr lang="en-US"/>
           </a:p>
         </p:txBody>
       </p:sp>
@@ -12704,6 +13469,30 @@
           <a:effectLst/>
         </p:spPr>
       </p:pic>
+      <p:sp>
+        <p:nvSpPr>
+          <p:cNvPr id="3" name="Slide Number Placeholder 2"/>
+          <p:cNvSpPr>
+            <a:spLocks noGrp="1"/>
+          </p:cNvSpPr>
+          <p:nvPr>
+            <p:ph type="sldNum" sz="quarter" idx="12"/>
+          </p:nvPr>
+        </p:nvSpPr>
+        <p:spPr/>
+        <p:txBody>
+          <a:bodyPr/>
+          <a:lstStyle/>
+          <a:p>
+            <a:fld id="{B6F15528-21DE-4FAA-801E-634DDDAF4B2B}" type="slidenum">
+              <a:rPr lang="en-US" smtClean="0"/>
+              <a:pPr/>
+              <a:t>41</a:t>
+            </a:fld>
+            <a:endParaRPr lang="en-US"/>
+          </a:p>
+        </p:txBody>
+      </p:sp>
     </p:spTree>
   </p:cSld>
   <p:clrMapOvr>
@@ -12895,6 +13684,30 @@
           <a:effectLst/>
         </p:spPr>
       </p:pic>
+      <p:sp>
+        <p:nvSpPr>
+          <p:cNvPr id="3" name="Slide Number Placeholder 2"/>
+          <p:cNvSpPr>
+            <a:spLocks noGrp="1"/>
+          </p:cNvSpPr>
+          <p:nvPr>
+            <p:ph type="sldNum" sz="quarter" idx="12"/>
+          </p:nvPr>
+        </p:nvSpPr>
+        <p:spPr/>
+        <p:txBody>
+          <a:bodyPr/>
+          <a:lstStyle/>
+          <a:p>
+            <a:fld id="{B6F15528-21DE-4FAA-801E-634DDDAF4B2B}" type="slidenum">
+              <a:rPr lang="en-US" smtClean="0"/>
+              <a:pPr/>
+              <a:t>42</a:t>
+            </a:fld>
+            <a:endParaRPr lang="en-US"/>
+          </a:p>
+        </p:txBody>
+      </p:sp>
     </p:spTree>
   </p:cSld>
   <p:clrMapOvr>
@@ -13054,6 +13867,30 @@
           <a:effectLst/>
         </p:spPr>
       </p:pic>
+      <p:sp>
+        <p:nvSpPr>
+          <p:cNvPr id="3" name="Slide Number Placeholder 2"/>
+          <p:cNvSpPr>
+            <a:spLocks noGrp="1"/>
+          </p:cNvSpPr>
+          <p:nvPr>
+            <p:ph type="sldNum" sz="quarter" idx="12"/>
+          </p:nvPr>
+        </p:nvSpPr>
+        <p:spPr/>
+        <p:txBody>
+          <a:bodyPr/>
+          <a:lstStyle/>
+          <a:p>
+            <a:fld id="{B6F15528-21DE-4FAA-801E-634DDDAF4B2B}" type="slidenum">
+              <a:rPr lang="en-US" smtClean="0"/>
+              <a:pPr/>
+              <a:t>43</a:t>
+            </a:fld>
+            <a:endParaRPr lang="en-US"/>
+          </a:p>
+        </p:txBody>
+      </p:sp>
     </p:spTree>
   </p:cSld>
   <p:clrMapOvr>
@@ -13239,6 +14076,30 @@
           <a:effectLst/>
         </p:spPr>
       </p:pic>
+      <p:sp>
+        <p:nvSpPr>
+          <p:cNvPr id="3" name="Slide Number Placeholder 2"/>
+          <p:cNvSpPr>
+            <a:spLocks noGrp="1"/>
+          </p:cNvSpPr>
+          <p:nvPr>
+            <p:ph type="sldNum" sz="quarter" idx="12"/>
+          </p:nvPr>
+        </p:nvSpPr>
+        <p:spPr/>
+        <p:txBody>
+          <a:bodyPr/>
+          <a:lstStyle/>
+          <a:p>
+            <a:fld id="{B6F15528-21DE-4FAA-801E-634DDDAF4B2B}" type="slidenum">
+              <a:rPr lang="en-US" smtClean="0"/>
+              <a:pPr/>
+              <a:t>44</a:t>
+            </a:fld>
+            <a:endParaRPr lang="en-US"/>
+          </a:p>
+        </p:txBody>
+      </p:sp>
     </p:spTree>
   </p:cSld>
   <p:clrMapOvr>
@@ -13424,6 +14285,30 @@
           <a:effectLst/>
         </p:spPr>
       </p:pic>
+      <p:sp>
+        <p:nvSpPr>
+          <p:cNvPr id="3" name="Slide Number Placeholder 2"/>
+          <p:cNvSpPr>
+            <a:spLocks noGrp="1"/>
+          </p:cNvSpPr>
+          <p:nvPr>
+            <p:ph type="sldNum" sz="quarter" idx="12"/>
+          </p:nvPr>
+        </p:nvSpPr>
+        <p:spPr/>
+        <p:txBody>
+          <a:bodyPr/>
+          <a:lstStyle/>
+          <a:p>
+            <a:fld id="{B6F15528-21DE-4FAA-801E-634DDDAF4B2B}" type="slidenum">
+              <a:rPr lang="en-US" smtClean="0"/>
+              <a:pPr/>
+              <a:t>45</a:t>
+            </a:fld>
+            <a:endParaRPr lang="en-US"/>
+          </a:p>
+        </p:txBody>
+      </p:sp>
     </p:spTree>
   </p:cSld>
   <p:clrMapOvr>
@@ -13619,6 +14504,30 @@
               <a:t>The following process will show how to determine the ZIP coefficients from laboratory measurements.</a:t>
             </a:r>
             <a:endParaRPr lang="en-US" dirty="0"/>
+          </a:p>
+        </p:txBody>
+      </p:sp>
+      <p:sp>
+        <p:nvSpPr>
+          <p:cNvPr id="4" name="Slide Number Placeholder 3"/>
+          <p:cNvSpPr>
+            <a:spLocks noGrp="1"/>
+          </p:cNvSpPr>
+          <p:nvPr>
+            <p:ph type="sldNum" sz="quarter" idx="12"/>
+          </p:nvPr>
+        </p:nvSpPr>
+        <p:spPr/>
+        <p:txBody>
+          <a:bodyPr/>
+          <a:lstStyle/>
+          <a:p>
+            <a:fld id="{B6F15528-21DE-4FAA-801E-634DDDAF4B2B}" type="slidenum">
+              <a:rPr lang="en-US" smtClean="0"/>
+              <a:pPr/>
+              <a:t>46</a:t>
+            </a:fld>
+            <a:endParaRPr lang="en-US"/>
           </a:p>
         </p:txBody>
       </p:sp>
@@ -13875,7 +14784,7 @@
           <a:graphicData uri="http://schemas.openxmlformats.org/presentationml/2006/ole">
             <mc:AlternateContent xmlns:mc="http://schemas.openxmlformats.org/markup-compatibility/2006">
               <mc:Choice xmlns:v="urn:schemas-microsoft-com:vml" Requires="v">
-                <p:oleObj spid="_x0000_s27682" name="Equation" r:id="rId3" imgW="114120" imgH="215640" progId="Equation.3">
+                <p:oleObj spid="_x0000_s27686" name="Equation" r:id="rId3" imgW="114120" imgH="215640" progId="Equation.3">
                   <p:embed/>
                 </p:oleObj>
               </mc:Choice>
@@ -13929,6 +14838,30 @@
           </a:graphicData>
         </a:graphic>
       </p:graphicFrame>
+      <p:sp>
+        <p:nvSpPr>
+          <p:cNvPr id="5" name="Slide Number Placeholder 4"/>
+          <p:cNvSpPr>
+            <a:spLocks noGrp="1"/>
+          </p:cNvSpPr>
+          <p:nvPr>
+            <p:ph type="sldNum" sz="quarter" idx="12"/>
+          </p:nvPr>
+        </p:nvSpPr>
+        <p:spPr/>
+        <p:txBody>
+          <a:bodyPr/>
+          <a:lstStyle/>
+          <a:p>
+            <a:fld id="{B6F15528-21DE-4FAA-801E-634DDDAF4B2B}" type="slidenum">
+              <a:rPr lang="en-US" smtClean="0"/>
+              <a:pPr/>
+              <a:t>47</a:t>
+            </a:fld>
+            <a:endParaRPr lang="en-US"/>
+          </a:p>
+        </p:txBody>
+      </p:sp>
     </p:spTree>
     <p:extLst>
       <p:ext uri="{BB962C8B-B14F-4D97-AF65-F5344CB8AC3E}">
@@ -14011,7 +14944,7 @@
           <a:graphicData uri="http://schemas.openxmlformats.org/presentationml/2006/ole">
             <mc:AlternateContent xmlns:mc="http://schemas.openxmlformats.org/markup-compatibility/2006">
               <mc:Choice xmlns:v="urn:schemas-microsoft-com:vml" Requires="v">
-                <p:oleObj spid="_x0000_s10848" name="Equation" r:id="rId3" imgW="114120" imgH="215640" progId="Equation.3">
+                <p:oleObj spid="_x0000_s10880" name="Equation" r:id="rId3" imgW="114120" imgH="215640" progId="Equation.3">
                   <p:embed/>
                 </p:oleObj>
               </mc:Choice>
@@ -14081,7 +15014,7 @@
           <a:graphicData uri="http://schemas.openxmlformats.org/presentationml/2006/ole">
             <mc:AlternateContent xmlns:mc="http://schemas.openxmlformats.org/markup-compatibility/2006">
               <mc:Choice xmlns:v="urn:schemas-microsoft-com:vml" Requires="v">
-                <p:oleObj spid="_x0000_s10849" name="Equation" r:id="rId5" imgW="4076640" imgH="558720" progId="Equation.3">
+                <p:oleObj spid="_x0000_s10881" name="Equation" r:id="rId5" imgW="4076640" imgH="558720" progId="Equation.3">
                   <p:embed/>
                 </p:oleObj>
               </mc:Choice>
@@ -14151,7 +15084,7 @@
           <a:graphicData uri="http://schemas.openxmlformats.org/presentationml/2006/ole">
             <mc:AlternateContent xmlns:mc="http://schemas.openxmlformats.org/markup-compatibility/2006">
               <mc:Choice xmlns:v="urn:schemas-microsoft-com:vml" Requires="v">
-                <p:oleObj spid="_x0000_s10850" name="Equation" r:id="rId7" imgW="4038480" imgH="558720" progId="Equation.3">
+                <p:oleObj spid="_x0000_s10882" name="Equation" r:id="rId7" imgW="4038480" imgH="558720" progId="Equation.3">
                   <p:embed/>
                 </p:oleObj>
               </mc:Choice>
@@ -14227,7 +15160,7 @@
           <a:graphicData uri="http://schemas.openxmlformats.org/presentationml/2006/ole">
             <mc:AlternateContent xmlns:mc="http://schemas.openxmlformats.org/markup-compatibility/2006">
               <mc:Choice xmlns:v="urn:schemas-microsoft-com:vml" Requires="v">
-                <p:oleObj spid="_x0000_s10851" name="Equation" r:id="rId9" imgW="1777680" imgH="241200" progId="Equation.3">
+                <p:oleObj spid="_x0000_s10883" name="Equation" r:id="rId9" imgW="1777680" imgH="241200" progId="Equation.3">
                   <p:embed/>
                 </p:oleObj>
               </mc:Choice>
@@ -14297,7 +15230,7 @@
           <a:graphicData uri="http://schemas.openxmlformats.org/presentationml/2006/ole">
             <mc:AlternateContent xmlns:mc="http://schemas.openxmlformats.org/markup-compatibility/2006">
               <mc:Choice xmlns:v="urn:schemas-microsoft-com:vml" Requires="v">
-                <p:oleObj spid="_x0000_s10852" name="Equation" r:id="rId11" imgW="977760" imgH="228600" progId="Equation.3">
+                <p:oleObj spid="_x0000_s10884" name="Equation" r:id="rId11" imgW="977760" imgH="228600" progId="Equation.3">
                   <p:embed/>
                 </p:oleObj>
               </mc:Choice>
@@ -14367,7 +15300,7 @@
           <a:graphicData uri="http://schemas.openxmlformats.org/presentationml/2006/ole">
             <mc:AlternateContent xmlns:mc="http://schemas.openxmlformats.org/markup-compatibility/2006">
               <mc:Choice xmlns:v="urn:schemas-microsoft-com:vml" Requires="v">
-                <p:oleObj spid="_x0000_s10853" name="Equation" r:id="rId13" imgW="1536480" imgH="482400" progId="Equation.3">
+                <p:oleObj spid="_x0000_s10885" name="Equation" r:id="rId13" imgW="1536480" imgH="482400" progId="Equation.3">
                   <p:embed/>
                 </p:oleObj>
               </mc:Choice>
@@ -14437,7 +15370,7 @@
           <a:graphicData uri="http://schemas.openxmlformats.org/presentationml/2006/ole">
             <mc:AlternateContent xmlns:mc="http://schemas.openxmlformats.org/markup-compatibility/2006">
               <mc:Choice xmlns:v="urn:schemas-microsoft-com:vml" Requires="v">
-                <p:oleObj spid="_x0000_s10854" name="Equation" r:id="rId15" imgW="2145960" imgH="431640" progId="Equation.3">
+                <p:oleObj spid="_x0000_s10886" name="Equation" r:id="rId15" imgW="2145960" imgH="431640" progId="Equation.3">
                   <p:embed/>
                 </p:oleObj>
               </mc:Choice>
@@ -14507,7 +15440,7 @@
           <a:graphicData uri="http://schemas.openxmlformats.org/presentationml/2006/ole">
             <mc:AlternateContent xmlns:mc="http://schemas.openxmlformats.org/markup-compatibility/2006">
               <mc:Choice xmlns:v="urn:schemas-microsoft-com:vml" Requires="v">
-                <p:oleObj spid="_x0000_s10855" name="Equation" r:id="rId17" imgW="1612800" imgH="228600" progId="Equation.3">
+                <p:oleObj spid="_x0000_s10887" name="Equation" r:id="rId17" imgW="1612800" imgH="228600" progId="Equation.3">
                   <p:embed/>
                 </p:oleObj>
               </mc:Choice>
@@ -14794,6 +15727,30 @@
               <a:latin typeface="Times New Roman" pitchFamily="18" charset="0"/>
               <a:cs typeface="Times New Roman" pitchFamily="18" charset="0"/>
             </a:endParaRPr>
+          </a:p>
+        </p:txBody>
+      </p:sp>
+      <p:sp>
+        <p:nvSpPr>
+          <p:cNvPr id="5" name="Slide Number Placeholder 4"/>
+          <p:cNvSpPr>
+            <a:spLocks noGrp="1"/>
+          </p:cNvSpPr>
+          <p:nvPr>
+            <p:ph type="sldNum" sz="quarter" idx="12"/>
+          </p:nvPr>
+        </p:nvSpPr>
+        <p:spPr/>
+        <p:txBody>
+          <a:bodyPr/>
+          <a:lstStyle/>
+          <a:p>
+            <a:fld id="{B6F15528-21DE-4FAA-801E-634DDDAF4B2B}" type="slidenum">
+              <a:rPr lang="en-US" smtClean="0"/>
+              <a:pPr/>
+              <a:t>48</a:t>
+            </a:fld>
+            <a:endParaRPr lang="en-US"/>
           </a:p>
         </p:txBody>
       </p:sp>
@@ -15377,7 +16334,7 @@
           <a:graphicData uri="http://schemas.openxmlformats.org/presentationml/2006/ole">
             <mc:AlternateContent xmlns:mc="http://schemas.openxmlformats.org/markup-compatibility/2006">
               <mc:Choice xmlns:v="urn:schemas-microsoft-com:vml" Requires="v">
-                <p:oleObj spid="_x0000_s28814" name="Equation" r:id="rId3" imgW="114120" imgH="215640" progId="Equation.3">
+                <p:oleObj spid="_x0000_s28830" name="Equation" r:id="rId3" imgW="114120" imgH="215640" progId="Equation.3">
                   <p:embed/>
                 </p:oleObj>
               </mc:Choice>
@@ -15453,7 +16410,7 @@
           <a:graphicData uri="http://schemas.openxmlformats.org/presentationml/2006/ole">
             <mc:AlternateContent xmlns:mc="http://schemas.openxmlformats.org/markup-compatibility/2006">
               <mc:Choice xmlns:v="urn:schemas-microsoft-com:vml" Requires="v">
-                <p:oleObj spid="_x0000_s28815" name="Equation" r:id="rId5" imgW="10756800" imgH="1143000" progId="Equation.3">
+                <p:oleObj spid="_x0000_s28831" name="Equation" r:id="rId5" imgW="10756800" imgH="1143000" progId="Equation.3">
                   <p:embed/>
                 </p:oleObj>
               </mc:Choice>
@@ -15515,7 +16472,7 @@
           <a:graphicData uri="http://schemas.openxmlformats.org/presentationml/2006/ole">
             <mc:AlternateContent xmlns:mc="http://schemas.openxmlformats.org/markup-compatibility/2006">
               <mc:Choice xmlns:v="urn:schemas-microsoft-com:vml" Requires="v">
-                <p:oleObj spid="_x0000_s28816" name="Equation" r:id="rId7" imgW="2145960" imgH="431640" progId="Equation.3">
+                <p:oleObj spid="_x0000_s28832" name="Equation" r:id="rId7" imgW="2145960" imgH="431640" progId="Equation.3">
                   <p:embed/>
                 </p:oleObj>
               </mc:Choice>
@@ -15604,7 +16561,7 @@
           <a:graphicData uri="http://schemas.openxmlformats.org/presentationml/2006/ole">
             <mc:AlternateContent xmlns:mc="http://schemas.openxmlformats.org/markup-compatibility/2006">
               <mc:Choice xmlns:v="urn:schemas-microsoft-com:vml" Requires="v">
-                <p:oleObj spid="_x0000_s28817" name="Equation" r:id="rId9" imgW="10553400" imgH="1143000" progId="Equation.3">
+                <p:oleObj spid="_x0000_s28833" name="Equation" r:id="rId9" imgW="10553400" imgH="1143000" progId="Equation.3">
                   <p:embed/>
                 </p:oleObj>
               </mc:Choice>
@@ -15717,6 +16674,30 @@
               <a:latin typeface="Times New Roman" pitchFamily="18" charset="0"/>
               <a:cs typeface="Times New Roman" pitchFamily="18" charset="0"/>
             </a:endParaRPr>
+          </a:p>
+        </p:txBody>
+      </p:sp>
+      <p:sp>
+        <p:nvSpPr>
+          <p:cNvPr id="7" name="Slide Number Placeholder 6"/>
+          <p:cNvSpPr>
+            <a:spLocks noGrp="1"/>
+          </p:cNvSpPr>
+          <p:nvPr>
+            <p:ph type="sldNum" sz="quarter" idx="12"/>
+          </p:nvPr>
+        </p:nvSpPr>
+        <p:spPr/>
+        <p:txBody>
+          <a:bodyPr/>
+          <a:lstStyle/>
+          <a:p>
+            <a:fld id="{B6F15528-21DE-4FAA-801E-634DDDAF4B2B}" type="slidenum">
+              <a:rPr lang="en-US" smtClean="0"/>
+              <a:pPr/>
+              <a:t>49</a:t>
+            </a:fld>
+            <a:endParaRPr lang="en-US"/>
           </a:p>
         </p:txBody>
       </p:sp>
@@ -16000,6 +16981,30 @@
           </a:p>
         </p:txBody>
       </p:sp>
+      <p:sp>
+        <p:nvSpPr>
+          <p:cNvPr id="4" name="Slide Number Placeholder 3"/>
+          <p:cNvSpPr>
+            <a:spLocks noGrp="1"/>
+          </p:cNvSpPr>
+          <p:nvPr>
+            <p:ph type="sldNum" sz="quarter" idx="12"/>
+          </p:nvPr>
+        </p:nvSpPr>
+        <p:spPr/>
+        <p:txBody>
+          <a:bodyPr/>
+          <a:lstStyle/>
+          <a:p>
+            <a:fld id="{B6F15528-21DE-4FAA-801E-634DDDAF4B2B}" type="slidenum">
+              <a:rPr lang="en-US" smtClean="0"/>
+              <a:pPr/>
+              <a:t>5</a:t>
+            </a:fld>
+            <a:endParaRPr lang="en-US"/>
+          </a:p>
+        </p:txBody>
+      </p:sp>
     </p:spTree>
   </p:cSld>
   <p:clrMapOvr>
@@ -16071,7 +17076,7 @@
           <a:graphicData uri="http://schemas.openxmlformats.org/presentationml/2006/ole">
             <mc:AlternateContent xmlns:mc="http://schemas.openxmlformats.org/markup-compatibility/2006">
               <mc:Choice xmlns:v="urn:schemas-microsoft-com:vml" Requires="v">
-                <p:oleObj spid="_x0000_s11782" name="Equation" r:id="rId3" imgW="114120" imgH="215640" progId="Equation.3">
+                <p:oleObj spid="_x0000_s11810" name="Equation" r:id="rId3" imgW="114120" imgH="215640" progId="Equation.3">
                   <p:embed/>
                 </p:oleObj>
               </mc:Choice>
@@ -16141,7 +17146,7 @@
           <a:graphicData uri="http://schemas.openxmlformats.org/presentationml/2006/ole">
             <mc:AlternateContent xmlns:mc="http://schemas.openxmlformats.org/markup-compatibility/2006">
               <mc:Choice xmlns:v="urn:schemas-microsoft-com:vml" Requires="v">
-                <p:oleObj spid="_x0000_s11783" name="Equation" r:id="rId5" imgW="1803240" imgH="482400" progId="Equation.3">
+                <p:oleObj spid="_x0000_s11811" name="Equation" r:id="rId5" imgW="1803240" imgH="482400" progId="Equation.3">
                   <p:embed/>
                 </p:oleObj>
               </mc:Choice>
@@ -16211,7 +17216,7 @@
           <a:graphicData uri="http://schemas.openxmlformats.org/presentationml/2006/ole">
             <mc:AlternateContent xmlns:mc="http://schemas.openxmlformats.org/markup-compatibility/2006">
               <mc:Choice xmlns:v="urn:schemas-microsoft-com:vml" Requires="v">
-                <p:oleObj spid="_x0000_s11784" name="Equation" r:id="rId7" imgW="1790640" imgH="266400" progId="Equation.3">
+                <p:oleObj spid="_x0000_s11812" name="Equation" r:id="rId7" imgW="1790640" imgH="266400" progId="Equation.3">
                   <p:embed/>
                 </p:oleObj>
               </mc:Choice>
@@ -16287,7 +17292,7 @@
           <a:graphicData uri="http://schemas.openxmlformats.org/presentationml/2006/ole">
             <mc:AlternateContent xmlns:mc="http://schemas.openxmlformats.org/markup-compatibility/2006">
               <mc:Choice xmlns:v="urn:schemas-microsoft-com:vml" Requires="v">
-                <p:oleObj spid="_x0000_s11785" name="Equation" r:id="rId9" imgW="2145960" imgH="431640" progId="Equation.3">
+                <p:oleObj spid="_x0000_s11813" name="Equation" r:id="rId9" imgW="2145960" imgH="431640" progId="Equation.3">
                   <p:embed/>
                 </p:oleObj>
               </mc:Choice>
@@ -16351,7 +17356,7 @@
           <a:graphicData uri="http://schemas.openxmlformats.org/presentationml/2006/ole">
             <mc:AlternateContent xmlns:mc="http://schemas.openxmlformats.org/markup-compatibility/2006">
               <mc:Choice xmlns:v="urn:schemas-microsoft-com:vml" Requires="v">
-                <p:oleObj spid="_x0000_s11786" name="Equation" r:id="rId11" imgW="2450880" imgH="228600" progId="Equation.3">
+                <p:oleObj spid="_x0000_s11814" name="Equation" r:id="rId11" imgW="2450880" imgH="228600" progId="Equation.3">
                   <p:embed/>
                 </p:oleObj>
               </mc:Choice>
@@ -16421,7 +17426,7 @@
           <a:graphicData uri="http://schemas.openxmlformats.org/presentationml/2006/ole">
             <mc:AlternateContent xmlns:mc="http://schemas.openxmlformats.org/markup-compatibility/2006">
               <mc:Choice xmlns:v="urn:schemas-microsoft-com:vml" Requires="v">
-                <p:oleObj spid="_x0000_s11787" name="Equation" r:id="rId13" imgW="634680" imgH="215640" progId="Equation.3">
+                <p:oleObj spid="_x0000_s11815" name="Equation" r:id="rId13" imgW="634680" imgH="215640" progId="Equation.3">
                   <p:embed/>
                 </p:oleObj>
               </mc:Choice>
@@ -16551,7 +17556,7 @@
           <a:graphicData uri="http://schemas.openxmlformats.org/presentationml/2006/ole">
             <mc:AlternateContent xmlns:mc="http://schemas.openxmlformats.org/markup-compatibility/2006">
               <mc:Choice xmlns:v="urn:schemas-microsoft-com:vml" Requires="v">
-                <p:oleObj spid="_x0000_s11788" name="Equation" r:id="rId15" imgW="1333440" imgH="1218960" progId="Equation.3">
+                <p:oleObj spid="_x0000_s11816" name="Equation" r:id="rId15" imgW="1333440" imgH="1218960" progId="Equation.3">
                   <p:embed/>
                 </p:oleObj>
               </mc:Choice>
@@ -16720,6 +17725,30 @@
               <a:latin typeface="Times New Roman" pitchFamily="18" charset="0"/>
               <a:cs typeface="Times New Roman" pitchFamily="18" charset="0"/>
             </a:endParaRPr>
+          </a:p>
+        </p:txBody>
+      </p:sp>
+      <p:sp>
+        <p:nvSpPr>
+          <p:cNvPr id="3" name="Slide Number Placeholder 2"/>
+          <p:cNvSpPr>
+            <a:spLocks noGrp="1"/>
+          </p:cNvSpPr>
+          <p:nvPr>
+            <p:ph type="sldNum" sz="quarter" idx="12"/>
+          </p:nvPr>
+        </p:nvSpPr>
+        <p:spPr/>
+        <p:txBody>
+          <a:bodyPr/>
+          <a:lstStyle/>
+          <a:p>
+            <a:fld id="{B6F15528-21DE-4FAA-801E-634DDDAF4B2B}" type="slidenum">
+              <a:rPr lang="en-US" smtClean="0"/>
+              <a:pPr/>
+              <a:t>50</a:t>
+            </a:fld>
+            <a:endParaRPr lang="en-US"/>
           </a:p>
         </p:txBody>
       </p:sp>
@@ -17262,7 +18291,7 @@
           <a:graphicData uri="http://schemas.openxmlformats.org/presentationml/2006/ole">
             <mc:AlternateContent xmlns:mc="http://schemas.openxmlformats.org/markup-compatibility/2006">
               <mc:Choice xmlns:v="urn:schemas-microsoft-com:vml" Requires="v">
-                <p:oleObj spid="_x0000_s12527" name="Equation" r:id="rId3" imgW="114120" imgH="215640" progId="Equation.3">
+                <p:oleObj spid="_x0000_s12535" name="Equation" r:id="rId3" imgW="114120" imgH="215640" progId="Equation.3">
                   <p:embed/>
                 </p:oleObj>
               </mc:Choice>
@@ -17338,7 +18367,7 @@
           <a:graphicData uri="http://schemas.openxmlformats.org/presentationml/2006/ole">
             <mc:AlternateContent xmlns:mc="http://schemas.openxmlformats.org/markup-compatibility/2006">
               <mc:Choice xmlns:v="urn:schemas-microsoft-com:vml" Requires="v">
-                <p:oleObj spid="_x0000_s12528" name="Equation" r:id="rId5" imgW="1015920" imgH="1612800" progId="Equation.3">
+                <p:oleObj spid="_x0000_s12536" name="Equation" r:id="rId5" imgW="1015920" imgH="1612800" progId="Equation.3">
                   <p:embed/>
                 </p:oleObj>
               </mc:Choice>
@@ -17520,6 +18549,30 @@
           </a:p>
         </p:txBody>
       </p:sp>
+      <p:sp>
+        <p:nvSpPr>
+          <p:cNvPr id="3" name="Slide Number Placeholder 2"/>
+          <p:cNvSpPr>
+            <a:spLocks noGrp="1"/>
+          </p:cNvSpPr>
+          <p:nvPr>
+            <p:ph type="sldNum" sz="quarter" idx="12"/>
+          </p:nvPr>
+        </p:nvSpPr>
+        <p:spPr/>
+        <p:txBody>
+          <a:bodyPr/>
+          <a:lstStyle/>
+          <a:p>
+            <a:fld id="{B6F15528-21DE-4FAA-801E-634DDDAF4B2B}" type="slidenum">
+              <a:rPr lang="en-US" smtClean="0"/>
+              <a:pPr/>
+              <a:t>51</a:t>
+            </a:fld>
+            <a:endParaRPr lang="en-US"/>
+          </a:p>
+        </p:txBody>
+      </p:sp>
     </p:spTree>
   </p:cSld>
   <p:clrMapOvr>
@@ -17783,7 +18836,7 @@
           <a:graphicData uri="http://schemas.openxmlformats.org/presentationml/2006/ole">
             <mc:AlternateContent xmlns:mc="http://schemas.openxmlformats.org/markup-compatibility/2006">
               <mc:Choice xmlns:v="urn:schemas-microsoft-com:vml" Requires="v">
-                <p:oleObj spid="_x0000_s30752" name="Equation" r:id="rId3" imgW="5333760" imgH="558720" progId="Equation.3">
+                <p:oleObj spid="_x0000_s30760" name="Equation" r:id="rId3" imgW="5333760" imgH="558720" progId="Equation.3">
                   <p:embed/>
                 </p:oleObj>
               </mc:Choice>
@@ -17847,7 +18900,7 @@
           <a:graphicData uri="http://schemas.openxmlformats.org/presentationml/2006/ole">
             <mc:AlternateContent xmlns:mc="http://schemas.openxmlformats.org/markup-compatibility/2006">
               <mc:Choice xmlns:v="urn:schemas-microsoft-com:vml" Requires="v">
-                <p:oleObj spid="_x0000_s30753" name="Equation" r:id="rId5" imgW="5295600" imgH="558720" progId="Equation.3">
+                <p:oleObj spid="_x0000_s30761" name="Equation" r:id="rId5" imgW="5295600" imgH="558720" progId="Equation.3">
                   <p:embed/>
                 </p:oleObj>
               </mc:Choice>
@@ -17933,6 +18986,30 @@
               <a:latin typeface="Times New Roman" pitchFamily="18" charset="0"/>
               <a:cs typeface="Times New Roman" pitchFamily="18" charset="0"/>
             </a:endParaRPr>
+          </a:p>
+        </p:txBody>
+      </p:sp>
+      <p:sp>
+        <p:nvSpPr>
+          <p:cNvPr id="6" name="Slide Number Placeholder 5"/>
+          <p:cNvSpPr>
+            <a:spLocks noGrp="1"/>
+          </p:cNvSpPr>
+          <p:nvPr>
+            <p:ph type="sldNum" sz="quarter" idx="12"/>
+          </p:nvPr>
+        </p:nvSpPr>
+        <p:spPr/>
+        <p:txBody>
+          <a:bodyPr/>
+          <a:lstStyle/>
+          <a:p>
+            <a:fld id="{B6F15528-21DE-4FAA-801E-634DDDAF4B2B}" type="slidenum">
+              <a:rPr lang="en-US" smtClean="0"/>
+              <a:pPr/>
+              <a:t>52</a:t>
+            </a:fld>
+            <a:endParaRPr lang="en-US"/>
           </a:p>
         </p:txBody>
       </p:sp>
@@ -18359,6 +19436,30 @@
           </a:p>
         </p:txBody>
       </p:sp>
+      <p:sp>
+        <p:nvSpPr>
+          <p:cNvPr id="4" name="Slide Number Placeholder 3"/>
+          <p:cNvSpPr>
+            <a:spLocks noGrp="1"/>
+          </p:cNvSpPr>
+          <p:nvPr>
+            <p:ph type="sldNum" sz="quarter" idx="12"/>
+          </p:nvPr>
+        </p:nvSpPr>
+        <p:spPr/>
+        <p:txBody>
+          <a:bodyPr/>
+          <a:lstStyle/>
+          <a:p>
+            <a:fld id="{B6F15528-21DE-4FAA-801E-634DDDAF4B2B}" type="slidenum">
+              <a:rPr lang="en-US" smtClean="0"/>
+              <a:pPr/>
+              <a:t>53</a:t>
+            </a:fld>
+            <a:endParaRPr lang="en-US"/>
+          </a:p>
+        </p:txBody>
+      </p:sp>
     </p:spTree>
     <p:extLst>
       <p:ext uri="{BB962C8B-B14F-4D97-AF65-F5344CB8AC3E}">
@@ -18488,7 +19589,7 @@
           <a:graphicData uri="http://schemas.openxmlformats.org/presentationml/2006/ole">
             <mc:AlternateContent xmlns:mc="http://schemas.openxmlformats.org/markup-compatibility/2006">
               <mc:Choice xmlns:v="urn:schemas-microsoft-com:vml" Requires="v">
-                <p:oleObj spid="_x0000_s29728" name="Equation" r:id="rId3" imgW="1942920" imgH="761760" progId="Equation.3">
+                <p:oleObj spid="_x0000_s29732" name="Equation" r:id="rId3" imgW="1942920" imgH="761760" progId="Equation.3">
                   <p:embed/>
                 </p:oleObj>
               </mc:Choice>
@@ -18712,6 +19813,30 @@
           <a:p>
             <a:pPr lvl="1"/>
             <a:endParaRPr lang="en-US" dirty="0"/>
+          </a:p>
+        </p:txBody>
+      </p:sp>
+      <p:sp>
+        <p:nvSpPr>
+          <p:cNvPr id="6" name="Slide Number Placeholder 5"/>
+          <p:cNvSpPr>
+            <a:spLocks noGrp="1"/>
+          </p:cNvSpPr>
+          <p:nvPr>
+            <p:ph type="sldNum" sz="quarter" idx="12"/>
+          </p:nvPr>
+        </p:nvSpPr>
+        <p:spPr/>
+        <p:txBody>
+          <a:bodyPr/>
+          <a:lstStyle/>
+          <a:p>
+            <a:fld id="{B6F15528-21DE-4FAA-801E-634DDDAF4B2B}" type="slidenum">
+              <a:rPr lang="en-US" smtClean="0"/>
+              <a:pPr/>
+              <a:t>54</a:t>
+            </a:fld>
+            <a:endParaRPr lang="en-US"/>
           </a:p>
         </p:txBody>
       </p:sp>
@@ -19007,6 +20132,30 @@
           </a:extLst>
         </p:spPr>
       </p:pic>
+      <p:sp>
+        <p:nvSpPr>
+          <p:cNvPr id="4" name="Slide Number Placeholder 3"/>
+          <p:cNvSpPr>
+            <a:spLocks noGrp="1"/>
+          </p:cNvSpPr>
+          <p:nvPr>
+            <p:ph type="sldNum" sz="quarter" idx="12"/>
+          </p:nvPr>
+        </p:nvSpPr>
+        <p:spPr/>
+        <p:txBody>
+          <a:bodyPr/>
+          <a:lstStyle/>
+          <a:p>
+            <a:fld id="{B6F15528-21DE-4FAA-801E-634DDDAF4B2B}" type="slidenum">
+              <a:rPr lang="en-US" smtClean="0"/>
+              <a:pPr/>
+              <a:t>55</a:t>
+            </a:fld>
+            <a:endParaRPr lang="en-US"/>
+          </a:p>
+        </p:txBody>
+      </p:sp>
     </p:spTree>
     <p:extLst>
       <p:ext uri="{BB962C8B-B14F-4D97-AF65-F5344CB8AC3E}">
@@ -19190,6 +20339,30 @@
           </a:p>
         </p:txBody>
       </p:sp>
+      <p:sp>
+        <p:nvSpPr>
+          <p:cNvPr id="4" name="Slide Number Placeholder 3"/>
+          <p:cNvSpPr>
+            <a:spLocks noGrp="1"/>
+          </p:cNvSpPr>
+          <p:nvPr>
+            <p:ph type="sldNum" sz="quarter" idx="12"/>
+          </p:nvPr>
+        </p:nvSpPr>
+        <p:spPr/>
+        <p:txBody>
+          <a:bodyPr/>
+          <a:lstStyle/>
+          <a:p>
+            <a:fld id="{B6F15528-21DE-4FAA-801E-634DDDAF4B2B}" type="slidenum">
+              <a:rPr lang="en-US" smtClean="0"/>
+              <a:pPr/>
+              <a:t>56</a:t>
+            </a:fld>
+            <a:endParaRPr lang="en-US"/>
+          </a:p>
+        </p:txBody>
+      </p:sp>
     </p:spTree>
   </p:cSld>
   <p:clrMapOvr>
@@ -19348,6 +20521,30 @@
               <a:t>The efficiency of the HVAC system will vary depending on the mode of operation.</a:t>
             </a:r>
             <a:endParaRPr lang="en-US" sz="2000" dirty="0"/>
+          </a:p>
+        </p:txBody>
+      </p:sp>
+      <p:sp>
+        <p:nvSpPr>
+          <p:cNvPr id="4" name="Slide Number Placeholder 3"/>
+          <p:cNvSpPr>
+            <a:spLocks noGrp="1"/>
+          </p:cNvSpPr>
+          <p:nvPr>
+            <p:ph type="sldNum" sz="quarter" idx="12"/>
+          </p:nvPr>
+        </p:nvSpPr>
+        <p:spPr/>
+        <p:txBody>
+          <a:bodyPr/>
+          <a:lstStyle/>
+          <a:p>
+            <a:fld id="{B6F15528-21DE-4FAA-801E-634DDDAF4B2B}" type="slidenum">
+              <a:rPr lang="en-US" smtClean="0"/>
+              <a:pPr/>
+              <a:t>57</a:t>
+            </a:fld>
+            <a:endParaRPr lang="en-US"/>
           </a:p>
         </p:txBody>
       </p:sp>
@@ -19505,37 +20702,6 @@
               <a:t>Based on the solution temperatures, the HVAC system will determine what mode to operate in.</a:t>
             </a:r>
             <a:endParaRPr lang="en-US" sz="2000" dirty="0"/>
-          </a:p>
-        </p:txBody>
-      </p:sp>
-      <p:sp>
-        <p:nvSpPr>
-          <p:cNvPr id="19459" name="Footer Placeholder 3"/>
-          <p:cNvSpPr>
-            <a:spLocks noGrp="1"/>
-          </p:cNvSpPr>
-          <p:nvPr>
-            <p:ph type="ftr" sz="quarter" idx="11"/>
-          </p:nvPr>
-        </p:nvSpPr>
-        <p:spPr>
-          <a:noFill/>
-        </p:spPr>
-        <p:txBody>
-          <a:bodyPr/>
-          <a:lstStyle/>
-          <a:p>
-            <a:fld id="{6226775D-2DBF-4BD5-92C5-DE447F338FB5}" type="slidenum">
-              <a:rPr lang="en-US" smtClean="0"/>
-              <a:pPr/>
-              <a:t>58</a:t>
-            </a:fld>
-            <a:r>
-              <a:rPr lang="en-US" smtClean="0">
-                <a:latin typeface="Times New Roman" pitchFamily="-80" charset="0"/>
-              </a:rPr>
-              <a:t> </a:t>
-            </a:r>
           </a:p>
         </p:txBody>
       </p:sp>
@@ -19680,7 +20846,7 @@
           <a:graphicData uri="http://schemas.openxmlformats.org/presentationml/2006/ole">
             <mc:AlternateContent xmlns:mc="http://schemas.openxmlformats.org/markup-compatibility/2006">
               <mc:Choice xmlns:v="urn:schemas-microsoft-com:vml" Requires="v">
-                <p:oleObj spid="_x0000_s3218" name="Equation" r:id="rId4" imgW="3759120" imgH="431640" progId="Equation.3">
+                <p:oleObj spid="_x0000_s3226" name="Equation" r:id="rId4" imgW="3759120" imgH="431640" progId="Equation.3">
                   <p:embed/>
                 </p:oleObj>
               </mc:Choice>
@@ -19748,7 +20914,7 @@
           <a:graphicData uri="http://schemas.openxmlformats.org/presentationml/2006/ole">
             <mc:AlternateContent xmlns:mc="http://schemas.openxmlformats.org/markup-compatibility/2006">
               <mc:Choice xmlns:v="urn:schemas-microsoft-com:vml" Requires="v">
-                <p:oleObj spid="_x0000_s3219" name="Equation" r:id="rId6" imgW="2489040" imgH="431640" progId="Equation.3">
+                <p:oleObj spid="_x0000_s3227" name="Equation" r:id="rId6" imgW="2489040" imgH="431640" progId="Equation.3">
                   <p:embed/>
                 </p:oleObj>
               </mc:Choice>
@@ -19828,6 +20994,30 @@
           </a:ln>
         </p:spPr>
       </p:pic>
+      <p:sp>
+        <p:nvSpPr>
+          <p:cNvPr id="4" name="Slide Number Placeholder 3"/>
+          <p:cNvSpPr>
+            <a:spLocks noGrp="1"/>
+          </p:cNvSpPr>
+          <p:nvPr>
+            <p:ph type="sldNum" sz="quarter" idx="12"/>
+          </p:nvPr>
+        </p:nvSpPr>
+        <p:spPr/>
+        <p:txBody>
+          <a:bodyPr/>
+          <a:lstStyle/>
+          <a:p>
+            <a:fld id="{B6F15528-21DE-4FAA-801E-634DDDAF4B2B}" type="slidenum">
+              <a:rPr lang="en-US" smtClean="0"/>
+              <a:pPr/>
+              <a:t>58</a:t>
+            </a:fld>
+            <a:endParaRPr lang="en-US"/>
+          </a:p>
+        </p:txBody>
+      </p:sp>
     </p:spTree>
   </p:cSld>
   <p:clrMapOvr>
@@ -20102,6 +21292,30 @@
           <a:p>
             <a:pPr lvl="1"/>
             <a:endParaRPr lang="en-US" sz="1600" dirty="0"/>
+          </a:p>
+        </p:txBody>
+      </p:sp>
+      <p:sp>
+        <p:nvSpPr>
+          <p:cNvPr id="3" name="Slide Number Placeholder 2"/>
+          <p:cNvSpPr>
+            <a:spLocks noGrp="1"/>
+          </p:cNvSpPr>
+          <p:nvPr>
+            <p:ph type="sldNum" sz="quarter" idx="12"/>
+          </p:nvPr>
+        </p:nvSpPr>
+        <p:spPr/>
+        <p:txBody>
+          <a:bodyPr/>
+          <a:lstStyle/>
+          <a:p>
+            <a:fld id="{B6F15528-21DE-4FAA-801E-634DDDAF4B2B}" type="slidenum">
+              <a:rPr lang="en-US" smtClean="0"/>
+              <a:pPr/>
+              <a:t>59</a:t>
+            </a:fld>
+            <a:endParaRPr lang="en-US"/>
           </a:p>
         </p:txBody>
       </p:sp>
@@ -20247,6 +21461,30 @@
           </a:ln>
         </p:spPr>
       </p:pic>
+      <p:sp>
+        <p:nvSpPr>
+          <p:cNvPr id="4" name="Slide Number Placeholder 3"/>
+          <p:cNvSpPr>
+            <a:spLocks noGrp="1"/>
+          </p:cNvSpPr>
+          <p:nvPr>
+            <p:ph type="sldNum" sz="quarter" idx="12"/>
+          </p:nvPr>
+        </p:nvSpPr>
+        <p:spPr/>
+        <p:txBody>
+          <a:bodyPr/>
+          <a:lstStyle/>
+          <a:p>
+            <a:fld id="{B6F15528-21DE-4FAA-801E-634DDDAF4B2B}" type="slidenum">
+              <a:rPr lang="en-US" smtClean="0"/>
+              <a:pPr/>
+              <a:t>6</a:t>
+            </a:fld>
+            <a:endParaRPr lang="en-US"/>
+          </a:p>
+        </p:txBody>
+      </p:sp>
     </p:spTree>
     <p:extLst>
       <p:ext uri="{BB962C8B-B14F-4D97-AF65-F5344CB8AC3E}">
@@ -20362,7 +21600,7 @@
           <a:graphicData uri="http://schemas.openxmlformats.org/presentationml/2006/ole">
             <mc:AlternateContent xmlns:mc="http://schemas.openxmlformats.org/markup-compatibility/2006">
               <mc:Choice xmlns:v="urn:schemas-microsoft-com:vml" Requires="v">
-                <p:oleObj spid="_x0000_s4173" r:id="rId3" imgW="3235112" imgH="3234987" progId="Msxml2.SAXXMLReader.5.0">
+                <p:oleObj spid="_x0000_s4177" r:id="rId3" imgW="3235112" imgH="3234987" progId="Msxml2.SAXXMLReader.5.0">
                   <p:embed/>
                 </p:oleObj>
               </mc:Choice>
@@ -20480,6 +21718,30 @@
           </a:extLst>
         </p:spPr>
       </p:pic>
+      <p:sp>
+        <p:nvSpPr>
+          <p:cNvPr id="3" name="Slide Number Placeholder 2"/>
+          <p:cNvSpPr>
+            <a:spLocks noGrp="1"/>
+          </p:cNvSpPr>
+          <p:nvPr>
+            <p:ph type="sldNum" sz="quarter" idx="12"/>
+          </p:nvPr>
+        </p:nvSpPr>
+        <p:spPr/>
+        <p:txBody>
+          <a:bodyPr/>
+          <a:lstStyle/>
+          <a:p>
+            <a:fld id="{B6F15528-21DE-4FAA-801E-634DDDAF4B2B}" type="slidenum">
+              <a:rPr lang="en-US" smtClean="0"/>
+              <a:pPr/>
+              <a:t>60</a:t>
+            </a:fld>
+            <a:endParaRPr lang="en-US"/>
+          </a:p>
+        </p:txBody>
+      </p:sp>
     </p:spTree>
   </p:cSld>
   <p:clrMapOvr>
@@ -20534,37 +21796,6 @@
               <a:t>Physical Load Model – Residential HVAC</a:t>
             </a:r>
             <a:endParaRPr lang="en-US" sz="1800" dirty="0" smtClean="0"/>
-          </a:p>
-        </p:txBody>
-      </p:sp>
-      <p:sp>
-        <p:nvSpPr>
-          <p:cNvPr id="19459" name="Footer Placeholder 3"/>
-          <p:cNvSpPr>
-            <a:spLocks noGrp="1"/>
-          </p:cNvSpPr>
-          <p:nvPr>
-            <p:ph type="ftr" sz="quarter" idx="10"/>
-          </p:nvPr>
-        </p:nvSpPr>
-        <p:spPr>
-          <a:noFill/>
-        </p:spPr>
-        <p:txBody>
-          <a:bodyPr/>
-          <a:lstStyle/>
-          <a:p>
-            <a:fld id="{6226775D-2DBF-4BD5-92C5-DE447F338FB5}" type="slidenum">
-              <a:rPr lang="en-US" smtClean="0"/>
-              <a:pPr/>
-              <a:t>61</a:t>
-            </a:fld>
-            <a:r>
-              <a:rPr lang="en-US" smtClean="0">
-                <a:latin typeface="Times New Roman" pitchFamily="-80" charset="0"/>
-              </a:rPr>
-              <a:t> </a:t>
-            </a:r>
           </a:p>
         </p:txBody>
       </p:sp>
@@ -20943,6 +22174,30 @@
           </a:extLst>
         </p:spPr>
       </p:pic>
+      <p:sp>
+        <p:nvSpPr>
+          <p:cNvPr id="3" name="Slide Number Placeholder 2"/>
+          <p:cNvSpPr>
+            <a:spLocks noGrp="1"/>
+          </p:cNvSpPr>
+          <p:nvPr>
+            <p:ph type="sldNum" sz="quarter" idx="12"/>
+          </p:nvPr>
+        </p:nvSpPr>
+        <p:spPr/>
+        <p:txBody>
+          <a:bodyPr/>
+          <a:lstStyle/>
+          <a:p>
+            <a:fld id="{B6F15528-21DE-4FAA-801E-634DDDAF4B2B}" type="slidenum">
+              <a:rPr lang="en-US" smtClean="0"/>
+              <a:pPr/>
+              <a:t>61</a:t>
+            </a:fld>
+            <a:endParaRPr lang="en-US"/>
+          </a:p>
+        </p:txBody>
+      </p:sp>
     </p:spTree>
   </p:cSld>
   <p:clrMapOvr>
@@ -21050,6 +22305,30 @@
           </a:p>
           <a:p>
             <a:endParaRPr lang="en-US" sz="2000" dirty="0"/>
+          </a:p>
+        </p:txBody>
+      </p:sp>
+      <p:sp>
+        <p:nvSpPr>
+          <p:cNvPr id="4" name="Slide Number Placeholder 3"/>
+          <p:cNvSpPr>
+            <a:spLocks noGrp="1"/>
+          </p:cNvSpPr>
+          <p:nvPr>
+            <p:ph type="sldNum" sz="quarter" idx="12"/>
+          </p:nvPr>
+        </p:nvSpPr>
+        <p:spPr/>
+        <p:txBody>
+          <a:bodyPr/>
+          <a:lstStyle/>
+          <a:p>
+            <a:fld id="{B6F15528-21DE-4FAA-801E-634DDDAF4B2B}" type="slidenum">
+              <a:rPr lang="en-US" smtClean="0"/>
+              <a:pPr/>
+              <a:t>62</a:t>
+            </a:fld>
+            <a:endParaRPr lang="en-US"/>
           </a:p>
         </p:txBody>
       </p:sp>
@@ -21141,6 +22420,30 @@
           <a:effectLst/>
         </p:spPr>
       </p:pic>
+      <p:sp>
+        <p:nvSpPr>
+          <p:cNvPr id="3" name="Slide Number Placeholder 2"/>
+          <p:cNvSpPr>
+            <a:spLocks noGrp="1"/>
+          </p:cNvSpPr>
+          <p:nvPr>
+            <p:ph type="sldNum" sz="quarter" idx="12"/>
+          </p:nvPr>
+        </p:nvSpPr>
+        <p:spPr/>
+        <p:txBody>
+          <a:bodyPr/>
+          <a:lstStyle/>
+          <a:p>
+            <a:fld id="{B6F15528-21DE-4FAA-801E-634DDDAF4B2B}" type="slidenum">
+              <a:rPr lang="en-US" smtClean="0"/>
+              <a:pPr/>
+              <a:t>63</a:t>
+            </a:fld>
+            <a:endParaRPr lang="en-US"/>
+          </a:p>
+        </p:txBody>
+      </p:sp>
     </p:spTree>
   </p:cSld>
   <p:clrMapOvr>
@@ -21309,32 +22612,25 @@
       </p:sp>
       <p:sp>
         <p:nvSpPr>
-          <p:cNvPr id="19459" name="Footer Placeholder 3"/>
+          <p:cNvPr id="2" name="Slide Number Placeholder 1"/>
           <p:cNvSpPr>
             <a:spLocks noGrp="1"/>
           </p:cNvSpPr>
           <p:nvPr>
-            <p:ph type="ftr" sz="quarter" idx="11"/>
-          </p:nvPr>
-        </p:nvSpPr>
-        <p:spPr>
-          <a:noFill/>
-        </p:spPr>
+            <p:ph type="sldNum" sz="quarter" idx="12"/>
+          </p:nvPr>
+        </p:nvSpPr>
+        <p:spPr/>
         <p:txBody>
           <a:bodyPr/>
           <a:lstStyle/>
           <a:p>
-            <a:fld id="{6226775D-2DBF-4BD5-92C5-DE447F338FB5}" type="slidenum">
+            <a:fld id="{B6F15528-21DE-4FAA-801E-634DDDAF4B2B}" type="slidenum">
               <a:rPr lang="en-US" smtClean="0"/>
               <a:pPr/>
               <a:t>64</a:t>
             </a:fld>
-            <a:r>
-              <a:rPr lang="en-US" smtClean="0">
-                <a:latin typeface="Times New Roman" pitchFamily="-80" charset="0"/>
-              </a:rPr>
-              <a:t> </a:t>
-            </a:r>
+            <a:endParaRPr lang="en-US"/>
           </a:p>
         </p:txBody>
       </p:sp>
@@ -21539,6 +22835,30 @@
           </a:extLst>
         </p:spPr>
       </p:pic>
+      <p:sp>
+        <p:nvSpPr>
+          <p:cNvPr id="3" name="Slide Number Placeholder 2"/>
+          <p:cNvSpPr>
+            <a:spLocks noGrp="1"/>
+          </p:cNvSpPr>
+          <p:nvPr>
+            <p:ph type="sldNum" sz="quarter" idx="12"/>
+          </p:nvPr>
+        </p:nvSpPr>
+        <p:spPr/>
+        <p:txBody>
+          <a:bodyPr/>
+          <a:lstStyle/>
+          <a:p>
+            <a:fld id="{B6F15528-21DE-4FAA-801E-634DDDAF4B2B}" type="slidenum">
+              <a:rPr lang="en-US" smtClean="0"/>
+              <a:pPr/>
+              <a:t>65</a:t>
+            </a:fld>
+            <a:endParaRPr lang="en-US"/>
+          </a:p>
+        </p:txBody>
+      </p:sp>
     </p:spTree>
   </p:cSld>
   <p:clrMapOvr>
@@ -21803,7 +23123,7 @@
           <a:graphicData uri="http://schemas.openxmlformats.org/presentationml/2006/ole">
             <mc:AlternateContent xmlns:mc="http://schemas.openxmlformats.org/markup-compatibility/2006">
               <mc:Choice xmlns:v="urn:schemas-microsoft-com:vml" Requires="v">
-                <p:oleObj spid="_x0000_s33823" name="Equation" r:id="rId5" imgW="3073320" imgH="1447560" progId="Equation.3">
+                <p:oleObj spid="_x0000_s33831" name="Equation" r:id="rId5" imgW="3073320" imgH="1447560" progId="Equation.3">
                   <p:embed/>
                 </p:oleObj>
               </mc:Choice>
@@ -21886,7 +23206,7 @@
           <a:graphicData uri="http://schemas.openxmlformats.org/presentationml/2006/ole">
             <mc:AlternateContent xmlns:mc="http://schemas.openxmlformats.org/markup-compatibility/2006">
               <mc:Choice xmlns:v="urn:schemas-microsoft-com:vml" Requires="v">
-                <p:oleObj spid="_x0000_s33824" name="Equation" r:id="rId7" imgW="3073320" imgH="1447560" progId="Equation.3">
+                <p:oleObj spid="_x0000_s33832" name="Equation" r:id="rId7" imgW="3073320" imgH="1447560" progId="Equation.3">
                   <p:embed/>
                 </p:oleObj>
               </mc:Choice>
@@ -22077,6 +23397,30 @@
           </a:extLst>
         </p:spPr>
       </p:pic>
+      <p:sp>
+        <p:nvSpPr>
+          <p:cNvPr id="3" name="Slide Number Placeholder 2"/>
+          <p:cNvSpPr>
+            <a:spLocks noGrp="1"/>
+          </p:cNvSpPr>
+          <p:nvPr>
+            <p:ph type="sldNum" sz="quarter" idx="12"/>
+          </p:nvPr>
+        </p:nvSpPr>
+        <p:spPr/>
+        <p:txBody>
+          <a:bodyPr/>
+          <a:lstStyle/>
+          <a:p>
+            <a:fld id="{B6F15528-21DE-4FAA-801E-634DDDAF4B2B}" type="slidenum">
+              <a:rPr lang="en-US" smtClean="0"/>
+              <a:pPr/>
+              <a:t>66</a:t>
+            </a:fld>
+            <a:endParaRPr lang="en-US"/>
+          </a:p>
+        </p:txBody>
+      </p:sp>
     </p:spTree>
     <p:extLst>
       <p:ext uri="{BB962C8B-B14F-4D97-AF65-F5344CB8AC3E}">
@@ -22677,7 +24021,7 @@
           <a:graphicData uri="http://schemas.openxmlformats.org/presentationml/2006/ole">
             <mc:AlternateContent xmlns:mc="http://schemas.openxmlformats.org/markup-compatibility/2006">
               <mc:Choice xmlns:v="urn:schemas-microsoft-com:vml" Requires="v">
-                <p:oleObj spid="_x0000_s34852" name="Equation" r:id="rId5" imgW="3073320" imgH="1447560" progId="Equation.3">
+                <p:oleObj spid="_x0000_s34860" name="Equation" r:id="rId5" imgW="3073320" imgH="1447560" progId="Equation.3">
                   <p:embed/>
                 </p:oleObj>
               </mc:Choice>
@@ -22760,7 +24104,7 @@
           <a:graphicData uri="http://schemas.openxmlformats.org/presentationml/2006/ole">
             <mc:AlternateContent xmlns:mc="http://schemas.openxmlformats.org/markup-compatibility/2006">
               <mc:Choice xmlns:v="urn:schemas-microsoft-com:vml" Requires="v">
-                <p:oleObj spid="_x0000_s34853" name="Equation" r:id="rId7" imgW="3085920" imgH="1447560" progId="Equation.3">
+                <p:oleObj spid="_x0000_s34861" name="Equation" r:id="rId7" imgW="3085920" imgH="1447560" progId="Equation.3">
                   <p:embed/>
                 </p:oleObj>
               </mc:Choice>
@@ -22821,6 +24165,30 @@
           </a:graphicData>
         </a:graphic>
       </p:graphicFrame>
+      <p:sp>
+        <p:nvSpPr>
+          <p:cNvPr id="3" name="Slide Number Placeholder 2"/>
+          <p:cNvSpPr>
+            <a:spLocks noGrp="1"/>
+          </p:cNvSpPr>
+          <p:nvPr>
+            <p:ph type="sldNum" sz="quarter" idx="12"/>
+          </p:nvPr>
+        </p:nvSpPr>
+        <p:spPr/>
+        <p:txBody>
+          <a:bodyPr/>
+          <a:lstStyle/>
+          <a:p>
+            <a:fld id="{B6F15528-21DE-4FAA-801E-634DDDAF4B2B}" type="slidenum">
+              <a:rPr lang="en-US" smtClean="0"/>
+              <a:pPr/>
+              <a:t>67</a:t>
+            </a:fld>
+            <a:endParaRPr lang="en-US"/>
+          </a:p>
+        </p:txBody>
+      </p:sp>
     </p:spTree>
     <p:extLst>
       <p:ext uri="{BB962C8B-B14F-4D97-AF65-F5344CB8AC3E}">
@@ -23225,7 +24593,7 @@
           <a:graphicData uri="http://schemas.openxmlformats.org/presentationml/2006/ole">
             <mc:AlternateContent xmlns:mc="http://schemas.openxmlformats.org/markup-compatibility/2006">
               <mc:Choice xmlns:v="urn:schemas-microsoft-com:vml" Requires="v">
-                <p:oleObj spid="_x0000_s35857" name="Equation" r:id="rId4" imgW="3073320" imgH="1447560" progId="Equation.3">
+                <p:oleObj spid="_x0000_s35865" name="Equation" r:id="rId4" imgW="3073320" imgH="1447560" progId="Equation.3">
                   <p:embed/>
                 </p:oleObj>
               </mc:Choice>
@@ -23489,7 +24857,7 @@
           <a:graphicData uri="http://schemas.openxmlformats.org/presentationml/2006/ole">
             <mc:AlternateContent xmlns:mc="http://schemas.openxmlformats.org/markup-compatibility/2006">
               <mc:Choice xmlns:v="urn:schemas-microsoft-com:vml" Requires="v">
-                <p:oleObj spid="_x0000_s35858" name="Equation" r:id="rId9" imgW="3073320" imgH="1447560" progId="Equation.3">
+                <p:oleObj spid="_x0000_s35866" name="Equation" r:id="rId9" imgW="3073320" imgH="1447560" progId="Equation.3">
                   <p:embed/>
                 </p:oleObj>
               </mc:Choice>
@@ -23550,6 +24918,30 @@
           </a:graphicData>
         </a:graphic>
       </p:graphicFrame>
+      <p:sp>
+        <p:nvSpPr>
+          <p:cNvPr id="3" name="Slide Number Placeholder 2"/>
+          <p:cNvSpPr>
+            <a:spLocks noGrp="1"/>
+          </p:cNvSpPr>
+          <p:nvPr>
+            <p:ph type="sldNum" sz="quarter" idx="12"/>
+          </p:nvPr>
+        </p:nvSpPr>
+        <p:spPr/>
+        <p:txBody>
+          <a:bodyPr/>
+          <a:lstStyle/>
+          <a:p>
+            <a:fld id="{B6F15528-21DE-4FAA-801E-634DDDAF4B2B}" type="slidenum">
+              <a:rPr lang="en-US" smtClean="0"/>
+              <a:pPr/>
+              <a:t>68</a:t>
+            </a:fld>
+            <a:endParaRPr lang="en-US"/>
+          </a:p>
+        </p:txBody>
+      </p:sp>
     </p:spTree>
     <p:extLst>
       <p:ext uri="{BB962C8B-B14F-4D97-AF65-F5344CB8AC3E}">
@@ -23886,7 +25278,7 @@
           <a:graphicData uri="http://schemas.openxmlformats.org/presentationml/2006/ole">
             <mc:AlternateContent xmlns:mc="http://schemas.openxmlformats.org/markup-compatibility/2006">
               <mc:Choice xmlns:v="urn:schemas-microsoft-com:vml" Requires="v">
-                <p:oleObj spid="_x0000_s32853" name="Equation" r:id="rId3" imgW="3301920" imgH="228600" progId="Equation.3">
+                <p:oleObj spid="_x0000_s32861" name="Equation" r:id="rId3" imgW="3301920" imgH="228600" progId="Equation.3">
                   <p:embed/>
                 </p:oleObj>
               </mc:Choice>
@@ -23950,7 +25342,7 @@
           <a:graphicData uri="http://schemas.openxmlformats.org/presentationml/2006/ole">
             <mc:AlternateContent xmlns:mc="http://schemas.openxmlformats.org/markup-compatibility/2006">
               <mc:Choice xmlns:v="urn:schemas-microsoft-com:vml" Requires="v">
-                <p:oleObj spid="_x0000_s32854" name="Equation" r:id="rId5" imgW="3314520" imgH="228600" progId="Equation.3">
+                <p:oleObj spid="_x0000_s32862" name="Equation" r:id="rId5" imgW="3314520" imgH="228600" progId="Equation.3">
                   <p:embed/>
                 </p:oleObj>
               </mc:Choice>
@@ -24439,6 +25831,30 @@
               <a:rPr lang="en-US" sz="1600" b="0" dirty="0" smtClean="0"/>
               <a:t>Because the fixed capacitors change the voltage profile of the system, they can impact the operation of the voltage regulator.</a:t>
             </a:r>
+          </a:p>
+        </p:txBody>
+      </p:sp>
+      <p:sp>
+        <p:nvSpPr>
+          <p:cNvPr id="4" name="Slide Number Placeholder 3"/>
+          <p:cNvSpPr>
+            <a:spLocks noGrp="1"/>
+          </p:cNvSpPr>
+          <p:nvPr>
+            <p:ph type="sldNum" sz="quarter" idx="12"/>
+          </p:nvPr>
+        </p:nvSpPr>
+        <p:spPr/>
+        <p:txBody>
+          <a:bodyPr/>
+          <a:lstStyle/>
+          <a:p>
+            <a:fld id="{B6F15528-21DE-4FAA-801E-634DDDAF4B2B}" type="slidenum">
+              <a:rPr lang="en-US" smtClean="0"/>
+              <a:pPr/>
+              <a:t>69</a:t>
+            </a:fld>
+            <a:endParaRPr lang="en-US"/>
           </a:p>
         </p:txBody>
       </p:sp>
@@ -24765,7 +26181,7 @@
           <a:graphicData uri="http://schemas.openxmlformats.org/presentationml/2006/ole">
             <mc:AlternateContent xmlns:mc="http://schemas.openxmlformats.org/markup-compatibility/2006">
               <mc:Choice xmlns:v="urn:schemas-microsoft-com:vml" Requires="v">
-                <p:oleObj spid="_x0000_s17473" name="Equation" r:id="rId3" imgW="3149280" imgH="469800" progId="Equation.3">
+                <p:oleObj spid="_x0000_s17477" name="Equation" r:id="rId3" imgW="3149280" imgH="469800" progId="Equation.3">
                   <p:embed/>
                 </p:oleObj>
               </mc:Choice>
@@ -24807,6 +26223,30 @@
           </a:graphicData>
         </a:graphic>
       </p:graphicFrame>
+      <p:sp>
+        <p:nvSpPr>
+          <p:cNvPr id="5" name="Slide Number Placeholder 4"/>
+          <p:cNvSpPr>
+            <a:spLocks noGrp="1"/>
+          </p:cNvSpPr>
+          <p:nvPr>
+            <p:ph type="sldNum" sz="quarter" idx="12"/>
+          </p:nvPr>
+        </p:nvSpPr>
+        <p:spPr/>
+        <p:txBody>
+          <a:bodyPr/>
+          <a:lstStyle/>
+          <a:p>
+            <a:fld id="{B6F15528-21DE-4FAA-801E-634DDDAF4B2B}" type="slidenum">
+              <a:rPr lang="en-US" smtClean="0"/>
+              <a:pPr/>
+              <a:t>7</a:t>
+            </a:fld>
+            <a:endParaRPr lang="en-US"/>
+          </a:p>
+        </p:txBody>
+      </p:sp>
     </p:spTree>
     <p:extLst>
       <p:ext uri="{BB962C8B-B14F-4D97-AF65-F5344CB8AC3E}">
@@ -24861,11 +26301,7 @@
           <a:p>
             <a:r>
               <a:rPr lang="en-US" smtClean="0"/>
-              <a:t>Module </a:t>
-            </a:r>
-            <a:r>
-              <a:rPr lang="en-US" smtClean="0"/>
-              <a:t>4 </a:t>
+              <a:t>Module 4 </a:t>
             </a:r>
             <a:r>
               <a:rPr lang="en-US" dirty="0" smtClean="0"/>
@@ -24962,6 +26398,30 @@
               </a:spcBef>
             </a:pPr>
             <a:endParaRPr lang="en-US" sz="2200" dirty="0" smtClean="0"/>
+          </a:p>
+        </p:txBody>
+      </p:sp>
+      <p:sp>
+        <p:nvSpPr>
+          <p:cNvPr id="2" name="Slide Number Placeholder 1"/>
+          <p:cNvSpPr>
+            <a:spLocks noGrp="1"/>
+          </p:cNvSpPr>
+          <p:nvPr>
+            <p:ph type="sldNum" sz="quarter" idx="12"/>
+          </p:nvPr>
+        </p:nvSpPr>
+        <p:spPr/>
+        <p:txBody>
+          <a:bodyPr/>
+          <a:lstStyle/>
+          <a:p>
+            <a:fld id="{B6F15528-21DE-4FAA-801E-634DDDAF4B2B}" type="slidenum">
+              <a:rPr lang="en-US" smtClean="0"/>
+              <a:pPr/>
+              <a:t>70</a:t>
+            </a:fld>
+            <a:endParaRPr lang="en-US"/>
           </a:p>
         </p:txBody>
       </p:sp>
@@ -25076,7 +26536,7 @@
           <a:graphicData uri="http://schemas.openxmlformats.org/presentationml/2006/ole">
             <mc:AlternateContent xmlns:mc="http://schemas.openxmlformats.org/markup-compatibility/2006">
               <mc:Choice xmlns:v="urn:schemas-microsoft-com:vml" Requires="v">
-                <p:oleObj spid="_x0000_s18555" name="Equation" r:id="rId3" imgW="3377880" imgH="469800" progId="Equation.3">
+                <p:oleObj spid="_x0000_s18563" name="Equation" r:id="rId3" imgW="3377880" imgH="469800" progId="Equation.3">
                   <p:embed/>
                 </p:oleObj>
               </mc:Choice>
@@ -25140,7 +26600,7 @@
           <a:graphicData uri="http://schemas.openxmlformats.org/presentationml/2006/ole">
             <mc:AlternateContent xmlns:mc="http://schemas.openxmlformats.org/markup-compatibility/2006">
               <mc:Choice xmlns:v="urn:schemas-microsoft-com:vml" Requires="v">
-                <p:oleObj spid="_x0000_s18556" name="Equation" r:id="rId5" imgW="3377880" imgH="469800" progId="Equation.3">
+                <p:oleObj spid="_x0000_s18564" name="Equation" r:id="rId5" imgW="3377880" imgH="469800" progId="Equation.3">
                   <p:embed/>
                 </p:oleObj>
               </mc:Choice>
@@ -25318,6 +26778,30 @@
           </a:extLst>
         </p:spPr>
       </p:pic>
+      <p:sp>
+        <p:nvSpPr>
+          <p:cNvPr id="4" name="Slide Number Placeholder 3"/>
+          <p:cNvSpPr>
+            <a:spLocks noGrp="1"/>
+          </p:cNvSpPr>
+          <p:nvPr>
+            <p:ph type="sldNum" sz="quarter" idx="12"/>
+          </p:nvPr>
+        </p:nvSpPr>
+        <p:spPr/>
+        <p:txBody>
+          <a:bodyPr/>
+          <a:lstStyle/>
+          <a:p>
+            <a:fld id="{B6F15528-21DE-4FAA-801E-634DDDAF4B2B}" type="slidenum">
+              <a:rPr lang="en-US" smtClean="0"/>
+              <a:pPr/>
+              <a:t>8</a:t>
+            </a:fld>
+            <a:endParaRPr lang="en-US"/>
+          </a:p>
+        </p:txBody>
+      </p:sp>
     </p:spTree>
     <p:extLst>
       <p:ext uri="{BB962C8B-B14F-4D97-AF65-F5344CB8AC3E}">
@@ -25711,7 +27195,7 @@
           <a:graphicData uri="http://schemas.openxmlformats.org/presentationml/2006/ole">
             <mc:AlternateContent xmlns:mc="http://schemas.openxmlformats.org/markup-compatibility/2006">
               <mc:Choice xmlns:v="urn:schemas-microsoft-com:vml" Requires="v">
-                <p:oleObj spid="_x0000_s19579" name="Equation" r:id="rId4" imgW="3377880" imgH="469800" progId="Equation.3">
+                <p:oleObj spid="_x0000_s19587" name="Equation" r:id="rId4" imgW="3377880" imgH="469800" progId="Equation.3">
                   <p:embed/>
                 </p:oleObj>
               </mc:Choice>
@@ -25800,7 +27284,7 @@
           <a:graphicData uri="http://schemas.openxmlformats.org/presentationml/2006/ole">
             <mc:AlternateContent xmlns:mc="http://schemas.openxmlformats.org/markup-compatibility/2006">
               <mc:Choice xmlns:v="urn:schemas-microsoft-com:vml" Requires="v">
-                <p:oleObj spid="_x0000_s19580" name="Equation" r:id="rId6" imgW="3187440" imgH="469800" progId="Equation.3">
+                <p:oleObj spid="_x0000_s19588" name="Equation" r:id="rId6" imgW="3187440" imgH="469800" progId="Equation.3">
                   <p:embed/>
                 </p:oleObj>
               </mc:Choice>
@@ -25861,6 +27345,30 @@
           </a:graphicData>
         </a:graphic>
       </p:graphicFrame>
+      <p:sp>
+        <p:nvSpPr>
+          <p:cNvPr id="6" name="Slide Number Placeholder 5"/>
+          <p:cNvSpPr>
+            <a:spLocks noGrp="1"/>
+          </p:cNvSpPr>
+          <p:nvPr>
+            <p:ph type="sldNum" sz="quarter" idx="12"/>
+          </p:nvPr>
+        </p:nvSpPr>
+        <p:spPr/>
+        <p:txBody>
+          <a:bodyPr/>
+          <a:lstStyle/>
+          <a:p>
+            <a:fld id="{B6F15528-21DE-4FAA-801E-634DDDAF4B2B}" type="slidenum">
+              <a:rPr lang="en-US" smtClean="0"/>
+              <a:pPr/>
+              <a:t>9</a:t>
+            </a:fld>
+            <a:endParaRPr lang="en-US"/>
+          </a:p>
+        </p:txBody>
+      </p:sp>
     </p:spTree>
   </p:cSld>
   <p:clrMapOvr>

--- a/University of Washington Class/Module 4 - Voltage control devices.pptx
+++ b/University of Washington Class/Module 4 - Voltage control devices.pptx
@@ -262,7 +262,7 @@
             <a:fld id="{30456DE2-1550-4DE2-8C7A-8D9992B45402}" type="datetimeFigureOut">
               <a:rPr lang="en-US" smtClean="0"/>
               <a:pPr/>
-              <a:t>11/17/2011</a:t>
+              <a:t>11/21/2011</a:t>
             </a:fld>
             <a:endParaRPr lang="en-US"/>
           </a:p>
@@ -714,7 +714,7 @@
           <a:p>
             <a:fld id="{F5373481-B42A-4D4F-86EA-A88290C58964}" type="datetime1">
               <a:rPr lang="en-US" smtClean="0"/>
-              <a:t>11/17/2011</a:t>
+              <a:t>11/21/2011</a:t>
             </a:fld>
             <a:endParaRPr lang="en-US"/>
           </a:p>
@@ -983,7 +983,7 @@
           <a:p>
             <a:fld id="{03F670FF-8926-4709-96F6-FC2958129ED2}" type="datetime1">
               <a:rPr lang="en-US" smtClean="0"/>
-              <a:t>11/17/2011</a:t>
+              <a:t>11/21/2011</a:t>
             </a:fld>
             <a:endParaRPr lang="en-US"/>
           </a:p>
@@ -1159,7 +1159,7 @@
           <a:p>
             <a:fld id="{1BF16CE4-EFFC-4BDF-B5A4-4A15C47E021B}" type="datetime1">
               <a:rPr lang="en-US" smtClean="0"/>
-              <a:t>11/17/2011</a:t>
+              <a:t>11/21/2011</a:t>
             </a:fld>
             <a:endParaRPr lang="en-US"/>
           </a:p>
@@ -1349,7 +1349,7 @@
           <a:p>
             <a:fld id="{D89124DC-29B6-4231-9D25-0C78D5EFDDC9}" type="datetime1">
               <a:rPr lang="en-US" smtClean="0"/>
-              <a:t>11/17/2011</a:t>
+              <a:t>11/21/2011</a:t>
             </a:fld>
             <a:endParaRPr lang="en-US" dirty="0"/>
           </a:p>
@@ -1598,7 +1598,7 @@
           <a:p>
             <a:fld id="{63DA24F3-3618-4EAF-A9E8-EEFE221E1493}" type="datetime1">
               <a:rPr lang="en-US" smtClean="0"/>
-              <a:t>11/17/2011</a:t>
+              <a:t>11/21/2011</a:t>
             </a:fld>
             <a:endParaRPr lang="en-US"/>
           </a:p>
@@ -1882,7 +1882,7 @@
           <a:p>
             <a:fld id="{69D8CDEA-265C-4EA9-A607-0D7D771780DB}" type="datetime1">
               <a:rPr lang="en-US" smtClean="0"/>
-              <a:t>11/17/2011</a:t>
+              <a:t>11/21/2011</a:t>
             </a:fld>
             <a:endParaRPr lang="en-US"/>
           </a:p>
@@ -2300,7 +2300,7 @@
           <a:p>
             <a:fld id="{ACFA6542-36F3-4A89-93B6-B9FED0856CDB}" type="datetime1">
               <a:rPr lang="en-US" smtClean="0"/>
-              <a:t>11/17/2011</a:t>
+              <a:t>11/21/2011</a:t>
             </a:fld>
             <a:endParaRPr lang="en-US"/>
           </a:p>
@@ -2414,7 +2414,7 @@
           <a:p>
             <a:fld id="{AE3B9829-009A-44FD-B649-E323418E7E5E}" type="datetime1">
               <a:rPr lang="en-US" smtClean="0"/>
-              <a:t>11/17/2011</a:t>
+              <a:t>11/21/2011</a:t>
             </a:fld>
             <a:endParaRPr lang="en-US"/>
           </a:p>
@@ -2505,7 +2505,7 @@
           <a:p>
             <a:fld id="{4391B5C5-7D92-4C37-8071-F3311CBE73D5}" type="datetime1">
               <a:rPr lang="en-US" smtClean="0"/>
-              <a:t>11/17/2011</a:t>
+              <a:t>11/21/2011</a:t>
             </a:fld>
             <a:endParaRPr lang="en-US"/>
           </a:p>
@@ -2778,7 +2778,7 @@
           <a:p>
             <a:fld id="{4689F7FE-6C86-4059-B972-0BBDA5F301D9}" type="datetime1">
               <a:rPr lang="en-US" smtClean="0"/>
-              <a:t>11/17/2011</a:t>
+              <a:t>11/21/2011</a:t>
             </a:fld>
             <a:endParaRPr lang="en-US"/>
           </a:p>
@@ -3027,7 +3027,7 @@
           <a:p>
             <a:fld id="{F09338A6-2CCC-46F1-9871-B278557BB635}" type="datetime1">
               <a:rPr lang="en-US" smtClean="0"/>
-              <a:t>11/17/2011</a:t>
+              <a:t>11/21/2011</a:t>
             </a:fld>
             <a:endParaRPr lang="en-US"/>
           </a:p>
@@ -3240,7 +3240,7 @@
           <a:p>
             <a:fld id="{14FE97D8-1050-4CA4-8B4F-E964B5B645D9}" type="datetime1">
               <a:rPr lang="en-US" smtClean="0"/>
-              <a:t>11/17/2011</a:t>
+              <a:t>11/21/2011</a:t>
             </a:fld>
             <a:endParaRPr lang="en-US" dirty="0"/>
           </a:p>
@@ -4815,7 +4815,7 @@
           <a:graphicData uri="http://schemas.openxmlformats.org/presentationml/2006/ole">
             <mc:AlternateContent xmlns:mc="http://schemas.openxmlformats.org/markup-compatibility/2006">
               <mc:Choice xmlns:v="urn:schemas-microsoft-com:vml" Requires="v">
-                <p:oleObj spid="_x0000_s20635" name="Equation" r:id="rId7" imgW="1739880" imgH="228600" progId="Equation.3">
+                <p:oleObj spid="_x0000_s20638" name="Equation" r:id="rId7" imgW="1739880" imgH="228600" progId="Equation.3">
                   <p:embed/>
                 </p:oleObj>
               </mc:Choice>
@@ -4879,7 +4879,7 @@
           <a:graphicData uri="http://schemas.openxmlformats.org/presentationml/2006/ole">
             <mc:AlternateContent xmlns:mc="http://schemas.openxmlformats.org/markup-compatibility/2006">
               <mc:Choice xmlns:v="urn:schemas-microsoft-com:vml" Requires="v">
-                <p:oleObj spid="_x0000_s20636" name="Equation" r:id="rId9" imgW="2108160" imgH="228600" progId="Equation.3">
+                <p:oleObj spid="_x0000_s20639" name="Equation" r:id="rId9" imgW="2108160" imgH="228600" progId="Equation.3">
                   <p:embed/>
                 </p:oleObj>
               </mc:Choice>
@@ -4943,7 +4943,7 @@
           <a:graphicData uri="http://schemas.openxmlformats.org/presentationml/2006/ole">
             <mc:AlternateContent xmlns:mc="http://schemas.openxmlformats.org/markup-compatibility/2006">
               <mc:Choice xmlns:v="urn:schemas-microsoft-com:vml" Requires="v">
-                <p:oleObj spid="_x0000_s20637" name="Equation" r:id="rId11" imgW="1981080" imgH="253800" progId="Equation.3">
+                <p:oleObj spid="_x0000_s20640" name="Equation" r:id="rId11" imgW="1981080" imgH="253800" progId="Equation.3">
                   <p:embed/>
                 </p:oleObj>
               </mc:Choice>
@@ -5994,7 +5994,7 @@
           <a:graphicData uri="http://schemas.openxmlformats.org/presentationml/2006/ole">
             <mc:AlternateContent xmlns:mc="http://schemas.openxmlformats.org/markup-compatibility/2006">
               <mc:Choice xmlns:v="urn:schemas-microsoft-com:vml" Requires="v">
-                <p:oleObj spid="_x0000_s24626" name="Equation" r:id="rId3" imgW="850680" imgH="431640" progId="Equation.3">
+                <p:oleObj spid="_x0000_s24627" name="Equation" r:id="rId3" imgW="850680" imgH="431640" progId="Equation.3">
                   <p:embed/>
                 </p:oleObj>
               </mc:Choice>
@@ -6320,7 +6320,7 @@
           <a:graphicData uri="http://schemas.openxmlformats.org/presentationml/2006/ole">
             <mc:AlternateContent xmlns:mc="http://schemas.openxmlformats.org/markup-compatibility/2006">
               <mc:Choice xmlns:v="urn:schemas-microsoft-com:vml" Requires="v">
-                <p:oleObj spid="_x0000_s25685" name="Equation" r:id="rId3" imgW="850680" imgH="431640" progId="Equation.3">
+                <p:oleObj spid="_x0000_s25687" name="Equation" r:id="rId3" imgW="850680" imgH="431640" progId="Equation.3">
                   <p:embed/>
                 </p:oleObj>
               </mc:Choice>
@@ -6409,7 +6409,7 @@
           <a:graphicData uri="http://schemas.openxmlformats.org/presentationml/2006/ole">
             <mc:AlternateContent xmlns:mc="http://schemas.openxmlformats.org/markup-compatibility/2006">
               <mc:Choice xmlns:v="urn:schemas-microsoft-com:vml" Requires="v">
-                <p:oleObj spid="_x0000_s25686" name="Equation" r:id="rId5" imgW="850680" imgH="431640" progId="Equation.3">
+                <p:oleObj spid="_x0000_s25688" name="Equation" r:id="rId5" imgW="850680" imgH="431640" progId="Equation.3">
                   <p:embed/>
                 </p:oleObj>
               </mc:Choice>
@@ -7048,7 +7048,7 @@
           <a:graphicData uri="http://schemas.openxmlformats.org/presentationml/2006/ole">
             <mc:AlternateContent xmlns:mc="http://schemas.openxmlformats.org/markup-compatibility/2006">
               <mc:Choice xmlns:v="urn:schemas-microsoft-com:vml" Requires="v">
-                <p:oleObj spid="_x0000_s21631" name="Equation" r:id="rId3" imgW="850680" imgH="431640" progId="Equation.3">
+                <p:oleObj spid="_x0000_s21633" name="Equation" r:id="rId3" imgW="850680" imgH="431640" progId="Equation.3">
                   <p:embed/>
                 </p:oleObj>
               </mc:Choice>
@@ -7112,7 +7112,7 @@
           <a:graphicData uri="http://schemas.openxmlformats.org/presentationml/2006/ole">
             <mc:AlternateContent xmlns:mc="http://schemas.openxmlformats.org/markup-compatibility/2006">
               <mc:Choice xmlns:v="urn:schemas-microsoft-com:vml" Requires="v">
-                <p:oleObj spid="_x0000_s21632" name="Equation" r:id="rId5" imgW="1193760" imgH="431640" progId="Equation.3">
+                <p:oleObj spid="_x0000_s21634" name="Equation" r:id="rId5" imgW="1193760" imgH="431640" progId="Equation.3">
                   <p:embed/>
                 </p:oleObj>
               </mc:Choice>
@@ -11181,7 +11181,7 @@
           <a:graphicData uri="http://schemas.openxmlformats.org/presentationml/2006/ole">
             <mc:AlternateContent xmlns:mc="http://schemas.openxmlformats.org/markup-compatibility/2006">
               <mc:Choice xmlns:v="urn:schemas-microsoft-com:vml" Requires="v">
-                <p:oleObj spid="_x0000_s2314" name="Equation" r:id="rId3" imgW="4203360" imgH="558720" progId="Equation.3">
+                <p:oleObj spid="_x0000_s2317" name="Equation" r:id="rId3" imgW="4203360" imgH="558720" progId="Equation.3">
                   <p:embed/>
                 </p:oleObj>
               </mc:Choice>
@@ -11249,7 +11249,7 @@
           <a:graphicData uri="http://schemas.openxmlformats.org/presentationml/2006/ole">
             <mc:AlternateContent xmlns:mc="http://schemas.openxmlformats.org/markup-compatibility/2006">
               <mc:Choice xmlns:v="urn:schemas-microsoft-com:vml" Requires="v">
-                <p:oleObj spid="_x0000_s2315" name="Equation" r:id="rId5" imgW="4165560" imgH="558720" progId="Equation.3">
+                <p:oleObj spid="_x0000_s2318" name="Equation" r:id="rId5" imgW="4165560" imgH="558720" progId="Equation.3">
                   <p:embed/>
                 </p:oleObj>
               </mc:Choice>
@@ -11317,7 +11317,7 @@
           <a:graphicData uri="http://schemas.openxmlformats.org/presentationml/2006/ole">
             <mc:AlternateContent xmlns:mc="http://schemas.openxmlformats.org/markup-compatibility/2006">
               <mc:Choice xmlns:v="urn:schemas-microsoft-com:vml" Requires="v">
-                <p:oleObj spid="_x0000_s2316" name="Equation" r:id="rId7" imgW="1015920" imgH="228600" progId="Equation.3">
+                <p:oleObj spid="_x0000_s2319" name="Equation" r:id="rId7" imgW="1015920" imgH="228600" progId="Equation.3">
                   <p:embed/>
                 </p:oleObj>
               </mc:Choice>
@@ -12478,7 +12478,7 @@
           <a:graphicData uri="http://schemas.openxmlformats.org/presentationml/2006/ole">
             <mc:AlternateContent xmlns:mc="http://schemas.openxmlformats.org/markup-compatibility/2006">
               <mc:Choice xmlns:v="urn:schemas-microsoft-com:vml" Requires="v">
-                <p:oleObj spid="_x0000_s16523" name="Equation" r:id="rId3" imgW="4965480" imgH="558720" progId="Equation.3">
+                <p:oleObj spid="_x0000_s16525" name="Equation" r:id="rId3" imgW="4965480" imgH="558720" progId="Equation.3">
                   <p:embed/>
                 </p:oleObj>
               </mc:Choice>
@@ -12548,7 +12548,7 @@
           <a:graphicData uri="http://schemas.openxmlformats.org/presentationml/2006/ole">
             <mc:AlternateContent xmlns:mc="http://schemas.openxmlformats.org/markup-compatibility/2006">
               <mc:Choice xmlns:v="urn:schemas-microsoft-com:vml" Requires="v">
-                <p:oleObj spid="_x0000_s16524" name="Equation" r:id="rId5" imgW="4927320" imgH="558720" progId="Equation.3">
+                <p:oleObj spid="_x0000_s16526" name="Equation" r:id="rId5" imgW="4927320" imgH="558720" progId="Equation.3">
                   <p:embed/>
                 </p:oleObj>
               </mc:Choice>
@@ -14784,7 +14784,7 @@
           <a:graphicData uri="http://schemas.openxmlformats.org/presentationml/2006/ole">
             <mc:AlternateContent xmlns:mc="http://schemas.openxmlformats.org/markup-compatibility/2006">
               <mc:Choice xmlns:v="urn:schemas-microsoft-com:vml" Requires="v">
-                <p:oleObj spid="_x0000_s27686" name="Equation" r:id="rId3" imgW="114120" imgH="215640" progId="Equation.3">
+                <p:oleObj spid="_x0000_s27687" name="Equation" r:id="rId3" imgW="114120" imgH="215640" progId="Equation.3">
                   <p:embed/>
                 </p:oleObj>
               </mc:Choice>
@@ -14944,7 +14944,7 @@
           <a:graphicData uri="http://schemas.openxmlformats.org/presentationml/2006/ole">
             <mc:AlternateContent xmlns:mc="http://schemas.openxmlformats.org/markup-compatibility/2006">
               <mc:Choice xmlns:v="urn:schemas-microsoft-com:vml" Requires="v">
-                <p:oleObj spid="_x0000_s10880" name="Equation" r:id="rId3" imgW="114120" imgH="215640" progId="Equation.3">
+                <p:oleObj spid="_x0000_s10888" name="Equation" r:id="rId3" imgW="114120" imgH="215640" progId="Equation.3">
                   <p:embed/>
                 </p:oleObj>
               </mc:Choice>
@@ -15014,7 +15014,7 @@
           <a:graphicData uri="http://schemas.openxmlformats.org/presentationml/2006/ole">
             <mc:AlternateContent xmlns:mc="http://schemas.openxmlformats.org/markup-compatibility/2006">
               <mc:Choice xmlns:v="urn:schemas-microsoft-com:vml" Requires="v">
-                <p:oleObj spid="_x0000_s10881" name="Equation" r:id="rId5" imgW="4076640" imgH="558720" progId="Equation.3">
+                <p:oleObj spid="_x0000_s10889" name="Equation" r:id="rId5" imgW="4076640" imgH="558720" progId="Equation.3">
                   <p:embed/>
                 </p:oleObj>
               </mc:Choice>
@@ -15084,7 +15084,7 @@
           <a:graphicData uri="http://schemas.openxmlformats.org/presentationml/2006/ole">
             <mc:AlternateContent xmlns:mc="http://schemas.openxmlformats.org/markup-compatibility/2006">
               <mc:Choice xmlns:v="urn:schemas-microsoft-com:vml" Requires="v">
-                <p:oleObj spid="_x0000_s10882" name="Equation" r:id="rId7" imgW="4038480" imgH="558720" progId="Equation.3">
+                <p:oleObj spid="_x0000_s10890" name="Equation" r:id="rId7" imgW="4038480" imgH="558720" progId="Equation.3">
                   <p:embed/>
                 </p:oleObj>
               </mc:Choice>
@@ -15160,7 +15160,7 @@
           <a:graphicData uri="http://schemas.openxmlformats.org/presentationml/2006/ole">
             <mc:AlternateContent xmlns:mc="http://schemas.openxmlformats.org/markup-compatibility/2006">
               <mc:Choice xmlns:v="urn:schemas-microsoft-com:vml" Requires="v">
-                <p:oleObj spid="_x0000_s10883" name="Equation" r:id="rId9" imgW="1777680" imgH="241200" progId="Equation.3">
+                <p:oleObj spid="_x0000_s10891" name="Equation" r:id="rId9" imgW="1777680" imgH="241200" progId="Equation.3">
                   <p:embed/>
                 </p:oleObj>
               </mc:Choice>
@@ -15230,7 +15230,7 @@
           <a:graphicData uri="http://schemas.openxmlformats.org/presentationml/2006/ole">
             <mc:AlternateContent xmlns:mc="http://schemas.openxmlformats.org/markup-compatibility/2006">
               <mc:Choice xmlns:v="urn:schemas-microsoft-com:vml" Requires="v">
-                <p:oleObj spid="_x0000_s10884" name="Equation" r:id="rId11" imgW="977760" imgH="228600" progId="Equation.3">
+                <p:oleObj spid="_x0000_s10892" name="Equation" r:id="rId11" imgW="977760" imgH="228600" progId="Equation.3">
                   <p:embed/>
                 </p:oleObj>
               </mc:Choice>
@@ -15300,7 +15300,7 @@
           <a:graphicData uri="http://schemas.openxmlformats.org/presentationml/2006/ole">
             <mc:AlternateContent xmlns:mc="http://schemas.openxmlformats.org/markup-compatibility/2006">
               <mc:Choice xmlns:v="urn:schemas-microsoft-com:vml" Requires="v">
-                <p:oleObj spid="_x0000_s10885" name="Equation" r:id="rId13" imgW="1536480" imgH="482400" progId="Equation.3">
+                <p:oleObj spid="_x0000_s10893" name="Equation" r:id="rId13" imgW="1536480" imgH="482400" progId="Equation.3">
                   <p:embed/>
                 </p:oleObj>
               </mc:Choice>
@@ -15370,7 +15370,7 @@
           <a:graphicData uri="http://schemas.openxmlformats.org/presentationml/2006/ole">
             <mc:AlternateContent xmlns:mc="http://schemas.openxmlformats.org/markup-compatibility/2006">
               <mc:Choice xmlns:v="urn:schemas-microsoft-com:vml" Requires="v">
-                <p:oleObj spid="_x0000_s10886" name="Equation" r:id="rId15" imgW="2145960" imgH="431640" progId="Equation.3">
+                <p:oleObj spid="_x0000_s10894" name="Equation" r:id="rId15" imgW="2145960" imgH="431640" progId="Equation.3">
                   <p:embed/>
                 </p:oleObj>
               </mc:Choice>
@@ -15440,7 +15440,7 @@
           <a:graphicData uri="http://schemas.openxmlformats.org/presentationml/2006/ole">
             <mc:AlternateContent xmlns:mc="http://schemas.openxmlformats.org/markup-compatibility/2006">
               <mc:Choice xmlns:v="urn:schemas-microsoft-com:vml" Requires="v">
-                <p:oleObj spid="_x0000_s10887" name="Equation" r:id="rId17" imgW="1612800" imgH="228600" progId="Equation.3">
+                <p:oleObj spid="_x0000_s10895" name="Equation" r:id="rId17" imgW="1612800" imgH="228600" progId="Equation.3">
                   <p:embed/>
                 </p:oleObj>
               </mc:Choice>
@@ -16334,7 +16334,7 @@
           <a:graphicData uri="http://schemas.openxmlformats.org/presentationml/2006/ole">
             <mc:AlternateContent xmlns:mc="http://schemas.openxmlformats.org/markup-compatibility/2006">
               <mc:Choice xmlns:v="urn:schemas-microsoft-com:vml" Requires="v">
-                <p:oleObj spid="_x0000_s28830" name="Equation" r:id="rId3" imgW="114120" imgH="215640" progId="Equation.3">
+                <p:oleObj spid="_x0000_s28834" name="Equation" r:id="rId3" imgW="114120" imgH="215640" progId="Equation.3">
                   <p:embed/>
                 </p:oleObj>
               </mc:Choice>
@@ -16410,7 +16410,7 @@
           <a:graphicData uri="http://schemas.openxmlformats.org/presentationml/2006/ole">
             <mc:AlternateContent xmlns:mc="http://schemas.openxmlformats.org/markup-compatibility/2006">
               <mc:Choice xmlns:v="urn:schemas-microsoft-com:vml" Requires="v">
-                <p:oleObj spid="_x0000_s28831" name="Equation" r:id="rId5" imgW="10756800" imgH="1143000" progId="Equation.3">
+                <p:oleObj spid="_x0000_s28835" name="Equation" r:id="rId5" imgW="10756800" imgH="1143000" progId="Equation.3">
                   <p:embed/>
                 </p:oleObj>
               </mc:Choice>
@@ -16472,7 +16472,7 @@
           <a:graphicData uri="http://schemas.openxmlformats.org/presentationml/2006/ole">
             <mc:AlternateContent xmlns:mc="http://schemas.openxmlformats.org/markup-compatibility/2006">
               <mc:Choice xmlns:v="urn:schemas-microsoft-com:vml" Requires="v">
-                <p:oleObj spid="_x0000_s28832" name="Equation" r:id="rId7" imgW="2145960" imgH="431640" progId="Equation.3">
+                <p:oleObj spid="_x0000_s28836" name="Equation" r:id="rId7" imgW="2145960" imgH="431640" progId="Equation.3">
                   <p:embed/>
                 </p:oleObj>
               </mc:Choice>
@@ -16561,7 +16561,7 @@
           <a:graphicData uri="http://schemas.openxmlformats.org/presentationml/2006/ole">
             <mc:AlternateContent xmlns:mc="http://schemas.openxmlformats.org/markup-compatibility/2006">
               <mc:Choice xmlns:v="urn:schemas-microsoft-com:vml" Requires="v">
-                <p:oleObj spid="_x0000_s28833" name="Equation" r:id="rId9" imgW="10553400" imgH="1143000" progId="Equation.3">
+                <p:oleObj spid="_x0000_s28837" name="Equation" r:id="rId9" imgW="10553400" imgH="1143000" progId="Equation.3">
                   <p:embed/>
                 </p:oleObj>
               </mc:Choice>
@@ -17076,7 +17076,7 @@
           <a:graphicData uri="http://schemas.openxmlformats.org/presentationml/2006/ole">
             <mc:AlternateContent xmlns:mc="http://schemas.openxmlformats.org/markup-compatibility/2006">
               <mc:Choice xmlns:v="urn:schemas-microsoft-com:vml" Requires="v">
-                <p:oleObj spid="_x0000_s11810" name="Equation" r:id="rId3" imgW="114120" imgH="215640" progId="Equation.3">
+                <p:oleObj spid="_x0000_s11817" name="Equation" r:id="rId3" imgW="114120" imgH="215640" progId="Equation.3">
                   <p:embed/>
                 </p:oleObj>
               </mc:Choice>
@@ -17146,7 +17146,7 @@
           <a:graphicData uri="http://schemas.openxmlformats.org/presentationml/2006/ole">
             <mc:AlternateContent xmlns:mc="http://schemas.openxmlformats.org/markup-compatibility/2006">
               <mc:Choice xmlns:v="urn:schemas-microsoft-com:vml" Requires="v">
-                <p:oleObj spid="_x0000_s11811" name="Equation" r:id="rId5" imgW="1803240" imgH="482400" progId="Equation.3">
+                <p:oleObj spid="_x0000_s11818" name="Equation" r:id="rId5" imgW="1803240" imgH="482400" progId="Equation.3">
                   <p:embed/>
                 </p:oleObj>
               </mc:Choice>
@@ -17216,7 +17216,7 @@
           <a:graphicData uri="http://schemas.openxmlformats.org/presentationml/2006/ole">
             <mc:AlternateContent xmlns:mc="http://schemas.openxmlformats.org/markup-compatibility/2006">
               <mc:Choice xmlns:v="urn:schemas-microsoft-com:vml" Requires="v">
-                <p:oleObj spid="_x0000_s11812" name="Equation" r:id="rId7" imgW="1790640" imgH="266400" progId="Equation.3">
+                <p:oleObj spid="_x0000_s11819" name="Equation" r:id="rId7" imgW="1790640" imgH="266400" progId="Equation.3">
                   <p:embed/>
                 </p:oleObj>
               </mc:Choice>
@@ -17292,7 +17292,7 @@
           <a:graphicData uri="http://schemas.openxmlformats.org/presentationml/2006/ole">
             <mc:AlternateContent xmlns:mc="http://schemas.openxmlformats.org/markup-compatibility/2006">
               <mc:Choice xmlns:v="urn:schemas-microsoft-com:vml" Requires="v">
-                <p:oleObj spid="_x0000_s11813" name="Equation" r:id="rId9" imgW="2145960" imgH="431640" progId="Equation.3">
+                <p:oleObj spid="_x0000_s11820" name="Equation" r:id="rId9" imgW="2145960" imgH="431640" progId="Equation.3">
                   <p:embed/>
                 </p:oleObj>
               </mc:Choice>
@@ -17356,7 +17356,7 @@
           <a:graphicData uri="http://schemas.openxmlformats.org/presentationml/2006/ole">
             <mc:AlternateContent xmlns:mc="http://schemas.openxmlformats.org/markup-compatibility/2006">
               <mc:Choice xmlns:v="urn:schemas-microsoft-com:vml" Requires="v">
-                <p:oleObj spid="_x0000_s11814" name="Equation" r:id="rId11" imgW="2450880" imgH="228600" progId="Equation.3">
+                <p:oleObj spid="_x0000_s11821" name="Equation" r:id="rId11" imgW="2450880" imgH="228600" progId="Equation.3">
                   <p:embed/>
                 </p:oleObj>
               </mc:Choice>
@@ -17426,7 +17426,7 @@
           <a:graphicData uri="http://schemas.openxmlformats.org/presentationml/2006/ole">
             <mc:AlternateContent xmlns:mc="http://schemas.openxmlformats.org/markup-compatibility/2006">
               <mc:Choice xmlns:v="urn:schemas-microsoft-com:vml" Requires="v">
-                <p:oleObj spid="_x0000_s11815" name="Equation" r:id="rId13" imgW="634680" imgH="215640" progId="Equation.3">
+                <p:oleObj spid="_x0000_s11822" name="Equation" r:id="rId13" imgW="634680" imgH="215640" progId="Equation.3">
                   <p:embed/>
                 </p:oleObj>
               </mc:Choice>
@@ -17556,7 +17556,7 @@
           <a:graphicData uri="http://schemas.openxmlformats.org/presentationml/2006/ole">
             <mc:AlternateContent xmlns:mc="http://schemas.openxmlformats.org/markup-compatibility/2006">
               <mc:Choice xmlns:v="urn:schemas-microsoft-com:vml" Requires="v">
-                <p:oleObj spid="_x0000_s11816" name="Equation" r:id="rId15" imgW="1333440" imgH="1218960" progId="Equation.3">
+                <p:oleObj spid="_x0000_s11823" name="Equation" r:id="rId15" imgW="1333440" imgH="1218960" progId="Equation.3">
                   <p:embed/>
                 </p:oleObj>
               </mc:Choice>
@@ -18291,7 +18291,7 @@
           <a:graphicData uri="http://schemas.openxmlformats.org/presentationml/2006/ole">
             <mc:AlternateContent xmlns:mc="http://schemas.openxmlformats.org/markup-compatibility/2006">
               <mc:Choice xmlns:v="urn:schemas-microsoft-com:vml" Requires="v">
-                <p:oleObj spid="_x0000_s12535" name="Equation" r:id="rId3" imgW="114120" imgH="215640" progId="Equation.3">
+                <p:oleObj spid="_x0000_s12537" name="Equation" r:id="rId3" imgW="114120" imgH="215640" progId="Equation.3">
                   <p:embed/>
                 </p:oleObj>
               </mc:Choice>
@@ -18367,7 +18367,7 @@
           <a:graphicData uri="http://schemas.openxmlformats.org/presentationml/2006/ole">
             <mc:AlternateContent xmlns:mc="http://schemas.openxmlformats.org/markup-compatibility/2006">
               <mc:Choice xmlns:v="urn:schemas-microsoft-com:vml" Requires="v">
-                <p:oleObj spid="_x0000_s12536" name="Equation" r:id="rId5" imgW="1015920" imgH="1612800" progId="Equation.3">
+                <p:oleObj spid="_x0000_s12538" name="Equation" r:id="rId5" imgW="1015920" imgH="1612800" progId="Equation.3">
                   <p:embed/>
                 </p:oleObj>
               </mc:Choice>
@@ -18836,7 +18836,7 @@
           <a:graphicData uri="http://schemas.openxmlformats.org/presentationml/2006/ole">
             <mc:AlternateContent xmlns:mc="http://schemas.openxmlformats.org/markup-compatibility/2006">
               <mc:Choice xmlns:v="urn:schemas-microsoft-com:vml" Requires="v">
-                <p:oleObj spid="_x0000_s30760" name="Equation" r:id="rId3" imgW="5333760" imgH="558720" progId="Equation.3">
+                <p:oleObj spid="_x0000_s30762" name="Equation" r:id="rId3" imgW="5333760" imgH="558720" progId="Equation.3">
                   <p:embed/>
                 </p:oleObj>
               </mc:Choice>
@@ -18900,7 +18900,7 @@
           <a:graphicData uri="http://schemas.openxmlformats.org/presentationml/2006/ole">
             <mc:AlternateContent xmlns:mc="http://schemas.openxmlformats.org/markup-compatibility/2006">
               <mc:Choice xmlns:v="urn:schemas-microsoft-com:vml" Requires="v">
-                <p:oleObj spid="_x0000_s30761" name="Equation" r:id="rId5" imgW="5295600" imgH="558720" progId="Equation.3">
+                <p:oleObj spid="_x0000_s30763" name="Equation" r:id="rId5" imgW="5295600" imgH="558720" progId="Equation.3">
                   <p:embed/>
                 </p:oleObj>
               </mc:Choice>
@@ -19589,7 +19589,7 @@
           <a:graphicData uri="http://schemas.openxmlformats.org/presentationml/2006/ole">
             <mc:AlternateContent xmlns:mc="http://schemas.openxmlformats.org/markup-compatibility/2006">
               <mc:Choice xmlns:v="urn:schemas-microsoft-com:vml" Requires="v">
-                <p:oleObj spid="_x0000_s29732" name="Equation" r:id="rId3" imgW="1942920" imgH="761760" progId="Equation.3">
+                <p:oleObj spid="_x0000_s29733" name="Equation" r:id="rId3" imgW="1942920" imgH="761760" progId="Equation.3">
                   <p:embed/>
                 </p:oleObj>
               </mc:Choice>
@@ -20846,7 +20846,7 @@
           <a:graphicData uri="http://schemas.openxmlformats.org/presentationml/2006/ole">
             <mc:AlternateContent xmlns:mc="http://schemas.openxmlformats.org/markup-compatibility/2006">
               <mc:Choice xmlns:v="urn:schemas-microsoft-com:vml" Requires="v">
-                <p:oleObj spid="_x0000_s3226" name="Equation" r:id="rId4" imgW="3759120" imgH="431640" progId="Equation.3">
+                <p:oleObj spid="_x0000_s3228" name="Equation" r:id="rId4" imgW="3759120" imgH="431640" progId="Equation.3">
                   <p:embed/>
                 </p:oleObj>
               </mc:Choice>
@@ -20914,7 +20914,7 @@
           <a:graphicData uri="http://schemas.openxmlformats.org/presentationml/2006/ole">
             <mc:AlternateContent xmlns:mc="http://schemas.openxmlformats.org/markup-compatibility/2006">
               <mc:Choice xmlns:v="urn:schemas-microsoft-com:vml" Requires="v">
-                <p:oleObj spid="_x0000_s3227" name="Equation" r:id="rId6" imgW="2489040" imgH="431640" progId="Equation.3">
+                <p:oleObj spid="_x0000_s3229" name="Equation" r:id="rId6" imgW="2489040" imgH="431640" progId="Equation.3">
                   <p:embed/>
                 </p:oleObj>
               </mc:Choice>
@@ -21600,7 +21600,7 @@
           <a:graphicData uri="http://schemas.openxmlformats.org/presentationml/2006/ole">
             <mc:AlternateContent xmlns:mc="http://schemas.openxmlformats.org/markup-compatibility/2006">
               <mc:Choice xmlns:v="urn:schemas-microsoft-com:vml" Requires="v">
-                <p:oleObj spid="_x0000_s4177" r:id="rId3" imgW="3235112" imgH="3234987" progId="Msxml2.SAXXMLReader.5.0">
+                <p:oleObj spid="_x0000_s4178" r:id="rId3" imgW="3235112" imgH="3234987" progId="Msxml2.SAXXMLReader.5.0">
                   <p:embed/>
                 </p:oleObj>
               </mc:Choice>
@@ -23123,7 +23123,7 @@
           <a:graphicData uri="http://schemas.openxmlformats.org/presentationml/2006/ole">
             <mc:AlternateContent xmlns:mc="http://schemas.openxmlformats.org/markup-compatibility/2006">
               <mc:Choice xmlns:v="urn:schemas-microsoft-com:vml" Requires="v">
-                <p:oleObj spid="_x0000_s33831" name="Equation" r:id="rId5" imgW="3073320" imgH="1447560" progId="Equation.3">
+                <p:oleObj spid="_x0000_s33833" name="Equation" r:id="rId5" imgW="3073320" imgH="1447560" progId="Equation.3">
                   <p:embed/>
                 </p:oleObj>
               </mc:Choice>
@@ -23206,7 +23206,7 @@
           <a:graphicData uri="http://schemas.openxmlformats.org/presentationml/2006/ole">
             <mc:AlternateContent xmlns:mc="http://schemas.openxmlformats.org/markup-compatibility/2006">
               <mc:Choice xmlns:v="urn:schemas-microsoft-com:vml" Requires="v">
-                <p:oleObj spid="_x0000_s33832" name="Equation" r:id="rId7" imgW="3073320" imgH="1447560" progId="Equation.3">
+                <p:oleObj spid="_x0000_s33834" name="Equation" r:id="rId7" imgW="3073320" imgH="1447560" progId="Equation.3">
                   <p:embed/>
                 </p:oleObj>
               </mc:Choice>
@@ -24021,7 +24021,7 @@
           <a:graphicData uri="http://schemas.openxmlformats.org/presentationml/2006/ole">
             <mc:AlternateContent xmlns:mc="http://schemas.openxmlformats.org/markup-compatibility/2006">
               <mc:Choice xmlns:v="urn:schemas-microsoft-com:vml" Requires="v">
-                <p:oleObj spid="_x0000_s34860" name="Equation" r:id="rId5" imgW="3073320" imgH="1447560" progId="Equation.3">
+                <p:oleObj spid="_x0000_s34862" name="Equation" r:id="rId5" imgW="3073320" imgH="1447560" progId="Equation.3">
                   <p:embed/>
                 </p:oleObj>
               </mc:Choice>
@@ -24104,7 +24104,7 @@
           <a:graphicData uri="http://schemas.openxmlformats.org/presentationml/2006/ole">
             <mc:AlternateContent xmlns:mc="http://schemas.openxmlformats.org/markup-compatibility/2006">
               <mc:Choice xmlns:v="urn:schemas-microsoft-com:vml" Requires="v">
-                <p:oleObj spid="_x0000_s34861" name="Equation" r:id="rId7" imgW="3085920" imgH="1447560" progId="Equation.3">
+                <p:oleObj spid="_x0000_s34863" name="Equation" r:id="rId7" imgW="3085920" imgH="1447560" progId="Equation.3">
                   <p:embed/>
                 </p:oleObj>
               </mc:Choice>
@@ -24593,7 +24593,7 @@
           <a:graphicData uri="http://schemas.openxmlformats.org/presentationml/2006/ole">
             <mc:AlternateContent xmlns:mc="http://schemas.openxmlformats.org/markup-compatibility/2006">
               <mc:Choice xmlns:v="urn:schemas-microsoft-com:vml" Requires="v">
-                <p:oleObj spid="_x0000_s35865" name="Equation" r:id="rId4" imgW="3073320" imgH="1447560" progId="Equation.3">
+                <p:oleObj spid="_x0000_s35867" name="Equation" r:id="rId4" imgW="3073320" imgH="1447560" progId="Equation.3">
                   <p:embed/>
                 </p:oleObj>
               </mc:Choice>
@@ -24857,7 +24857,7 @@
           <a:graphicData uri="http://schemas.openxmlformats.org/presentationml/2006/ole">
             <mc:AlternateContent xmlns:mc="http://schemas.openxmlformats.org/markup-compatibility/2006">
               <mc:Choice xmlns:v="urn:schemas-microsoft-com:vml" Requires="v">
-                <p:oleObj spid="_x0000_s35866" name="Equation" r:id="rId9" imgW="3073320" imgH="1447560" progId="Equation.3">
+                <p:oleObj spid="_x0000_s35868" name="Equation" r:id="rId9" imgW="3073320" imgH="1447560" progId="Equation.3">
                   <p:embed/>
                 </p:oleObj>
               </mc:Choice>
@@ -25278,7 +25278,7 @@
           <a:graphicData uri="http://schemas.openxmlformats.org/presentationml/2006/ole">
             <mc:AlternateContent xmlns:mc="http://schemas.openxmlformats.org/markup-compatibility/2006">
               <mc:Choice xmlns:v="urn:schemas-microsoft-com:vml" Requires="v">
-                <p:oleObj spid="_x0000_s32861" name="Equation" r:id="rId3" imgW="3301920" imgH="228600" progId="Equation.3">
+                <p:oleObj spid="_x0000_s32863" name="Equation" r:id="rId3" imgW="3301920" imgH="228600" progId="Equation.3">
                   <p:embed/>
                 </p:oleObj>
               </mc:Choice>
@@ -25342,7 +25342,7 @@
           <a:graphicData uri="http://schemas.openxmlformats.org/presentationml/2006/ole">
             <mc:AlternateContent xmlns:mc="http://schemas.openxmlformats.org/markup-compatibility/2006">
               <mc:Choice xmlns:v="urn:schemas-microsoft-com:vml" Requires="v">
-                <p:oleObj spid="_x0000_s32862" name="Equation" r:id="rId5" imgW="3314520" imgH="228600" progId="Equation.3">
+                <p:oleObj spid="_x0000_s32864" name="Equation" r:id="rId5" imgW="3314520" imgH="228600" progId="Equation.3">
                   <p:embed/>
                 </p:oleObj>
               </mc:Choice>
@@ -26181,7 +26181,7 @@
           <a:graphicData uri="http://schemas.openxmlformats.org/presentationml/2006/ole">
             <mc:AlternateContent xmlns:mc="http://schemas.openxmlformats.org/markup-compatibility/2006">
               <mc:Choice xmlns:v="urn:schemas-microsoft-com:vml" Requires="v">
-                <p:oleObj spid="_x0000_s17477" name="Equation" r:id="rId3" imgW="3149280" imgH="469800" progId="Equation.3">
+                <p:oleObj spid="_x0000_s17478" name="Equation" r:id="rId3" imgW="3149280" imgH="469800" progId="Equation.3">
                   <p:embed/>
                 </p:oleObj>
               </mc:Choice>
@@ -26536,7 +26536,7 @@
           <a:graphicData uri="http://schemas.openxmlformats.org/presentationml/2006/ole">
             <mc:AlternateContent xmlns:mc="http://schemas.openxmlformats.org/markup-compatibility/2006">
               <mc:Choice xmlns:v="urn:schemas-microsoft-com:vml" Requires="v">
-                <p:oleObj spid="_x0000_s18563" name="Equation" r:id="rId3" imgW="3377880" imgH="469800" progId="Equation.3">
+                <p:oleObj spid="_x0000_s18565" name="Equation" r:id="rId3" imgW="3377880" imgH="469800" progId="Equation.3">
                   <p:embed/>
                 </p:oleObj>
               </mc:Choice>
@@ -26600,7 +26600,7 @@
           <a:graphicData uri="http://schemas.openxmlformats.org/presentationml/2006/ole">
             <mc:AlternateContent xmlns:mc="http://schemas.openxmlformats.org/markup-compatibility/2006">
               <mc:Choice xmlns:v="urn:schemas-microsoft-com:vml" Requires="v">
-                <p:oleObj spid="_x0000_s18564" name="Equation" r:id="rId5" imgW="3377880" imgH="469800" progId="Equation.3">
+                <p:oleObj spid="_x0000_s18566" name="Equation" r:id="rId5" imgW="3377880" imgH="469800" progId="Equation.3">
                   <p:embed/>
                 </p:oleObj>
               </mc:Choice>
@@ -27195,7 +27195,7 @@
           <a:graphicData uri="http://schemas.openxmlformats.org/presentationml/2006/ole">
             <mc:AlternateContent xmlns:mc="http://schemas.openxmlformats.org/markup-compatibility/2006">
               <mc:Choice xmlns:v="urn:schemas-microsoft-com:vml" Requires="v">
-                <p:oleObj spid="_x0000_s19587" name="Equation" r:id="rId4" imgW="3377880" imgH="469800" progId="Equation.3">
+                <p:oleObj spid="_x0000_s19589" name="Equation" r:id="rId4" imgW="3377880" imgH="469800" progId="Equation.3">
                   <p:embed/>
                 </p:oleObj>
               </mc:Choice>
@@ -27284,7 +27284,7 @@
           <a:graphicData uri="http://schemas.openxmlformats.org/presentationml/2006/ole">
             <mc:AlternateContent xmlns:mc="http://schemas.openxmlformats.org/markup-compatibility/2006">
               <mc:Choice xmlns:v="urn:schemas-microsoft-com:vml" Requires="v">
-                <p:oleObj spid="_x0000_s19588" name="Equation" r:id="rId6" imgW="3187440" imgH="469800" progId="Equation.3">
+                <p:oleObj spid="_x0000_s19590" name="Equation" r:id="rId6" imgW="3187440" imgH="469800" progId="Equation.3">
                   <p:embed/>
                 </p:oleObj>
               </mc:Choice>

--- a/University of Washington Class/Module 4 - Voltage control devices.pptx
+++ b/University of Washington Class/Module 4 - Voltage control devices.pptx
@@ -262,7 +262,7 @@
             <a:fld id="{30456DE2-1550-4DE2-8C7A-8D9992B45402}" type="datetimeFigureOut">
               <a:rPr lang="en-US" smtClean="0"/>
               <a:pPr/>
-              <a:t>11/21/2011</a:t>
+              <a:t>11/22/2011</a:t>
             </a:fld>
             <a:endParaRPr lang="en-US"/>
           </a:p>
@@ -714,7 +714,7 @@
           <a:p>
             <a:fld id="{F5373481-B42A-4D4F-86EA-A88290C58964}" type="datetime1">
               <a:rPr lang="en-US" smtClean="0"/>
-              <a:t>11/21/2011</a:t>
+              <a:t>11/22/2011</a:t>
             </a:fld>
             <a:endParaRPr lang="en-US"/>
           </a:p>
@@ -983,7 +983,7 @@
           <a:p>
             <a:fld id="{03F670FF-8926-4709-96F6-FC2958129ED2}" type="datetime1">
               <a:rPr lang="en-US" smtClean="0"/>
-              <a:t>11/21/2011</a:t>
+              <a:t>11/22/2011</a:t>
             </a:fld>
             <a:endParaRPr lang="en-US"/>
           </a:p>
@@ -1159,7 +1159,7 @@
           <a:p>
             <a:fld id="{1BF16CE4-EFFC-4BDF-B5A4-4A15C47E021B}" type="datetime1">
               <a:rPr lang="en-US" smtClean="0"/>
-              <a:t>11/21/2011</a:t>
+              <a:t>11/22/2011</a:t>
             </a:fld>
             <a:endParaRPr lang="en-US"/>
           </a:p>
@@ -1349,7 +1349,7 @@
           <a:p>
             <a:fld id="{D89124DC-29B6-4231-9D25-0C78D5EFDDC9}" type="datetime1">
               <a:rPr lang="en-US" smtClean="0"/>
-              <a:t>11/21/2011</a:t>
+              <a:t>11/22/2011</a:t>
             </a:fld>
             <a:endParaRPr lang="en-US" dirty="0"/>
           </a:p>
@@ -1598,7 +1598,7 @@
           <a:p>
             <a:fld id="{63DA24F3-3618-4EAF-A9E8-EEFE221E1493}" type="datetime1">
               <a:rPr lang="en-US" smtClean="0"/>
-              <a:t>11/21/2011</a:t>
+              <a:t>11/22/2011</a:t>
             </a:fld>
             <a:endParaRPr lang="en-US"/>
           </a:p>
@@ -1882,7 +1882,7 @@
           <a:p>
             <a:fld id="{69D8CDEA-265C-4EA9-A607-0D7D771780DB}" type="datetime1">
               <a:rPr lang="en-US" smtClean="0"/>
-              <a:t>11/21/2011</a:t>
+              <a:t>11/22/2011</a:t>
             </a:fld>
             <a:endParaRPr lang="en-US"/>
           </a:p>
@@ -2300,7 +2300,7 @@
           <a:p>
             <a:fld id="{ACFA6542-36F3-4A89-93B6-B9FED0856CDB}" type="datetime1">
               <a:rPr lang="en-US" smtClean="0"/>
-              <a:t>11/21/2011</a:t>
+              <a:t>11/22/2011</a:t>
             </a:fld>
             <a:endParaRPr lang="en-US"/>
           </a:p>
@@ -2414,7 +2414,7 @@
           <a:p>
             <a:fld id="{AE3B9829-009A-44FD-B649-E323418E7E5E}" type="datetime1">
               <a:rPr lang="en-US" smtClean="0"/>
-              <a:t>11/21/2011</a:t>
+              <a:t>11/22/2011</a:t>
             </a:fld>
             <a:endParaRPr lang="en-US"/>
           </a:p>
@@ -2505,7 +2505,7 @@
           <a:p>
             <a:fld id="{4391B5C5-7D92-4C37-8071-F3311CBE73D5}" type="datetime1">
               <a:rPr lang="en-US" smtClean="0"/>
-              <a:t>11/21/2011</a:t>
+              <a:t>11/22/2011</a:t>
             </a:fld>
             <a:endParaRPr lang="en-US"/>
           </a:p>
@@ -2778,7 +2778,7 @@
           <a:p>
             <a:fld id="{4689F7FE-6C86-4059-B972-0BBDA5F301D9}" type="datetime1">
               <a:rPr lang="en-US" smtClean="0"/>
-              <a:t>11/21/2011</a:t>
+              <a:t>11/22/2011</a:t>
             </a:fld>
             <a:endParaRPr lang="en-US"/>
           </a:p>
@@ -3027,7 +3027,7 @@
           <a:p>
             <a:fld id="{F09338A6-2CCC-46F1-9871-B278557BB635}" type="datetime1">
               <a:rPr lang="en-US" smtClean="0"/>
-              <a:t>11/21/2011</a:t>
+              <a:t>11/22/2011</a:t>
             </a:fld>
             <a:endParaRPr lang="en-US"/>
           </a:p>
@@ -3240,7 +3240,7 @@
           <a:p>
             <a:fld id="{14FE97D8-1050-4CA4-8B4F-E964B5B645D9}" type="datetime1">
               <a:rPr lang="en-US" smtClean="0"/>
-              <a:t>11/21/2011</a:t>
+              <a:t>11/22/2011</a:t>
             </a:fld>
             <a:endParaRPr lang="en-US" dirty="0"/>
           </a:p>
@@ -4815,7 +4815,7 @@
           <a:graphicData uri="http://schemas.openxmlformats.org/presentationml/2006/ole">
             <mc:AlternateContent xmlns:mc="http://schemas.openxmlformats.org/markup-compatibility/2006">
               <mc:Choice xmlns:v="urn:schemas-microsoft-com:vml" Requires="v">
-                <p:oleObj spid="_x0000_s20638" name="Equation" r:id="rId7" imgW="1739880" imgH="228600" progId="Equation.3">
+                <p:oleObj spid="_x0000_s20641" name="Equation" r:id="rId7" imgW="1739880" imgH="228600" progId="Equation.3">
                   <p:embed/>
                 </p:oleObj>
               </mc:Choice>
@@ -4879,7 +4879,7 @@
           <a:graphicData uri="http://schemas.openxmlformats.org/presentationml/2006/ole">
             <mc:AlternateContent xmlns:mc="http://schemas.openxmlformats.org/markup-compatibility/2006">
               <mc:Choice xmlns:v="urn:schemas-microsoft-com:vml" Requires="v">
-                <p:oleObj spid="_x0000_s20639" name="Equation" r:id="rId9" imgW="2108160" imgH="228600" progId="Equation.3">
+                <p:oleObj spid="_x0000_s20642" name="Equation" r:id="rId9" imgW="2108160" imgH="228600" progId="Equation.3">
                   <p:embed/>
                 </p:oleObj>
               </mc:Choice>
@@ -4943,7 +4943,7 @@
           <a:graphicData uri="http://schemas.openxmlformats.org/presentationml/2006/ole">
             <mc:AlternateContent xmlns:mc="http://schemas.openxmlformats.org/markup-compatibility/2006">
               <mc:Choice xmlns:v="urn:schemas-microsoft-com:vml" Requires="v">
-                <p:oleObj spid="_x0000_s20640" name="Equation" r:id="rId11" imgW="1981080" imgH="253800" progId="Equation.3">
+                <p:oleObj spid="_x0000_s20643" name="Equation" r:id="rId11" imgW="1981080" imgH="253800" progId="Equation.3">
                   <p:embed/>
                 </p:oleObj>
               </mc:Choice>
@@ -5582,6 +5582,13 @@
             <a:avLst/>
           </a:prstGeom>
           <a:noFill/>
+          <a:effectLst>
+            <a:outerShdw blurRad="50800" dist="50800" dir="5400000" algn="ctr" rotWithShape="0">
+              <a:srgbClr val="000000">
+                <a:alpha val="70000"/>
+              </a:srgbClr>
+            </a:outerShdw>
+          </a:effectLst>
           <a:extLst>
             <a:ext uri="{909E8E84-426E-40DD-AFC4-6F175D3DCCD1}">
               <a14:hiddenFill xmlns:a14="http://schemas.microsoft.com/office/drawing/2010/main">
@@ -5625,6 +5632,13 @@
             <a:avLst/>
           </a:prstGeom>
           <a:noFill/>
+          <a:effectLst>
+            <a:outerShdw blurRad="50800" dist="50800" dir="5400000" algn="ctr" rotWithShape="0">
+              <a:srgbClr val="000000">
+                <a:alpha val="70000"/>
+              </a:srgbClr>
+            </a:outerShdw>
+          </a:effectLst>
           <a:extLst>
             <a:ext uri="{909E8E84-426E-40DD-AFC4-6F175D3DCCD1}">
               <a14:hiddenFill xmlns:a14="http://schemas.microsoft.com/office/drawing/2010/main">
@@ -5994,7 +6008,7 @@
           <a:graphicData uri="http://schemas.openxmlformats.org/presentationml/2006/ole">
             <mc:AlternateContent xmlns:mc="http://schemas.openxmlformats.org/markup-compatibility/2006">
               <mc:Choice xmlns:v="urn:schemas-microsoft-com:vml" Requires="v">
-                <p:oleObj spid="_x0000_s24627" name="Equation" r:id="rId3" imgW="850680" imgH="431640" progId="Equation.3">
+                <p:oleObj spid="_x0000_s24628" name="Equation" r:id="rId3" imgW="850680" imgH="431640" progId="Equation.3">
                   <p:embed/>
                 </p:oleObj>
               </mc:Choice>
@@ -6320,7 +6334,7 @@
           <a:graphicData uri="http://schemas.openxmlformats.org/presentationml/2006/ole">
             <mc:AlternateContent xmlns:mc="http://schemas.openxmlformats.org/markup-compatibility/2006">
               <mc:Choice xmlns:v="urn:schemas-microsoft-com:vml" Requires="v">
-                <p:oleObj spid="_x0000_s25687" name="Equation" r:id="rId3" imgW="850680" imgH="431640" progId="Equation.3">
+                <p:oleObj spid="_x0000_s25689" name="Equation" r:id="rId3" imgW="850680" imgH="431640" progId="Equation.3">
                   <p:embed/>
                 </p:oleObj>
               </mc:Choice>
@@ -6409,7 +6423,7 @@
           <a:graphicData uri="http://schemas.openxmlformats.org/presentationml/2006/ole">
             <mc:AlternateContent xmlns:mc="http://schemas.openxmlformats.org/markup-compatibility/2006">
               <mc:Choice xmlns:v="urn:schemas-microsoft-com:vml" Requires="v">
-                <p:oleObj spid="_x0000_s25688" name="Equation" r:id="rId5" imgW="850680" imgH="431640" progId="Equation.3">
+                <p:oleObj spid="_x0000_s25690" name="Equation" r:id="rId5" imgW="850680" imgH="431640" progId="Equation.3">
                   <p:embed/>
                 </p:oleObj>
               </mc:Choice>
@@ -7048,7 +7062,7 @@
           <a:graphicData uri="http://schemas.openxmlformats.org/presentationml/2006/ole">
             <mc:AlternateContent xmlns:mc="http://schemas.openxmlformats.org/markup-compatibility/2006">
               <mc:Choice xmlns:v="urn:schemas-microsoft-com:vml" Requires="v">
-                <p:oleObj spid="_x0000_s21633" name="Equation" r:id="rId3" imgW="850680" imgH="431640" progId="Equation.3">
+                <p:oleObj spid="_x0000_s21635" name="Equation" r:id="rId3" imgW="850680" imgH="431640" progId="Equation.3">
                   <p:embed/>
                 </p:oleObj>
               </mc:Choice>
@@ -7112,7 +7126,7 @@
           <a:graphicData uri="http://schemas.openxmlformats.org/presentationml/2006/ole">
             <mc:AlternateContent xmlns:mc="http://schemas.openxmlformats.org/markup-compatibility/2006">
               <mc:Choice xmlns:v="urn:schemas-microsoft-com:vml" Requires="v">
-                <p:oleObj spid="_x0000_s21634" name="Equation" r:id="rId5" imgW="1193760" imgH="431640" progId="Equation.3">
+                <p:oleObj spid="_x0000_s21636" name="Equation" r:id="rId5" imgW="1193760" imgH="431640" progId="Equation.3">
                   <p:embed/>
                 </p:oleObj>
               </mc:Choice>
@@ -8643,6 +8657,13 @@
             <a:avLst/>
           </a:prstGeom>
           <a:noFill/>
+          <a:effectLst>
+            <a:outerShdw blurRad="50800" dist="50800" dir="5400000" algn="ctr" rotWithShape="0">
+              <a:srgbClr val="000000">
+                <a:alpha val="70000"/>
+              </a:srgbClr>
+            </a:outerShdw>
+          </a:effectLst>
           <a:extLst>
             <a:ext uri="{909E8E84-426E-40DD-AFC4-6F175D3DCCD1}">
               <a14:hiddenFill xmlns:a14="http://schemas.microsoft.com/office/drawing/2010/main">
@@ -8686,6 +8707,13 @@
             <a:avLst/>
           </a:prstGeom>
           <a:noFill/>
+          <a:effectLst>
+            <a:outerShdw blurRad="50800" dist="50800" dir="5400000" algn="ctr" rotWithShape="0">
+              <a:srgbClr val="000000">
+                <a:alpha val="70000"/>
+              </a:srgbClr>
+            </a:outerShdw>
+          </a:effectLst>
           <a:extLst>
             <a:ext uri="{909E8E84-426E-40DD-AFC4-6F175D3DCCD1}">
               <a14:hiddenFill xmlns:a14="http://schemas.microsoft.com/office/drawing/2010/main">
@@ -9244,6 +9272,13 @@
             <a:avLst/>
           </a:prstGeom>
           <a:noFill/>
+          <a:effectLst>
+            <a:outerShdw blurRad="50800" dist="50800" dir="5400000" algn="ctr" rotWithShape="0">
+              <a:srgbClr val="000000">
+                <a:alpha val="70000"/>
+              </a:srgbClr>
+            </a:outerShdw>
+          </a:effectLst>
           <a:extLst>
             <a:ext uri="{909E8E84-426E-40DD-AFC4-6F175D3DCCD1}">
               <a14:hiddenFill xmlns:a14="http://schemas.microsoft.com/office/drawing/2010/main">
@@ -9287,6 +9322,13 @@
             <a:avLst/>
           </a:prstGeom>
           <a:noFill/>
+          <a:effectLst>
+            <a:outerShdw blurRad="50800" dist="50800" dir="5400000" algn="ctr" rotWithShape="0">
+              <a:srgbClr val="000000">
+                <a:alpha val="70000"/>
+              </a:srgbClr>
+            </a:outerShdw>
+          </a:effectLst>
           <a:extLst>
             <a:ext uri="{909E8E84-426E-40DD-AFC4-6F175D3DCCD1}">
               <a14:hiddenFill xmlns:a14="http://schemas.microsoft.com/office/drawing/2010/main">
@@ -11181,7 +11223,7 @@
           <a:graphicData uri="http://schemas.openxmlformats.org/presentationml/2006/ole">
             <mc:AlternateContent xmlns:mc="http://schemas.openxmlformats.org/markup-compatibility/2006">
               <mc:Choice xmlns:v="urn:schemas-microsoft-com:vml" Requires="v">
-                <p:oleObj spid="_x0000_s2317" name="Equation" r:id="rId3" imgW="4203360" imgH="558720" progId="Equation.3">
+                <p:oleObj spid="_x0000_s2320" name="Equation" r:id="rId3" imgW="4203360" imgH="558720" progId="Equation.3">
                   <p:embed/>
                 </p:oleObj>
               </mc:Choice>
@@ -11249,7 +11291,7 @@
           <a:graphicData uri="http://schemas.openxmlformats.org/presentationml/2006/ole">
             <mc:AlternateContent xmlns:mc="http://schemas.openxmlformats.org/markup-compatibility/2006">
               <mc:Choice xmlns:v="urn:schemas-microsoft-com:vml" Requires="v">
-                <p:oleObj spid="_x0000_s2318" name="Equation" r:id="rId5" imgW="4165560" imgH="558720" progId="Equation.3">
+                <p:oleObj spid="_x0000_s2321" name="Equation" r:id="rId5" imgW="4165560" imgH="558720" progId="Equation.3">
                   <p:embed/>
                 </p:oleObj>
               </mc:Choice>
@@ -11317,7 +11359,7 @@
           <a:graphicData uri="http://schemas.openxmlformats.org/presentationml/2006/ole">
             <mc:AlternateContent xmlns:mc="http://schemas.openxmlformats.org/markup-compatibility/2006">
               <mc:Choice xmlns:v="urn:schemas-microsoft-com:vml" Requires="v">
-                <p:oleObj spid="_x0000_s2319" name="Equation" r:id="rId7" imgW="1015920" imgH="228600" progId="Equation.3">
+                <p:oleObj spid="_x0000_s2322" name="Equation" r:id="rId7" imgW="1015920" imgH="228600" progId="Equation.3">
                   <p:embed/>
                 </p:oleObj>
               </mc:Choice>
@@ -12478,7 +12520,7 @@
           <a:graphicData uri="http://schemas.openxmlformats.org/presentationml/2006/ole">
             <mc:AlternateContent xmlns:mc="http://schemas.openxmlformats.org/markup-compatibility/2006">
               <mc:Choice xmlns:v="urn:schemas-microsoft-com:vml" Requires="v">
-                <p:oleObj spid="_x0000_s16525" name="Equation" r:id="rId3" imgW="4965480" imgH="558720" progId="Equation.3">
+                <p:oleObj spid="_x0000_s16527" name="Equation" r:id="rId3" imgW="4965480" imgH="558720" progId="Equation.3">
                   <p:embed/>
                 </p:oleObj>
               </mc:Choice>
@@ -12548,7 +12590,7 @@
           <a:graphicData uri="http://schemas.openxmlformats.org/presentationml/2006/ole">
             <mc:AlternateContent xmlns:mc="http://schemas.openxmlformats.org/markup-compatibility/2006">
               <mc:Choice xmlns:v="urn:schemas-microsoft-com:vml" Requires="v">
-                <p:oleObj spid="_x0000_s16526" name="Equation" r:id="rId5" imgW="4927320" imgH="558720" progId="Equation.3">
+                <p:oleObj spid="_x0000_s16528" name="Equation" r:id="rId5" imgW="4927320" imgH="558720" progId="Equation.3">
                   <p:embed/>
                 </p:oleObj>
               </mc:Choice>
@@ -14784,7 +14826,7 @@
           <a:graphicData uri="http://schemas.openxmlformats.org/presentationml/2006/ole">
             <mc:AlternateContent xmlns:mc="http://schemas.openxmlformats.org/markup-compatibility/2006">
               <mc:Choice xmlns:v="urn:schemas-microsoft-com:vml" Requires="v">
-                <p:oleObj spid="_x0000_s27687" name="Equation" r:id="rId3" imgW="114120" imgH="215640" progId="Equation.3">
+                <p:oleObj spid="_x0000_s27688" name="Equation" r:id="rId3" imgW="114120" imgH="215640" progId="Equation.3">
                   <p:embed/>
                 </p:oleObj>
               </mc:Choice>
@@ -14944,7 +14986,7 @@
           <a:graphicData uri="http://schemas.openxmlformats.org/presentationml/2006/ole">
             <mc:AlternateContent xmlns:mc="http://schemas.openxmlformats.org/markup-compatibility/2006">
               <mc:Choice xmlns:v="urn:schemas-microsoft-com:vml" Requires="v">
-                <p:oleObj spid="_x0000_s10888" name="Equation" r:id="rId3" imgW="114120" imgH="215640" progId="Equation.3">
+                <p:oleObj spid="_x0000_s10896" name="Equation" r:id="rId3" imgW="114120" imgH="215640" progId="Equation.3">
                   <p:embed/>
                 </p:oleObj>
               </mc:Choice>
@@ -15014,7 +15056,7 @@
           <a:graphicData uri="http://schemas.openxmlformats.org/presentationml/2006/ole">
             <mc:AlternateContent xmlns:mc="http://schemas.openxmlformats.org/markup-compatibility/2006">
               <mc:Choice xmlns:v="urn:schemas-microsoft-com:vml" Requires="v">
-                <p:oleObj spid="_x0000_s10889" name="Equation" r:id="rId5" imgW="4076640" imgH="558720" progId="Equation.3">
+                <p:oleObj spid="_x0000_s10897" name="Equation" r:id="rId5" imgW="4076640" imgH="558720" progId="Equation.3">
                   <p:embed/>
                 </p:oleObj>
               </mc:Choice>
@@ -15084,7 +15126,7 @@
           <a:graphicData uri="http://schemas.openxmlformats.org/presentationml/2006/ole">
             <mc:AlternateContent xmlns:mc="http://schemas.openxmlformats.org/markup-compatibility/2006">
               <mc:Choice xmlns:v="urn:schemas-microsoft-com:vml" Requires="v">
-                <p:oleObj spid="_x0000_s10890" name="Equation" r:id="rId7" imgW="4038480" imgH="558720" progId="Equation.3">
+                <p:oleObj spid="_x0000_s10898" name="Equation" r:id="rId7" imgW="4038480" imgH="558720" progId="Equation.3">
                   <p:embed/>
                 </p:oleObj>
               </mc:Choice>
@@ -15160,7 +15202,7 @@
           <a:graphicData uri="http://schemas.openxmlformats.org/presentationml/2006/ole">
             <mc:AlternateContent xmlns:mc="http://schemas.openxmlformats.org/markup-compatibility/2006">
               <mc:Choice xmlns:v="urn:schemas-microsoft-com:vml" Requires="v">
-                <p:oleObj spid="_x0000_s10891" name="Equation" r:id="rId9" imgW="1777680" imgH="241200" progId="Equation.3">
+                <p:oleObj spid="_x0000_s10899" name="Equation" r:id="rId9" imgW="1777680" imgH="241200" progId="Equation.3">
                   <p:embed/>
                 </p:oleObj>
               </mc:Choice>
@@ -15230,7 +15272,7 @@
           <a:graphicData uri="http://schemas.openxmlformats.org/presentationml/2006/ole">
             <mc:AlternateContent xmlns:mc="http://schemas.openxmlformats.org/markup-compatibility/2006">
               <mc:Choice xmlns:v="urn:schemas-microsoft-com:vml" Requires="v">
-                <p:oleObj spid="_x0000_s10892" name="Equation" r:id="rId11" imgW="977760" imgH="228600" progId="Equation.3">
+                <p:oleObj spid="_x0000_s10900" name="Equation" r:id="rId11" imgW="977760" imgH="228600" progId="Equation.3">
                   <p:embed/>
                 </p:oleObj>
               </mc:Choice>
@@ -15300,7 +15342,7 @@
           <a:graphicData uri="http://schemas.openxmlformats.org/presentationml/2006/ole">
             <mc:AlternateContent xmlns:mc="http://schemas.openxmlformats.org/markup-compatibility/2006">
               <mc:Choice xmlns:v="urn:schemas-microsoft-com:vml" Requires="v">
-                <p:oleObj spid="_x0000_s10893" name="Equation" r:id="rId13" imgW="1536480" imgH="482400" progId="Equation.3">
+                <p:oleObj spid="_x0000_s10901" name="Equation" r:id="rId13" imgW="1536480" imgH="482400" progId="Equation.3">
                   <p:embed/>
                 </p:oleObj>
               </mc:Choice>
@@ -15370,7 +15412,7 @@
           <a:graphicData uri="http://schemas.openxmlformats.org/presentationml/2006/ole">
             <mc:AlternateContent xmlns:mc="http://schemas.openxmlformats.org/markup-compatibility/2006">
               <mc:Choice xmlns:v="urn:schemas-microsoft-com:vml" Requires="v">
-                <p:oleObj spid="_x0000_s10894" name="Equation" r:id="rId15" imgW="2145960" imgH="431640" progId="Equation.3">
+                <p:oleObj spid="_x0000_s10902" name="Equation" r:id="rId15" imgW="2145960" imgH="431640" progId="Equation.3">
                   <p:embed/>
                 </p:oleObj>
               </mc:Choice>
@@ -15440,7 +15482,7 @@
           <a:graphicData uri="http://schemas.openxmlformats.org/presentationml/2006/ole">
             <mc:AlternateContent xmlns:mc="http://schemas.openxmlformats.org/markup-compatibility/2006">
               <mc:Choice xmlns:v="urn:schemas-microsoft-com:vml" Requires="v">
-                <p:oleObj spid="_x0000_s10895" name="Equation" r:id="rId17" imgW="1612800" imgH="228600" progId="Equation.3">
+                <p:oleObj spid="_x0000_s10903" name="Equation" r:id="rId17" imgW="1612800" imgH="228600" progId="Equation.3">
                   <p:embed/>
                 </p:oleObj>
               </mc:Choice>
@@ -16334,7 +16376,7 @@
           <a:graphicData uri="http://schemas.openxmlformats.org/presentationml/2006/ole">
             <mc:AlternateContent xmlns:mc="http://schemas.openxmlformats.org/markup-compatibility/2006">
               <mc:Choice xmlns:v="urn:schemas-microsoft-com:vml" Requires="v">
-                <p:oleObj spid="_x0000_s28834" name="Equation" r:id="rId3" imgW="114120" imgH="215640" progId="Equation.3">
+                <p:oleObj spid="_x0000_s28838" name="Equation" r:id="rId3" imgW="114120" imgH="215640" progId="Equation.3">
                   <p:embed/>
                 </p:oleObj>
               </mc:Choice>
@@ -16410,7 +16452,7 @@
           <a:graphicData uri="http://schemas.openxmlformats.org/presentationml/2006/ole">
             <mc:AlternateContent xmlns:mc="http://schemas.openxmlformats.org/markup-compatibility/2006">
               <mc:Choice xmlns:v="urn:schemas-microsoft-com:vml" Requires="v">
-                <p:oleObj spid="_x0000_s28835" name="Equation" r:id="rId5" imgW="10756800" imgH="1143000" progId="Equation.3">
+                <p:oleObj spid="_x0000_s28839" name="Equation" r:id="rId5" imgW="10756800" imgH="1143000" progId="Equation.3">
                   <p:embed/>
                 </p:oleObj>
               </mc:Choice>
@@ -16472,7 +16514,7 @@
           <a:graphicData uri="http://schemas.openxmlformats.org/presentationml/2006/ole">
             <mc:AlternateContent xmlns:mc="http://schemas.openxmlformats.org/markup-compatibility/2006">
               <mc:Choice xmlns:v="urn:schemas-microsoft-com:vml" Requires="v">
-                <p:oleObj spid="_x0000_s28836" name="Equation" r:id="rId7" imgW="2145960" imgH="431640" progId="Equation.3">
+                <p:oleObj spid="_x0000_s28840" name="Equation" r:id="rId7" imgW="2145960" imgH="431640" progId="Equation.3">
                   <p:embed/>
                 </p:oleObj>
               </mc:Choice>
@@ -16561,7 +16603,7 @@
           <a:graphicData uri="http://schemas.openxmlformats.org/presentationml/2006/ole">
             <mc:AlternateContent xmlns:mc="http://schemas.openxmlformats.org/markup-compatibility/2006">
               <mc:Choice xmlns:v="urn:schemas-microsoft-com:vml" Requires="v">
-                <p:oleObj spid="_x0000_s28837" name="Equation" r:id="rId9" imgW="10553400" imgH="1143000" progId="Equation.3">
+                <p:oleObj spid="_x0000_s28841" name="Equation" r:id="rId9" imgW="10553400" imgH="1143000" progId="Equation.3">
                   <p:embed/>
                 </p:oleObj>
               </mc:Choice>
@@ -17076,7 +17118,7 @@
           <a:graphicData uri="http://schemas.openxmlformats.org/presentationml/2006/ole">
             <mc:AlternateContent xmlns:mc="http://schemas.openxmlformats.org/markup-compatibility/2006">
               <mc:Choice xmlns:v="urn:schemas-microsoft-com:vml" Requires="v">
-                <p:oleObj spid="_x0000_s11817" name="Equation" r:id="rId3" imgW="114120" imgH="215640" progId="Equation.3">
+                <p:oleObj spid="_x0000_s11824" name="Equation" r:id="rId3" imgW="114120" imgH="215640" progId="Equation.3">
                   <p:embed/>
                 </p:oleObj>
               </mc:Choice>
@@ -17146,7 +17188,7 @@
           <a:graphicData uri="http://schemas.openxmlformats.org/presentationml/2006/ole">
             <mc:AlternateContent xmlns:mc="http://schemas.openxmlformats.org/markup-compatibility/2006">
               <mc:Choice xmlns:v="urn:schemas-microsoft-com:vml" Requires="v">
-                <p:oleObj spid="_x0000_s11818" name="Equation" r:id="rId5" imgW="1803240" imgH="482400" progId="Equation.3">
+                <p:oleObj spid="_x0000_s11825" name="Equation" r:id="rId5" imgW="1803240" imgH="482400" progId="Equation.3">
                   <p:embed/>
                 </p:oleObj>
               </mc:Choice>
@@ -17216,7 +17258,7 @@
           <a:graphicData uri="http://schemas.openxmlformats.org/presentationml/2006/ole">
             <mc:AlternateContent xmlns:mc="http://schemas.openxmlformats.org/markup-compatibility/2006">
               <mc:Choice xmlns:v="urn:schemas-microsoft-com:vml" Requires="v">
-                <p:oleObj spid="_x0000_s11819" name="Equation" r:id="rId7" imgW="1790640" imgH="266400" progId="Equation.3">
+                <p:oleObj spid="_x0000_s11826" name="Equation" r:id="rId7" imgW="1790640" imgH="266400" progId="Equation.3">
                   <p:embed/>
                 </p:oleObj>
               </mc:Choice>
@@ -17292,7 +17334,7 @@
           <a:graphicData uri="http://schemas.openxmlformats.org/presentationml/2006/ole">
             <mc:AlternateContent xmlns:mc="http://schemas.openxmlformats.org/markup-compatibility/2006">
               <mc:Choice xmlns:v="urn:schemas-microsoft-com:vml" Requires="v">
-                <p:oleObj spid="_x0000_s11820" name="Equation" r:id="rId9" imgW="2145960" imgH="431640" progId="Equation.3">
+                <p:oleObj spid="_x0000_s11827" name="Equation" r:id="rId9" imgW="2145960" imgH="431640" progId="Equation.3">
                   <p:embed/>
                 </p:oleObj>
               </mc:Choice>
@@ -17356,7 +17398,7 @@
           <a:graphicData uri="http://schemas.openxmlformats.org/presentationml/2006/ole">
             <mc:AlternateContent xmlns:mc="http://schemas.openxmlformats.org/markup-compatibility/2006">
               <mc:Choice xmlns:v="urn:schemas-microsoft-com:vml" Requires="v">
-                <p:oleObj spid="_x0000_s11821" name="Equation" r:id="rId11" imgW="2450880" imgH="228600" progId="Equation.3">
+                <p:oleObj spid="_x0000_s11828" name="Equation" r:id="rId11" imgW="2450880" imgH="228600" progId="Equation.3">
                   <p:embed/>
                 </p:oleObj>
               </mc:Choice>
@@ -17426,7 +17468,7 @@
           <a:graphicData uri="http://schemas.openxmlformats.org/presentationml/2006/ole">
             <mc:AlternateContent xmlns:mc="http://schemas.openxmlformats.org/markup-compatibility/2006">
               <mc:Choice xmlns:v="urn:schemas-microsoft-com:vml" Requires="v">
-                <p:oleObj spid="_x0000_s11822" name="Equation" r:id="rId13" imgW="634680" imgH="215640" progId="Equation.3">
+                <p:oleObj spid="_x0000_s11829" name="Equation" r:id="rId13" imgW="634680" imgH="215640" progId="Equation.3">
                   <p:embed/>
                 </p:oleObj>
               </mc:Choice>
@@ -17556,7 +17598,7 @@
           <a:graphicData uri="http://schemas.openxmlformats.org/presentationml/2006/ole">
             <mc:AlternateContent xmlns:mc="http://schemas.openxmlformats.org/markup-compatibility/2006">
               <mc:Choice xmlns:v="urn:schemas-microsoft-com:vml" Requires="v">
-                <p:oleObj spid="_x0000_s11823" name="Equation" r:id="rId15" imgW="1333440" imgH="1218960" progId="Equation.3">
+                <p:oleObj spid="_x0000_s11830" name="Equation" r:id="rId15" imgW="1333440" imgH="1218960" progId="Equation.3">
                   <p:embed/>
                 </p:oleObj>
               </mc:Choice>
@@ -18291,7 +18333,7 @@
           <a:graphicData uri="http://schemas.openxmlformats.org/presentationml/2006/ole">
             <mc:AlternateContent xmlns:mc="http://schemas.openxmlformats.org/markup-compatibility/2006">
               <mc:Choice xmlns:v="urn:schemas-microsoft-com:vml" Requires="v">
-                <p:oleObj spid="_x0000_s12537" name="Equation" r:id="rId3" imgW="114120" imgH="215640" progId="Equation.3">
+                <p:oleObj spid="_x0000_s12539" name="Equation" r:id="rId3" imgW="114120" imgH="215640" progId="Equation.3">
                   <p:embed/>
                 </p:oleObj>
               </mc:Choice>
@@ -18367,7 +18409,7 @@
           <a:graphicData uri="http://schemas.openxmlformats.org/presentationml/2006/ole">
             <mc:AlternateContent xmlns:mc="http://schemas.openxmlformats.org/markup-compatibility/2006">
               <mc:Choice xmlns:v="urn:schemas-microsoft-com:vml" Requires="v">
-                <p:oleObj spid="_x0000_s12538" name="Equation" r:id="rId5" imgW="1015920" imgH="1612800" progId="Equation.3">
+                <p:oleObj spid="_x0000_s12540" name="Equation" r:id="rId5" imgW="1015920" imgH="1612800" progId="Equation.3">
                   <p:embed/>
                 </p:oleObj>
               </mc:Choice>
@@ -18836,7 +18878,7 @@
           <a:graphicData uri="http://schemas.openxmlformats.org/presentationml/2006/ole">
             <mc:AlternateContent xmlns:mc="http://schemas.openxmlformats.org/markup-compatibility/2006">
               <mc:Choice xmlns:v="urn:schemas-microsoft-com:vml" Requires="v">
-                <p:oleObj spid="_x0000_s30762" name="Equation" r:id="rId3" imgW="5333760" imgH="558720" progId="Equation.3">
+                <p:oleObj spid="_x0000_s30764" name="Equation" r:id="rId3" imgW="5333760" imgH="558720" progId="Equation.3">
                   <p:embed/>
                 </p:oleObj>
               </mc:Choice>
@@ -18900,7 +18942,7 @@
           <a:graphicData uri="http://schemas.openxmlformats.org/presentationml/2006/ole">
             <mc:AlternateContent xmlns:mc="http://schemas.openxmlformats.org/markup-compatibility/2006">
               <mc:Choice xmlns:v="urn:schemas-microsoft-com:vml" Requires="v">
-                <p:oleObj spid="_x0000_s30763" name="Equation" r:id="rId5" imgW="5295600" imgH="558720" progId="Equation.3">
+                <p:oleObj spid="_x0000_s30765" name="Equation" r:id="rId5" imgW="5295600" imgH="558720" progId="Equation.3">
                   <p:embed/>
                 </p:oleObj>
               </mc:Choice>
@@ -19589,7 +19631,7 @@
           <a:graphicData uri="http://schemas.openxmlformats.org/presentationml/2006/ole">
             <mc:AlternateContent xmlns:mc="http://schemas.openxmlformats.org/markup-compatibility/2006">
               <mc:Choice xmlns:v="urn:schemas-microsoft-com:vml" Requires="v">
-                <p:oleObj spid="_x0000_s29733" name="Equation" r:id="rId3" imgW="1942920" imgH="761760" progId="Equation.3">
+                <p:oleObj spid="_x0000_s29734" name="Equation" r:id="rId3" imgW="1942920" imgH="761760" progId="Equation.3">
                   <p:embed/>
                 </p:oleObj>
               </mc:Choice>
@@ -20846,7 +20888,7 @@
           <a:graphicData uri="http://schemas.openxmlformats.org/presentationml/2006/ole">
             <mc:AlternateContent xmlns:mc="http://schemas.openxmlformats.org/markup-compatibility/2006">
               <mc:Choice xmlns:v="urn:schemas-microsoft-com:vml" Requires="v">
-                <p:oleObj spid="_x0000_s3228" name="Equation" r:id="rId4" imgW="3759120" imgH="431640" progId="Equation.3">
+                <p:oleObj spid="_x0000_s3230" name="Equation" r:id="rId4" imgW="3759120" imgH="431640" progId="Equation.3">
                   <p:embed/>
                 </p:oleObj>
               </mc:Choice>
@@ -20914,7 +20956,7 @@
           <a:graphicData uri="http://schemas.openxmlformats.org/presentationml/2006/ole">
             <mc:AlternateContent xmlns:mc="http://schemas.openxmlformats.org/markup-compatibility/2006">
               <mc:Choice xmlns:v="urn:schemas-microsoft-com:vml" Requires="v">
-                <p:oleObj spid="_x0000_s3229" name="Equation" r:id="rId6" imgW="2489040" imgH="431640" progId="Equation.3">
+                <p:oleObj spid="_x0000_s3231" name="Equation" r:id="rId6" imgW="2489040" imgH="431640" progId="Equation.3">
                   <p:embed/>
                 </p:oleObj>
               </mc:Choice>
@@ -21600,7 +21642,7 @@
           <a:graphicData uri="http://schemas.openxmlformats.org/presentationml/2006/ole">
             <mc:AlternateContent xmlns:mc="http://schemas.openxmlformats.org/markup-compatibility/2006">
               <mc:Choice xmlns:v="urn:schemas-microsoft-com:vml" Requires="v">
-                <p:oleObj spid="_x0000_s4178" r:id="rId3" imgW="3235112" imgH="3234987" progId="Msxml2.SAXXMLReader.5.0">
+                <p:oleObj spid="_x0000_s4179" r:id="rId3" imgW="3235112" imgH="3234987" progId="Msxml2.SAXXMLReader.5.0">
                   <p:embed/>
                 </p:oleObj>
               </mc:Choice>
@@ -23123,7 +23165,7 @@
           <a:graphicData uri="http://schemas.openxmlformats.org/presentationml/2006/ole">
             <mc:AlternateContent xmlns:mc="http://schemas.openxmlformats.org/markup-compatibility/2006">
               <mc:Choice xmlns:v="urn:schemas-microsoft-com:vml" Requires="v">
-                <p:oleObj spid="_x0000_s33833" name="Equation" r:id="rId5" imgW="3073320" imgH="1447560" progId="Equation.3">
+                <p:oleObj spid="_x0000_s33835" name="Equation" r:id="rId5" imgW="3073320" imgH="1447560" progId="Equation.3">
                   <p:embed/>
                 </p:oleObj>
               </mc:Choice>
@@ -23206,7 +23248,7 @@
           <a:graphicData uri="http://schemas.openxmlformats.org/presentationml/2006/ole">
             <mc:AlternateContent xmlns:mc="http://schemas.openxmlformats.org/markup-compatibility/2006">
               <mc:Choice xmlns:v="urn:schemas-microsoft-com:vml" Requires="v">
-                <p:oleObj spid="_x0000_s33834" name="Equation" r:id="rId7" imgW="3073320" imgH="1447560" progId="Equation.3">
+                <p:oleObj spid="_x0000_s33836" name="Equation" r:id="rId7" imgW="3073320" imgH="1447560" progId="Equation.3">
                   <p:embed/>
                 </p:oleObj>
               </mc:Choice>
@@ -24021,7 +24063,7 @@
           <a:graphicData uri="http://schemas.openxmlformats.org/presentationml/2006/ole">
             <mc:AlternateContent xmlns:mc="http://schemas.openxmlformats.org/markup-compatibility/2006">
               <mc:Choice xmlns:v="urn:schemas-microsoft-com:vml" Requires="v">
-                <p:oleObj spid="_x0000_s34862" name="Equation" r:id="rId5" imgW="3073320" imgH="1447560" progId="Equation.3">
+                <p:oleObj spid="_x0000_s34864" name="Equation" r:id="rId5" imgW="3073320" imgH="1447560" progId="Equation.3">
                   <p:embed/>
                 </p:oleObj>
               </mc:Choice>
@@ -24104,7 +24146,7 @@
           <a:graphicData uri="http://schemas.openxmlformats.org/presentationml/2006/ole">
             <mc:AlternateContent xmlns:mc="http://schemas.openxmlformats.org/markup-compatibility/2006">
               <mc:Choice xmlns:v="urn:schemas-microsoft-com:vml" Requires="v">
-                <p:oleObj spid="_x0000_s34863" name="Equation" r:id="rId7" imgW="3085920" imgH="1447560" progId="Equation.3">
+                <p:oleObj spid="_x0000_s34865" name="Equation" r:id="rId7" imgW="3085920" imgH="1447560" progId="Equation.3">
                   <p:embed/>
                 </p:oleObj>
               </mc:Choice>
@@ -24593,7 +24635,7 @@
           <a:graphicData uri="http://schemas.openxmlformats.org/presentationml/2006/ole">
             <mc:AlternateContent xmlns:mc="http://schemas.openxmlformats.org/markup-compatibility/2006">
               <mc:Choice xmlns:v="urn:schemas-microsoft-com:vml" Requires="v">
-                <p:oleObj spid="_x0000_s35867" name="Equation" r:id="rId4" imgW="3073320" imgH="1447560" progId="Equation.3">
+                <p:oleObj spid="_x0000_s35869" name="Equation" r:id="rId4" imgW="3073320" imgH="1447560" progId="Equation.3">
                   <p:embed/>
                 </p:oleObj>
               </mc:Choice>
@@ -24857,7 +24899,7 @@
           <a:graphicData uri="http://schemas.openxmlformats.org/presentationml/2006/ole">
             <mc:AlternateContent xmlns:mc="http://schemas.openxmlformats.org/markup-compatibility/2006">
               <mc:Choice xmlns:v="urn:schemas-microsoft-com:vml" Requires="v">
-                <p:oleObj spid="_x0000_s35868" name="Equation" r:id="rId9" imgW="3073320" imgH="1447560" progId="Equation.3">
+                <p:oleObj spid="_x0000_s35870" name="Equation" r:id="rId9" imgW="3073320" imgH="1447560" progId="Equation.3">
                   <p:embed/>
                 </p:oleObj>
               </mc:Choice>
@@ -25278,7 +25320,7 @@
           <a:graphicData uri="http://schemas.openxmlformats.org/presentationml/2006/ole">
             <mc:AlternateContent xmlns:mc="http://schemas.openxmlformats.org/markup-compatibility/2006">
               <mc:Choice xmlns:v="urn:schemas-microsoft-com:vml" Requires="v">
-                <p:oleObj spid="_x0000_s32863" name="Equation" r:id="rId3" imgW="3301920" imgH="228600" progId="Equation.3">
+                <p:oleObj spid="_x0000_s32865" name="Equation" r:id="rId3" imgW="3301920" imgH="228600" progId="Equation.3">
                   <p:embed/>
                 </p:oleObj>
               </mc:Choice>
@@ -25342,7 +25384,7 @@
           <a:graphicData uri="http://schemas.openxmlformats.org/presentationml/2006/ole">
             <mc:AlternateContent xmlns:mc="http://schemas.openxmlformats.org/markup-compatibility/2006">
               <mc:Choice xmlns:v="urn:schemas-microsoft-com:vml" Requires="v">
-                <p:oleObj spid="_x0000_s32864" name="Equation" r:id="rId5" imgW="3314520" imgH="228600" progId="Equation.3">
+                <p:oleObj spid="_x0000_s32866" name="Equation" r:id="rId5" imgW="3314520" imgH="228600" progId="Equation.3">
                   <p:embed/>
                 </p:oleObj>
               </mc:Choice>
@@ -26181,7 +26223,7 @@
           <a:graphicData uri="http://schemas.openxmlformats.org/presentationml/2006/ole">
             <mc:AlternateContent xmlns:mc="http://schemas.openxmlformats.org/markup-compatibility/2006">
               <mc:Choice xmlns:v="urn:schemas-microsoft-com:vml" Requires="v">
-                <p:oleObj spid="_x0000_s17478" name="Equation" r:id="rId3" imgW="3149280" imgH="469800" progId="Equation.3">
+                <p:oleObj spid="_x0000_s17479" name="Equation" r:id="rId3" imgW="3149280" imgH="469800" progId="Equation.3">
                   <p:embed/>
                 </p:oleObj>
               </mc:Choice>
@@ -26536,7 +26578,7 @@
           <a:graphicData uri="http://schemas.openxmlformats.org/presentationml/2006/ole">
             <mc:AlternateContent xmlns:mc="http://schemas.openxmlformats.org/markup-compatibility/2006">
               <mc:Choice xmlns:v="urn:schemas-microsoft-com:vml" Requires="v">
-                <p:oleObj spid="_x0000_s18565" name="Equation" r:id="rId3" imgW="3377880" imgH="469800" progId="Equation.3">
+                <p:oleObj spid="_x0000_s18567" name="Equation" r:id="rId3" imgW="3377880" imgH="469800" progId="Equation.3">
                   <p:embed/>
                 </p:oleObj>
               </mc:Choice>
@@ -26600,7 +26642,7 @@
           <a:graphicData uri="http://schemas.openxmlformats.org/presentationml/2006/ole">
             <mc:AlternateContent xmlns:mc="http://schemas.openxmlformats.org/markup-compatibility/2006">
               <mc:Choice xmlns:v="urn:schemas-microsoft-com:vml" Requires="v">
-                <p:oleObj spid="_x0000_s18566" name="Equation" r:id="rId5" imgW="3377880" imgH="469800" progId="Equation.3">
+                <p:oleObj spid="_x0000_s18568" name="Equation" r:id="rId5" imgW="3377880" imgH="469800" progId="Equation.3">
                   <p:embed/>
                 </p:oleObj>
               </mc:Choice>
@@ -27195,7 +27237,7 @@
           <a:graphicData uri="http://schemas.openxmlformats.org/presentationml/2006/ole">
             <mc:AlternateContent xmlns:mc="http://schemas.openxmlformats.org/markup-compatibility/2006">
               <mc:Choice xmlns:v="urn:schemas-microsoft-com:vml" Requires="v">
-                <p:oleObj spid="_x0000_s19589" name="Equation" r:id="rId4" imgW="3377880" imgH="469800" progId="Equation.3">
+                <p:oleObj spid="_x0000_s19591" name="Equation" r:id="rId4" imgW="3377880" imgH="469800" progId="Equation.3">
                   <p:embed/>
                 </p:oleObj>
               </mc:Choice>
@@ -27284,7 +27326,7 @@
           <a:graphicData uri="http://schemas.openxmlformats.org/presentationml/2006/ole">
             <mc:AlternateContent xmlns:mc="http://schemas.openxmlformats.org/markup-compatibility/2006">
               <mc:Choice xmlns:v="urn:schemas-microsoft-com:vml" Requires="v">
-                <p:oleObj spid="_x0000_s19590" name="Equation" r:id="rId6" imgW="3187440" imgH="469800" progId="Equation.3">
+                <p:oleObj spid="_x0000_s19592" name="Equation" r:id="rId6" imgW="3187440" imgH="469800" progId="Equation.3">
                   <p:embed/>
                 </p:oleObj>
               </mc:Choice>

--- a/University of Washington Class/Module 4 - Voltage control devices.pptx
+++ b/University of Washington Class/Module 4 - Voltage control devices.pptx
@@ -262,7 +262,7 @@
             <a:fld id="{30456DE2-1550-4DE2-8C7A-8D9992B45402}" type="datetimeFigureOut">
               <a:rPr lang="en-US" smtClean="0"/>
               <a:pPr/>
-              <a:t>11/22/2011</a:t>
+              <a:t>11/29/2011</a:t>
             </a:fld>
             <a:endParaRPr lang="en-US"/>
           </a:p>
@@ -714,7 +714,7 @@
           <a:p>
             <a:fld id="{F5373481-B42A-4D4F-86EA-A88290C58964}" type="datetime1">
               <a:rPr lang="en-US" smtClean="0"/>
-              <a:t>11/22/2011</a:t>
+              <a:t>11/29/2011</a:t>
             </a:fld>
             <a:endParaRPr lang="en-US"/>
           </a:p>
@@ -983,7 +983,7 @@
           <a:p>
             <a:fld id="{03F670FF-8926-4709-96F6-FC2958129ED2}" type="datetime1">
               <a:rPr lang="en-US" smtClean="0"/>
-              <a:t>11/22/2011</a:t>
+              <a:t>11/29/2011</a:t>
             </a:fld>
             <a:endParaRPr lang="en-US"/>
           </a:p>
@@ -1159,7 +1159,7 @@
           <a:p>
             <a:fld id="{1BF16CE4-EFFC-4BDF-B5A4-4A15C47E021B}" type="datetime1">
               <a:rPr lang="en-US" smtClean="0"/>
-              <a:t>11/22/2011</a:t>
+              <a:t>11/29/2011</a:t>
             </a:fld>
             <a:endParaRPr lang="en-US"/>
           </a:p>
@@ -1349,7 +1349,7 @@
           <a:p>
             <a:fld id="{D89124DC-29B6-4231-9D25-0C78D5EFDDC9}" type="datetime1">
               <a:rPr lang="en-US" smtClean="0"/>
-              <a:t>11/22/2011</a:t>
+              <a:t>11/29/2011</a:t>
             </a:fld>
             <a:endParaRPr lang="en-US" dirty="0"/>
           </a:p>
@@ -1598,7 +1598,7 @@
           <a:p>
             <a:fld id="{63DA24F3-3618-4EAF-A9E8-EEFE221E1493}" type="datetime1">
               <a:rPr lang="en-US" smtClean="0"/>
-              <a:t>11/22/2011</a:t>
+              <a:t>11/29/2011</a:t>
             </a:fld>
             <a:endParaRPr lang="en-US"/>
           </a:p>
@@ -1882,7 +1882,7 @@
           <a:p>
             <a:fld id="{69D8CDEA-265C-4EA9-A607-0D7D771780DB}" type="datetime1">
               <a:rPr lang="en-US" smtClean="0"/>
-              <a:t>11/22/2011</a:t>
+              <a:t>11/29/2011</a:t>
             </a:fld>
             <a:endParaRPr lang="en-US"/>
           </a:p>
@@ -2300,7 +2300,7 @@
           <a:p>
             <a:fld id="{ACFA6542-36F3-4A89-93B6-B9FED0856CDB}" type="datetime1">
               <a:rPr lang="en-US" smtClean="0"/>
-              <a:t>11/22/2011</a:t>
+              <a:t>11/29/2011</a:t>
             </a:fld>
             <a:endParaRPr lang="en-US"/>
           </a:p>
@@ -2414,7 +2414,7 @@
           <a:p>
             <a:fld id="{AE3B9829-009A-44FD-B649-E323418E7E5E}" type="datetime1">
               <a:rPr lang="en-US" smtClean="0"/>
-              <a:t>11/22/2011</a:t>
+              <a:t>11/29/2011</a:t>
             </a:fld>
             <a:endParaRPr lang="en-US"/>
           </a:p>
@@ -2505,7 +2505,7 @@
           <a:p>
             <a:fld id="{4391B5C5-7D92-4C37-8071-F3311CBE73D5}" type="datetime1">
               <a:rPr lang="en-US" smtClean="0"/>
-              <a:t>11/22/2011</a:t>
+              <a:t>11/29/2011</a:t>
             </a:fld>
             <a:endParaRPr lang="en-US"/>
           </a:p>
@@ -2778,7 +2778,7 @@
           <a:p>
             <a:fld id="{4689F7FE-6C86-4059-B972-0BBDA5F301D9}" type="datetime1">
               <a:rPr lang="en-US" smtClean="0"/>
-              <a:t>11/22/2011</a:t>
+              <a:t>11/29/2011</a:t>
             </a:fld>
             <a:endParaRPr lang="en-US"/>
           </a:p>
@@ -3027,7 +3027,7 @@
           <a:p>
             <a:fld id="{F09338A6-2CCC-46F1-9871-B278557BB635}" type="datetime1">
               <a:rPr lang="en-US" smtClean="0"/>
-              <a:t>11/22/2011</a:t>
+              <a:t>11/29/2011</a:t>
             </a:fld>
             <a:endParaRPr lang="en-US"/>
           </a:p>
@@ -3240,7 +3240,7 @@
           <a:p>
             <a:fld id="{14FE97D8-1050-4CA4-8B4F-E964B5B645D9}" type="datetime1">
               <a:rPr lang="en-US" smtClean="0"/>
-              <a:t>11/22/2011</a:t>
+              <a:t>11/29/2011</a:t>
             </a:fld>
             <a:endParaRPr lang="en-US" dirty="0"/>
           </a:p>
@@ -4815,7 +4815,7 @@
           <a:graphicData uri="http://schemas.openxmlformats.org/presentationml/2006/ole">
             <mc:AlternateContent xmlns:mc="http://schemas.openxmlformats.org/markup-compatibility/2006">
               <mc:Choice xmlns:v="urn:schemas-microsoft-com:vml" Requires="v">
-                <p:oleObj spid="_x0000_s20641" name="Equation" r:id="rId7" imgW="1739880" imgH="228600" progId="Equation.3">
+                <p:oleObj spid="_x0000_s20644" name="Equation" r:id="rId7" imgW="1739880" imgH="228600" progId="Equation.3">
                   <p:embed/>
                 </p:oleObj>
               </mc:Choice>
@@ -4879,7 +4879,7 @@
           <a:graphicData uri="http://schemas.openxmlformats.org/presentationml/2006/ole">
             <mc:AlternateContent xmlns:mc="http://schemas.openxmlformats.org/markup-compatibility/2006">
               <mc:Choice xmlns:v="urn:schemas-microsoft-com:vml" Requires="v">
-                <p:oleObj spid="_x0000_s20642" name="Equation" r:id="rId9" imgW="2108160" imgH="228600" progId="Equation.3">
+                <p:oleObj spid="_x0000_s20645" name="Equation" r:id="rId9" imgW="2108160" imgH="228600" progId="Equation.3">
                   <p:embed/>
                 </p:oleObj>
               </mc:Choice>
@@ -4943,7 +4943,7 @@
           <a:graphicData uri="http://schemas.openxmlformats.org/presentationml/2006/ole">
             <mc:AlternateContent xmlns:mc="http://schemas.openxmlformats.org/markup-compatibility/2006">
               <mc:Choice xmlns:v="urn:schemas-microsoft-com:vml" Requires="v">
-                <p:oleObj spid="_x0000_s20643" name="Equation" r:id="rId11" imgW="1981080" imgH="253800" progId="Equation.3">
+                <p:oleObj spid="_x0000_s20646" name="Equation" r:id="rId11" imgW="1981080" imgH="253800" progId="Equation.3">
                   <p:embed/>
                 </p:oleObj>
               </mc:Choice>
@@ -6008,7 +6008,7 @@
           <a:graphicData uri="http://schemas.openxmlformats.org/presentationml/2006/ole">
             <mc:AlternateContent xmlns:mc="http://schemas.openxmlformats.org/markup-compatibility/2006">
               <mc:Choice xmlns:v="urn:schemas-microsoft-com:vml" Requires="v">
-                <p:oleObj spid="_x0000_s24628" name="Equation" r:id="rId3" imgW="850680" imgH="431640" progId="Equation.3">
+                <p:oleObj spid="_x0000_s24629" name="Equation" r:id="rId3" imgW="850680" imgH="431640" progId="Equation.3">
                   <p:embed/>
                 </p:oleObj>
               </mc:Choice>
@@ -6334,7 +6334,7 @@
           <a:graphicData uri="http://schemas.openxmlformats.org/presentationml/2006/ole">
             <mc:AlternateContent xmlns:mc="http://schemas.openxmlformats.org/markup-compatibility/2006">
               <mc:Choice xmlns:v="urn:schemas-microsoft-com:vml" Requires="v">
-                <p:oleObj spid="_x0000_s25689" name="Equation" r:id="rId3" imgW="850680" imgH="431640" progId="Equation.3">
+                <p:oleObj spid="_x0000_s25691" name="Equation" r:id="rId3" imgW="850680" imgH="431640" progId="Equation.3">
                   <p:embed/>
                 </p:oleObj>
               </mc:Choice>
@@ -6423,7 +6423,7 @@
           <a:graphicData uri="http://schemas.openxmlformats.org/presentationml/2006/ole">
             <mc:AlternateContent xmlns:mc="http://schemas.openxmlformats.org/markup-compatibility/2006">
               <mc:Choice xmlns:v="urn:schemas-microsoft-com:vml" Requires="v">
-                <p:oleObj spid="_x0000_s25690" name="Equation" r:id="rId5" imgW="850680" imgH="431640" progId="Equation.3">
+                <p:oleObj spid="_x0000_s25692" name="Equation" r:id="rId5" imgW="850680" imgH="431640" progId="Equation.3">
                   <p:embed/>
                 </p:oleObj>
               </mc:Choice>
@@ -7049,20 +7049,20 @@
           <p:nvPr>
             <p:extLst>
               <p:ext uri="{D42A27DB-BD31-4B8C-83A1-F6EECF244321}">
-                <p14:modId xmlns:p14="http://schemas.microsoft.com/office/powerpoint/2010/main" val="476088976"/>
+                <p14:modId xmlns:p14="http://schemas.microsoft.com/office/powerpoint/2010/main" val="4015965102"/>
               </p:ext>
             </p:extLst>
           </p:nvPr>
         </p:nvGraphicFramePr>
         <p:xfrm>
-          <a:off x="1981200" y="5943600"/>
+          <a:off x="1981200" y="5715000"/>
           <a:ext cx="1800224" cy="914400"/>
         </p:xfrm>
         <a:graphic>
           <a:graphicData uri="http://schemas.openxmlformats.org/presentationml/2006/ole">
             <mc:AlternateContent xmlns:mc="http://schemas.openxmlformats.org/markup-compatibility/2006">
               <mc:Choice xmlns:v="urn:schemas-microsoft-com:vml" Requires="v">
-                <p:oleObj spid="_x0000_s21635" name="Equation" r:id="rId3" imgW="850680" imgH="431640" progId="Equation.3">
+                <p:oleObj spid="_x0000_s21637" name="Equation" r:id="rId3" imgW="850680" imgH="431640" progId="Equation.3">
                   <p:embed/>
                 </p:oleObj>
               </mc:Choice>
@@ -7086,7 +7086,7 @@
                     </p:blipFill>
                     <p:spPr bwMode="auto">
                       <a:xfrm>
-                        <a:off x="1981200" y="5943600"/>
+                        <a:off x="1981200" y="5715000"/>
                         <a:ext cx="1800224" cy="914400"/>
                       </a:xfrm>
                       <a:prstGeom prst="rect">
@@ -7113,20 +7113,20 @@
           <p:nvPr>
             <p:extLst>
               <p:ext uri="{D42A27DB-BD31-4B8C-83A1-F6EECF244321}">
-                <p14:modId xmlns:p14="http://schemas.microsoft.com/office/powerpoint/2010/main" val="1699982350"/>
+                <p14:modId xmlns:p14="http://schemas.microsoft.com/office/powerpoint/2010/main" val="3924743322"/>
               </p:ext>
             </p:extLst>
           </p:nvPr>
         </p:nvGraphicFramePr>
         <p:xfrm>
-          <a:off x="4895850" y="6019800"/>
+          <a:off x="4895850" y="5715000"/>
           <a:ext cx="2525713" cy="914400"/>
         </p:xfrm>
         <a:graphic>
           <a:graphicData uri="http://schemas.openxmlformats.org/presentationml/2006/ole">
             <mc:AlternateContent xmlns:mc="http://schemas.openxmlformats.org/markup-compatibility/2006">
               <mc:Choice xmlns:v="urn:schemas-microsoft-com:vml" Requires="v">
-                <p:oleObj spid="_x0000_s21636" name="Equation" r:id="rId5" imgW="1193760" imgH="431640" progId="Equation.3">
+                <p:oleObj spid="_x0000_s21638" name="Equation" r:id="rId5" imgW="1193760" imgH="431640" progId="Equation.3">
                   <p:embed/>
                 </p:oleObj>
               </mc:Choice>
@@ -7150,7 +7150,7 @@
                     </p:blipFill>
                     <p:spPr bwMode="auto">
                       <a:xfrm>
-                        <a:off x="4895850" y="6019800"/>
+                        <a:off x="4895850" y="5715000"/>
                         <a:ext cx="2525713" cy="914400"/>
                       </a:xfrm>
                       <a:prstGeom prst="rect">
@@ -7210,7 +7210,7 @@
         </p:blipFill>
         <p:spPr bwMode="auto">
           <a:xfrm>
-            <a:off x="1676400" y="3200400"/>
+            <a:off x="1676400" y="2971800"/>
             <a:ext cx="4928725" cy="2325687"/>
           </a:xfrm>
           <a:prstGeom prst="rect">
@@ -11223,7 +11223,7 @@
           <a:graphicData uri="http://schemas.openxmlformats.org/presentationml/2006/ole">
             <mc:AlternateContent xmlns:mc="http://schemas.openxmlformats.org/markup-compatibility/2006">
               <mc:Choice xmlns:v="urn:schemas-microsoft-com:vml" Requires="v">
-                <p:oleObj spid="_x0000_s2320" name="Equation" r:id="rId3" imgW="4203360" imgH="558720" progId="Equation.3">
+                <p:oleObj spid="_x0000_s2323" name="Equation" r:id="rId3" imgW="4203360" imgH="558720" progId="Equation.3">
                   <p:embed/>
                 </p:oleObj>
               </mc:Choice>
@@ -11291,7 +11291,7 @@
           <a:graphicData uri="http://schemas.openxmlformats.org/presentationml/2006/ole">
             <mc:AlternateContent xmlns:mc="http://schemas.openxmlformats.org/markup-compatibility/2006">
               <mc:Choice xmlns:v="urn:schemas-microsoft-com:vml" Requires="v">
-                <p:oleObj spid="_x0000_s2321" name="Equation" r:id="rId5" imgW="4165560" imgH="558720" progId="Equation.3">
+                <p:oleObj spid="_x0000_s2324" name="Equation" r:id="rId5" imgW="4165560" imgH="558720" progId="Equation.3">
                   <p:embed/>
                 </p:oleObj>
               </mc:Choice>
@@ -11359,7 +11359,7 @@
           <a:graphicData uri="http://schemas.openxmlformats.org/presentationml/2006/ole">
             <mc:AlternateContent xmlns:mc="http://schemas.openxmlformats.org/markup-compatibility/2006">
               <mc:Choice xmlns:v="urn:schemas-microsoft-com:vml" Requires="v">
-                <p:oleObj spid="_x0000_s2322" name="Equation" r:id="rId7" imgW="1015920" imgH="228600" progId="Equation.3">
+                <p:oleObj spid="_x0000_s2325" name="Equation" r:id="rId7" imgW="1015920" imgH="228600" progId="Equation.3">
                   <p:embed/>
                 </p:oleObj>
               </mc:Choice>
@@ -12520,7 +12520,7 @@
           <a:graphicData uri="http://schemas.openxmlformats.org/presentationml/2006/ole">
             <mc:AlternateContent xmlns:mc="http://schemas.openxmlformats.org/markup-compatibility/2006">
               <mc:Choice xmlns:v="urn:schemas-microsoft-com:vml" Requires="v">
-                <p:oleObj spid="_x0000_s16527" name="Equation" r:id="rId3" imgW="4965480" imgH="558720" progId="Equation.3">
+                <p:oleObj spid="_x0000_s16529" name="Equation" r:id="rId3" imgW="4965480" imgH="558720" progId="Equation.3">
                   <p:embed/>
                 </p:oleObj>
               </mc:Choice>
@@ -12590,7 +12590,7 @@
           <a:graphicData uri="http://schemas.openxmlformats.org/presentationml/2006/ole">
             <mc:AlternateContent xmlns:mc="http://schemas.openxmlformats.org/markup-compatibility/2006">
               <mc:Choice xmlns:v="urn:schemas-microsoft-com:vml" Requires="v">
-                <p:oleObj spid="_x0000_s16528" name="Equation" r:id="rId5" imgW="4927320" imgH="558720" progId="Equation.3">
+                <p:oleObj spid="_x0000_s16530" name="Equation" r:id="rId5" imgW="4927320" imgH="558720" progId="Equation.3">
                   <p:embed/>
                 </p:oleObj>
               </mc:Choice>
@@ -14645,7 +14645,9 @@
         </p:nvSpPr>
         <p:spPr/>
         <p:txBody>
-          <a:bodyPr/>
+          <a:bodyPr>
+            <a:normAutofit lnSpcReduction="10000"/>
+          </a:bodyPr>
           <a:lstStyle/>
           <a:p>
             <a:r>
@@ -14666,8 +14668,15 @@
             </a:r>
             <a:r>
               <a:rPr lang="en-US" dirty="0" smtClean="0"/>
-              <a:t>quares (WLS) fit is a method by which measured values are used to “fit” data to a given model.</a:t>
-            </a:r>
+              <a:t>quares (WLS) fit is a method by which measured values are used to “fit” data to a given model</a:t>
+            </a:r>
+            <a:r>
+              <a:rPr lang="en-US" dirty="0" smtClean="0"/>
+              <a:t>.</a:t>
+            </a:r>
+          </a:p>
+          <a:p>
+            <a:endParaRPr lang="en-US" dirty="0" smtClean="0"/>
           </a:p>
           <a:p>
             <a:r>
@@ -14804,7 +14813,18 @@
           <a:p>
             <a:r>
               <a:rPr lang="en-US" dirty="0" smtClean="0"/>
-              <a:t>  The WLS problems assumes a convex solution plane, it is less effective for problems with local minimum.</a:t>
+              <a:t>  </a:t>
+            </a:r>
+            <a:endParaRPr lang="en-US" dirty="0" smtClean="0"/>
+          </a:p>
+          <a:p>
+            <a:r>
+              <a:rPr lang="en-US" dirty="0" smtClean="0"/>
+              <a:t>The </a:t>
+            </a:r>
+            <a:r>
+              <a:rPr lang="en-US" dirty="0" smtClean="0"/>
+              <a:t>WLS problems assumes a convex solution plane, it is less effective for problems with local minimum.</a:t>
             </a:r>
             <a:endParaRPr lang="en-US" dirty="0"/>
           </a:p>
@@ -14826,7 +14846,7 @@
           <a:graphicData uri="http://schemas.openxmlformats.org/presentationml/2006/ole">
             <mc:AlternateContent xmlns:mc="http://schemas.openxmlformats.org/markup-compatibility/2006">
               <mc:Choice xmlns:v="urn:schemas-microsoft-com:vml" Requires="v">
-                <p:oleObj spid="_x0000_s27688" name="Equation" r:id="rId3" imgW="114120" imgH="215640" progId="Equation.3">
+                <p:oleObj spid="_x0000_s27689" name="Equation" r:id="rId3" imgW="114120" imgH="215640" progId="Equation.3">
                   <p:embed/>
                 </p:oleObj>
               </mc:Choice>
@@ -14986,7 +15006,7 @@
           <a:graphicData uri="http://schemas.openxmlformats.org/presentationml/2006/ole">
             <mc:AlternateContent xmlns:mc="http://schemas.openxmlformats.org/markup-compatibility/2006">
               <mc:Choice xmlns:v="urn:schemas-microsoft-com:vml" Requires="v">
-                <p:oleObj spid="_x0000_s10896" name="Equation" r:id="rId3" imgW="114120" imgH="215640" progId="Equation.3">
+                <p:oleObj spid="_x0000_s10904" name="Equation" r:id="rId3" imgW="114120" imgH="215640" progId="Equation.3">
                   <p:embed/>
                 </p:oleObj>
               </mc:Choice>
@@ -15056,7 +15076,7 @@
           <a:graphicData uri="http://schemas.openxmlformats.org/presentationml/2006/ole">
             <mc:AlternateContent xmlns:mc="http://schemas.openxmlformats.org/markup-compatibility/2006">
               <mc:Choice xmlns:v="urn:schemas-microsoft-com:vml" Requires="v">
-                <p:oleObj spid="_x0000_s10897" name="Equation" r:id="rId5" imgW="4076640" imgH="558720" progId="Equation.3">
+                <p:oleObj spid="_x0000_s10905" name="Equation" r:id="rId5" imgW="4076640" imgH="558720" progId="Equation.3">
                   <p:embed/>
                 </p:oleObj>
               </mc:Choice>
@@ -15126,7 +15146,7 @@
           <a:graphicData uri="http://schemas.openxmlformats.org/presentationml/2006/ole">
             <mc:AlternateContent xmlns:mc="http://schemas.openxmlformats.org/markup-compatibility/2006">
               <mc:Choice xmlns:v="urn:schemas-microsoft-com:vml" Requires="v">
-                <p:oleObj spid="_x0000_s10898" name="Equation" r:id="rId7" imgW="4038480" imgH="558720" progId="Equation.3">
+                <p:oleObj spid="_x0000_s10906" name="Equation" r:id="rId7" imgW="4038480" imgH="558720" progId="Equation.3">
                   <p:embed/>
                 </p:oleObj>
               </mc:Choice>
@@ -15202,7 +15222,7 @@
           <a:graphicData uri="http://schemas.openxmlformats.org/presentationml/2006/ole">
             <mc:AlternateContent xmlns:mc="http://schemas.openxmlformats.org/markup-compatibility/2006">
               <mc:Choice xmlns:v="urn:schemas-microsoft-com:vml" Requires="v">
-                <p:oleObj spid="_x0000_s10899" name="Equation" r:id="rId9" imgW="1777680" imgH="241200" progId="Equation.3">
+                <p:oleObj spid="_x0000_s10907" name="Equation" r:id="rId9" imgW="1777680" imgH="241200" progId="Equation.3">
                   <p:embed/>
                 </p:oleObj>
               </mc:Choice>
@@ -15272,7 +15292,7 @@
           <a:graphicData uri="http://schemas.openxmlformats.org/presentationml/2006/ole">
             <mc:AlternateContent xmlns:mc="http://schemas.openxmlformats.org/markup-compatibility/2006">
               <mc:Choice xmlns:v="urn:schemas-microsoft-com:vml" Requires="v">
-                <p:oleObj spid="_x0000_s10900" name="Equation" r:id="rId11" imgW="977760" imgH="228600" progId="Equation.3">
+                <p:oleObj spid="_x0000_s10908" name="Equation" r:id="rId11" imgW="977760" imgH="228600" progId="Equation.3">
                   <p:embed/>
                 </p:oleObj>
               </mc:Choice>
@@ -15342,7 +15362,7 @@
           <a:graphicData uri="http://schemas.openxmlformats.org/presentationml/2006/ole">
             <mc:AlternateContent xmlns:mc="http://schemas.openxmlformats.org/markup-compatibility/2006">
               <mc:Choice xmlns:v="urn:schemas-microsoft-com:vml" Requires="v">
-                <p:oleObj spid="_x0000_s10901" name="Equation" r:id="rId13" imgW="1536480" imgH="482400" progId="Equation.3">
+                <p:oleObj spid="_x0000_s10909" name="Equation" r:id="rId13" imgW="1536480" imgH="482400" progId="Equation.3">
                   <p:embed/>
                 </p:oleObj>
               </mc:Choice>
@@ -15412,7 +15432,7 @@
           <a:graphicData uri="http://schemas.openxmlformats.org/presentationml/2006/ole">
             <mc:AlternateContent xmlns:mc="http://schemas.openxmlformats.org/markup-compatibility/2006">
               <mc:Choice xmlns:v="urn:schemas-microsoft-com:vml" Requires="v">
-                <p:oleObj spid="_x0000_s10902" name="Equation" r:id="rId15" imgW="2145960" imgH="431640" progId="Equation.3">
+                <p:oleObj spid="_x0000_s10910" name="Equation" r:id="rId15" imgW="2145960" imgH="431640" progId="Equation.3">
                   <p:embed/>
                 </p:oleObj>
               </mc:Choice>
@@ -15482,7 +15502,7 @@
           <a:graphicData uri="http://schemas.openxmlformats.org/presentationml/2006/ole">
             <mc:AlternateContent xmlns:mc="http://schemas.openxmlformats.org/markup-compatibility/2006">
               <mc:Choice xmlns:v="urn:schemas-microsoft-com:vml" Requires="v">
-                <p:oleObj spid="_x0000_s10903" name="Equation" r:id="rId17" imgW="1612800" imgH="228600" progId="Equation.3">
+                <p:oleObj spid="_x0000_s10911" name="Equation" r:id="rId17" imgW="1612800" imgH="228600" progId="Equation.3">
                   <p:embed/>
                 </p:oleObj>
               </mc:Choice>
@@ -16376,7 +16396,7 @@
           <a:graphicData uri="http://schemas.openxmlformats.org/presentationml/2006/ole">
             <mc:AlternateContent xmlns:mc="http://schemas.openxmlformats.org/markup-compatibility/2006">
               <mc:Choice xmlns:v="urn:schemas-microsoft-com:vml" Requires="v">
-                <p:oleObj spid="_x0000_s28838" name="Equation" r:id="rId3" imgW="114120" imgH="215640" progId="Equation.3">
+                <p:oleObj spid="_x0000_s28842" name="Equation" r:id="rId3" imgW="114120" imgH="215640" progId="Equation.3">
                   <p:embed/>
                 </p:oleObj>
               </mc:Choice>
@@ -16452,7 +16472,7 @@
           <a:graphicData uri="http://schemas.openxmlformats.org/presentationml/2006/ole">
             <mc:AlternateContent xmlns:mc="http://schemas.openxmlformats.org/markup-compatibility/2006">
               <mc:Choice xmlns:v="urn:schemas-microsoft-com:vml" Requires="v">
-                <p:oleObj spid="_x0000_s28839" name="Equation" r:id="rId5" imgW="10756800" imgH="1143000" progId="Equation.3">
+                <p:oleObj spid="_x0000_s28843" name="Equation" r:id="rId5" imgW="10756800" imgH="1143000" progId="Equation.3">
                   <p:embed/>
                 </p:oleObj>
               </mc:Choice>
@@ -16514,7 +16534,7 @@
           <a:graphicData uri="http://schemas.openxmlformats.org/presentationml/2006/ole">
             <mc:AlternateContent xmlns:mc="http://schemas.openxmlformats.org/markup-compatibility/2006">
               <mc:Choice xmlns:v="urn:schemas-microsoft-com:vml" Requires="v">
-                <p:oleObj spid="_x0000_s28840" name="Equation" r:id="rId7" imgW="2145960" imgH="431640" progId="Equation.3">
+                <p:oleObj spid="_x0000_s28844" name="Equation" r:id="rId7" imgW="2145960" imgH="431640" progId="Equation.3">
                   <p:embed/>
                 </p:oleObj>
               </mc:Choice>
@@ -16603,7 +16623,7 @@
           <a:graphicData uri="http://schemas.openxmlformats.org/presentationml/2006/ole">
             <mc:AlternateContent xmlns:mc="http://schemas.openxmlformats.org/markup-compatibility/2006">
               <mc:Choice xmlns:v="urn:schemas-microsoft-com:vml" Requires="v">
-                <p:oleObj spid="_x0000_s28841" name="Equation" r:id="rId9" imgW="10553400" imgH="1143000" progId="Equation.3">
+                <p:oleObj spid="_x0000_s28845" name="Equation" r:id="rId9" imgW="10553400" imgH="1143000" progId="Equation.3">
                   <p:embed/>
                 </p:oleObj>
               </mc:Choice>
@@ -17118,7 +17138,7 @@
           <a:graphicData uri="http://schemas.openxmlformats.org/presentationml/2006/ole">
             <mc:AlternateContent xmlns:mc="http://schemas.openxmlformats.org/markup-compatibility/2006">
               <mc:Choice xmlns:v="urn:schemas-microsoft-com:vml" Requires="v">
-                <p:oleObj spid="_x0000_s11824" name="Equation" r:id="rId3" imgW="114120" imgH="215640" progId="Equation.3">
+                <p:oleObj spid="_x0000_s11831" name="Equation" r:id="rId3" imgW="114120" imgH="215640" progId="Equation.3">
                   <p:embed/>
                 </p:oleObj>
               </mc:Choice>
@@ -17188,7 +17208,7 @@
           <a:graphicData uri="http://schemas.openxmlformats.org/presentationml/2006/ole">
             <mc:AlternateContent xmlns:mc="http://schemas.openxmlformats.org/markup-compatibility/2006">
               <mc:Choice xmlns:v="urn:schemas-microsoft-com:vml" Requires="v">
-                <p:oleObj spid="_x0000_s11825" name="Equation" r:id="rId5" imgW="1803240" imgH="482400" progId="Equation.3">
+                <p:oleObj spid="_x0000_s11832" name="Equation" r:id="rId5" imgW="1803240" imgH="482400" progId="Equation.3">
                   <p:embed/>
                 </p:oleObj>
               </mc:Choice>
@@ -17258,7 +17278,7 @@
           <a:graphicData uri="http://schemas.openxmlformats.org/presentationml/2006/ole">
             <mc:AlternateContent xmlns:mc="http://schemas.openxmlformats.org/markup-compatibility/2006">
               <mc:Choice xmlns:v="urn:schemas-microsoft-com:vml" Requires="v">
-                <p:oleObj spid="_x0000_s11826" name="Equation" r:id="rId7" imgW="1790640" imgH="266400" progId="Equation.3">
+                <p:oleObj spid="_x0000_s11833" name="Equation" r:id="rId7" imgW="1790640" imgH="266400" progId="Equation.3">
                   <p:embed/>
                 </p:oleObj>
               </mc:Choice>
@@ -17334,7 +17354,7 @@
           <a:graphicData uri="http://schemas.openxmlformats.org/presentationml/2006/ole">
             <mc:AlternateContent xmlns:mc="http://schemas.openxmlformats.org/markup-compatibility/2006">
               <mc:Choice xmlns:v="urn:schemas-microsoft-com:vml" Requires="v">
-                <p:oleObj spid="_x0000_s11827" name="Equation" r:id="rId9" imgW="2145960" imgH="431640" progId="Equation.3">
+                <p:oleObj spid="_x0000_s11834" name="Equation" r:id="rId9" imgW="2145960" imgH="431640" progId="Equation.3">
                   <p:embed/>
                 </p:oleObj>
               </mc:Choice>
@@ -17398,7 +17418,7 @@
           <a:graphicData uri="http://schemas.openxmlformats.org/presentationml/2006/ole">
             <mc:AlternateContent xmlns:mc="http://schemas.openxmlformats.org/markup-compatibility/2006">
               <mc:Choice xmlns:v="urn:schemas-microsoft-com:vml" Requires="v">
-                <p:oleObj spid="_x0000_s11828" name="Equation" r:id="rId11" imgW="2450880" imgH="228600" progId="Equation.3">
+                <p:oleObj spid="_x0000_s11835" name="Equation" r:id="rId11" imgW="2450880" imgH="228600" progId="Equation.3">
                   <p:embed/>
                 </p:oleObj>
               </mc:Choice>
@@ -17468,7 +17488,7 @@
           <a:graphicData uri="http://schemas.openxmlformats.org/presentationml/2006/ole">
             <mc:AlternateContent xmlns:mc="http://schemas.openxmlformats.org/markup-compatibility/2006">
               <mc:Choice xmlns:v="urn:schemas-microsoft-com:vml" Requires="v">
-                <p:oleObj spid="_x0000_s11829" name="Equation" r:id="rId13" imgW="634680" imgH="215640" progId="Equation.3">
+                <p:oleObj spid="_x0000_s11836" name="Equation" r:id="rId13" imgW="634680" imgH="215640" progId="Equation.3">
                   <p:embed/>
                 </p:oleObj>
               </mc:Choice>
@@ -17598,7 +17618,7 @@
           <a:graphicData uri="http://schemas.openxmlformats.org/presentationml/2006/ole">
             <mc:AlternateContent xmlns:mc="http://schemas.openxmlformats.org/markup-compatibility/2006">
               <mc:Choice xmlns:v="urn:schemas-microsoft-com:vml" Requires="v">
-                <p:oleObj spid="_x0000_s11830" name="Equation" r:id="rId15" imgW="1333440" imgH="1218960" progId="Equation.3">
+                <p:oleObj spid="_x0000_s11837" name="Equation" r:id="rId15" imgW="1333440" imgH="1218960" progId="Equation.3">
                   <p:embed/>
                 </p:oleObj>
               </mc:Choice>
@@ -18333,7 +18353,7 @@
           <a:graphicData uri="http://schemas.openxmlformats.org/presentationml/2006/ole">
             <mc:AlternateContent xmlns:mc="http://schemas.openxmlformats.org/markup-compatibility/2006">
               <mc:Choice xmlns:v="urn:schemas-microsoft-com:vml" Requires="v">
-                <p:oleObj spid="_x0000_s12539" name="Equation" r:id="rId3" imgW="114120" imgH="215640" progId="Equation.3">
+                <p:oleObj spid="_x0000_s12541" name="Equation" r:id="rId3" imgW="114120" imgH="215640" progId="Equation.3">
                   <p:embed/>
                 </p:oleObj>
               </mc:Choice>
@@ -18409,7 +18429,7 @@
           <a:graphicData uri="http://schemas.openxmlformats.org/presentationml/2006/ole">
             <mc:AlternateContent xmlns:mc="http://schemas.openxmlformats.org/markup-compatibility/2006">
               <mc:Choice xmlns:v="urn:schemas-microsoft-com:vml" Requires="v">
-                <p:oleObj spid="_x0000_s12540" name="Equation" r:id="rId5" imgW="1015920" imgH="1612800" progId="Equation.3">
+                <p:oleObj spid="_x0000_s12542" name="Equation" r:id="rId5" imgW="1015920" imgH="1612800" progId="Equation.3">
                   <p:embed/>
                 </p:oleObj>
               </mc:Choice>
@@ -18878,7 +18898,7 @@
           <a:graphicData uri="http://schemas.openxmlformats.org/presentationml/2006/ole">
             <mc:AlternateContent xmlns:mc="http://schemas.openxmlformats.org/markup-compatibility/2006">
               <mc:Choice xmlns:v="urn:schemas-microsoft-com:vml" Requires="v">
-                <p:oleObj spid="_x0000_s30764" name="Equation" r:id="rId3" imgW="5333760" imgH="558720" progId="Equation.3">
+                <p:oleObj spid="_x0000_s30766" name="Equation" r:id="rId3" imgW="5333760" imgH="558720" progId="Equation.3">
                   <p:embed/>
                 </p:oleObj>
               </mc:Choice>
@@ -18942,7 +18962,7 @@
           <a:graphicData uri="http://schemas.openxmlformats.org/presentationml/2006/ole">
             <mc:AlternateContent xmlns:mc="http://schemas.openxmlformats.org/markup-compatibility/2006">
               <mc:Choice xmlns:v="urn:schemas-microsoft-com:vml" Requires="v">
-                <p:oleObj spid="_x0000_s30765" name="Equation" r:id="rId5" imgW="5295600" imgH="558720" progId="Equation.3">
+                <p:oleObj spid="_x0000_s30767" name="Equation" r:id="rId5" imgW="5295600" imgH="558720" progId="Equation.3">
                   <p:embed/>
                 </p:oleObj>
               </mc:Choice>
@@ -19268,15 +19288,10 @@
             <p:ph idx="1"/>
           </p:nvPr>
         </p:nvSpPr>
-        <p:spPr>
-          <a:xfrm>
-            <a:off x="457200" y="1371600"/>
-            <a:ext cx="8229600" cy="5181600"/>
-          </a:xfrm>
-        </p:spPr>
+        <p:spPr/>
         <p:txBody>
           <a:bodyPr>
-            <a:normAutofit fontScale="92500" lnSpcReduction="10000"/>
+            <a:normAutofit fontScale="85000" lnSpcReduction="20000"/>
           </a:bodyPr>
           <a:lstStyle/>
           <a:p>
@@ -19631,7 +19646,7 @@
           <a:graphicData uri="http://schemas.openxmlformats.org/presentationml/2006/ole">
             <mc:AlternateContent xmlns:mc="http://schemas.openxmlformats.org/markup-compatibility/2006">
               <mc:Choice xmlns:v="urn:schemas-microsoft-com:vml" Requires="v">
-                <p:oleObj spid="_x0000_s29734" name="Equation" r:id="rId3" imgW="1942920" imgH="761760" progId="Equation.3">
+                <p:oleObj spid="_x0000_s29735" name="Equation" r:id="rId3" imgW="1942920" imgH="761760" progId="Equation.3">
                   <p:embed/>
                 </p:oleObj>
               </mc:Choice>
@@ -20888,7 +20903,7 @@
           <a:graphicData uri="http://schemas.openxmlformats.org/presentationml/2006/ole">
             <mc:AlternateContent xmlns:mc="http://schemas.openxmlformats.org/markup-compatibility/2006">
               <mc:Choice xmlns:v="urn:schemas-microsoft-com:vml" Requires="v">
-                <p:oleObj spid="_x0000_s3230" name="Equation" r:id="rId4" imgW="3759120" imgH="431640" progId="Equation.3">
+                <p:oleObj spid="_x0000_s3232" name="Equation" r:id="rId4" imgW="3759120" imgH="431640" progId="Equation.3">
                   <p:embed/>
                 </p:oleObj>
               </mc:Choice>
@@ -20956,7 +20971,7 @@
           <a:graphicData uri="http://schemas.openxmlformats.org/presentationml/2006/ole">
             <mc:AlternateContent xmlns:mc="http://schemas.openxmlformats.org/markup-compatibility/2006">
               <mc:Choice xmlns:v="urn:schemas-microsoft-com:vml" Requires="v">
-                <p:oleObj spid="_x0000_s3231" name="Equation" r:id="rId6" imgW="2489040" imgH="431640" progId="Equation.3">
+                <p:oleObj spid="_x0000_s3233" name="Equation" r:id="rId6" imgW="2489040" imgH="431640" progId="Equation.3">
                   <p:embed/>
                 </p:oleObj>
               </mc:Choice>
@@ -21642,7 +21657,7 @@
           <a:graphicData uri="http://schemas.openxmlformats.org/presentationml/2006/ole">
             <mc:AlternateContent xmlns:mc="http://schemas.openxmlformats.org/markup-compatibility/2006">
               <mc:Choice xmlns:v="urn:schemas-microsoft-com:vml" Requires="v">
-                <p:oleObj spid="_x0000_s4179" r:id="rId3" imgW="3235112" imgH="3234987" progId="Msxml2.SAXXMLReader.5.0">
+                <p:oleObj spid="_x0000_s4180" r:id="rId3" imgW="3235112" imgH="3234987" progId="Msxml2.SAXXMLReader.5.0">
                   <p:embed/>
                 </p:oleObj>
               </mc:Choice>
@@ -22553,15 +22568,10 @@
             <p:ph idx="1"/>
           </p:nvPr>
         </p:nvSpPr>
-        <p:spPr>
-          <a:xfrm>
-            <a:off x="457200" y="1371600"/>
-            <a:ext cx="8229600" cy="4754563"/>
-          </a:xfrm>
-        </p:spPr>
+        <p:spPr/>
         <p:txBody>
           <a:bodyPr>
-            <a:normAutofit fontScale="92500" lnSpcReduction="10000"/>
+            <a:normAutofit fontScale="92500" lnSpcReduction="20000"/>
           </a:bodyPr>
           <a:lstStyle/>
           <a:p>
@@ -23165,7 +23175,7 @@
           <a:graphicData uri="http://schemas.openxmlformats.org/presentationml/2006/ole">
             <mc:AlternateContent xmlns:mc="http://schemas.openxmlformats.org/markup-compatibility/2006">
               <mc:Choice xmlns:v="urn:schemas-microsoft-com:vml" Requires="v">
-                <p:oleObj spid="_x0000_s33835" name="Equation" r:id="rId5" imgW="3073320" imgH="1447560" progId="Equation.3">
+                <p:oleObj spid="_x0000_s33837" name="Equation" r:id="rId5" imgW="3073320" imgH="1447560" progId="Equation.3">
                   <p:embed/>
                 </p:oleObj>
               </mc:Choice>
@@ -23248,7 +23258,7 @@
           <a:graphicData uri="http://schemas.openxmlformats.org/presentationml/2006/ole">
             <mc:AlternateContent xmlns:mc="http://schemas.openxmlformats.org/markup-compatibility/2006">
               <mc:Choice xmlns:v="urn:schemas-microsoft-com:vml" Requires="v">
-                <p:oleObj spid="_x0000_s33836" name="Equation" r:id="rId7" imgW="3073320" imgH="1447560" progId="Equation.3">
+                <p:oleObj spid="_x0000_s33838" name="Equation" r:id="rId7" imgW="3073320" imgH="1447560" progId="Equation.3">
                   <p:embed/>
                 </p:oleObj>
               </mc:Choice>
@@ -24063,7 +24073,7 @@
           <a:graphicData uri="http://schemas.openxmlformats.org/presentationml/2006/ole">
             <mc:AlternateContent xmlns:mc="http://schemas.openxmlformats.org/markup-compatibility/2006">
               <mc:Choice xmlns:v="urn:schemas-microsoft-com:vml" Requires="v">
-                <p:oleObj spid="_x0000_s34864" name="Equation" r:id="rId5" imgW="3073320" imgH="1447560" progId="Equation.3">
+                <p:oleObj spid="_x0000_s34866" name="Equation" r:id="rId5" imgW="3073320" imgH="1447560" progId="Equation.3">
                   <p:embed/>
                 </p:oleObj>
               </mc:Choice>
@@ -24146,7 +24156,7 @@
           <a:graphicData uri="http://schemas.openxmlformats.org/presentationml/2006/ole">
             <mc:AlternateContent xmlns:mc="http://schemas.openxmlformats.org/markup-compatibility/2006">
               <mc:Choice xmlns:v="urn:schemas-microsoft-com:vml" Requires="v">
-                <p:oleObj spid="_x0000_s34865" name="Equation" r:id="rId7" imgW="3085920" imgH="1447560" progId="Equation.3">
+                <p:oleObj spid="_x0000_s34867" name="Equation" r:id="rId7" imgW="3085920" imgH="1447560" progId="Equation.3">
                   <p:embed/>
                 </p:oleObj>
               </mc:Choice>
@@ -24635,7 +24645,7 @@
           <a:graphicData uri="http://schemas.openxmlformats.org/presentationml/2006/ole">
             <mc:AlternateContent xmlns:mc="http://schemas.openxmlformats.org/markup-compatibility/2006">
               <mc:Choice xmlns:v="urn:schemas-microsoft-com:vml" Requires="v">
-                <p:oleObj spid="_x0000_s35869" name="Equation" r:id="rId4" imgW="3073320" imgH="1447560" progId="Equation.3">
+                <p:oleObj spid="_x0000_s35871" name="Equation" r:id="rId4" imgW="3073320" imgH="1447560" progId="Equation.3">
                   <p:embed/>
                 </p:oleObj>
               </mc:Choice>
@@ -24899,7 +24909,7 @@
           <a:graphicData uri="http://schemas.openxmlformats.org/presentationml/2006/ole">
             <mc:AlternateContent xmlns:mc="http://schemas.openxmlformats.org/markup-compatibility/2006">
               <mc:Choice xmlns:v="urn:schemas-microsoft-com:vml" Requires="v">
-                <p:oleObj spid="_x0000_s35870" name="Equation" r:id="rId9" imgW="3073320" imgH="1447560" progId="Equation.3">
+                <p:oleObj spid="_x0000_s35872" name="Equation" r:id="rId9" imgW="3073320" imgH="1447560" progId="Equation.3">
                   <p:embed/>
                 </p:oleObj>
               </mc:Choice>
@@ -25320,7 +25330,7 @@
           <a:graphicData uri="http://schemas.openxmlformats.org/presentationml/2006/ole">
             <mc:AlternateContent xmlns:mc="http://schemas.openxmlformats.org/markup-compatibility/2006">
               <mc:Choice xmlns:v="urn:schemas-microsoft-com:vml" Requires="v">
-                <p:oleObj spid="_x0000_s32865" name="Equation" r:id="rId3" imgW="3301920" imgH="228600" progId="Equation.3">
+                <p:oleObj spid="_x0000_s32867" name="Equation" r:id="rId3" imgW="3301920" imgH="228600" progId="Equation.3">
                   <p:embed/>
                 </p:oleObj>
               </mc:Choice>
@@ -25384,7 +25394,7 @@
           <a:graphicData uri="http://schemas.openxmlformats.org/presentationml/2006/ole">
             <mc:AlternateContent xmlns:mc="http://schemas.openxmlformats.org/markup-compatibility/2006">
               <mc:Choice xmlns:v="urn:schemas-microsoft-com:vml" Requires="v">
-                <p:oleObj spid="_x0000_s32866" name="Equation" r:id="rId5" imgW="3314520" imgH="228600" progId="Equation.3">
+                <p:oleObj spid="_x0000_s32868" name="Equation" r:id="rId5" imgW="3314520" imgH="228600" progId="Equation.3">
                   <p:embed/>
                 </p:oleObj>
               </mc:Choice>
@@ -26223,7 +26233,7 @@
           <a:graphicData uri="http://schemas.openxmlformats.org/presentationml/2006/ole">
             <mc:AlternateContent xmlns:mc="http://schemas.openxmlformats.org/markup-compatibility/2006">
               <mc:Choice xmlns:v="urn:schemas-microsoft-com:vml" Requires="v">
-                <p:oleObj spid="_x0000_s17479" name="Equation" r:id="rId3" imgW="3149280" imgH="469800" progId="Equation.3">
+                <p:oleObj spid="_x0000_s17480" name="Equation" r:id="rId3" imgW="3149280" imgH="469800" progId="Equation.3">
                   <p:embed/>
                 </p:oleObj>
               </mc:Choice>
@@ -26578,7 +26588,7 @@
           <a:graphicData uri="http://schemas.openxmlformats.org/presentationml/2006/ole">
             <mc:AlternateContent xmlns:mc="http://schemas.openxmlformats.org/markup-compatibility/2006">
               <mc:Choice xmlns:v="urn:schemas-microsoft-com:vml" Requires="v">
-                <p:oleObj spid="_x0000_s18567" name="Equation" r:id="rId3" imgW="3377880" imgH="469800" progId="Equation.3">
+                <p:oleObj spid="_x0000_s18569" name="Equation" r:id="rId3" imgW="3377880" imgH="469800" progId="Equation.3">
                   <p:embed/>
                 </p:oleObj>
               </mc:Choice>
@@ -26642,7 +26652,7 @@
           <a:graphicData uri="http://schemas.openxmlformats.org/presentationml/2006/ole">
             <mc:AlternateContent xmlns:mc="http://schemas.openxmlformats.org/markup-compatibility/2006">
               <mc:Choice xmlns:v="urn:schemas-microsoft-com:vml" Requires="v">
-                <p:oleObj spid="_x0000_s18568" name="Equation" r:id="rId5" imgW="3377880" imgH="469800" progId="Equation.3">
+                <p:oleObj spid="_x0000_s18570" name="Equation" r:id="rId5" imgW="3377880" imgH="469800" progId="Equation.3">
                   <p:embed/>
                 </p:oleObj>
               </mc:Choice>
@@ -27237,7 +27247,7 @@
           <a:graphicData uri="http://schemas.openxmlformats.org/presentationml/2006/ole">
             <mc:AlternateContent xmlns:mc="http://schemas.openxmlformats.org/markup-compatibility/2006">
               <mc:Choice xmlns:v="urn:schemas-microsoft-com:vml" Requires="v">
-                <p:oleObj spid="_x0000_s19591" name="Equation" r:id="rId4" imgW="3377880" imgH="469800" progId="Equation.3">
+                <p:oleObj spid="_x0000_s19593" name="Equation" r:id="rId4" imgW="3377880" imgH="469800" progId="Equation.3">
                   <p:embed/>
                 </p:oleObj>
               </mc:Choice>
@@ -27326,7 +27336,7 @@
           <a:graphicData uri="http://schemas.openxmlformats.org/presentationml/2006/ole">
             <mc:AlternateContent xmlns:mc="http://schemas.openxmlformats.org/markup-compatibility/2006">
               <mc:Choice xmlns:v="urn:schemas-microsoft-com:vml" Requires="v">
-                <p:oleObj spid="_x0000_s19592" name="Equation" r:id="rId6" imgW="3187440" imgH="469800" progId="Equation.3">
+                <p:oleObj spid="_x0000_s19594" name="Equation" r:id="rId6" imgW="3187440" imgH="469800" progId="Equation.3">
                   <p:embed/>
                 </p:oleObj>
               </mc:Choice>

--- a/University of Washington Class/Module 4 - Voltage control devices.pptx
+++ b/University of Washington Class/Module 4 - Voltage control devices.pptx
@@ -262,7 +262,7 @@
             <a:fld id="{30456DE2-1550-4DE2-8C7A-8D9992B45402}" type="datetimeFigureOut">
               <a:rPr lang="en-US" smtClean="0"/>
               <a:pPr/>
-              <a:t>11/29/2011</a:t>
+              <a:t>12/7/2011</a:t>
             </a:fld>
             <a:endParaRPr lang="en-US"/>
           </a:p>
@@ -714,7 +714,7 @@
           <a:p>
             <a:fld id="{F5373481-B42A-4D4F-86EA-A88290C58964}" type="datetime1">
               <a:rPr lang="en-US" smtClean="0"/>
-              <a:t>11/29/2011</a:t>
+              <a:t>12/7/2011</a:t>
             </a:fld>
             <a:endParaRPr lang="en-US"/>
           </a:p>
@@ -983,7 +983,7 @@
           <a:p>
             <a:fld id="{03F670FF-8926-4709-96F6-FC2958129ED2}" type="datetime1">
               <a:rPr lang="en-US" smtClean="0"/>
-              <a:t>11/29/2011</a:t>
+              <a:t>12/7/2011</a:t>
             </a:fld>
             <a:endParaRPr lang="en-US"/>
           </a:p>
@@ -1159,7 +1159,7 @@
           <a:p>
             <a:fld id="{1BF16CE4-EFFC-4BDF-B5A4-4A15C47E021B}" type="datetime1">
               <a:rPr lang="en-US" smtClean="0"/>
-              <a:t>11/29/2011</a:t>
+              <a:t>12/7/2011</a:t>
             </a:fld>
             <a:endParaRPr lang="en-US"/>
           </a:p>
@@ -1349,7 +1349,7 @@
           <a:p>
             <a:fld id="{D89124DC-29B6-4231-9D25-0C78D5EFDDC9}" type="datetime1">
               <a:rPr lang="en-US" smtClean="0"/>
-              <a:t>11/29/2011</a:t>
+              <a:t>12/7/2011</a:t>
             </a:fld>
             <a:endParaRPr lang="en-US" dirty="0"/>
           </a:p>
@@ -1598,7 +1598,7 @@
           <a:p>
             <a:fld id="{63DA24F3-3618-4EAF-A9E8-EEFE221E1493}" type="datetime1">
               <a:rPr lang="en-US" smtClean="0"/>
-              <a:t>11/29/2011</a:t>
+              <a:t>12/7/2011</a:t>
             </a:fld>
             <a:endParaRPr lang="en-US"/>
           </a:p>
@@ -1882,7 +1882,7 @@
           <a:p>
             <a:fld id="{69D8CDEA-265C-4EA9-A607-0D7D771780DB}" type="datetime1">
               <a:rPr lang="en-US" smtClean="0"/>
-              <a:t>11/29/2011</a:t>
+              <a:t>12/7/2011</a:t>
             </a:fld>
             <a:endParaRPr lang="en-US"/>
           </a:p>
@@ -2300,7 +2300,7 @@
           <a:p>
             <a:fld id="{ACFA6542-36F3-4A89-93B6-B9FED0856CDB}" type="datetime1">
               <a:rPr lang="en-US" smtClean="0"/>
-              <a:t>11/29/2011</a:t>
+              <a:t>12/7/2011</a:t>
             </a:fld>
             <a:endParaRPr lang="en-US"/>
           </a:p>
@@ -2414,7 +2414,7 @@
           <a:p>
             <a:fld id="{AE3B9829-009A-44FD-B649-E323418E7E5E}" type="datetime1">
               <a:rPr lang="en-US" smtClean="0"/>
-              <a:t>11/29/2011</a:t>
+              <a:t>12/7/2011</a:t>
             </a:fld>
             <a:endParaRPr lang="en-US"/>
           </a:p>
@@ -2505,7 +2505,7 @@
           <a:p>
             <a:fld id="{4391B5C5-7D92-4C37-8071-F3311CBE73D5}" type="datetime1">
               <a:rPr lang="en-US" smtClean="0"/>
-              <a:t>11/29/2011</a:t>
+              <a:t>12/7/2011</a:t>
             </a:fld>
             <a:endParaRPr lang="en-US"/>
           </a:p>
@@ -2778,7 +2778,7 @@
           <a:p>
             <a:fld id="{4689F7FE-6C86-4059-B972-0BBDA5F301D9}" type="datetime1">
               <a:rPr lang="en-US" smtClean="0"/>
-              <a:t>11/29/2011</a:t>
+              <a:t>12/7/2011</a:t>
             </a:fld>
             <a:endParaRPr lang="en-US"/>
           </a:p>
@@ -3027,7 +3027,7 @@
           <a:p>
             <a:fld id="{F09338A6-2CCC-46F1-9871-B278557BB635}" type="datetime1">
               <a:rPr lang="en-US" smtClean="0"/>
-              <a:t>11/29/2011</a:t>
+              <a:t>12/7/2011</a:t>
             </a:fld>
             <a:endParaRPr lang="en-US"/>
           </a:p>
@@ -3240,7 +3240,7 @@
           <a:p>
             <a:fld id="{14FE97D8-1050-4CA4-8B4F-E964B5B645D9}" type="datetime1">
               <a:rPr lang="en-US" smtClean="0"/>
-              <a:t>11/29/2011</a:t>
+              <a:t>12/7/2011</a:t>
             </a:fld>
             <a:endParaRPr lang="en-US" dirty="0"/>
           </a:p>
@@ -4815,7 +4815,7 @@
           <a:graphicData uri="http://schemas.openxmlformats.org/presentationml/2006/ole">
             <mc:AlternateContent xmlns:mc="http://schemas.openxmlformats.org/markup-compatibility/2006">
               <mc:Choice xmlns:v="urn:schemas-microsoft-com:vml" Requires="v">
-                <p:oleObj spid="_x0000_s20644" name="Equation" r:id="rId7" imgW="1739880" imgH="228600" progId="Equation.3">
+                <p:oleObj spid="_x0000_s20647" name="Equation" r:id="rId7" imgW="1739880" imgH="228600" progId="Equation.3">
                   <p:embed/>
                 </p:oleObj>
               </mc:Choice>
@@ -4879,7 +4879,7 @@
           <a:graphicData uri="http://schemas.openxmlformats.org/presentationml/2006/ole">
             <mc:AlternateContent xmlns:mc="http://schemas.openxmlformats.org/markup-compatibility/2006">
               <mc:Choice xmlns:v="urn:schemas-microsoft-com:vml" Requires="v">
-                <p:oleObj spid="_x0000_s20645" name="Equation" r:id="rId9" imgW="2108160" imgH="228600" progId="Equation.3">
+                <p:oleObj spid="_x0000_s20648" name="Equation" r:id="rId9" imgW="2108160" imgH="228600" progId="Equation.3">
                   <p:embed/>
                 </p:oleObj>
               </mc:Choice>
@@ -4943,7 +4943,7 @@
           <a:graphicData uri="http://schemas.openxmlformats.org/presentationml/2006/ole">
             <mc:AlternateContent xmlns:mc="http://schemas.openxmlformats.org/markup-compatibility/2006">
               <mc:Choice xmlns:v="urn:schemas-microsoft-com:vml" Requires="v">
-                <p:oleObj spid="_x0000_s20646" name="Equation" r:id="rId11" imgW="1981080" imgH="253800" progId="Equation.3">
+                <p:oleObj spid="_x0000_s20649" name="Equation" r:id="rId11" imgW="1981080" imgH="253800" progId="Equation.3">
                   <p:embed/>
                 </p:oleObj>
               </mc:Choice>
@@ -6008,7 +6008,7 @@
           <a:graphicData uri="http://schemas.openxmlformats.org/presentationml/2006/ole">
             <mc:AlternateContent xmlns:mc="http://schemas.openxmlformats.org/markup-compatibility/2006">
               <mc:Choice xmlns:v="urn:schemas-microsoft-com:vml" Requires="v">
-                <p:oleObj spid="_x0000_s24629" name="Equation" r:id="rId3" imgW="850680" imgH="431640" progId="Equation.3">
+                <p:oleObj spid="_x0000_s24630" name="Equation" r:id="rId3" imgW="850680" imgH="431640" progId="Equation.3">
                   <p:embed/>
                 </p:oleObj>
               </mc:Choice>
@@ -6334,7 +6334,7 @@
           <a:graphicData uri="http://schemas.openxmlformats.org/presentationml/2006/ole">
             <mc:AlternateContent xmlns:mc="http://schemas.openxmlformats.org/markup-compatibility/2006">
               <mc:Choice xmlns:v="urn:schemas-microsoft-com:vml" Requires="v">
-                <p:oleObj spid="_x0000_s25691" name="Equation" r:id="rId3" imgW="850680" imgH="431640" progId="Equation.3">
+                <p:oleObj spid="_x0000_s25693" name="Equation" r:id="rId3" imgW="850680" imgH="431640" progId="Equation.3">
                   <p:embed/>
                 </p:oleObj>
               </mc:Choice>
@@ -6423,7 +6423,7 @@
           <a:graphicData uri="http://schemas.openxmlformats.org/presentationml/2006/ole">
             <mc:AlternateContent xmlns:mc="http://schemas.openxmlformats.org/markup-compatibility/2006">
               <mc:Choice xmlns:v="urn:schemas-microsoft-com:vml" Requires="v">
-                <p:oleObj spid="_x0000_s25692" name="Equation" r:id="rId5" imgW="850680" imgH="431640" progId="Equation.3">
+                <p:oleObj spid="_x0000_s25694" name="Equation" r:id="rId5" imgW="850680" imgH="431640" progId="Equation.3">
                   <p:embed/>
                 </p:oleObj>
               </mc:Choice>
@@ -7062,7 +7062,7 @@
           <a:graphicData uri="http://schemas.openxmlformats.org/presentationml/2006/ole">
             <mc:AlternateContent xmlns:mc="http://schemas.openxmlformats.org/markup-compatibility/2006">
               <mc:Choice xmlns:v="urn:schemas-microsoft-com:vml" Requires="v">
-                <p:oleObj spid="_x0000_s21637" name="Equation" r:id="rId3" imgW="850680" imgH="431640" progId="Equation.3">
+                <p:oleObj spid="_x0000_s21639" name="Equation" r:id="rId3" imgW="850680" imgH="431640" progId="Equation.3">
                   <p:embed/>
                 </p:oleObj>
               </mc:Choice>
@@ -7126,7 +7126,7 @@
           <a:graphicData uri="http://schemas.openxmlformats.org/presentationml/2006/ole">
             <mc:AlternateContent xmlns:mc="http://schemas.openxmlformats.org/markup-compatibility/2006">
               <mc:Choice xmlns:v="urn:schemas-microsoft-com:vml" Requires="v">
-                <p:oleObj spid="_x0000_s21638" name="Equation" r:id="rId5" imgW="1193760" imgH="431640" progId="Equation.3">
+                <p:oleObj spid="_x0000_s21640" name="Equation" r:id="rId5" imgW="1193760" imgH="431640" progId="Equation.3">
                   <p:embed/>
                 </p:oleObj>
               </mc:Choice>
@@ -11223,7 +11223,7 @@
           <a:graphicData uri="http://schemas.openxmlformats.org/presentationml/2006/ole">
             <mc:AlternateContent xmlns:mc="http://schemas.openxmlformats.org/markup-compatibility/2006">
               <mc:Choice xmlns:v="urn:schemas-microsoft-com:vml" Requires="v">
-                <p:oleObj spid="_x0000_s2323" name="Equation" r:id="rId3" imgW="4203360" imgH="558720" progId="Equation.3">
+                <p:oleObj spid="_x0000_s2326" name="Equation" r:id="rId3" imgW="4203360" imgH="558720" progId="Equation.3">
                   <p:embed/>
                 </p:oleObj>
               </mc:Choice>
@@ -11291,7 +11291,7 @@
           <a:graphicData uri="http://schemas.openxmlformats.org/presentationml/2006/ole">
             <mc:AlternateContent xmlns:mc="http://schemas.openxmlformats.org/markup-compatibility/2006">
               <mc:Choice xmlns:v="urn:schemas-microsoft-com:vml" Requires="v">
-                <p:oleObj spid="_x0000_s2324" name="Equation" r:id="rId5" imgW="4165560" imgH="558720" progId="Equation.3">
+                <p:oleObj spid="_x0000_s2327" name="Equation" r:id="rId5" imgW="4165560" imgH="558720" progId="Equation.3">
                   <p:embed/>
                 </p:oleObj>
               </mc:Choice>
@@ -11359,7 +11359,7 @@
           <a:graphicData uri="http://schemas.openxmlformats.org/presentationml/2006/ole">
             <mc:AlternateContent xmlns:mc="http://schemas.openxmlformats.org/markup-compatibility/2006">
               <mc:Choice xmlns:v="urn:schemas-microsoft-com:vml" Requires="v">
-                <p:oleObj spid="_x0000_s2325" name="Equation" r:id="rId7" imgW="1015920" imgH="228600" progId="Equation.3">
+                <p:oleObj spid="_x0000_s2328" name="Equation" r:id="rId7" imgW="1015920" imgH="228600" progId="Equation.3">
                   <p:embed/>
                 </p:oleObj>
               </mc:Choice>
@@ -12520,7 +12520,7 @@
           <a:graphicData uri="http://schemas.openxmlformats.org/presentationml/2006/ole">
             <mc:AlternateContent xmlns:mc="http://schemas.openxmlformats.org/markup-compatibility/2006">
               <mc:Choice xmlns:v="urn:schemas-microsoft-com:vml" Requires="v">
-                <p:oleObj spid="_x0000_s16529" name="Equation" r:id="rId3" imgW="4965480" imgH="558720" progId="Equation.3">
+                <p:oleObj spid="_x0000_s16531" name="Equation" r:id="rId3" imgW="4965480" imgH="558720" progId="Equation.3">
                   <p:embed/>
                 </p:oleObj>
               </mc:Choice>
@@ -12590,7 +12590,7 @@
           <a:graphicData uri="http://schemas.openxmlformats.org/presentationml/2006/ole">
             <mc:AlternateContent xmlns:mc="http://schemas.openxmlformats.org/markup-compatibility/2006">
               <mc:Choice xmlns:v="urn:schemas-microsoft-com:vml" Requires="v">
-                <p:oleObj spid="_x0000_s16530" name="Equation" r:id="rId5" imgW="4927320" imgH="558720" progId="Equation.3">
+                <p:oleObj spid="_x0000_s16532" name="Equation" r:id="rId5" imgW="4927320" imgH="558720" progId="Equation.3">
                   <p:embed/>
                 </p:oleObj>
               </mc:Choice>
@@ -14668,11 +14668,7 @@
             </a:r>
             <a:r>
               <a:rPr lang="en-US" dirty="0" smtClean="0"/>
-              <a:t>quares (WLS) fit is a method by which measured values are used to “fit” data to a given model</a:t>
-            </a:r>
-            <a:r>
-              <a:rPr lang="en-US" dirty="0" smtClean="0"/>
-              <a:t>.</a:t>
+              <a:t>quares (WLS) fit is a method by which measured values are used to “fit” data to a given model.</a:t>
             </a:r>
           </a:p>
           <a:p>
@@ -14815,16 +14811,11 @@
               <a:rPr lang="en-US" dirty="0" smtClean="0"/>
               <a:t>  </a:t>
             </a:r>
-            <a:endParaRPr lang="en-US" dirty="0" smtClean="0"/>
           </a:p>
           <a:p>
             <a:r>
               <a:rPr lang="en-US" dirty="0" smtClean="0"/>
-              <a:t>The </a:t>
-            </a:r>
-            <a:r>
-              <a:rPr lang="en-US" dirty="0" smtClean="0"/>
-              <a:t>WLS problems assumes a convex solution plane, it is less effective for problems with local minimum.</a:t>
+              <a:t>The WLS problems assumes a convex solution plane, it is less effective for problems with local minimum.</a:t>
             </a:r>
             <a:endParaRPr lang="en-US" dirty="0"/>
           </a:p>
@@ -14846,7 +14837,7 @@
           <a:graphicData uri="http://schemas.openxmlformats.org/presentationml/2006/ole">
             <mc:AlternateContent xmlns:mc="http://schemas.openxmlformats.org/markup-compatibility/2006">
               <mc:Choice xmlns:v="urn:schemas-microsoft-com:vml" Requires="v">
-                <p:oleObj spid="_x0000_s27689" name="Equation" r:id="rId3" imgW="114120" imgH="215640" progId="Equation.3">
+                <p:oleObj spid="_x0000_s27690" name="Equation" r:id="rId3" imgW="114120" imgH="215640" progId="Equation.3">
                   <p:embed/>
                 </p:oleObj>
               </mc:Choice>
@@ -15006,7 +14997,7 @@
           <a:graphicData uri="http://schemas.openxmlformats.org/presentationml/2006/ole">
             <mc:AlternateContent xmlns:mc="http://schemas.openxmlformats.org/markup-compatibility/2006">
               <mc:Choice xmlns:v="urn:schemas-microsoft-com:vml" Requires="v">
-                <p:oleObj spid="_x0000_s10904" name="Equation" r:id="rId3" imgW="114120" imgH="215640" progId="Equation.3">
+                <p:oleObj spid="_x0000_s10912" name="Equation" r:id="rId3" imgW="114120" imgH="215640" progId="Equation.3">
                   <p:embed/>
                 </p:oleObj>
               </mc:Choice>
@@ -15076,7 +15067,7 @@
           <a:graphicData uri="http://schemas.openxmlformats.org/presentationml/2006/ole">
             <mc:AlternateContent xmlns:mc="http://schemas.openxmlformats.org/markup-compatibility/2006">
               <mc:Choice xmlns:v="urn:schemas-microsoft-com:vml" Requires="v">
-                <p:oleObj spid="_x0000_s10905" name="Equation" r:id="rId5" imgW="4076640" imgH="558720" progId="Equation.3">
+                <p:oleObj spid="_x0000_s10913" name="Equation" r:id="rId5" imgW="4076640" imgH="558720" progId="Equation.3">
                   <p:embed/>
                 </p:oleObj>
               </mc:Choice>
@@ -15146,7 +15137,7 @@
           <a:graphicData uri="http://schemas.openxmlformats.org/presentationml/2006/ole">
             <mc:AlternateContent xmlns:mc="http://schemas.openxmlformats.org/markup-compatibility/2006">
               <mc:Choice xmlns:v="urn:schemas-microsoft-com:vml" Requires="v">
-                <p:oleObj spid="_x0000_s10906" name="Equation" r:id="rId7" imgW="4038480" imgH="558720" progId="Equation.3">
+                <p:oleObj spid="_x0000_s10914" name="Equation" r:id="rId7" imgW="4038480" imgH="558720" progId="Equation.3">
                   <p:embed/>
                 </p:oleObj>
               </mc:Choice>
@@ -15222,7 +15213,7 @@
           <a:graphicData uri="http://schemas.openxmlformats.org/presentationml/2006/ole">
             <mc:AlternateContent xmlns:mc="http://schemas.openxmlformats.org/markup-compatibility/2006">
               <mc:Choice xmlns:v="urn:schemas-microsoft-com:vml" Requires="v">
-                <p:oleObj spid="_x0000_s10907" name="Equation" r:id="rId9" imgW="1777680" imgH="241200" progId="Equation.3">
+                <p:oleObj spid="_x0000_s10915" name="Equation" r:id="rId9" imgW="1777680" imgH="241200" progId="Equation.3">
                   <p:embed/>
                 </p:oleObj>
               </mc:Choice>
@@ -15292,7 +15283,7 @@
           <a:graphicData uri="http://schemas.openxmlformats.org/presentationml/2006/ole">
             <mc:AlternateContent xmlns:mc="http://schemas.openxmlformats.org/markup-compatibility/2006">
               <mc:Choice xmlns:v="urn:schemas-microsoft-com:vml" Requires="v">
-                <p:oleObj spid="_x0000_s10908" name="Equation" r:id="rId11" imgW="977760" imgH="228600" progId="Equation.3">
+                <p:oleObj spid="_x0000_s10916" name="Equation" r:id="rId11" imgW="977760" imgH="228600" progId="Equation.3">
                   <p:embed/>
                 </p:oleObj>
               </mc:Choice>
@@ -15362,7 +15353,7 @@
           <a:graphicData uri="http://schemas.openxmlformats.org/presentationml/2006/ole">
             <mc:AlternateContent xmlns:mc="http://schemas.openxmlformats.org/markup-compatibility/2006">
               <mc:Choice xmlns:v="urn:schemas-microsoft-com:vml" Requires="v">
-                <p:oleObj spid="_x0000_s10909" name="Equation" r:id="rId13" imgW="1536480" imgH="482400" progId="Equation.3">
+                <p:oleObj spid="_x0000_s10917" name="Equation" r:id="rId13" imgW="1536480" imgH="482400" progId="Equation.3">
                   <p:embed/>
                 </p:oleObj>
               </mc:Choice>
@@ -15432,7 +15423,7 @@
           <a:graphicData uri="http://schemas.openxmlformats.org/presentationml/2006/ole">
             <mc:AlternateContent xmlns:mc="http://schemas.openxmlformats.org/markup-compatibility/2006">
               <mc:Choice xmlns:v="urn:schemas-microsoft-com:vml" Requires="v">
-                <p:oleObj spid="_x0000_s10910" name="Equation" r:id="rId15" imgW="2145960" imgH="431640" progId="Equation.3">
+                <p:oleObj spid="_x0000_s10918" name="Equation" r:id="rId15" imgW="2145960" imgH="431640" progId="Equation.3">
                   <p:embed/>
                 </p:oleObj>
               </mc:Choice>
@@ -15502,7 +15493,7 @@
           <a:graphicData uri="http://schemas.openxmlformats.org/presentationml/2006/ole">
             <mc:AlternateContent xmlns:mc="http://schemas.openxmlformats.org/markup-compatibility/2006">
               <mc:Choice xmlns:v="urn:schemas-microsoft-com:vml" Requires="v">
-                <p:oleObj spid="_x0000_s10911" name="Equation" r:id="rId17" imgW="1612800" imgH="228600" progId="Equation.3">
+                <p:oleObj spid="_x0000_s10919" name="Equation" r:id="rId17" imgW="1612800" imgH="228600" progId="Equation.3">
                   <p:embed/>
                 </p:oleObj>
               </mc:Choice>
@@ -16396,7 +16387,7 @@
           <a:graphicData uri="http://schemas.openxmlformats.org/presentationml/2006/ole">
             <mc:AlternateContent xmlns:mc="http://schemas.openxmlformats.org/markup-compatibility/2006">
               <mc:Choice xmlns:v="urn:schemas-microsoft-com:vml" Requires="v">
-                <p:oleObj spid="_x0000_s28842" name="Equation" r:id="rId3" imgW="114120" imgH="215640" progId="Equation.3">
+                <p:oleObj spid="_x0000_s28846" name="Equation" r:id="rId3" imgW="114120" imgH="215640" progId="Equation.3">
                   <p:embed/>
                 </p:oleObj>
               </mc:Choice>
@@ -16472,7 +16463,7 @@
           <a:graphicData uri="http://schemas.openxmlformats.org/presentationml/2006/ole">
             <mc:AlternateContent xmlns:mc="http://schemas.openxmlformats.org/markup-compatibility/2006">
               <mc:Choice xmlns:v="urn:schemas-microsoft-com:vml" Requires="v">
-                <p:oleObj spid="_x0000_s28843" name="Equation" r:id="rId5" imgW="10756800" imgH="1143000" progId="Equation.3">
+                <p:oleObj spid="_x0000_s28847" name="Equation" r:id="rId5" imgW="10756800" imgH="1143000" progId="Equation.3">
                   <p:embed/>
                 </p:oleObj>
               </mc:Choice>
@@ -16534,7 +16525,7 @@
           <a:graphicData uri="http://schemas.openxmlformats.org/presentationml/2006/ole">
             <mc:AlternateContent xmlns:mc="http://schemas.openxmlformats.org/markup-compatibility/2006">
               <mc:Choice xmlns:v="urn:schemas-microsoft-com:vml" Requires="v">
-                <p:oleObj spid="_x0000_s28844" name="Equation" r:id="rId7" imgW="2145960" imgH="431640" progId="Equation.3">
+                <p:oleObj spid="_x0000_s28848" name="Equation" r:id="rId7" imgW="2145960" imgH="431640" progId="Equation.3">
                   <p:embed/>
                 </p:oleObj>
               </mc:Choice>
@@ -16623,7 +16614,7 @@
           <a:graphicData uri="http://schemas.openxmlformats.org/presentationml/2006/ole">
             <mc:AlternateContent xmlns:mc="http://schemas.openxmlformats.org/markup-compatibility/2006">
               <mc:Choice xmlns:v="urn:schemas-microsoft-com:vml" Requires="v">
-                <p:oleObj spid="_x0000_s28845" name="Equation" r:id="rId9" imgW="10553400" imgH="1143000" progId="Equation.3">
+                <p:oleObj spid="_x0000_s28849" name="Equation" r:id="rId9" imgW="10553400" imgH="1143000" progId="Equation.3">
                   <p:embed/>
                 </p:oleObj>
               </mc:Choice>
@@ -17138,7 +17129,7 @@
           <a:graphicData uri="http://schemas.openxmlformats.org/presentationml/2006/ole">
             <mc:AlternateContent xmlns:mc="http://schemas.openxmlformats.org/markup-compatibility/2006">
               <mc:Choice xmlns:v="urn:schemas-microsoft-com:vml" Requires="v">
-                <p:oleObj spid="_x0000_s11831" name="Equation" r:id="rId3" imgW="114120" imgH="215640" progId="Equation.3">
+                <p:oleObj spid="_x0000_s11838" name="Equation" r:id="rId3" imgW="114120" imgH="215640" progId="Equation.3">
                   <p:embed/>
                 </p:oleObj>
               </mc:Choice>
@@ -17208,7 +17199,7 @@
           <a:graphicData uri="http://schemas.openxmlformats.org/presentationml/2006/ole">
             <mc:AlternateContent xmlns:mc="http://schemas.openxmlformats.org/markup-compatibility/2006">
               <mc:Choice xmlns:v="urn:schemas-microsoft-com:vml" Requires="v">
-                <p:oleObj spid="_x0000_s11832" name="Equation" r:id="rId5" imgW="1803240" imgH="482400" progId="Equation.3">
+                <p:oleObj spid="_x0000_s11839" name="Equation" r:id="rId5" imgW="1803240" imgH="482400" progId="Equation.3">
                   <p:embed/>
                 </p:oleObj>
               </mc:Choice>
@@ -17278,7 +17269,7 @@
           <a:graphicData uri="http://schemas.openxmlformats.org/presentationml/2006/ole">
             <mc:AlternateContent xmlns:mc="http://schemas.openxmlformats.org/markup-compatibility/2006">
               <mc:Choice xmlns:v="urn:schemas-microsoft-com:vml" Requires="v">
-                <p:oleObj spid="_x0000_s11833" name="Equation" r:id="rId7" imgW="1790640" imgH="266400" progId="Equation.3">
+                <p:oleObj spid="_x0000_s11840" name="Equation" r:id="rId7" imgW="1790640" imgH="266400" progId="Equation.3">
                   <p:embed/>
                 </p:oleObj>
               </mc:Choice>
@@ -17354,7 +17345,7 @@
           <a:graphicData uri="http://schemas.openxmlformats.org/presentationml/2006/ole">
             <mc:AlternateContent xmlns:mc="http://schemas.openxmlformats.org/markup-compatibility/2006">
               <mc:Choice xmlns:v="urn:schemas-microsoft-com:vml" Requires="v">
-                <p:oleObj spid="_x0000_s11834" name="Equation" r:id="rId9" imgW="2145960" imgH="431640" progId="Equation.3">
+                <p:oleObj spid="_x0000_s11841" name="Equation" r:id="rId9" imgW="2145960" imgH="431640" progId="Equation.3">
                   <p:embed/>
                 </p:oleObj>
               </mc:Choice>
@@ -17418,7 +17409,7 @@
           <a:graphicData uri="http://schemas.openxmlformats.org/presentationml/2006/ole">
             <mc:AlternateContent xmlns:mc="http://schemas.openxmlformats.org/markup-compatibility/2006">
               <mc:Choice xmlns:v="urn:schemas-microsoft-com:vml" Requires="v">
-                <p:oleObj spid="_x0000_s11835" name="Equation" r:id="rId11" imgW="2450880" imgH="228600" progId="Equation.3">
+                <p:oleObj spid="_x0000_s11842" name="Equation" r:id="rId11" imgW="2450880" imgH="228600" progId="Equation.3">
                   <p:embed/>
                 </p:oleObj>
               </mc:Choice>
@@ -17488,7 +17479,7 @@
           <a:graphicData uri="http://schemas.openxmlformats.org/presentationml/2006/ole">
             <mc:AlternateContent xmlns:mc="http://schemas.openxmlformats.org/markup-compatibility/2006">
               <mc:Choice xmlns:v="urn:schemas-microsoft-com:vml" Requires="v">
-                <p:oleObj spid="_x0000_s11836" name="Equation" r:id="rId13" imgW="634680" imgH="215640" progId="Equation.3">
+                <p:oleObj spid="_x0000_s11843" name="Equation" r:id="rId13" imgW="634680" imgH="215640" progId="Equation.3">
                   <p:embed/>
                 </p:oleObj>
               </mc:Choice>
@@ -17618,7 +17609,7 @@
           <a:graphicData uri="http://schemas.openxmlformats.org/presentationml/2006/ole">
             <mc:AlternateContent xmlns:mc="http://schemas.openxmlformats.org/markup-compatibility/2006">
               <mc:Choice xmlns:v="urn:schemas-microsoft-com:vml" Requires="v">
-                <p:oleObj spid="_x0000_s11837" name="Equation" r:id="rId15" imgW="1333440" imgH="1218960" progId="Equation.3">
+                <p:oleObj spid="_x0000_s11844" name="Equation" r:id="rId15" imgW="1333440" imgH="1218960" progId="Equation.3">
                   <p:embed/>
                 </p:oleObj>
               </mc:Choice>
@@ -18353,7 +18344,7 @@
           <a:graphicData uri="http://schemas.openxmlformats.org/presentationml/2006/ole">
             <mc:AlternateContent xmlns:mc="http://schemas.openxmlformats.org/markup-compatibility/2006">
               <mc:Choice xmlns:v="urn:schemas-microsoft-com:vml" Requires="v">
-                <p:oleObj spid="_x0000_s12541" name="Equation" r:id="rId3" imgW="114120" imgH="215640" progId="Equation.3">
+                <p:oleObj spid="_x0000_s12543" name="Equation" r:id="rId3" imgW="114120" imgH="215640" progId="Equation.3">
                   <p:embed/>
                 </p:oleObj>
               </mc:Choice>
@@ -18429,7 +18420,7 @@
           <a:graphicData uri="http://schemas.openxmlformats.org/presentationml/2006/ole">
             <mc:AlternateContent xmlns:mc="http://schemas.openxmlformats.org/markup-compatibility/2006">
               <mc:Choice xmlns:v="urn:schemas-microsoft-com:vml" Requires="v">
-                <p:oleObj spid="_x0000_s12542" name="Equation" r:id="rId5" imgW="1015920" imgH="1612800" progId="Equation.3">
+                <p:oleObj spid="_x0000_s12544" name="Equation" r:id="rId5" imgW="1015920" imgH="1612800" progId="Equation.3">
                   <p:embed/>
                 </p:oleObj>
               </mc:Choice>
@@ -18898,7 +18889,7 @@
           <a:graphicData uri="http://schemas.openxmlformats.org/presentationml/2006/ole">
             <mc:AlternateContent xmlns:mc="http://schemas.openxmlformats.org/markup-compatibility/2006">
               <mc:Choice xmlns:v="urn:schemas-microsoft-com:vml" Requires="v">
-                <p:oleObj spid="_x0000_s30766" name="Equation" r:id="rId3" imgW="5333760" imgH="558720" progId="Equation.3">
+                <p:oleObj spid="_x0000_s30768" name="Equation" r:id="rId3" imgW="5333760" imgH="558720" progId="Equation.3">
                   <p:embed/>
                 </p:oleObj>
               </mc:Choice>
@@ -18962,7 +18953,7 @@
           <a:graphicData uri="http://schemas.openxmlformats.org/presentationml/2006/ole">
             <mc:AlternateContent xmlns:mc="http://schemas.openxmlformats.org/markup-compatibility/2006">
               <mc:Choice xmlns:v="urn:schemas-microsoft-com:vml" Requires="v">
-                <p:oleObj spid="_x0000_s30767" name="Equation" r:id="rId5" imgW="5295600" imgH="558720" progId="Equation.3">
+                <p:oleObj spid="_x0000_s30769" name="Equation" r:id="rId5" imgW="5295600" imgH="558720" progId="Equation.3">
                   <p:embed/>
                 </p:oleObj>
               </mc:Choice>
@@ -19646,7 +19637,7 @@
           <a:graphicData uri="http://schemas.openxmlformats.org/presentationml/2006/ole">
             <mc:AlternateContent xmlns:mc="http://schemas.openxmlformats.org/markup-compatibility/2006">
               <mc:Choice xmlns:v="urn:schemas-microsoft-com:vml" Requires="v">
-                <p:oleObj spid="_x0000_s29735" name="Equation" r:id="rId3" imgW="1942920" imgH="761760" progId="Equation.3">
+                <p:oleObj spid="_x0000_s29736" name="Equation" r:id="rId3" imgW="1942920" imgH="761760" progId="Equation.3">
                   <p:embed/>
                 </p:oleObj>
               </mc:Choice>
@@ -20903,7 +20894,7 @@
           <a:graphicData uri="http://schemas.openxmlformats.org/presentationml/2006/ole">
             <mc:AlternateContent xmlns:mc="http://schemas.openxmlformats.org/markup-compatibility/2006">
               <mc:Choice xmlns:v="urn:schemas-microsoft-com:vml" Requires="v">
-                <p:oleObj spid="_x0000_s3232" name="Equation" r:id="rId4" imgW="3759120" imgH="431640" progId="Equation.3">
+                <p:oleObj spid="_x0000_s3234" name="Equation" r:id="rId4" imgW="3759120" imgH="431640" progId="Equation.3">
                   <p:embed/>
                 </p:oleObj>
               </mc:Choice>
@@ -20971,7 +20962,7 @@
           <a:graphicData uri="http://schemas.openxmlformats.org/presentationml/2006/ole">
             <mc:AlternateContent xmlns:mc="http://schemas.openxmlformats.org/markup-compatibility/2006">
               <mc:Choice xmlns:v="urn:schemas-microsoft-com:vml" Requires="v">
-                <p:oleObj spid="_x0000_s3233" name="Equation" r:id="rId6" imgW="2489040" imgH="431640" progId="Equation.3">
+                <p:oleObj spid="_x0000_s3235" name="Equation" r:id="rId6" imgW="2489040" imgH="431640" progId="Equation.3">
                   <p:embed/>
                 </p:oleObj>
               </mc:Choice>
@@ -21657,7 +21648,7 @@
           <a:graphicData uri="http://schemas.openxmlformats.org/presentationml/2006/ole">
             <mc:AlternateContent xmlns:mc="http://schemas.openxmlformats.org/markup-compatibility/2006">
               <mc:Choice xmlns:v="urn:schemas-microsoft-com:vml" Requires="v">
-                <p:oleObj spid="_x0000_s4180" r:id="rId3" imgW="3235112" imgH="3234987" progId="Msxml2.SAXXMLReader.5.0">
+                <p:oleObj spid="_x0000_s4181" r:id="rId3" imgW="3235112" imgH="3234987" progId="Msxml2.SAXXMLReader.5.0">
                   <p:embed/>
                 </p:oleObj>
               </mc:Choice>
@@ -23175,7 +23166,7 @@
           <a:graphicData uri="http://schemas.openxmlformats.org/presentationml/2006/ole">
             <mc:AlternateContent xmlns:mc="http://schemas.openxmlformats.org/markup-compatibility/2006">
               <mc:Choice xmlns:v="urn:schemas-microsoft-com:vml" Requires="v">
-                <p:oleObj spid="_x0000_s33837" name="Equation" r:id="rId5" imgW="3073320" imgH="1447560" progId="Equation.3">
+                <p:oleObj spid="_x0000_s33839" name="Equation" r:id="rId5" imgW="3073320" imgH="1447560" progId="Equation.3">
                   <p:embed/>
                 </p:oleObj>
               </mc:Choice>
@@ -23258,7 +23249,7 @@
           <a:graphicData uri="http://schemas.openxmlformats.org/presentationml/2006/ole">
             <mc:AlternateContent xmlns:mc="http://schemas.openxmlformats.org/markup-compatibility/2006">
               <mc:Choice xmlns:v="urn:schemas-microsoft-com:vml" Requires="v">
-                <p:oleObj spid="_x0000_s33838" name="Equation" r:id="rId7" imgW="3073320" imgH="1447560" progId="Equation.3">
+                <p:oleObj spid="_x0000_s33840" name="Equation" r:id="rId7" imgW="3073320" imgH="1447560" progId="Equation.3">
                   <p:embed/>
                 </p:oleObj>
               </mc:Choice>
@@ -24073,7 +24064,7 @@
           <a:graphicData uri="http://schemas.openxmlformats.org/presentationml/2006/ole">
             <mc:AlternateContent xmlns:mc="http://schemas.openxmlformats.org/markup-compatibility/2006">
               <mc:Choice xmlns:v="urn:schemas-microsoft-com:vml" Requires="v">
-                <p:oleObj spid="_x0000_s34866" name="Equation" r:id="rId5" imgW="3073320" imgH="1447560" progId="Equation.3">
+                <p:oleObj spid="_x0000_s34868" name="Equation" r:id="rId5" imgW="3073320" imgH="1447560" progId="Equation.3">
                   <p:embed/>
                 </p:oleObj>
               </mc:Choice>
@@ -24156,7 +24147,7 @@
           <a:graphicData uri="http://schemas.openxmlformats.org/presentationml/2006/ole">
             <mc:AlternateContent xmlns:mc="http://schemas.openxmlformats.org/markup-compatibility/2006">
               <mc:Choice xmlns:v="urn:schemas-microsoft-com:vml" Requires="v">
-                <p:oleObj spid="_x0000_s34867" name="Equation" r:id="rId7" imgW="3085920" imgH="1447560" progId="Equation.3">
+                <p:oleObj spid="_x0000_s34869" name="Equation" r:id="rId7" imgW="3085920" imgH="1447560" progId="Equation.3">
                   <p:embed/>
                 </p:oleObj>
               </mc:Choice>
@@ -24645,7 +24636,7 @@
           <a:graphicData uri="http://schemas.openxmlformats.org/presentationml/2006/ole">
             <mc:AlternateContent xmlns:mc="http://schemas.openxmlformats.org/markup-compatibility/2006">
               <mc:Choice xmlns:v="urn:schemas-microsoft-com:vml" Requires="v">
-                <p:oleObj spid="_x0000_s35871" name="Equation" r:id="rId4" imgW="3073320" imgH="1447560" progId="Equation.3">
+                <p:oleObj spid="_x0000_s35873" name="Equation" r:id="rId4" imgW="3073320" imgH="1447560" progId="Equation.3">
                   <p:embed/>
                 </p:oleObj>
               </mc:Choice>
@@ -24909,7 +24900,7 @@
           <a:graphicData uri="http://schemas.openxmlformats.org/presentationml/2006/ole">
             <mc:AlternateContent xmlns:mc="http://schemas.openxmlformats.org/markup-compatibility/2006">
               <mc:Choice xmlns:v="urn:schemas-microsoft-com:vml" Requires="v">
-                <p:oleObj spid="_x0000_s35872" name="Equation" r:id="rId9" imgW="3073320" imgH="1447560" progId="Equation.3">
+                <p:oleObj spid="_x0000_s35874" name="Equation" r:id="rId9" imgW="3073320" imgH="1447560" progId="Equation.3">
                   <p:embed/>
                 </p:oleObj>
               </mc:Choice>
@@ -25330,7 +25321,7 @@
           <a:graphicData uri="http://schemas.openxmlformats.org/presentationml/2006/ole">
             <mc:AlternateContent xmlns:mc="http://schemas.openxmlformats.org/markup-compatibility/2006">
               <mc:Choice xmlns:v="urn:schemas-microsoft-com:vml" Requires="v">
-                <p:oleObj spid="_x0000_s32867" name="Equation" r:id="rId3" imgW="3301920" imgH="228600" progId="Equation.3">
+                <p:oleObj spid="_x0000_s32869" name="Equation" r:id="rId3" imgW="3301920" imgH="228600" progId="Equation.3">
                   <p:embed/>
                 </p:oleObj>
               </mc:Choice>
@@ -25394,7 +25385,7 @@
           <a:graphicData uri="http://schemas.openxmlformats.org/presentationml/2006/ole">
             <mc:AlternateContent xmlns:mc="http://schemas.openxmlformats.org/markup-compatibility/2006">
               <mc:Choice xmlns:v="urn:schemas-microsoft-com:vml" Requires="v">
-                <p:oleObj spid="_x0000_s32868" name="Equation" r:id="rId5" imgW="3314520" imgH="228600" progId="Equation.3">
+                <p:oleObj spid="_x0000_s32870" name="Equation" r:id="rId5" imgW="3314520" imgH="228600" progId="Equation.3">
                   <p:embed/>
                 </p:oleObj>
               </mc:Choice>
@@ -26233,7 +26224,7 @@
           <a:graphicData uri="http://schemas.openxmlformats.org/presentationml/2006/ole">
             <mc:AlternateContent xmlns:mc="http://schemas.openxmlformats.org/markup-compatibility/2006">
               <mc:Choice xmlns:v="urn:schemas-microsoft-com:vml" Requires="v">
-                <p:oleObj spid="_x0000_s17480" name="Equation" r:id="rId3" imgW="3149280" imgH="469800" progId="Equation.3">
+                <p:oleObj spid="_x0000_s17481" name="Equation" r:id="rId3" imgW="3149280" imgH="469800" progId="Equation.3">
                   <p:embed/>
                 </p:oleObj>
               </mc:Choice>
@@ -26588,7 +26579,7 @@
           <a:graphicData uri="http://schemas.openxmlformats.org/presentationml/2006/ole">
             <mc:AlternateContent xmlns:mc="http://schemas.openxmlformats.org/markup-compatibility/2006">
               <mc:Choice xmlns:v="urn:schemas-microsoft-com:vml" Requires="v">
-                <p:oleObj spid="_x0000_s18569" name="Equation" r:id="rId3" imgW="3377880" imgH="469800" progId="Equation.3">
+                <p:oleObj spid="_x0000_s18571" name="Equation" r:id="rId3" imgW="3377880" imgH="469800" progId="Equation.3">
                   <p:embed/>
                 </p:oleObj>
               </mc:Choice>
@@ -26652,7 +26643,7 @@
           <a:graphicData uri="http://schemas.openxmlformats.org/presentationml/2006/ole">
             <mc:AlternateContent xmlns:mc="http://schemas.openxmlformats.org/markup-compatibility/2006">
               <mc:Choice xmlns:v="urn:schemas-microsoft-com:vml" Requires="v">
-                <p:oleObj spid="_x0000_s18570" name="Equation" r:id="rId5" imgW="3377880" imgH="469800" progId="Equation.3">
+                <p:oleObj spid="_x0000_s18572" name="Equation" r:id="rId5" imgW="3377880" imgH="469800" progId="Equation.3">
                   <p:embed/>
                 </p:oleObj>
               </mc:Choice>
@@ -27247,7 +27238,7 @@
           <a:graphicData uri="http://schemas.openxmlformats.org/presentationml/2006/ole">
             <mc:AlternateContent xmlns:mc="http://schemas.openxmlformats.org/markup-compatibility/2006">
               <mc:Choice xmlns:v="urn:schemas-microsoft-com:vml" Requires="v">
-                <p:oleObj spid="_x0000_s19593" name="Equation" r:id="rId4" imgW="3377880" imgH="469800" progId="Equation.3">
+                <p:oleObj spid="_x0000_s19595" name="Equation" r:id="rId4" imgW="3377880" imgH="469800" progId="Equation.3">
                   <p:embed/>
                 </p:oleObj>
               </mc:Choice>
@@ -27336,7 +27327,7 @@
           <a:graphicData uri="http://schemas.openxmlformats.org/presentationml/2006/ole">
             <mc:AlternateContent xmlns:mc="http://schemas.openxmlformats.org/markup-compatibility/2006">
               <mc:Choice xmlns:v="urn:schemas-microsoft-com:vml" Requires="v">
-                <p:oleObj spid="_x0000_s19594" name="Equation" r:id="rId6" imgW="3187440" imgH="469800" progId="Equation.3">
+                <p:oleObj spid="_x0000_s19596" name="Equation" r:id="rId6" imgW="3187440" imgH="469800" progId="Equation.3">
                   <p:embed/>
                 </p:oleObj>
               </mc:Choice>

--- a/University of Washington Class/Module 4 - Voltage control devices.pptx
+++ b/University of Washington Class/Module 4 - Voltage control devices.pptx
@@ -30,7 +30,7 @@
     <p:sldId id="257" r:id="rId21"/>
     <p:sldId id="274" r:id="rId22"/>
     <p:sldId id="275" r:id="rId23"/>
-    <p:sldId id="356" r:id="rId24"/>
+    <p:sldId id="369" r:id="rId24"/>
     <p:sldId id="282" r:id="rId25"/>
     <p:sldId id="276" r:id="rId26"/>
     <p:sldId id="338" r:id="rId27"/>
@@ -262,7 +262,7 @@
             <a:fld id="{30456DE2-1550-4DE2-8C7A-8D9992B45402}" type="datetimeFigureOut">
               <a:rPr lang="en-US" smtClean="0"/>
               <a:pPr/>
-              <a:t>12/7/2011</a:t>
+              <a:t>12/19/2011</a:t>
             </a:fld>
             <a:endParaRPr lang="en-US"/>
           </a:p>
@@ -714,7 +714,7 @@
           <a:p>
             <a:fld id="{F5373481-B42A-4D4F-86EA-A88290C58964}" type="datetime1">
               <a:rPr lang="en-US" smtClean="0"/>
-              <a:t>12/7/2011</a:t>
+              <a:t>12/19/2011</a:t>
             </a:fld>
             <a:endParaRPr lang="en-US"/>
           </a:p>
@@ -983,7 +983,7 @@
           <a:p>
             <a:fld id="{03F670FF-8926-4709-96F6-FC2958129ED2}" type="datetime1">
               <a:rPr lang="en-US" smtClean="0"/>
-              <a:t>12/7/2011</a:t>
+              <a:t>12/19/2011</a:t>
             </a:fld>
             <a:endParaRPr lang="en-US"/>
           </a:p>
@@ -1159,7 +1159,7 @@
           <a:p>
             <a:fld id="{1BF16CE4-EFFC-4BDF-B5A4-4A15C47E021B}" type="datetime1">
               <a:rPr lang="en-US" smtClean="0"/>
-              <a:t>12/7/2011</a:t>
+              <a:t>12/19/2011</a:t>
             </a:fld>
             <a:endParaRPr lang="en-US"/>
           </a:p>
@@ -1349,7 +1349,7 @@
           <a:p>
             <a:fld id="{D89124DC-29B6-4231-9D25-0C78D5EFDDC9}" type="datetime1">
               <a:rPr lang="en-US" smtClean="0"/>
-              <a:t>12/7/2011</a:t>
+              <a:t>12/19/2011</a:t>
             </a:fld>
             <a:endParaRPr lang="en-US" dirty="0"/>
           </a:p>
@@ -1598,7 +1598,7 @@
           <a:p>
             <a:fld id="{63DA24F3-3618-4EAF-A9E8-EEFE221E1493}" type="datetime1">
               <a:rPr lang="en-US" smtClean="0"/>
-              <a:t>12/7/2011</a:t>
+              <a:t>12/19/2011</a:t>
             </a:fld>
             <a:endParaRPr lang="en-US"/>
           </a:p>
@@ -1882,7 +1882,7 @@
           <a:p>
             <a:fld id="{69D8CDEA-265C-4EA9-A607-0D7D771780DB}" type="datetime1">
               <a:rPr lang="en-US" smtClean="0"/>
-              <a:t>12/7/2011</a:t>
+              <a:t>12/19/2011</a:t>
             </a:fld>
             <a:endParaRPr lang="en-US"/>
           </a:p>
@@ -2300,7 +2300,7 @@
           <a:p>
             <a:fld id="{ACFA6542-36F3-4A89-93B6-B9FED0856CDB}" type="datetime1">
               <a:rPr lang="en-US" smtClean="0"/>
-              <a:t>12/7/2011</a:t>
+              <a:t>12/19/2011</a:t>
             </a:fld>
             <a:endParaRPr lang="en-US"/>
           </a:p>
@@ -2414,7 +2414,7 @@
           <a:p>
             <a:fld id="{AE3B9829-009A-44FD-B649-E323418E7E5E}" type="datetime1">
               <a:rPr lang="en-US" smtClean="0"/>
-              <a:t>12/7/2011</a:t>
+              <a:t>12/19/2011</a:t>
             </a:fld>
             <a:endParaRPr lang="en-US"/>
           </a:p>
@@ -2505,7 +2505,7 @@
           <a:p>
             <a:fld id="{4391B5C5-7D92-4C37-8071-F3311CBE73D5}" type="datetime1">
               <a:rPr lang="en-US" smtClean="0"/>
-              <a:t>12/7/2011</a:t>
+              <a:t>12/19/2011</a:t>
             </a:fld>
             <a:endParaRPr lang="en-US"/>
           </a:p>
@@ -2778,7 +2778,7 @@
           <a:p>
             <a:fld id="{4689F7FE-6C86-4059-B972-0BBDA5F301D9}" type="datetime1">
               <a:rPr lang="en-US" smtClean="0"/>
-              <a:t>12/7/2011</a:t>
+              <a:t>12/19/2011</a:t>
             </a:fld>
             <a:endParaRPr lang="en-US"/>
           </a:p>
@@ -3027,7 +3027,7 @@
           <a:p>
             <a:fld id="{F09338A6-2CCC-46F1-9871-B278557BB635}" type="datetime1">
               <a:rPr lang="en-US" smtClean="0"/>
-              <a:t>12/7/2011</a:t>
+              <a:t>12/19/2011</a:t>
             </a:fld>
             <a:endParaRPr lang="en-US"/>
           </a:p>
@@ -3240,7 +3240,7 @@
           <a:p>
             <a:fld id="{14FE97D8-1050-4CA4-8B4F-E964B5B645D9}" type="datetime1">
               <a:rPr lang="en-US" smtClean="0"/>
-              <a:t>12/7/2011</a:t>
+              <a:t>12/19/2011</a:t>
             </a:fld>
             <a:endParaRPr lang="en-US" dirty="0"/>
           </a:p>
@@ -4815,7 +4815,7 @@
           <a:graphicData uri="http://schemas.openxmlformats.org/presentationml/2006/ole">
             <mc:AlternateContent xmlns:mc="http://schemas.openxmlformats.org/markup-compatibility/2006">
               <mc:Choice xmlns:v="urn:schemas-microsoft-com:vml" Requires="v">
-                <p:oleObj spid="_x0000_s20647" name="Equation" r:id="rId7" imgW="1739880" imgH="228600" progId="Equation.3">
+                <p:oleObj spid="_x0000_s20656" name="Equation" r:id="rId7" imgW="1739880" imgH="228600" progId="Equation.3">
                   <p:embed/>
                 </p:oleObj>
               </mc:Choice>
@@ -4879,7 +4879,7 @@
           <a:graphicData uri="http://schemas.openxmlformats.org/presentationml/2006/ole">
             <mc:AlternateContent xmlns:mc="http://schemas.openxmlformats.org/markup-compatibility/2006">
               <mc:Choice xmlns:v="urn:schemas-microsoft-com:vml" Requires="v">
-                <p:oleObj spid="_x0000_s20648" name="Equation" r:id="rId9" imgW="2108160" imgH="228600" progId="Equation.3">
+                <p:oleObj spid="_x0000_s20657" name="Equation" r:id="rId9" imgW="2108160" imgH="228600" progId="Equation.3">
                   <p:embed/>
                 </p:oleObj>
               </mc:Choice>
@@ -4943,7 +4943,7 @@
           <a:graphicData uri="http://schemas.openxmlformats.org/presentationml/2006/ole">
             <mc:AlternateContent xmlns:mc="http://schemas.openxmlformats.org/markup-compatibility/2006">
               <mc:Choice xmlns:v="urn:schemas-microsoft-com:vml" Requires="v">
-                <p:oleObj spid="_x0000_s20649" name="Equation" r:id="rId11" imgW="1981080" imgH="253800" progId="Equation.3">
+                <p:oleObj spid="_x0000_s20658" name="Equation" r:id="rId11" imgW="1981080" imgH="253800" progId="Equation.3">
                   <p:embed/>
                 </p:oleObj>
               </mc:Choice>
@@ -6008,7 +6008,7 @@
           <a:graphicData uri="http://schemas.openxmlformats.org/presentationml/2006/ole">
             <mc:AlternateContent xmlns:mc="http://schemas.openxmlformats.org/markup-compatibility/2006">
               <mc:Choice xmlns:v="urn:schemas-microsoft-com:vml" Requires="v">
-                <p:oleObj spid="_x0000_s24630" name="Equation" r:id="rId3" imgW="850680" imgH="431640" progId="Equation.3">
+                <p:oleObj spid="_x0000_s24633" name="Equation" r:id="rId3" imgW="850680" imgH="431640" progId="Equation.3">
                   <p:embed/>
                 </p:oleObj>
               </mc:Choice>
@@ -6334,7 +6334,7 @@
           <a:graphicData uri="http://schemas.openxmlformats.org/presentationml/2006/ole">
             <mc:AlternateContent xmlns:mc="http://schemas.openxmlformats.org/markup-compatibility/2006">
               <mc:Choice xmlns:v="urn:schemas-microsoft-com:vml" Requires="v">
-                <p:oleObj spid="_x0000_s25693" name="Equation" r:id="rId3" imgW="850680" imgH="431640" progId="Equation.3">
+                <p:oleObj spid="_x0000_s25699" name="Equation" r:id="rId3" imgW="850680" imgH="431640" progId="Equation.3">
                   <p:embed/>
                 </p:oleObj>
               </mc:Choice>
@@ -6423,7 +6423,7 @@
           <a:graphicData uri="http://schemas.openxmlformats.org/presentationml/2006/ole">
             <mc:AlternateContent xmlns:mc="http://schemas.openxmlformats.org/markup-compatibility/2006">
               <mc:Choice xmlns:v="urn:schemas-microsoft-com:vml" Requires="v">
-                <p:oleObj spid="_x0000_s25694" name="Equation" r:id="rId5" imgW="850680" imgH="431640" progId="Equation.3">
+                <p:oleObj spid="_x0000_s25700" name="Equation" r:id="rId5" imgW="850680" imgH="431640" progId="Equation.3">
                   <p:embed/>
                 </p:oleObj>
               </mc:Choice>
@@ -6837,7 +6837,15 @@
           <a:p>
             <a:r>
               <a:rPr lang="en-US" sz="2000" dirty="0" smtClean="0"/>
-              <a:t>Voltage regulators are variable tap position devices, an autotransformer, that change the effective turns ration of a single coil autotransformer.</a:t>
+              <a:t>Voltage regulators are variable tap position devices, an autotransformer, that change the effective turns </a:t>
+            </a:r>
+            <a:r>
+              <a:rPr lang="en-US" sz="2000" dirty="0" smtClean="0"/>
+              <a:t>ratio </a:t>
+            </a:r>
+            <a:r>
+              <a:rPr lang="en-US" sz="2000" dirty="0" smtClean="0"/>
+              <a:t>of a single coil autotransformer.</a:t>
             </a:r>
           </a:p>
           <a:p>
@@ -7062,7 +7070,7 @@
           <a:graphicData uri="http://schemas.openxmlformats.org/presentationml/2006/ole">
             <mc:AlternateContent xmlns:mc="http://schemas.openxmlformats.org/markup-compatibility/2006">
               <mc:Choice xmlns:v="urn:schemas-microsoft-com:vml" Requires="v">
-                <p:oleObj spid="_x0000_s21639" name="Equation" r:id="rId3" imgW="850680" imgH="431640" progId="Equation.3">
+                <p:oleObj spid="_x0000_s21645" name="Equation" r:id="rId3" imgW="850680" imgH="431640" progId="Equation.3">
                   <p:embed/>
                 </p:oleObj>
               </mc:Choice>
@@ -7126,7 +7134,7 @@
           <a:graphicData uri="http://schemas.openxmlformats.org/presentationml/2006/ole">
             <mc:AlternateContent xmlns:mc="http://schemas.openxmlformats.org/markup-compatibility/2006">
               <mc:Choice xmlns:v="urn:schemas-microsoft-com:vml" Requires="v">
-                <p:oleObj spid="_x0000_s21640" name="Equation" r:id="rId5" imgW="1193760" imgH="431640" progId="Equation.3">
+                <p:oleObj spid="_x0000_s21646" name="Equation" r:id="rId5" imgW="1193760" imgH="431640" progId="Equation.3">
                   <p:embed/>
                 </p:oleObj>
               </mc:Choice>
@@ -7763,13 +7771,29 @@
           <a:p>
             <a:r>
               <a:rPr lang="en-US" sz="2000" dirty="0" smtClean="0"/>
-              <a:t>The voltage is determined by the transmission level voltage and the turns ration of the substation transformer.</a:t>
-            </a:r>
-          </a:p>
-          <a:p>
+              <a:t>The voltage is determined by the transmission level voltage and the turns </a:t>
+            </a:r>
             <a:r>
               <a:rPr lang="en-US" sz="2000" dirty="0" smtClean="0"/>
-              <a:t>This is a low cost design but it lack flexibility.</a:t>
+              <a:t>ratio </a:t>
+            </a:r>
+            <a:r>
+              <a:rPr lang="en-US" sz="2000" dirty="0" smtClean="0"/>
+              <a:t>of the substation transformer.</a:t>
+            </a:r>
+          </a:p>
+          <a:p>
+            <a:r>
+              <a:rPr lang="en-US" sz="2000" dirty="0" smtClean="0"/>
+              <a:t>This is a low cost design but it </a:t>
+            </a:r>
+            <a:r>
+              <a:rPr lang="en-US" sz="2000" dirty="0" smtClean="0"/>
+              <a:t>lacks </a:t>
+            </a:r>
+            <a:r>
+              <a:rPr lang="en-US" sz="2000" dirty="0" smtClean="0"/>
+              <a:t>flexibility.</a:t>
             </a:r>
             <a:endParaRPr lang="en-US" sz="2000" dirty="0"/>
           </a:p>
@@ -8064,7 +8088,12 @@
             <p:ph type="body" idx="1"/>
           </p:nvPr>
         </p:nvSpPr>
-        <p:spPr/>
+        <p:spPr>
+          <a:xfrm>
+            <a:off x="2571750" y="1114425"/>
+            <a:ext cx="4040188" cy="639762"/>
+          </a:xfrm>
+        </p:spPr>
         <p:txBody>
           <a:bodyPr/>
           <a:lstStyle/>
@@ -8088,7 +8117,12 @@
             <p:ph type="body" sz="quarter" idx="3"/>
           </p:nvPr>
         </p:nvSpPr>
-        <p:spPr/>
+        <p:spPr>
+          <a:xfrm>
+            <a:off x="2549525" y="3886200"/>
+            <a:ext cx="4041775" cy="639762"/>
+          </a:xfrm>
+        </p:spPr>
         <p:txBody>
           <a:bodyPr/>
           <a:lstStyle/>
@@ -8127,8 +8161,8 @@
         </p:blipFill>
         <p:spPr bwMode="auto">
           <a:xfrm>
-            <a:off x="4645025" y="3550755"/>
-            <a:ext cx="4041775" cy="1199528"/>
+            <a:off x="873192" y="4511040"/>
+            <a:ext cx="7394508" cy="2194560"/>
           </a:xfrm>
           <a:prstGeom prst="rect">
             <a:avLst/>
@@ -8193,8 +8227,8 @@
         </p:blipFill>
         <p:spPr bwMode="auto">
           <a:xfrm>
-            <a:off x="457200" y="3550990"/>
-            <a:ext cx="4040188" cy="1199057"/>
+            <a:off x="882717" y="1752600"/>
+            <a:ext cx="7394508" cy="2194560"/>
           </a:xfrm>
           <a:prstGeom prst="rect">
             <a:avLst/>
@@ -8261,7 +8295,7 @@
     </p:spTree>
     <p:extLst>
       <p:ext uri="{BB962C8B-B14F-4D97-AF65-F5344CB8AC3E}">
-        <p14:creationId xmlns:p14="http://schemas.microsoft.com/office/powerpoint/2010/main" val="509553420"/>
+        <p14:creationId xmlns:p14="http://schemas.microsoft.com/office/powerpoint/2010/main" val="487878539"/>
       </p:ext>
     </p:extLst>
   </p:cSld>
@@ -9449,7 +9483,15 @@
           <a:p>
             <a:r>
               <a:rPr lang="en-US" sz="2000" dirty="0" smtClean="0"/>
-              <a:t>Because of the need for a truck role, these capacitors would generally be operated on a seasonal cycle.</a:t>
+              <a:t>Because of the need for a truck </a:t>
+            </a:r>
+            <a:r>
+              <a:rPr lang="en-US" sz="2000" dirty="0" smtClean="0"/>
+              <a:t>roll, </a:t>
+            </a:r>
+            <a:r>
+              <a:rPr lang="en-US" sz="2000" dirty="0" smtClean="0"/>
+              <a:t>these capacitors would generally be operated on a seasonal cycle.</a:t>
             </a:r>
           </a:p>
           <a:p>
@@ -9608,7 +9650,11 @@
           <a:p>
             <a:r>
               <a:rPr lang="en-US" sz="2000" dirty="0" smtClean="0"/>
-              <a:t>Voltage based control is appropriate when there are large daily variations in the feeder load.</a:t>
+              <a:t>Voltage-based </a:t>
+            </a:r>
+            <a:r>
+              <a:rPr lang="en-US" sz="2000" dirty="0" smtClean="0"/>
+              <a:t>control is appropriate when there are large daily variations in the feeder load.</a:t>
             </a:r>
           </a:p>
           <a:p>
@@ -9769,7 +9815,15 @@
           <a:p>
             <a:r>
               <a:rPr lang="en-US" sz="2000" dirty="0" smtClean="0"/>
-              <a:t>In a VAR based control system the reactive power flowing into the line connecting the capacitor is the control variable, not voltage.</a:t>
+              <a:t>In a </a:t>
+            </a:r>
+            <a:r>
+              <a:rPr lang="en-US" sz="2000" dirty="0" smtClean="0"/>
+              <a:t>VAR-based </a:t>
+            </a:r>
+            <a:r>
+              <a:rPr lang="en-US" sz="2000" dirty="0" smtClean="0"/>
+              <a:t>control system the reactive power flowing into the line connecting the capacitor is the control variable, not voltage.</a:t>
             </a:r>
           </a:p>
           <a:p>
@@ -9964,7 +10018,15 @@
           <a:p>
             <a:r>
               <a:rPr lang="en-US" sz="2000" dirty="0" smtClean="0"/>
-              <a:t>In Volt-VAR control the reactive power flowing on the input line is still the main control value, but there is a voltage override which will then the capacitor off if the voltage is too high.</a:t>
+              <a:t>In Volt-VAR control the reactive power flowing on the input line is still the main control value, but there is a voltage override which will </a:t>
+            </a:r>
+            <a:r>
+              <a:rPr lang="en-US" sz="2000" dirty="0" smtClean="0"/>
+              <a:t>turn </a:t>
+            </a:r>
+            <a:r>
+              <a:rPr lang="en-US" sz="2000" dirty="0" smtClean="0"/>
+              <a:t>the capacitor off if the voltage is too high.</a:t>
             </a:r>
           </a:p>
           <a:p>
@@ -11223,7 +11285,7 @@
           <a:graphicData uri="http://schemas.openxmlformats.org/presentationml/2006/ole">
             <mc:AlternateContent xmlns:mc="http://schemas.openxmlformats.org/markup-compatibility/2006">
               <mc:Choice xmlns:v="urn:schemas-microsoft-com:vml" Requires="v">
-                <p:oleObj spid="_x0000_s2326" name="Equation" r:id="rId3" imgW="4203360" imgH="558720" progId="Equation.3">
+                <p:oleObj spid="_x0000_s2335" name="Equation" r:id="rId3" imgW="4203360" imgH="558720" progId="Equation.3">
                   <p:embed/>
                 </p:oleObj>
               </mc:Choice>
@@ -11291,7 +11353,7 @@
           <a:graphicData uri="http://schemas.openxmlformats.org/presentationml/2006/ole">
             <mc:AlternateContent xmlns:mc="http://schemas.openxmlformats.org/markup-compatibility/2006">
               <mc:Choice xmlns:v="urn:schemas-microsoft-com:vml" Requires="v">
-                <p:oleObj spid="_x0000_s2327" name="Equation" r:id="rId5" imgW="4165560" imgH="558720" progId="Equation.3">
+                <p:oleObj spid="_x0000_s2336" name="Equation" r:id="rId5" imgW="4165560" imgH="558720" progId="Equation.3">
                   <p:embed/>
                 </p:oleObj>
               </mc:Choice>
@@ -11359,7 +11421,7 @@
           <a:graphicData uri="http://schemas.openxmlformats.org/presentationml/2006/ole">
             <mc:AlternateContent xmlns:mc="http://schemas.openxmlformats.org/markup-compatibility/2006">
               <mc:Choice xmlns:v="urn:schemas-microsoft-com:vml" Requires="v">
-                <p:oleObj spid="_x0000_s2328" name="Equation" r:id="rId7" imgW="1015920" imgH="228600" progId="Equation.3">
+                <p:oleObj spid="_x0000_s2337" name="Equation" r:id="rId7" imgW="1015920" imgH="228600" progId="Equation.3">
                   <p:embed/>
                 </p:oleObj>
               </mc:Choice>
@@ -12520,7 +12582,7 @@
           <a:graphicData uri="http://schemas.openxmlformats.org/presentationml/2006/ole">
             <mc:AlternateContent xmlns:mc="http://schemas.openxmlformats.org/markup-compatibility/2006">
               <mc:Choice xmlns:v="urn:schemas-microsoft-com:vml" Requires="v">
-                <p:oleObj spid="_x0000_s16531" name="Equation" r:id="rId3" imgW="4965480" imgH="558720" progId="Equation.3">
+                <p:oleObj spid="_x0000_s16537" name="Equation" r:id="rId3" imgW="4965480" imgH="558720" progId="Equation.3">
                   <p:embed/>
                 </p:oleObj>
               </mc:Choice>
@@ -12590,7 +12652,7 @@
           <a:graphicData uri="http://schemas.openxmlformats.org/presentationml/2006/ole">
             <mc:AlternateContent xmlns:mc="http://schemas.openxmlformats.org/markup-compatibility/2006">
               <mc:Choice xmlns:v="urn:schemas-microsoft-com:vml" Requires="v">
-                <p:oleObj spid="_x0000_s16532" name="Equation" r:id="rId5" imgW="4927320" imgH="558720" progId="Equation.3">
+                <p:oleObj spid="_x0000_s16538" name="Equation" r:id="rId5" imgW="4927320" imgH="558720" progId="Equation.3">
                   <p:embed/>
                 </p:oleObj>
               </mc:Choice>
@@ -13102,7 +13164,15 @@
             <a:pPr lvl="1"/>
             <a:r>
               <a:rPr lang="en-US" dirty="0" smtClean="0"/>
-              <a:t>Construction of distribution line (impendence)</a:t>
+              <a:t>Construction of distribution line (</a:t>
+            </a:r>
+            <a:r>
+              <a:rPr lang="en-US" dirty="0" err="1" smtClean="0"/>
+              <a:t>impedence</a:t>
+            </a:r>
+            <a:r>
+              <a:rPr lang="en-US" dirty="0" smtClean="0"/>
+              <a:t>)</a:t>
             </a:r>
           </a:p>
           <a:p>
@@ -14718,6 +14788,30 @@
               <a:t>I</a:t>
             </a:r>
             <a:r>
+              <a:rPr lang="en-US" i="1" baseline="-25000" dirty="0" smtClean="0">
+                <a:cs typeface="Times New Roman" pitchFamily="18" charset="0"/>
+              </a:rPr>
+              <a:t>%</a:t>
+            </a:r>
+            <a:r>
+              <a:rPr lang="en-US" dirty="0">
+                <a:cs typeface="Times New Roman" pitchFamily="18" charset="0"/>
+              </a:rPr>
+              <a:t>,</a:t>
+            </a:r>
+            <a:r>
+              <a:rPr lang="en-US" dirty="0" smtClean="0">
+                <a:cs typeface="Times New Roman" pitchFamily="18" charset="0"/>
+              </a:rPr>
+              <a:t> </a:t>
+            </a:r>
+            <a:r>
+              <a:rPr lang="en-US" i="1" dirty="0">
+                <a:cs typeface="Times New Roman" pitchFamily="18" charset="0"/>
+              </a:rPr>
+              <a:t>P</a:t>
+            </a:r>
+            <a:r>
               <a:rPr lang="en-US" i="1" baseline="-25000" dirty="0">
                 <a:cs typeface="Times New Roman" pitchFamily="18" charset="0"/>
               </a:rPr>
@@ -14727,19 +14821,19 @@
               <a:rPr lang="en-US" dirty="0">
                 <a:cs typeface="Times New Roman" pitchFamily="18" charset="0"/>
               </a:rPr>
-              <a:t>: </a:t>
-            </a:r>
-            <a:r>
-              <a:rPr lang="en-US" i="1" dirty="0">
+              <a:t>, </a:t>
+            </a:r>
+            <a:r>
+              <a:rPr lang="en-US" i="1" dirty="0" err="1">
                 <a:cs typeface="Times New Roman" pitchFamily="18" charset="0"/>
               </a:rPr>
-              <a:t>P</a:t>
-            </a:r>
-            <a:r>
-              <a:rPr lang="en-US" i="1" baseline="-25000" dirty="0">
+              <a:t>Z</a:t>
+            </a:r>
+            <a:r>
+              <a:rPr lang="en-US" i="1" baseline="-25000" dirty="0" err="1">
                 <a:cs typeface="Times New Roman" pitchFamily="18" charset="0"/>
               </a:rPr>
-              <a:t>%</a:t>
+              <a:t>θ</a:t>
             </a:r>
             <a:r>
               <a:rPr lang="en-US" dirty="0">
@@ -14751,7 +14845,7 @@
               <a:rPr lang="en-US" i="1" dirty="0" err="1">
                 <a:cs typeface="Times New Roman" pitchFamily="18" charset="0"/>
               </a:rPr>
-              <a:t>Z</a:t>
+              <a:t>I</a:t>
             </a:r>
             <a:r>
               <a:rPr lang="en-US" i="1" baseline="-25000" dirty="0" err="1">
@@ -14763,24 +14857,6 @@
               <a:rPr lang="en-US" dirty="0">
                 <a:cs typeface="Times New Roman" pitchFamily="18" charset="0"/>
               </a:rPr>
-              <a:t>, </a:t>
-            </a:r>
-            <a:r>
-              <a:rPr lang="en-US" i="1" dirty="0" err="1">
-                <a:cs typeface="Times New Roman" pitchFamily="18" charset="0"/>
-              </a:rPr>
-              <a:t>I</a:t>
-            </a:r>
-            <a:r>
-              <a:rPr lang="en-US" i="1" baseline="-25000" dirty="0" err="1">
-                <a:cs typeface="Times New Roman" pitchFamily="18" charset="0"/>
-              </a:rPr>
-              <a:t>θ</a:t>
-            </a:r>
-            <a:r>
-              <a:rPr lang="en-US" dirty="0">
-                <a:cs typeface="Times New Roman" pitchFamily="18" charset="0"/>
-              </a:rPr>
               <a:t>, and </a:t>
             </a:r>
             <a:r>
@@ -14803,14 +14879,18 @@
             </a:r>
             <a:r>
               <a:rPr lang="en-US" dirty="0" smtClean="0"/>
-              <a:t> in the ZIP model.</a:t>
-            </a:r>
-          </a:p>
-          <a:p>
+              <a:t> in the ZIP model</a:t>
+            </a:r>
             <a:r>
               <a:rPr lang="en-US" dirty="0" smtClean="0"/>
-              <a:t>  </a:t>
-            </a:r>
+              <a:t>.</a:t>
+            </a:r>
+          </a:p>
+          <a:p>
+            <a:pPr marL="457200" lvl="1" indent="0">
+              <a:buNone/>
+            </a:pPr>
+            <a:endParaRPr lang="en-US" dirty="0" smtClean="0"/>
           </a:p>
           <a:p>
             <a:r>
@@ -14837,7 +14917,7 @@
           <a:graphicData uri="http://schemas.openxmlformats.org/presentationml/2006/ole">
             <mc:AlternateContent xmlns:mc="http://schemas.openxmlformats.org/markup-compatibility/2006">
               <mc:Choice xmlns:v="urn:schemas-microsoft-com:vml" Requires="v">
-                <p:oleObj spid="_x0000_s27690" name="Equation" r:id="rId3" imgW="114120" imgH="215640" progId="Equation.3">
+                <p:oleObj spid="_x0000_s27694" name="Equation" r:id="rId3" imgW="114120" imgH="215640" progId="Equation.3">
                   <p:embed/>
                 </p:oleObj>
               </mc:Choice>
@@ -14997,7 +15077,7 @@
           <a:graphicData uri="http://schemas.openxmlformats.org/presentationml/2006/ole">
             <mc:AlternateContent xmlns:mc="http://schemas.openxmlformats.org/markup-compatibility/2006">
               <mc:Choice xmlns:v="urn:schemas-microsoft-com:vml" Requires="v">
-                <p:oleObj spid="_x0000_s10912" name="Equation" r:id="rId3" imgW="114120" imgH="215640" progId="Equation.3">
+                <p:oleObj spid="_x0000_s10936" name="Equation" r:id="rId3" imgW="114120" imgH="215640" progId="Equation.3">
                   <p:embed/>
                 </p:oleObj>
               </mc:Choice>
@@ -15067,7 +15147,7 @@
           <a:graphicData uri="http://schemas.openxmlformats.org/presentationml/2006/ole">
             <mc:AlternateContent xmlns:mc="http://schemas.openxmlformats.org/markup-compatibility/2006">
               <mc:Choice xmlns:v="urn:schemas-microsoft-com:vml" Requires="v">
-                <p:oleObj spid="_x0000_s10913" name="Equation" r:id="rId5" imgW="4076640" imgH="558720" progId="Equation.3">
+                <p:oleObj spid="_x0000_s10937" name="Equation" r:id="rId5" imgW="4076640" imgH="558720" progId="Equation.3">
                   <p:embed/>
                 </p:oleObj>
               </mc:Choice>
@@ -15137,7 +15217,7 @@
           <a:graphicData uri="http://schemas.openxmlformats.org/presentationml/2006/ole">
             <mc:AlternateContent xmlns:mc="http://schemas.openxmlformats.org/markup-compatibility/2006">
               <mc:Choice xmlns:v="urn:schemas-microsoft-com:vml" Requires="v">
-                <p:oleObj spid="_x0000_s10914" name="Equation" r:id="rId7" imgW="4038480" imgH="558720" progId="Equation.3">
+                <p:oleObj spid="_x0000_s10938" name="Equation" r:id="rId7" imgW="4038480" imgH="558720" progId="Equation.3">
                   <p:embed/>
                 </p:oleObj>
               </mc:Choice>
@@ -15213,7 +15293,7 @@
           <a:graphicData uri="http://schemas.openxmlformats.org/presentationml/2006/ole">
             <mc:AlternateContent xmlns:mc="http://schemas.openxmlformats.org/markup-compatibility/2006">
               <mc:Choice xmlns:v="urn:schemas-microsoft-com:vml" Requires="v">
-                <p:oleObj spid="_x0000_s10915" name="Equation" r:id="rId9" imgW="1777680" imgH="241200" progId="Equation.3">
+                <p:oleObj spid="_x0000_s10939" name="Equation" r:id="rId9" imgW="1777680" imgH="241200" progId="Equation.3">
                   <p:embed/>
                 </p:oleObj>
               </mc:Choice>
@@ -15283,7 +15363,7 @@
           <a:graphicData uri="http://schemas.openxmlformats.org/presentationml/2006/ole">
             <mc:AlternateContent xmlns:mc="http://schemas.openxmlformats.org/markup-compatibility/2006">
               <mc:Choice xmlns:v="urn:schemas-microsoft-com:vml" Requires="v">
-                <p:oleObj spid="_x0000_s10916" name="Equation" r:id="rId11" imgW="977760" imgH="228600" progId="Equation.3">
+                <p:oleObj spid="_x0000_s10940" name="Equation" r:id="rId11" imgW="977760" imgH="228600" progId="Equation.3">
                   <p:embed/>
                 </p:oleObj>
               </mc:Choice>
@@ -15353,7 +15433,7 @@
           <a:graphicData uri="http://schemas.openxmlformats.org/presentationml/2006/ole">
             <mc:AlternateContent xmlns:mc="http://schemas.openxmlformats.org/markup-compatibility/2006">
               <mc:Choice xmlns:v="urn:schemas-microsoft-com:vml" Requires="v">
-                <p:oleObj spid="_x0000_s10917" name="Equation" r:id="rId13" imgW="1536480" imgH="482400" progId="Equation.3">
+                <p:oleObj spid="_x0000_s10941" name="Equation" r:id="rId13" imgW="1536480" imgH="482400" progId="Equation.3">
                   <p:embed/>
                 </p:oleObj>
               </mc:Choice>
@@ -15423,7 +15503,7 @@
           <a:graphicData uri="http://schemas.openxmlformats.org/presentationml/2006/ole">
             <mc:AlternateContent xmlns:mc="http://schemas.openxmlformats.org/markup-compatibility/2006">
               <mc:Choice xmlns:v="urn:schemas-microsoft-com:vml" Requires="v">
-                <p:oleObj spid="_x0000_s10918" name="Equation" r:id="rId15" imgW="2145960" imgH="431640" progId="Equation.3">
+                <p:oleObj spid="_x0000_s10942" name="Equation" r:id="rId15" imgW="2145960" imgH="431640" progId="Equation.3">
                   <p:embed/>
                 </p:oleObj>
               </mc:Choice>
@@ -15493,7 +15573,7 @@
           <a:graphicData uri="http://schemas.openxmlformats.org/presentationml/2006/ole">
             <mc:AlternateContent xmlns:mc="http://schemas.openxmlformats.org/markup-compatibility/2006">
               <mc:Choice xmlns:v="urn:schemas-microsoft-com:vml" Requires="v">
-                <p:oleObj spid="_x0000_s10919" name="Equation" r:id="rId17" imgW="1612800" imgH="228600" progId="Equation.3">
+                <p:oleObj spid="_x0000_s10943" name="Equation" r:id="rId17" imgW="1612800" imgH="228600" progId="Equation.3">
                   <p:embed/>
                 </p:oleObj>
               </mc:Choice>
@@ -16387,7 +16467,7 @@
           <a:graphicData uri="http://schemas.openxmlformats.org/presentationml/2006/ole">
             <mc:AlternateContent xmlns:mc="http://schemas.openxmlformats.org/markup-compatibility/2006">
               <mc:Choice xmlns:v="urn:schemas-microsoft-com:vml" Requires="v">
-                <p:oleObj spid="_x0000_s28846" name="Equation" r:id="rId3" imgW="114120" imgH="215640" progId="Equation.3">
+                <p:oleObj spid="_x0000_s28858" name="Equation" r:id="rId3" imgW="114120" imgH="215640" progId="Equation.3">
                   <p:embed/>
                 </p:oleObj>
               </mc:Choice>
@@ -16463,7 +16543,7 @@
           <a:graphicData uri="http://schemas.openxmlformats.org/presentationml/2006/ole">
             <mc:AlternateContent xmlns:mc="http://schemas.openxmlformats.org/markup-compatibility/2006">
               <mc:Choice xmlns:v="urn:schemas-microsoft-com:vml" Requires="v">
-                <p:oleObj spid="_x0000_s28847" name="Equation" r:id="rId5" imgW="10756800" imgH="1143000" progId="Equation.3">
+                <p:oleObj spid="_x0000_s28859" name="Equation" r:id="rId5" imgW="10756800" imgH="1143000" progId="Equation.3">
                   <p:embed/>
                 </p:oleObj>
               </mc:Choice>
@@ -16525,7 +16605,7 @@
           <a:graphicData uri="http://schemas.openxmlformats.org/presentationml/2006/ole">
             <mc:AlternateContent xmlns:mc="http://schemas.openxmlformats.org/markup-compatibility/2006">
               <mc:Choice xmlns:v="urn:schemas-microsoft-com:vml" Requires="v">
-                <p:oleObj spid="_x0000_s28848" name="Equation" r:id="rId7" imgW="2145960" imgH="431640" progId="Equation.3">
+                <p:oleObj spid="_x0000_s28860" name="Equation" r:id="rId7" imgW="2145960" imgH="431640" progId="Equation.3">
                   <p:embed/>
                 </p:oleObj>
               </mc:Choice>
@@ -16614,7 +16694,7 @@
           <a:graphicData uri="http://schemas.openxmlformats.org/presentationml/2006/ole">
             <mc:AlternateContent xmlns:mc="http://schemas.openxmlformats.org/markup-compatibility/2006">
               <mc:Choice xmlns:v="urn:schemas-microsoft-com:vml" Requires="v">
-                <p:oleObj spid="_x0000_s28849" name="Equation" r:id="rId9" imgW="10553400" imgH="1143000" progId="Equation.3">
+                <p:oleObj spid="_x0000_s28861" name="Equation" r:id="rId9" imgW="10553400" imgH="1143000" progId="Equation.3">
                   <p:embed/>
                 </p:oleObj>
               </mc:Choice>
@@ -17129,7 +17209,7 @@
           <a:graphicData uri="http://schemas.openxmlformats.org/presentationml/2006/ole">
             <mc:AlternateContent xmlns:mc="http://schemas.openxmlformats.org/markup-compatibility/2006">
               <mc:Choice xmlns:v="urn:schemas-microsoft-com:vml" Requires="v">
-                <p:oleObj spid="_x0000_s11838" name="Equation" r:id="rId3" imgW="114120" imgH="215640" progId="Equation.3">
+                <p:oleObj spid="_x0000_s11859" name="Equation" r:id="rId3" imgW="114120" imgH="215640" progId="Equation.3">
                   <p:embed/>
                 </p:oleObj>
               </mc:Choice>
@@ -17199,7 +17279,7 @@
           <a:graphicData uri="http://schemas.openxmlformats.org/presentationml/2006/ole">
             <mc:AlternateContent xmlns:mc="http://schemas.openxmlformats.org/markup-compatibility/2006">
               <mc:Choice xmlns:v="urn:schemas-microsoft-com:vml" Requires="v">
-                <p:oleObj spid="_x0000_s11839" name="Equation" r:id="rId5" imgW="1803240" imgH="482400" progId="Equation.3">
+                <p:oleObj spid="_x0000_s11860" name="Equation" r:id="rId5" imgW="1803240" imgH="482400" progId="Equation.3">
                   <p:embed/>
                 </p:oleObj>
               </mc:Choice>
@@ -17269,7 +17349,7 @@
           <a:graphicData uri="http://schemas.openxmlformats.org/presentationml/2006/ole">
             <mc:AlternateContent xmlns:mc="http://schemas.openxmlformats.org/markup-compatibility/2006">
               <mc:Choice xmlns:v="urn:schemas-microsoft-com:vml" Requires="v">
-                <p:oleObj spid="_x0000_s11840" name="Equation" r:id="rId7" imgW="1790640" imgH="266400" progId="Equation.3">
+                <p:oleObj spid="_x0000_s11861" name="Equation" r:id="rId7" imgW="1790640" imgH="266400" progId="Equation.3">
                   <p:embed/>
                 </p:oleObj>
               </mc:Choice>
@@ -17345,7 +17425,7 @@
           <a:graphicData uri="http://schemas.openxmlformats.org/presentationml/2006/ole">
             <mc:AlternateContent xmlns:mc="http://schemas.openxmlformats.org/markup-compatibility/2006">
               <mc:Choice xmlns:v="urn:schemas-microsoft-com:vml" Requires="v">
-                <p:oleObj spid="_x0000_s11841" name="Equation" r:id="rId9" imgW="2145960" imgH="431640" progId="Equation.3">
+                <p:oleObj spid="_x0000_s11862" name="Equation" r:id="rId9" imgW="2145960" imgH="431640" progId="Equation.3">
                   <p:embed/>
                 </p:oleObj>
               </mc:Choice>
@@ -17409,7 +17489,7 @@
           <a:graphicData uri="http://schemas.openxmlformats.org/presentationml/2006/ole">
             <mc:AlternateContent xmlns:mc="http://schemas.openxmlformats.org/markup-compatibility/2006">
               <mc:Choice xmlns:v="urn:schemas-microsoft-com:vml" Requires="v">
-                <p:oleObj spid="_x0000_s11842" name="Equation" r:id="rId11" imgW="2450880" imgH="228600" progId="Equation.3">
+                <p:oleObj spid="_x0000_s11863" name="Equation" r:id="rId11" imgW="2450880" imgH="228600" progId="Equation.3">
                   <p:embed/>
                 </p:oleObj>
               </mc:Choice>
@@ -17479,7 +17559,7 @@
           <a:graphicData uri="http://schemas.openxmlformats.org/presentationml/2006/ole">
             <mc:AlternateContent xmlns:mc="http://schemas.openxmlformats.org/markup-compatibility/2006">
               <mc:Choice xmlns:v="urn:schemas-microsoft-com:vml" Requires="v">
-                <p:oleObj spid="_x0000_s11843" name="Equation" r:id="rId13" imgW="634680" imgH="215640" progId="Equation.3">
+                <p:oleObj spid="_x0000_s11864" name="Equation" r:id="rId13" imgW="634680" imgH="215640" progId="Equation.3">
                   <p:embed/>
                 </p:oleObj>
               </mc:Choice>
@@ -17609,7 +17689,7 @@
           <a:graphicData uri="http://schemas.openxmlformats.org/presentationml/2006/ole">
             <mc:AlternateContent xmlns:mc="http://schemas.openxmlformats.org/markup-compatibility/2006">
               <mc:Choice xmlns:v="urn:schemas-microsoft-com:vml" Requires="v">
-                <p:oleObj spid="_x0000_s11844" name="Equation" r:id="rId15" imgW="1333440" imgH="1218960" progId="Equation.3">
+                <p:oleObj spid="_x0000_s11865" name="Equation" r:id="rId15" imgW="1333440" imgH="1218960" progId="Equation.3">
                   <p:embed/>
                 </p:oleObj>
               </mc:Choice>
@@ -18344,7 +18424,7 @@
           <a:graphicData uri="http://schemas.openxmlformats.org/presentationml/2006/ole">
             <mc:AlternateContent xmlns:mc="http://schemas.openxmlformats.org/markup-compatibility/2006">
               <mc:Choice xmlns:v="urn:schemas-microsoft-com:vml" Requires="v">
-                <p:oleObj spid="_x0000_s12543" name="Equation" r:id="rId3" imgW="114120" imgH="215640" progId="Equation.3">
+                <p:oleObj spid="_x0000_s12549" name="Equation" r:id="rId3" imgW="114120" imgH="215640" progId="Equation.3">
                   <p:embed/>
                 </p:oleObj>
               </mc:Choice>
@@ -18420,7 +18500,7 @@
           <a:graphicData uri="http://schemas.openxmlformats.org/presentationml/2006/ole">
             <mc:AlternateContent xmlns:mc="http://schemas.openxmlformats.org/markup-compatibility/2006">
               <mc:Choice xmlns:v="urn:schemas-microsoft-com:vml" Requires="v">
-                <p:oleObj spid="_x0000_s12544" name="Equation" r:id="rId5" imgW="1015920" imgH="1612800" progId="Equation.3">
+                <p:oleObj spid="_x0000_s12550" name="Equation" r:id="rId5" imgW="1015920" imgH="1612800" progId="Equation.3">
                   <p:embed/>
                 </p:oleObj>
               </mc:Choice>
@@ -18889,7 +18969,7 @@
           <a:graphicData uri="http://schemas.openxmlformats.org/presentationml/2006/ole">
             <mc:AlternateContent xmlns:mc="http://schemas.openxmlformats.org/markup-compatibility/2006">
               <mc:Choice xmlns:v="urn:schemas-microsoft-com:vml" Requires="v">
-                <p:oleObj spid="_x0000_s30768" name="Equation" r:id="rId3" imgW="5333760" imgH="558720" progId="Equation.3">
+                <p:oleObj spid="_x0000_s30774" name="Equation" r:id="rId3" imgW="5333760" imgH="558720" progId="Equation.3">
                   <p:embed/>
                 </p:oleObj>
               </mc:Choice>
@@ -18953,7 +19033,7 @@
           <a:graphicData uri="http://schemas.openxmlformats.org/presentationml/2006/ole">
             <mc:AlternateContent xmlns:mc="http://schemas.openxmlformats.org/markup-compatibility/2006">
               <mc:Choice xmlns:v="urn:schemas-microsoft-com:vml" Requires="v">
-                <p:oleObj spid="_x0000_s30769" name="Equation" r:id="rId5" imgW="5295600" imgH="558720" progId="Equation.3">
+                <p:oleObj spid="_x0000_s30775" name="Equation" r:id="rId5" imgW="5295600" imgH="558720" progId="Equation.3">
                   <p:embed/>
                 </p:oleObj>
               </mc:Choice>
@@ -19637,7 +19717,7 @@
           <a:graphicData uri="http://schemas.openxmlformats.org/presentationml/2006/ole">
             <mc:AlternateContent xmlns:mc="http://schemas.openxmlformats.org/markup-compatibility/2006">
               <mc:Choice xmlns:v="urn:schemas-microsoft-com:vml" Requires="v">
-                <p:oleObj spid="_x0000_s29736" name="Equation" r:id="rId3" imgW="1942920" imgH="761760" progId="Equation.3">
+                <p:oleObj spid="_x0000_s29739" name="Equation" r:id="rId3" imgW="1942920" imgH="761760" progId="Equation.3">
                   <p:embed/>
                 </p:oleObj>
               </mc:Choice>
@@ -19846,7 +19926,15 @@
           <a:p>
             <a:r>
               <a:rPr lang="en-US" sz="2000" dirty="0" smtClean="0"/>
-              <a:t>As a result, the amount of time the unit must consume electricity, i.e. time it is on, will vary based on the line voltage.</a:t>
+              <a:t>As a result, the amount of time the unit must consume electricity, i.e</a:t>
+            </a:r>
+            <a:r>
+              <a:rPr lang="en-US" sz="2000" dirty="0" smtClean="0"/>
+              <a:t>., </a:t>
+            </a:r>
+            <a:r>
+              <a:rPr lang="en-US" sz="2000" dirty="0" smtClean="0"/>
+              <a:t>time it is on, will vary based on the line voltage.</a:t>
             </a:r>
           </a:p>
           <a:p>
@@ -20894,7 +20982,7 @@
           <a:graphicData uri="http://schemas.openxmlformats.org/presentationml/2006/ole">
             <mc:AlternateContent xmlns:mc="http://schemas.openxmlformats.org/markup-compatibility/2006">
               <mc:Choice xmlns:v="urn:schemas-microsoft-com:vml" Requires="v">
-                <p:oleObj spid="_x0000_s3234" name="Equation" r:id="rId4" imgW="3759120" imgH="431640" progId="Equation.3">
+                <p:oleObj spid="_x0000_s3240" name="Equation" r:id="rId4" imgW="3759120" imgH="431640" progId="Equation.3">
                   <p:embed/>
                 </p:oleObj>
               </mc:Choice>
@@ -20962,7 +21050,7 @@
           <a:graphicData uri="http://schemas.openxmlformats.org/presentationml/2006/ole">
             <mc:AlternateContent xmlns:mc="http://schemas.openxmlformats.org/markup-compatibility/2006">
               <mc:Choice xmlns:v="urn:schemas-microsoft-com:vml" Requires="v">
-                <p:oleObj spid="_x0000_s3235" name="Equation" r:id="rId6" imgW="2489040" imgH="431640" progId="Equation.3">
+                <p:oleObj spid="_x0000_s3241" name="Equation" r:id="rId6" imgW="2489040" imgH="431640" progId="Equation.3">
                   <p:embed/>
                 </p:oleObj>
               </mc:Choice>
@@ -21333,7 +21421,15 @@
             </a:r>
             <a:r>
               <a:rPr lang="en-US" sz="1600" dirty="0" smtClean="0"/>
-              <a:t>: The temperate below which the auxiliary heating elements turn on.</a:t>
+              <a:t>: The </a:t>
+            </a:r>
+            <a:r>
+              <a:rPr lang="en-US" sz="1600" dirty="0" smtClean="0"/>
+              <a:t>temperature </a:t>
+            </a:r>
+            <a:r>
+              <a:rPr lang="en-US" sz="1600" dirty="0" smtClean="0"/>
+              <a:t>below which the auxiliary heating elements turn on.</a:t>
             </a:r>
             <a:endParaRPr lang="en-US" sz="1600" dirty="0"/>
           </a:p>
@@ -21459,7 +21555,15 @@
           <a:p>
             <a:r>
               <a:rPr lang="en-US" sz="2000" dirty="0" smtClean="0"/>
-              <a:t>The voltage supplied to the customer is generally maintained within the limits set by ANCI C84.1.</a:t>
+              <a:t>The voltage supplied to the customer is generally maintained within the limits set by </a:t>
+            </a:r>
+            <a:r>
+              <a:rPr lang="en-US" sz="2000" dirty="0" smtClean="0"/>
+              <a:t>ANSI </a:t>
+            </a:r>
+            <a:r>
+              <a:rPr lang="en-US" sz="2000" dirty="0" smtClean="0"/>
+              <a:t>C84.1.</a:t>
             </a:r>
           </a:p>
           <a:p>
@@ -21648,7 +21752,7 @@
           <a:graphicData uri="http://schemas.openxmlformats.org/presentationml/2006/ole">
             <mc:AlternateContent xmlns:mc="http://schemas.openxmlformats.org/markup-compatibility/2006">
               <mc:Choice xmlns:v="urn:schemas-microsoft-com:vml" Requires="v">
-                <p:oleObj spid="_x0000_s4181" r:id="rId3" imgW="3235112" imgH="3234987" progId="Msxml2.SAXXMLReader.5.0">
+                <p:oleObj spid="_x0000_s4184" r:id="rId3" imgW="3235112" imgH="3234987" progId="Msxml2.SAXXMLReader.5.0">
                   <p:embed/>
                 </p:oleObj>
               </mc:Choice>
@@ -23166,7 +23270,7 @@
           <a:graphicData uri="http://schemas.openxmlformats.org/presentationml/2006/ole">
             <mc:AlternateContent xmlns:mc="http://schemas.openxmlformats.org/markup-compatibility/2006">
               <mc:Choice xmlns:v="urn:schemas-microsoft-com:vml" Requires="v">
-                <p:oleObj spid="_x0000_s33839" name="Equation" r:id="rId5" imgW="3073320" imgH="1447560" progId="Equation.3">
+                <p:oleObj spid="_x0000_s33845" name="Equation" r:id="rId5" imgW="3073320" imgH="1447560" progId="Equation.3">
                   <p:embed/>
                 </p:oleObj>
               </mc:Choice>
@@ -23249,7 +23353,7 @@
           <a:graphicData uri="http://schemas.openxmlformats.org/presentationml/2006/ole">
             <mc:AlternateContent xmlns:mc="http://schemas.openxmlformats.org/markup-compatibility/2006">
               <mc:Choice xmlns:v="urn:schemas-microsoft-com:vml" Requires="v">
-                <p:oleObj spid="_x0000_s33840" name="Equation" r:id="rId7" imgW="3073320" imgH="1447560" progId="Equation.3">
+                <p:oleObj spid="_x0000_s33846" name="Equation" r:id="rId7" imgW="3073320" imgH="1447560" progId="Equation.3">
                   <p:embed/>
                 </p:oleObj>
               </mc:Choice>
@@ -23593,6 +23697,37 @@
                                   </p:childTnLst>
                                 </p:cTn>
                               </p:par>
+                              <p:par>
+                                <p:cTn id="13" presetID="1" presetClass="entr" presetSubtype="0" fill="hold" grpId="0" nodeType="withEffect">
+                                  <p:stCondLst>
+                                    <p:cond delay="0"/>
+                                  </p:stCondLst>
+                                  <p:childTnLst>
+                                    <p:set>
+                                      <p:cBhvr>
+                                        <p:cTn id="14" dur="1" fill="hold">
+                                          <p:stCondLst>
+                                            <p:cond delay="0"/>
+                                          </p:stCondLst>
+                                        </p:cTn>
+                                        <p:tgtEl>
+                                          <p:spTgt spid="7">
+                                            <p:txEl>
+                                              <p:pRg st="0" end="0"/>
+                                            </p:txEl>
+                                          </p:spTgt>
+                                        </p:tgtEl>
+                                        <p:attrNameLst>
+                                          <p:attrName>style.visibility</p:attrName>
+                                        </p:attrNameLst>
+                                      </p:cBhvr>
+                                      <p:to>
+                                        <p:strVal val="visible"/>
+                                      </p:to>
+                                    </p:set>
+                                  </p:childTnLst>
+                                </p:cTn>
+                              </p:par>
                             </p:childTnLst>
                           </p:cTn>
                         </p:par>
@@ -23600,26 +23735,26 @@
                     </p:cTn>
                   </p:par>
                   <p:par>
-                    <p:cTn id="13" fill="hold">
+                    <p:cTn id="15" fill="hold">
                       <p:stCondLst>
                         <p:cond delay="indefinite"/>
                       </p:stCondLst>
                       <p:childTnLst>
                         <p:par>
-                          <p:cTn id="14" fill="hold">
+                          <p:cTn id="16" fill="hold">
                             <p:stCondLst>
                               <p:cond delay="0"/>
                             </p:stCondLst>
                             <p:childTnLst>
                               <p:par>
-                                <p:cTn id="15" presetID="1" presetClass="entr" presetSubtype="0" fill="hold" nodeType="clickEffect">
+                                <p:cTn id="17" presetID="1" presetClass="entr" presetSubtype="0" fill="hold" nodeType="clickEffect">
                                   <p:stCondLst>
                                     <p:cond delay="0"/>
                                   </p:stCondLst>
                                   <p:childTnLst>
                                     <p:set>
                                       <p:cBhvr>
-                                        <p:cTn id="16" dur="1" fill="hold">
+                                        <p:cTn id="18" dur="1" fill="hold">
                                           <p:stCondLst>
                                             <p:cond delay="0"/>
                                           </p:stCondLst>
@@ -23665,6 +23800,9 @@
         </p:cTn>
       </p:par>
     </p:tnLst>
+    <p:bldLst>
+      <p:bldP spid="7" grpId="0" build="p"/>
+    </p:bldLst>
   </p:timing>
 </p:sld>
 </file>
@@ -24064,7 +24202,7 @@
           <a:graphicData uri="http://schemas.openxmlformats.org/presentationml/2006/ole">
             <mc:AlternateContent xmlns:mc="http://schemas.openxmlformats.org/markup-compatibility/2006">
               <mc:Choice xmlns:v="urn:schemas-microsoft-com:vml" Requires="v">
-                <p:oleObj spid="_x0000_s34868" name="Equation" r:id="rId5" imgW="3073320" imgH="1447560" progId="Equation.3">
+                <p:oleObj spid="_x0000_s34874" name="Equation" r:id="rId5" imgW="3073320" imgH="1447560" progId="Equation.3">
                   <p:embed/>
                 </p:oleObj>
               </mc:Choice>
@@ -24147,7 +24285,7 @@
           <a:graphicData uri="http://schemas.openxmlformats.org/presentationml/2006/ole">
             <mc:AlternateContent xmlns:mc="http://schemas.openxmlformats.org/markup-compatibility/2006">
               <mc:Choice xmlns:v="urn:schemas-microsoft-com:vml" Requires="v">
-                <p:oleObj spid="_x0000_s34869" name="Equation" r:id="rId7" imgW="3085920" imgH="1447560" progId="Equation.3">
+                <p:oleObj spid="_x0000_s34875" name="Equation" r:id="rId7" imgW="3085920" imgH="1447560" progId="Equation.3">
                   <p:embed/>
                 </p:oleObj>
               </mc:Choice>
@@ -24636,7 +24774,7 @@
           <a:graphicData uri="http://schemas.openxmlformats.org/presentationml/2006/ole">
             <mc:AlternateContent xmlns:mc="http://schemas.openxmlformats.org/markup-compatibility/2006">
               <mc:Choice xmlns:v="urn:schemas-microsoft-com:vml" Requires="v">
-                <p:oleObj spid="_x0000_s35873" name="Equation" r:id="rId4" imgW="3073320" imgH="1447560" progId="Equation.3">
+                <p:oleObj spid="_x0000_s35879" name="Equation" r:id="rId4" imgW="3073320" imgH="1447560" progId="Equation.3">
                   <p:embed/>
                 </p:oleObj>
               </mc:Choice>
@@ -24900,7 +25038,7 @@
           <a:graphicData uri="http://schemas.openxmlformats.org/presentationml/2006/ole">
             <mc:AlternateContent xmlns:mc="http://schemas.openxmlformats.org/markup-compatibility/2006">
               <mc:Choice xmlns:v="urn:schemas-microsoft-com:vml" Requires="v">
-                <p:oleObj spid="_x0000_s35874" name="Equation" r:id="rId9" imgW="3073320" imgH="1447560" progId="Equation.3">
+                <p:oleObj spid="_x0000_s35880" name="Equation" r:id="rId9" imgW="3073320" imgH="1447560" progId="Equation.3">
                   <p:embed/>
                 </p:oleObj>
               </mc:Choice>
@@ -25114,6 +25252,37 @@
                                   </p:childTnLst>
                                 </p:cTn>
                               </p:par>
+                              <p:par>
+                                <p:cTn id="13" presetID="1" presetClass="entr" presetSubtype="0" fill="hold" grpId="0" nodeType="withEffect">
+                                  <p:stCondLst>
+                                    <p:cond delay="0"/>
+                                  </p:stCondLst>
+                                  <p:childTnLst>
+                                    <p:set>
+                                      <p:cBhvr>
+                                        <p:cTn id="14" dur="1" fill="hold">
+                                          <p:stCondLst>
+                                            <p:cond delay="0"/>
+                                          </p:stCondLst>
+                                        </p:cTn>
+                                        <p:tgtEl>
+                                          <p:spTgt spid="9">
+                                            <p:txEl>
+                                              <p:pRg st="0" end="0"/>
+                                            </p:txEl>
+                                          </p:spTgt>
+                                        </p:tgtEl>
+                                        <p:attrNameLst>
+                                          <p:attrName>style.visibility</p:attrName>
+                                        </p:attrNameLst>
+                                      </p:cBhvr>
+                                      <p:to>
+                                        <p:strVal val="visible"/>
+                                      </p:to>
+                                    </p:set>
+                                  </p:childTnLst>
+                                </p:cTn>
+                              </p:par>
                             </p:childTnLst>
                           </p:cTn>
                         </p:par>
@@ -25121,26 +25290,26 @@
                     </p:cTn>
                   </p:par>
                   <p:par>
-                    <p:cTn id="13" fill="hold">
+                    <p:cTn id="15" fill="hold">
                       <p:stCondLst>
                         <p:cond delay="indefinite"/>
                       </p:stCondLst>
                       <p:childTnLst>
                         <p:par>
-                          <p:cTn id="14" fill="hold">
+                          <p:cTn id="16" fill="hold">
                             <p:stCondLst>
                               <p:cond delay="0"/>
                             </p:stCondLst>
                             <p:childTnLst>
                               <p:par>
-                                <p:cTn id="15" presetID="1" presetClass="entr" presetSubtype="0" fill="hold" nodeType="clickEffect">
+                                <p:cTn id="17" presetID="1" presetClass="entr" presetSubtype="0" fill="hold" nodeType="clickEffect">
                                   <p:stCondLst>
                                     <p:cond delay="0"/>
                                   </p:stCondLst>
                                   <p:childTnLst>
                                     <p:set>
                                       <p:cBhvr>
-                                        <p:cTn id="16" dur="1" fill="hold">
+                                        <p:cTn id="18" dur="1" fill="hold">
                                           <p:stCondLst>
                                             <p:cond delay="0"/>
                                           </p:stCondLst>
@@ -25186,6 +25355,9 @@
         </p:cTn>
       </p:par>
     </p:tnLst>
+    <p:bldLst>
+      <p:bldP spid="9" grpId="0" build="p"/>
+    </p:bldLst>
   </p:timing>
 </p:sld>
 </file>
@@ -25321,7 +25493,7 @@
           <a:graphicData uri="http://schemas.openxmlformats.org/presentationml/2006/ole">
             <mc:AlternateContent xmlns:mc="http://schemas.openxmlformats.org/markup-compatibility/2006">
               <mc:Choice xmlns:v="urn:schemas-microsoft-com:vml" Requires="v">
-                <p:oleObj spid="_x0000_s32869" name="Equation" r:id="rId3" imgW="3301920" imgH="228600" progId="Equation.3">
+                <p:oleObj spid="_x0000_s32875" name="Equation" r:id="rId3" imgW="3301920" imgH="228600" progId="Equation.3">
                   <p:embed/>
                 </p:oleObj>
               </mc:Choice>
@@ -25385,7 +25557,7 @@
           <a:graphicData uri="http://schemas.openxmlformats.org/presentationml/2006/ole">
             <mc:AlternateContent xmlns:mc="http://schemas.openxmlformats.org/markup-compatibility/2006">
               <mc:Choice xmlns:v="urn:schemas-microsoft-com:vml" Requires="v">
-                <p:oleObj spid="_x0000_s32870" name="Equation" r:id="rId5" imgW="3314520" imgH="228600" progId="Equation.3">
+                <p:oleObj spid="_x0000_s32876" name="Equation" r:id="rId5" imgW="3314520" imgH="228600" progId="Equation.3">
                   <p:embed/>
                 </p:oleObj>
               </mc:Choice>
@@ -25986,7 +26158,7 @@
                                 </p:cTn>
                               </p:par>
                               <p:par>
-                                <p:cTn id="9" presetID="1" presetClass="entr" presetSubtype="0" fill="hold" nodeType="withEffect">
+                                <p:cTn id="9" presetID="1" presetClass="entr" presetSubtype="0" fill="hold" grpId="0" nodeType="withEffect">
                                   <p:stCondLst>
                                     <p:cond delay="0"/>
                                   </p:stCondLst>
@@ -25994,6 +26166,37 @@
                                     <p:set>
                                       <p:cBhvr>
                                         <p:cTn id="10" dur="1" fill="hold">
+                                          <p:stCondLst>
+                                            <p:cond delay="0"/>
+                                          </p:stCondLst>
+                                        </p:cTn>
+                                        <p:tgtEl>
+                                          <p:spTgt spid="7">
+                                            <p:txEl>
+                                              <p:pRg st="0" end="0"/>
+                                            </p:txEl>
+                                          </p:spTgt>
+                                        </p:tgtEl>
+                                        <p:attrNameLst>
+                                          <p:attrName>style.visibility</p:attrName>
+                                        </p:attrNameLst>
+                                      </p:cBhvr>
+                                      <p:to>
+                                        <p:strVal val="visible"/>
+                                      </p:to>
+                                    </p:set>
+                                  </p:childTnLst>
+                                </p:cTn>
+                              </p:par>
+                              <p:par>
+                                <p:cTn id="11" presetID="1" presetClass="entr" presetSubtype="0" fill="hold" nodeType="withEffect">
+                                  <p:stCondLst>
+                                    <p:cond delay="0"/>
+                                  </p:stCondLst>
+                                  <p:childTnLst>
+                                    <p:set>
+                                      <p:cBhvr>
+                                        <p:cTn id="12" dur="1" fill="hold">
                                           <p:stCondLst>
                                             <p:cond delay="0"/>
                                           </p:stCondLst>
@@ -26019,26 +26222,26 @@
                     </p:cTn>
                   </p:par>
                   <p:par>
-                    <p:cTn id="11" fill="hold">
+                    <p:cTn id="13" fill="hold">
                       <p:stCondLst>
                         <p:cond delay="indefinite"/>
                       </p:stCondLst>
                       <p:childTnLst>
                         <p:par>
-                          <p:cTn id="12" fill="hold">
+                          <p:cTn id="14" fill="hold">
                             <p:stCondLst>
                               <p:cond delay="0"/>
                             </p:stCondLst>
                             <p:childTnLst>
                               <p:par>
-                                <p:cTn id="13" presetID="1" presetClass="entr" presetSubtype="0" fill="hold" grpId="0" nodeType="clickEffect">
+                                <p:cTn id="15" presetID="1" presetClass="entr" presetSubtype="0" fill="hold" grpId="0" nodeType="clickEffect">
                                   <p:stCondLst>
                                     <p:cond delay="0"/>
                                   </p:stCondLst>
                                   <p:childTnLst>
                                     <p:set>
                                       <p:cBhvr>
-                                        <p:cTn id="14" dur="1" fill="hold">
+                                        <p:cTn id="16" dur="1" fill="hold">
                                           <p:stCondLst>
                                             <p:cond delay="0"/>
                                           </p:stCondLst>
@@ -26085,6 +26288,7 @@
       </p:par>
     </p:tnLst>
     <p:bldLst>
+      <p:bldP spid="7" grpId="0" build="p"/>
       <p:bldP spid="26" grpId="0"/>
     </p:bldLst>
   </p:timing>
@@ -26167,7 +26371,15 @@
           <a:p>
             <a:r>
               <a:rPr lang="en-US" sz="2000" dirty="0" smtClean="0"/>
-              <a:t>While distribution system generally do not examine the no load condition, a measure between peak load and minimu</a:t>
+              <a:t>While distribution </a:t>
+            </a:r>
+            <a:r>
+              <a:rPr lang="en-US" sz="2000" dirty="0" smtClean="0"/>
+              <a:t>systems </a:t>
+            </a:r>
+            <a:r>
+              <a:rPr lang="en-US" sz="2000" dirty="0" smtClean="0"/>
+              <a:t>generally do not examine the no load condition, a measure between peak load and minimu</a:t>
             </a:r>
             <a:r>
               <a:rPr lang="en-US" sz="2000" dirty="0"/>
@@ -26224,7 +26436,7 @@
           <a:graphicData uri="http://schemas.openxmlformats.org/presentationml/2006/ole">
             <mc:AlternateContent xmlns:mc="http://schemas.openxmlformats.org/markup-compatibility/2006">
               <mc:Choice xmlns:v="urn:schemas-microsoft-com:vml" Requires="v">
-                <p:oleObj spid="_x0000_s17481" name="Equation" r:id="rId3" imgW="3149280" imgH="469800" progId="Equation.3">
+                <p:oleObj spid="_x0000_s17485" name="Equation" r:id="rId3" imgW="3149280" imgH="469800" progId="Equation.3">
                   <p:embed/>
                 </p:oleObj>
               </mc:Choice>
@@ -26579,7 +26791,7 @@
           <a:graphicData uri="http://schemas.openxmlformats.org/presentationml/2006/ole">
             <mc:AlternateContent xmlns:mc="http://schemas.openxmlformats.org/markup-compatibility/2006">
               <mc:Choice xmlns:v="urn:schemas-microsoft-com:vml" Requires="v">
-                <p:oleObj spid="_x0000_s18571" name="Equation" r:id="rId3" imgW="3377880" imgH="469800" progId="Equation.3">
+                <p:oleObj spid="_x0000_s18579" name="Equation" r:id="rId3" imgW="3377880" imgH="469800" progId="Equation.3">
                   <p:embed/>
                 </p:oleObj>
               </mc:Choice>
@@ -26643,7 +26855,7 @@
           <a:graphicData uri="http://schemas.openxmlformats.org/presentationml/2006/ole">
             <mc:AlternateContent xmlns:mc="http://schemas.openxmlformats.org/markup-compatibility/2006">
               <mc:Choice xmlns:v="urn:schemas-microsoft-com:vml" Requires="v">
-                <p:oleObj spid="_x0000_s18572" name="Equation" r:id="rId5" imgW="3377880" imgH="469800" progId="Equation.3">
+                <p:oleObj spid="_x0000_s18580" name="Equation" r:id="rId5" imgW="3377880" imgH="469800" progId="Equation.3">
                   <p:embed/>
                 </p:oleObj>
               </mc:Choice>
@@ -26902,33 +27114,15 @@
                                   </p:childTnLst>
                                 </p:cTn>
                               </p:par>
-                            </p:childTnLst>
-                          </p:cTn>
-                        </p:par>
-                      </p:childTnLst>
-                    </p:cTn>
-                  </p:par>
-                  <p:par>
-                    <p:cTn id="7" fill="hold">
-                      <p:stCondLst>
-                        <p:cond delay="indefinite"/>
-                      </p:stCondLst>
-                      <p:childTnLst>
-                        <p:par>
-                          <p:cTn id="8" fill="hold">
-                            <p:stCondLst>
-                              <p:cond delay="0"/>
-                            </p:stCondLst>
-                            <p:childTnLst>
                               <p:par>
-                                <p:cTn id="9" presetID="1" presetClass="entr" presetSubtype="0" fill="hold" nodeType="clickEffect">
+                                <p:cTn id="7" presetID="1" presetClass="entr" presetSubtype="0" fill="hold" nodeType="withEffect">
                                   <p:stCondLst>
                                     <p:cond delay="0"/>
                                   </p:stCondLst>
                                   <p:childTnLst>
                                     <p:set>
                                       <p:cBhvr>
-                                        <p:cTn id="10" dur="1" fill="hold">
+                                        <p:cTn id="8" dur="1" fill="hold">
                                           <p:stCondLst>
                                             <p:cond delay="0"/>
                                           </p:stCondLst>
@@ -26954,26 +27148,26 @@
                     </p:cTn>
                   </p:par>
                   <p:par>
-                    <p:cTn id="11" fill="hold">
+                    <p:cTn id="9" fill="hold">
                       <p:stCondLst>
                         <p:cond delay="indefinite"/>
                       </p:stCondLst>
                       <p:childTnLst>
                         <p:par>
-                          <p:cTn id="12" fill="hold">
+                          <p:cTn id="10" fill="hold">
                             <p:stCondLst>
                               <p:cond delay="0"/>
                             </p:stCondLst>
                             <p:childTnLst>
                               <p:par>
-                                <p:cTn id="13" presetID="1" presetClass="entr" presetSubtype="0" fill="hold" nodeType="clickEffect">
+                                <p:cTn id="11" presetID="1" presetClass="entr" presetSubtype="0" fill="hold" nodeType="clickEffect">
                                   <p:stCondLst>
                                     <p:cond delay="0"/>
                                   </p:stCondLst>
                                   <p:childTnLst>
                                     <p:set>
                                       <p:cBhvr>
-                                        <p:cTn id="14" dur="1" fill="hold">
+                                        <p:cTn id="12" dur="1" fill="hold">
                                           <p:stCondLst>
                                             <p:cond delay="0"/>
                                           </p:stCondLst>
@@ -26992,33 +27186,15 @@
                                   </p:childTnLst>
                                 </p:cTn>
                               </p:par>
-                            </p:childTnLst>
-                          </p:cTn>
-                        </p:par>
-                      </p:childTnLst>
-                    </p:cTn>
-                  </p:par>
-                  <p:par>
-                    <p:cTn id="15" fill="hold">
-                      <p:stCondLst>
-                        <p:cond delay="indefinite"/>
-                      </p:stCondLst>
-                      <p:childTnLst>
-                        <p:par>
-                          <p:cTn id="16" fill="hold">
-                            <p:stCondLst>
-                              <p:cond delay="0"/>
-                            </p:stCondLst>
-                            <p:childTnLst>
                               <p:par>
-                                <p:cTn id="17" presetID="1" presetClass="entr" presetSubtype="0" fill="hold" nodeType="clickEffect">
+                                <p:cTn id="13" presetID="1" presetClass="entr" presetSubtype="0" fill="hold" nodeType="withEffect">
                                   <p:stCondLst>
                                     <p:cond delay="0"/>
                                   </p:stCondLst>
                                   <p:childTnLst>
                                     <p:set>
                                       <p:cBhvr>
-                                        <p:cTn id="18" dur="1" fill="hold">
+                                        <p:cTn id="14" dur="1" fill="hold">
                                           <p:stCondLst>
                                             <p:cond delay="0"/>
                                           </p:stCondLst>
@@ -27238,7 +27414,7 @@
           <a:graphicData uri="http://schemas.openxmlformats.org/presentationml/2006/ole">
             <mc:AlternateContent xmlns:mc="http://schemas.openxmlformats.org/markup-compatibility/2006">
               <mc:Choice xmlns:v="urn:schemas-microsoft-com:vml" Requires="v">
-                <p:oleObj spid="_x0000_s19595" name="Equation" r:id="rId4" imgW="3377880" imgH="469800" progId="Equation.3">
+                <p:oleObj spid="_x0000_s19601" name="Equation" r:id="rId4" imgW="3377880" imgH="469800" progId="Equation.3">
                   <p:embed/>
                 </p:oleObj>
               </mc:Choice>
@@ -27327,7 +27503,7 @@
           <a:graphicData uri="http://schemas.openxmlformats.org/presentationml/2006/ole">
             <mc:AlternateContent xmlns:mc="http://schemas.openxmlformats.org/markup-compatibility/2006">
               <mc:Choice xmlns:v="urn:schemas-microsoft-com:vml" Requires="v">
-                <p:oleObj spid="_x0000_s19596" name="Equation" r:id="rId6" imgW="3187440" imgH="469800" progId="Equation.3">
+                <p:oleObj spid="_x0000_s19602" name="Equation" r:id="rId6" imgW="3187440" imgH="469800" progId="Equation.3">
                   <p:embed/>
                 </p:oleObj>
               </mc:Choice>

--- a/University of Washington Class/Module 4 - Voltage control devices.pptx
+++ b/University of Washington Class/Module 4 - Voltage control devices.pptx
@@ -10,13 +10,13 @@
   <p:sldIdLst>
     <p:sldId id="256" r:id="rId2"/>
     <p:sldId id="335" r:id="rId3"/>
-    <p:sldId id="336" r:id="rId4"/>
-    <p:sldId id="270" r:id="rId5"/>
+    <p:sldId id="270" r:id="rId4"/>
+    <p:sldId id="336" r:id="rId5"/>
     <p:sldId id="322" r:id="rId6"/>
     <p:sldId id="341" r:id="rId7"/>
     <p:sldId id="348" r:id="rId8"/>
-    <p:sldId id="349" r:id="rId9"/>
-    <p:sldId id="297" r:id="rId10"/>
+    <p:sldId id="371" r:id="rId9"/>
+    <p:sldId id="372" r:id="rId10"/>
     <p:sldId id="272" r:id="rId11"/>
     <p:sldId id="271" r:id="rId12"/>
     <p:sldId id="350" r:id="rId13"/>
@@ -73,11 +73,11 @@
     <p:sldId id="319" r:id="rId64"/>
     <p:sldId id="363" r:id="rId65"/>
     <p:sldId id="261" r:id="rId66"/>
-    <p:sldId id="365" r:id="rId67"/>
-    <p:sldId id="366" r:id="rId68"/>
-    <p:sldId id="367" r:id="rId69"/>
+    <p:sldId id="373" r:id="rId67"/>
+    <p:sldId id="374" r:id="rId68"/>
+    <p:sldId id="375" r:id="rId69"/>
     <p:sldId id="364" r:id="rId70"/>
-    <p:sldId id="368" r:id="rId71"/>
+    <p:sldId id="370" r:id="rId71"/>
   </p:sldIdLst>
   <p:sldSz cx="9144000" cy="6858000" type="screen4x3"/>
   <p:notesSz cx="6858000" cy="9144000"/>
@@ -262,7 +262,7 @@
             <a:fld id="{30456DE2-1550-4DE2-8C7A-8D9992B45402}" type="datetimeFigureOut">
               <a:rPr lang="en-US" smtClean="0"/>
               <a:pPr/>
-              <a:t>12/19/2011</a:t>
+              <a:t>12/29/2011</a:t>
             </a:fld>
             <a:endParaRPr lang="en-US"/>
           </a:p>
@@ -714,7 +714,7 @@
           <a:p>
             <a:fld id="{F5373481-B42A-4D4F-86EA-A88290C58964}" type="datetime1">
               <a:rPr lang="en-US" smtClean="0"/>
-              <a:t>12/19/2011</a:t>
+              <a:t>12/29/2011</a:t>
             </a:fld>
             <a:endParaRPr lang="en-US"/>
           </a:p>
@@ -983,7 +983,7 @@
           <a:p>
             <a:fld id="{03F670FF-8926-4709-96F6-FC2958129ED2}" type="datetime1">
               <a:rPr lang="en-US" smtClean="0"/>
-              <a:t>12/19/2011</a:t>
+              <a:t>12/29/2011</a:t>
             </a:fld>
             <a:endParaRPr lang="en-US"/>
           </a:p>
@@ -1159,7 +1159,7 @@
           <a:p>
             <a:fld id="{1BF16CE4-EFFC-4BDF-B5A4-4A15C47E021B}" type="datetime1">
               <a:rPr lang="en-US" smtClean="0"/>
-              <a:t>12/19/2011</a:t>
+              <a:t>12/29/2011</a:t>
             </a:fld>
             <a:endParaRPr lang="en-US"/>
           </a:p>
@@ -1349,7 +1349,7 @@
           <a:p>
             <a:fld id="{D89124DC-29B6-4231-9D25-0C78D5EFDDC9}" type="datetime1">
               <a:rPr lang="en-US" smtClean="0"/>
-              <a:t>12/19/2011</a:t>
+              <a:t>12/29/2011</a:t>
             </a:fld>
             <a:endParaRPr lang="en-US" dirty="0"/>
           </a:p>
@@ -1598,7 +1598,7 @@
           <a:p>
             <a:fld id="{63DA24F3-3618-4EAF-A9E8-EEFE221E1493}" type="datetime1">
               <a:rPr lang="en-US" smtClean="0"/>
-              <a:t>12/19/2011</a:t>
+              <a:t>12/29/2011</a:t>
             </a:fld>
             <a:endParaRPr lang="en-US"/>
           </a:p>
@@ -1882,7 +1882,7 @@
           <a:p>
             <a:fld id="{69D8CDEA-265C-4EA9-A607-0D7D771780DB}" type="datetime1">
               <a:rPr lang="en-US" smtClean="0"/>
-              <a:t>12/19/2011</a:t>
+              <a:t>12/29/2011</a:t>
             </a:fld>
             <a:endParaRPr lang="en-US"/>
           </a:p>
@@ -2300,7 +2300,7 @@
           <a:p>
             <a:fld id="{ACFA6542-36F3-4A89-93B6-B9FED0856CDB}" type="datetime1">
               <a:rPr lang="en-US" smtClean="0"/>
-              <a:t>12/19/2011</a:t>
+              <a:t>12/29/2011</a:t>
             </a:fld>
             <a:endParaRPr lang="en-US"/>
           </a:p>
@@ -2414,7 +2414,7 @@
           <a:p>
             <a:fld id="{AE3B9829-009A-44FD-B649-E323418E7E5E}" type="datetime1">
               <a:rPr lang="en-US" smtClean="0"/>
-              <a:t>12/19/2011</a:t>
+              <a:t>12/29/2011</a:t>
             </a:fld>
             <a:endParaRPr lang="en-US"/>
           </a:p>
@@ -2505,7 +2505,7 @@
           <a:p>
             <a:fld id="{4391B5C5-7D92-4C37-8071-F3311CBE73D5}" type="datetime1">
               <a:rPr lang="en-US" smtClean="0"/>
-              <a:t>12/19/2011</a:t>
+              <a:t>12/29/2011</a:t>
             </a:fld>
             <a:endParaRPr lang="en-US"/>
           </a:p>
@@ -2778,7 +2778,7 @@
           <a:p>
             <a:fld id="{4689F7FE-6C86-4059-B972-0BBDA5F301D9}" type="datetime1">
               <a:rPr lang="en-US" smtClean="0"/>
-              <a:t>12/19/2011</a:t>
+              <a:t>12/29/2011</a:t>
             </a:fld>
             <a:endParaRPr lang="en-US"/>
           </a:p>
@@ -3027,7 +3027,7 @@
           <a:p>
             <a:fld id="{F09338A6-2CCC-46F1-9871-B278557BB635}" type="datetime1">
               <a:rPr lang="en-US" smtClean="0"/>
-              <a:t>12/19/2011</a:t>
+              <a:t>12/29/2011</a:t>
             </a:fld>
             <a:endParaRPr lang="en-US"/>
           </a:p>
@@ -3240,7 +3240,7 @@
           <a:p>
             <a:fld id="{14FE97D8-1050-4CA4-8B4F-E964B5B645D9}" type="datetime1">
               <a:rPr lang="en-US" smtClean="0"/>
-              <a:t>12/19/2011</a:t>
+              <a:t>12/29/2011</a:t>
             </a:fld>
             <a:endParaRPr lang="en-US" dirty="0"/>
           </a:p>
@@ -4815,7 +4815,7 @@
           <a:graphicData uri="http://schemas.openxmlformats.org/presentationml/2006/ole">
             <mc:AlternateContent xmlns:mc="http://schemas.openxmlformats.org/markup-compatibility/2006">
               <mc:Choice xmlns:v="urn:schemas-microsoft-com:vml" Requires="v">
-                <p:oleObj spid="_x0000_s20656" name="Equation" r:id="rId7" imgW="1739880" imgH="228600" progId="Equation.3">
+                <p:oleObj spid="_x0000_s20671" name="Equation" r:id="rId7" imgW="1739880" imgH="228600" progId="Equation.3">
                   <p:embed/>
                 </p:oleObj>
               </mc:Choice>
@@ -4879,7 +4879,7 @@
           <a:graphicData uri="http://schemas.openxmlformats.org/presentationml/2006/ole">
             <mc:AlternateContent xmlns:mc="http://schemas.openxmlformats.org/markup-compatibility/2006">
               <mc:Choice xmlns:v="urn:schemas-microsoft-com:vml" Requires="v">
-                <p:oleObj spid="_x0000_s20657" name="Equation" r:id="rId9" imgW="2108160" imgH="228600" progId="Equation.3">
+                <p:oleObj spid="_x0000_s20672" name="Equation" r:id="rId9" imgW="2108160" imgH="228600" progId="Equation.3">
                   <p:embed/>
                 </p:oleObj>
               </mc:Choice>
@@ -4943,7 +4943,7 @@
           <a:graphicData uri="http://schemas.openxmlformats.org/presentationml/2006/ole">
             <mc:AlternateContent xmlns:mc="http://schemas.openxmlformats.org/markup-compatibility/2006">
               <mc:Choice xmlns:v="urn:schemas-microsoft-com:vml" Requires="v">
-                <p:oleObj spid="_x0000_s20658" name="Equation" r:id="rId11" imgW="1981080" imgH="253800" progId="Equation.3">
+                <p:oleObj spid="_x0000_s20673" name="Equation" r:id="rId11" imgW="1981080" imgH="253800" progId="Equation.3">
                   <p:embed/>
                 </p:oleObj>
               </mc:Choice>
@@ -6008,7 +6008,7 @@
           <a:graphicData uri="http://schemas.openxmlformats.org/presentationml/2006/ole">
             <mc:AlternateContent xmlns:mc="http://schemas.openxmlformats.org/markup-compatibility/2006">
               <mc:Choice xmlns:v="urn:schemas-microsoft-com:vml" Requires="v">
-                <p:oleObj spid="_x0000_s24633" name="Equation" r:id="rId3" imgW="850680" imgH="431640" progId="Equation.3">
+                <p:oleObj spid="_x0000_s24638" name="Equation" r:id="rId3" imgW="850680" imgH="431640" progId="Equation.3">
                   <p:embed/>
                 </p:oleObj>
               </mc:Choice>
@@ -6334,7 +6334,7 @@
           <a:graphicData uri="http://schemas.openxmlformats.org/presentationml/2006/ole">
             <mc:AlternateContent xmlns:mc="http://schemas.openxmlformats.org/markup-compatibility/2006">
               <mc:Choice xmlns:v="urn:schemas-microsoft-com:vml" Requires="v">
-                <p:oleObj spid="_x0000_s25699" name="Equation" r:id="rId3" imgW="850680" imgH="431640" progId="Equation.3">
+                <p:oleObj spid="_x0000_s25709" name="Equation" r:id="rId3" imgW="850680" imgH="431640" progId="Equation.3">
                   <p:embed/>
                 </p:oleObj>
               </mc:Choice>
@@ -6423,7 +6423,7 @@
           <a:graphicData uri="http://schemas.openxmlformats.org/presentationml/2006/ole">
             <mc:AlternateContent xmlns:mc="http://schemas.openxmlformats.org/markup-compatibility/2006">
               <mc:Choice xmlns:v="urn:schemas-microsoft-com:vml" Requires="v">
-                <p:oleObj spid="_x0000_s25700" name="Equation" r:id="rId5" imgW="850680" imgH="431640" progId="Equation.3">
+                <p:oleObj spid="_x0000_s25710" name="Equation" r:id="rId5" imgW="850680" imgH="431640" progId="Equation.3">
                   <p:embed/>
                 </p:oleObj>
               </mc:Choice>
@@ -6837,15 +6837,7 @@
           <a:p>
             <a:r>
               <a:rPr lang="en-US" sz="2000" dirty="0" smtClean="0"/>
-              <a:t>Voltage regulators are variable tap position devices, an autotransformer, that change the effective turns </a:t>
-            </a:r>
-            <a:r>
-              <a:rPr lang="en-US" sz="2000" dirty="0" smtClean="0"/>
-              <a:t>ratio </a:t>
-            </a:r>
-            <a:r>
-              <a:rPr lang="en-US" sz="2000" dirty="0" smtClean="0"/>
-              <a:t>of a single coil autotransformer.</a:t>
+              <a:t>Voltage regulators are variable tap position devices, an autotransformer, that change the effective turns ratio of a single coil autotransformer.</a:t>
             </a:r>
           </a:p>
           <a:p>
@@ -7070,7 +7062,7 @@
           <a:graphicData uri="http://schemas.openxmlformats.org/presentationml/2006/ole">
             <mc:AlternateContent xmlns:mc="http://schemas.openxmlformats.org/markup-compatibility/2006">
               <mc:Choice xmlns:v="urn:schemas-microsoft-com:vml" Requires="v">
-                <p:oleObj spid="_x0000_s21645" name="Equation" r:id="rId3" imgW="850680" imgH="431640" progId="Equation.3">
+                <p:oleObj spid="_x0000_s21655" name="Equation" r:id="rId3" imgW="850680" imgH="431640" progId="Equation.3">
                   <p:embed/>
                 </p:oleObj>
               </mc:Choice>
@@ -7134,7 +7126,7 @@
           <a:graphicData uri="http://schemas.openxmlformats.org/presentationml/2006/ole">
             <mc:AlternateContent xmlns:mc="http://schemas.openxmlformats.org/markup-compatibility/2006">
               <mc:Choice xmlns:v="urn:schemas-microsoft-com:vml" Requires="v">
-                <p:oleObj spid="_x0000_s21646" name="Equation" r:id="rId5" imgW="1193760" imgH="431640" progId="Equation.3">
+                <p:oleObj spid="_x0000_s21656" name="Equation" r:id="rId5" imgW="1193760" imgH="431640" progId="Equation.3">
                   <p:embed/>
                 </p:oleObj>
               </mc:Choice>
@@ -7771,29 +7763,13 @@
           <a:p>
             <a:r>
               <a:rPr lang="en-US" sz="2000" dirty="0" smtClean="0"/>
-              <a:t>The voltage is determined by the transmission level voltage and the turns </a:t>
-            </a:r>
+              <a:t>The voltage is determined by the transmission level voltage and the turns ratio of the substation transformer.</a:t>
+            </a:r>
+          </a:p>
+          <a:p>
             <a:r>
               <a:rPr lang="en-US" sz="2000" dirty="0" smtClean="0"/>
-              <a:t>ratio </a:t>
-            </a:r>
-            <a:r>
-              <a:rPr lang="en-US" sz="2000" dirty="0" smtClean="0"/>
-              <a:t>of the substation transformer.</a:t>
-            </a:r>
-          </a:p>
-          <a:p>
-            <a:r>
-              <a:rPr lang="en-US" sz="2000" dirty="0" smtClean="0"/>
-              <a:t>This is a low cost design but it </a:t>
-            </a:r>
-            <a:r>
-              <a:rPr lang="en-US" sz="2000" dirty="0" smtClean="0"/>
-              <a:t>lacks </a:t>
-            </a:r>
-            <a:r>
-              <a:rPr lang="en-US" sz="2000" dirty="0" smtClean="0"/>
-              <a:t>flexibility.</a:t>
+              <a:t>This is a low cost design but it lacks flexibility.</a:t>
             </a:r>
             <a:endParaRPr lang="en-US" sz="2000" dirty="0"/>
           </a:p>
@@ -9247,7 +9223,7 @@
       </p:grpSpPr>
       <p:sp>
         <p:nvSpPr>
-          <p:cNvPr id="14338" name="Title 1"/>
+          <p:cNvPr id="2" name="Title 1"/>
           <p:cNvSpPr>
             <a:spLocks noGrp="1"/>
           </p:cNvSpPr>
@@ -9257,126 +9233,105 @@
         </p:nvSpPr>
         <p:spPr/>
         <p:txBody>
+          <a:bodyPr/>
+          <a:lstStyle/>
+          <a:p>
+            <a:r>
+              <a:rPr lang="en-US" dirty="0" smtClean="0"/>
+              <a:t>Part 1: </a:t>
+            </a:r>
+            <a:r>
+              <a:rPr lang="en-US" dirty="0"/>
+              <a:t>O</a:t>
+            </a:r>
+            <a:r>
+              <a:rPr lang="en-US" dirty="0" smtClean="0"/>
+              <a:t>perational Voltage Control</a:t>
+            </a:r>
+            <a:endParaRPr lang="en-US" dirty="0"/>
+          </a:p>
+        </p:txBody>
+      </p:sp>
+      <p:sp>
+        <p:nvSpPr>
+          <p:cNvPr id="3" name="Content Placeholder 2"/>
+          <p:cNvSpPr>
+            <a:spLocks noGrp="1"/>
+          </p:cNvSpPr>
+          <p:nvPr>
+            <p:ph idx="1"/>
+          </p:nvPr>
+        </p:nvSpPr>
+        <p:spPr>
+          <a:xfrm>
+            <a:off x="457200" y="1600200"/>
+            <a:ext cx="8229600" cy="4876799"/>
+          </a:xfrm>
+        </p:spPr>
+        <p:txBody>
           <a:bodyPr>
-            <a:noAutofit/>
+            <a:normAutofit/>
           </a:bodyPr>
           <a:lstStyle/>
           <a:p>
             <a:r>
-              <a:rPr lang="en-US" sz="3200" dirty="0"/>
-              <a:t>Part </a:t>
-            </a:r>
-            <a:r>
-              <a:rPr lang="en-US" sz="3200" dirty="0" smtClean="0"/>
-              <a:t>1: Traditional Voltage Control</a:t>
-            </a:r>
-            <a:endParaRPr lang="en-US" sz="3200" dirty="0"/>
-          </a:p>
-        </p:txBody>
-      </p:sp>
-      <p:pic>
-        <p:nvPicPr>
-          <p:cNvPr id="15362" name="Picture 2" descr="C:\PNNL Work\Current Projects\FOA-152 WSU\Photos\Capacitors\IMG_0112.JPG"/>
-          <p:cNvPicPr>
-            <a:picLocks noGrp="1" noChangeAspect="1" noChangeArrowheads="1"/>
-          </p:cNvPicPr>
-          <p:nvPr>
-            <p:ph sz="half" idx="2"/>
-          </p:nvPr>
-        </p:nvPicPr>
-        <p:blipFill>
-          <a:blip r:embed="rId2" cstate="print">
-            <a:extLst>
-              <a:ext uri="{28A0092B-C50C-407E-A947-70E740481C1C}">
-                <a14:useLocalDpi xmlns:a14="http://schemas.microsoft.com/office/drawing/2010/main" val="0"/>
-              </a:ext>
-            </a:extLst>
-          </a:blip>
-          <a:srcRect/>
-          <a:stretch>
-            <a:fillRect/>
-          </a:stretch>
-        </p:blipFill>
-        <p:spPr bwMode="auto">
-          <a:xfrm>
-            <a:off x="4648200" y="2348706"/>
-            <a:ext cx="4038600" cy="3028950"/>
-          </a:xfrm>
-          <a:prstGeom prst="rect">
-            <a:avLst/>
-          </a:prstGeom>
-          <a:noFill/>
-          <a:effectLst>
-            <a:outerShdw blurRad="50800" dist="50800" dir="5400000" algn="ctr" rotWithShape="0">
-              <a:srgbClr val="000000">
-                <a:alpha val="70000"/>
-              </a:srgbClr>
-            </a:outerShdw>
-          </a:effectLst>
-          <a:extLst>
-            <a:ext uri="{909E8E84-426E-40DD-AFC4-6F175D3DCCD1}">
-              <a14:hiddenFill xmlns:a14="http://schemas.microsoft.com/office/drawing/2010/main">
-                <a:solidFill>
-                  <a:srgbClr val="FFFFFF"/>
-                </a:solidFill>
-              </a14:hiddenFill>
-            </a:ext>
-          </a:extLst>
-        </p:spPr>
-      </p:pic>
-      <p:pic>
-        <p:nvPicPr>
-          <p:cNvPr id="15363" name="Picture 3" descr="C:\PNNL Work\Current Projects\FOA-152 WSU\Photos\Regulators\IMG_0060.JPG"/>
-          <p:cNvPicPr>
-            <a:picLocks noGrp="1" noChangeAspect="1" noChangeArrowheads="1"/>
-          </p:cNvPicPr>
-          <p:nvPr>
-            <p:ph sz="half" idx="1"/>
-          </p:nvPr>
-        </p:nvPicPr>
-        <p:blipFill>
-          <a:blip r:embed="rId3" cstate="print">
-            <a:extLst>
-              <a:ext uri="{28A0092B-C50C-407E-A947-70E740481C1C}">
-                <a14:useLocalDpi xmlns:a14="http://schemas.microsoft.com/office/drawing/2010/main" val="0"/>
-              </a:ext>
-            </a:extLst>
-          </a:blip>
-          <a:srcRect/>
-          <a:stretch>
-            <a:fillRect/>
-          </a:stretch>
-        </p:blipFill>
-        <p:spPr bwMode="auto">
-          <a:xfrm>
-            <a:off x="457200" y="2348706"/>
-            <a:ext cx="4038600" cy="3028950"/>
-          </a:xfrm>
-          <a:prstGeom prst="rect">
-            <a:avLst/>
-          </a:prstGeom>
-          <a:noFill/>
-          <a:effectLst>
-            <a:outerShdw blurRad="50800" dist="50800" dir="5400000" algn="ctr" rotWithShape="0">
-              <a:srgbClr val="000000">
-                <a:alpha val="70000"/>
-              </a:srgbClr>
-            </a:outerShdw>
-          </a:effectLst>
-          <a:extLst>
-            <a:ext uri="{909E8E84-426E-40DD-AFC4-6F175D3DCCD1}">
-              <a14:hiddenFill xmlns:a14="http://schemas.microsoft.com/office/drawing/2010/main">
-                <a:solidFill>
-                  <a:srgbClr val="FFFFFF"/>
-                </a:solidFill>
-              </a14:hiddenFill>
-            </a:ext>
-          </a:extLst>
-        </p:spPr>
-      </p:pic>
-      <p:sp>
-        <p:nvSpPr>
-          <p:cNvPr id="2" name="Slide Number Placeholder 1"/>
+              <a:rPr lang="en-US" sz="2400" dirty="0" smtClean="0"/>
+              <a:t>As current flows down a distribution line a voltage drop occurs because of th</a:t>
+            </a:r>
+            <a:r>
+              <a:rPr lang="en-US" dirty="0" smtClean="0"/>
+              <a:t>e impedance.</a:t>
+            </a:r>
+          </a:p>
+          <a:p>
+            <a:endParaRPr lang="en-US" dirty="0"/>
+          </a:p>
+          <a:p>
+            <a:r>
+              <a:rPr lang="en-US" dirty="0" smtClean="0"/>
+              <a:t>The amount of voltage drop is a function of multiple factors:</a:t>
+            </a:r>
+          </a:p>
+          <a:p>
+            <a:pPr lvl="1"/>
+            <a:r>
+              <a:rPr lang="en-US" dirty="0" smtClean="0"/>
+              <a:t>Load level (current)</a:t>
+            </a:r>
+          </a:p>
+          <a:p>
+            <a:pPr lvl="1"/>
+            <a:r>
+              <a:rPr lang="en-US" dirty="0" smtClean="0"/>
+              <a:t>Construction of distribution line </a:t>
+            </a:r>
+            <a:r>
+              <a:rPr lang="en-US" dirty="0" smtClean="0"/>
+              <a:t>(impedance)</a:t>
+            </a:r>
+            <a:endParaRPr lang="en-US" dirty="0" smtClean="0"/>
+          </a:p>
+          <a:p>
+            <a:pPr lvl="1"/>
+            <a:r>
+              <a:rPr lang="en-US" dirty="0" smtClean="0"/>
+              <a:t>Operation of voltage control devices (if present)</a:t>
+            </a:r>
+          </a:p>
+          <a:p>
+            <a:endParaRPr lang="en-US" sz="2400" dirty="0"/>
+          </a:p>
+          <a:p>
+            <a:r>
+              <a:rPr lang="en-US" dirty="0" smtClean="0"/>
+              <a:t>Variations in voltage along a distribution line cannot be prevented, but they can be controlled.</a:t>
+            </a:r>
+          </a:p>
+        </p:txBody>
+      </p:sp>
+      <p:sp>
+        <p:nvSpPr>
+          <p:cNvPr id="4" name="Slide Number Placeholder 3"/>
           <p:cNvSpPr>
             <a:spLocks noGrp="1"/>
           </p:cNvSpPr>
@@ -9399,11 +9354,6 @@
         </p:txBody>
       </p:sp>
     </p:spTree>
-    <p:extLst>
-      <p:ext uri="{BB962C8B-B14F-4D97-AF65-F5344CB8AC3E}">
-        <p14:creationId xmlns:p14="http://schemas.microsoft.com/office/powerpoint/2010/main" val="3496493953"/>
-      </p:ext>
-    </p:extLst>
   </p:cSld>
   <p:clrMapOvr>
     <a:masterClrMapping/>
@@ -9483,15 +9433,7 @@
           <a:p>
             <a:r>
               <a:rPr lang="en-US" sz="2000" dirty="0" smtClean="0"/>
-              <a:t>Because of the need for a truck </a:t>
-            </a:r>
-            <a:r>
-              <a:rPr lang="en-US" sz="2000" dirty="0" smtClean="0"/>
-              <a:t>roll, </a:t>
-            </a:r>
-            <a:r>
-              <a:rPr lang="en-US" sz="2000" dirty="0" smtClean="0"/>
-              <a:t>these capacitors would generally be operated on a seasonal cycle.</a:t>
+              <a:t>Because of the need for a truck roll, these capacitors would generally be operated on a seasonal cycle.</a:t>
             </a:r>
           </a:p>
           <a:p>
@@ -9650,11 +9592,7 @@
           <a:p>
             <a:r>
               <a:rPr lang="en-US" sz="2000" dirty="0" smtClean="0"/>
-              <a:t>Voltage-based </a:t>
-            </a:r>
-            <a:r>
-              <a:rPr lang="en-US" sz="2000" dirty="0" smtClean="0"/>
-              <a:t>control is appropriate when there are large daily variations in the feeder load.</a:t>
+              <a:t>Voltage-based control is appropriate when there are large daily variations in the feeder load.</a:t>
             </a:r>
           </a:p>
           <a:p>
@@ -9815,15 +9753,7 @@
           <a:p>
             <a:r>
               <a:rPr lang="en-US" sz="2000" dirty="0" smtClean="0"/>
-              <a:t>In a </a:t>
-            </a:r>
-            <a:r>
-              <a:rPr lang="en-US" sz="2000" dirty="0" smtClean="0"/>
-              <a:t>VAR-based </a:t>
-            </a:r>
-            <a:r>
-              <a:rPr lang="en-US" sz="2000" dirty="0" smtClean="0"/>
-              <a:t>control system the reactive power flowing into the line connecting the capacitor is the control variable, not voltage.</a:t>
+              <a:t>In a VAR-based control system the reactive power flowing into the line connecting the capacitor is the control variable, not voltage.</a:t>
             </a:r>
           </a:p>
           <a:p>
@@ -10018,15 +9948,7 @@
           <a:p>
             <a:r>
               <a:rPr lang="en-US" sz="2000" dirty="0" smtClean="0"/>
-              <a:t>In Volt-VAR control the reactive power flowing on the input line is still the main control value, but there is a voltage override which will </a:t>
-            </a:r>
-            <a:r>
-              <a:rPr lang="en-US" sz="2000" dirty="0" smtClean="0"/>
-              <a:t>turn </a:t>
-            </a:r>
-            <a:r>
-              <a:rPr lang="en-US" sz="2000" dirty="0" smtClean="0"/>
-              <a:t>the capacitor off if the voltage is too high.</a:t>
+              <a:t>In Volt-VAR control the reactive power flowing on the input line is still the main control value, but there is a voltage override which will turn the capacitor off if the voltage is too high.</a:t>
             </a:r>
           </a:p>
           <a:p>
@@ -11285,7 +11207,7 @@
           <a:graphicData uri="http://schemas.openxmlformats.org/presentationml/2006/ole">
             <mc:AlternateContent xmlns:mc="http://schemas.openxmlformats.org/markup-compatibility/2006">
               <mc:Choice xmlns:v="urn:schemas-microsoft-com:vml" Requires="v">
-                <p:oleObj spid="_x0000_s2335" name="Equation" r:id="rId3" imgW="4203360" imgH="558720" progId="Equation.3">
+                <p:oleObj spid="_x0000_s2350" name="Equation" r:id="rId3" imgW="4203360" imgH="558720" progId="Equation.3">
                   <p:embed/>
                 </p:oleObj>
               </mc:Choice>
@@ -11353,7 +11275,7 @@
           <a:graphicData uri="http://schemas.openxmlformats.org/presentationml/2006/ole">
             <mc:AlternateContent xmlns:mc="http://schemas.openxmlformats.org/markup-compatibility/2006">
               <mc:Choice xmlns:v="urn:schemas-microsoft-com:vml" Requires="v">
-                <p:oleObj spid="_x0000_s2336" name="Equation" r:id="rId5" imgW="4165560" imgH="558720" progId="Equation.3">
+                <p:oleObj spid="_x0000_s2351" name="Equation" r:id="rId5" imgW="4165560" imgH="558720" progId="Equation.3">
                   <p:embed/>
                 </p:oleObj>
               </mc:Choice>
@@ -11421,7 +11343,7 @@
           <a:graphicData uri="http://schemas.openxmlformats.org/presentationml/2006/ole">
             <mc:AlternateContent xmlns:mc="http://schemas.openxmlformats.org/markup-compatibility/2006">
               <mc:Choice xmlns:v="urn:schemas-microsoft-com:vml" Requires="v">
-                <p:oleObj spid="_x0000_s2337" name="Equation" r:id="rId7" imgW="1015920" imgH="228600" progId="Equation.3">
+                <p:oleObj spid="_x0000_s2352" name="Equation" r:id="rId7" imgW="1015920" imgH="228600" progId="Equation.3">
                   <p:embed/>
                 </p:oleObj>
               </mc:Choice>
@@ -12582,7 +12504,7 @@
           <a:graphicData uri="http://schemas.openxmlformats.org/presentationml/2006/ole">
             <mc:AlternateContent xmlns:mc="http://schemas.openxmlformats.org/markup-compatibility/2006">
               <mc:Choice xmlns:v="urn:schemas-microsoft-com:vml" Requires="v">
-                <p:oleObj spid="_x0000_s16537" name="Equation" r:id="rId3" imgW="4965480" imgH="558720" progId="Equation.3">
+                <p:oleObj spid="_x0000_s16547" name="Equation" r:id="rId3" imgW="4965480" imgH="558720" progId="Equation.3">
                   <p:embed/>
                 </p:oleObj>
               </mc:Choice>
@@ -12652,7 +12574,7 @@
           <a:graphicData uri="http://schemas.openxmlformats.org/presentationml/2006/ole">
             <mc:AlternateContent xmlns:mc="http://schemas.openxmlformats.org/markup-compatibility/2006">
               <mc:Choice xmlns:v="urn:schemas-microsoft-com:vml" Requires="v">
-                <p:oleObj spid="_x0000_s16538" name="Equation" r:id="rId5" imgW="4927320" imgH="558720" progId="Equation.3">
+                <p:oleObj spid="_x0000_s16548" name="Equation" r:id="rId5" imgW="4927320" imgH="558720" progId="Equation.3">
                   <p:embed/>
                 </p:oleObj>
               </mc:Choice>
@@ -13084,7 +13006,7 @@
       </p:grpSpPr>
       <p:sp>
         <p:nvSpPr>
-          <p:cNvPr id="2" name="Title 1"/>
+          <p:cNvPr id="14338" name="Title 1"/>
           <p:cNvSpPr>
             <a:spLocks noGrp="1"/>
           </p:cNvSpPr>
@@ -13094,108 +13016,126 @@
         </p:nvSpPr>
         <p:spPr/>
         <p:txBody>
-          <a:bodyPr/>
-          <a:lstStyle/>
-          <a:p>
-            <a:r>
-              <a:rPr lang="en-US" dirty="0" smtClean="0"/>
-              <a:t>Part 1: </a:t>
-            </a:r>
-            <a:r>
-              <a:rPr lang="en-US" dirty="0"/>
-              <a:t>O</a:t>
-            </a:r>
-            <a:r>
-              <a:rPr lang="en-US" dirty="0" smtClean="0"/>
-              <a:t>perational Voltage Control</a:t>
-            </a:r>
-            <a:endParaRPr lang="en-US" dirty="0"/>
-          </a:p>
-        </p:txBody>
-      </p:sp>
-      <p:sp>
-        <p:nvSpPr>
-          <p:cNvPr id="3" name="Content Placeholder 2"/>
-          <p:cNvSpPr>
-            <a:spLocks noGrp="1"/>
-          </p:cNvSpPr>
-          <p:nvPr>
-            <p:ph idx="1"/>
-          </p:nvPr>
-        </p:nvSpPr>
-        <p:spPr>
-          <a:xfrm>
-            <a:off x="457200" y="1600200"/>
-            <a:ext cx="8229600" cy="4876799"/>
-          </a:xfrm>
-        </p:spPr>
-        <p:txBody>
           <a:bodyPr>
-            <a:normAutofit/>
+            <a:noAutofit/>
           </a:bodyPr>
           <a:lstStyle/>
           <a:p>
             <a:r>
-              <a:rPr lang="en-US" sz="2400" dirty="0" smtClean="0"/>
-              <a:t>As current flows down a distribution line a voltage drop occurs because of th</a:t>
-            </a:r>
-            <a:r>
-              <a:rPr lang="en-US" dirty="0" smtClean="0"/>
-              <a:t>e impedance.</a:t>
-            </a:r>
-          </a:p>
-          <a:p>
-            <a:endParaRPr lang="en-US" dirty="0"/>
-          </a:p>
-          <a:p>
-            <a:r>
-              <a:rPr lang="en-US" dirty="0" smtClean="0"/>
-              <a:t>The amount of voltage drop is a function of multiple factors:</a:t>
-            </a:r>
-          </a:p>
-          <a:p>
-            <a:pPr lvl="1"/>
-            <a:r>
-              <a:rPr lang="en-US" dirty="0" smtClean="0"/>
-              <a:t>Load level (current)</a:t>
-            </a:r>
-          </a:p>
-          <a:p>
-            <a:pPr lvl="1"/>
-            <a:r>
-              <a:rPr lang="en-US" dirty="0" smtClean="0"/>
-              <a:t>Construction of distribution line (</a:t>
-            </a:r>
-            <a:r>
-              <a:rPr lang="en-US" dirty="0" err="1" smtClean="0"/>
-              <a:t>impedence</a:t>
-            </a:r>
-            <a:r>
-              <a:rPr lang="en-US" dirty="0" smtClean="0"/>
-              <a:t>)</a:t>
-            </a:r>
-          </a:p>
-          <a:p>
-            <a:pPr lvl="1"/>
-            <a:r>
-              <a:rPr lang="en-US" dirty="0" smtClean="0"/>
-              <a:t>Operation of voltage control devices (if present)</a:t>
-            </a:r>
-          </a:p>
-          <a:p>
-            <a:endParaRPr lang="en-US" sz="2400" dirty="0"/>
-          </a:p>
-          <a:p>
-            <a:r>
-              <a:rPr lang="en-US" dirty="0" smtClean="0"/>
-              <a:t>Variations in voltage along a distribution line cannot be prevented, but they can be controlled.</a:t>
-            </a:r>
-          </a:p>
-        </p:txBody>
-      </p:sp>
-      <p:sp>
-        <p:nvSpPr>
-          <p:cNvPr id="4" name="Slide Number Placeholder 3"/>
+              <a:rPr lang="en-US" sz="3200" dirty="0" smtClean="0"/>
+              <a:t>Traditional </a:t>
+            </a:r>
+            <a:r>
+              <a:rPr lang="en-US" sz="3200" dirty="0" smtClean="0"/>
+              <a:t>Voltage Control</a:t>
+            </a:r>
+            <a:endParaRPr lang="en-US" sz="3200" dirty="0"/>
+          </a:p>
+        </p:txBody>
+      </p:sp>
+      <p:pic>
+        <p:nvPicPr>
+          <p:cNvPr id="15362" name="Picture 2" descr="C:\PNNL Work\Current Projects\FOA-152 WSU\Photos\Capacitors\IMG_0112.JPG"/>
+          <p:cNvPicPr>
+            <a:picLocks noGrp="1" noChangeAspect="1" noChangeArrowheads="1"/>
+          </p:cNvPicPr>
+          <p:nvPr>
+            <p:ph sz="half" idx="2"/>
+          </p:nvPr>
+        </p:nvPicPr>
+        <p:blipFill>
+          <a:blip r:embed="rId2" cstate="print">
+            <a:extLst>
+              <a:ext uri="{28A0092B-C50C-407E-A947-70E740481C1C}">
+                <a14:useLocalDpi xmlns:a14="http://schemas.microsoft.com/office/drawing/2010/main" val="0"/>
+              </a:ext>
+            </a:extLst>
+          </a:blip>
+          <a:srcRect/>
+          <a:stretch>
+            <a:fillRect/>
+          </a:stretch>
+        </p:blipFill>
+        <p:spPr bwMode="auto">
+          <a:xfrm>
+            <a:off x="4648200" y="2348706"/>
+            <a:ext cx="4038600" cy="3028950"/>
+          </a:xfrm>
+          <a:prstGeom prst="rect">
+            <a:avLst/>
+          </a:prstGeom>
+          <a:noFill/>
+          <a:effectLst>
+            <a:outerShdw blurRad="50800" dist="50800" dir="5400000" algn="ctr" rotWithShape="0">
+              <a:srgbClr val="000000">
+                <a:alpha val="70000"/>
+              </a:srgbClr>
+            </a:outerShdw>
+          </a:effectLst>
+          <a:extLst>
+            <a:ext uri="{909E8E84-426E-40DD-AFC4-6F175D3DCCD1}">
+              <a14:hiddenFill xmlns:a14="http://schemas.microsoft.com/office/drawing/2010/main">
+                <a:solidFill>
+                  <a:srgbClr val="FFFFFF"/>
+                </a:solidFill>
+              </a14:hiddenFill>
+            </a:ext>
+          </a:extLst>
+        </p:spPr>
+      </p:pic>
+      <p:pic>
+        <p:nvPicPr>
+          <p:cNvPr id="15363" name="Picture 3" descr="C:\PNNL Work\Current Projects\FOA-152 WSU\Photos\Regulators\IMG_0060.JPG"/>
+          <p:cNvPicPr>
+            <a:picLocks noGrp="1" noChangeAspect="1" noChangeArrowheads="1"/>
+          </p:cNvPicPr>
+          <p:nvPr>
+            <p:ph sz="half" idx="1"/>
+          </p:nvPr>
+        </p:nvPicPr>
+        <p:blipFill>
+          <a:blip r:embed="rId3" cstate="print">
+            <a:extLst>
+              <a:ext uri="{28A0092B-C50C-407E-A947-70E740481C1C}">
+                <a14:useLocalDpi xmlns:a14="http://schemas.microsoft.com/office/drawing/2010/main" val="0"/>
+              </a:ext>
+            </a:extLst>
+          </a:blip>
+          <a:srcRect/>
+          <a:stretch>
+            <a:fillRect/>
+          </a:stretch>
+        </p:blipFill>
+        <p:spPr bwMode="auto">
+          <a:xfrm>
+            <a:off x="457200" y="2348706"/>
+            <a:ext cx="4038600" cy="3028950"/>
+          </a:xfrm>
+          <a:prstGeom prst="rect">
+            <a:avLst/>
+          </a:prstGeom>
+          <a:noFill/>
+          <a:effectLst>
+            <a:outerShdw blurRad="50800" dist="50800" dir="5400000" algn="ctr" rotWithShape="0">
+              <a:srgbClr val="000000">
+                <a:alpha val="70000"/>
+              </a:srgbClr>
+            </a:outerShdw>
+          </a:effectLst>
+          <a:extLst>
+            <a:ext uri="{909E8E84-426E-40DD-AFC4-6F175D3DCCD1}">
+              <a14:hiddenFill xmlns:a14="http://schemas.microsoft.com/office/drawing/2010/main">
+                <a:solidFill>
+                  <a:srgbClr val="FFFFFF"/>
+                </a:solidFill>
+              </a14:hiddenFill>
+            </a:ext>
+          </a:extLst>
+        </p:spPr>
+      </p:pic>
+      <p:sp>
+        <p:nvSpPr>
+          <p:cNvPr id="2" name="Slide Number Placeholder 1"/>
           <p:cNvSpPr>
             <a:spLocks noGrp="1"/>
           </p:cNvSpPr>
@@ -13218,6 +13158,11 @@
         </p:txBody>
       </p:sp>
     </p:spTree>
+    <p:extLst>
+      <p:ext uri="{BB962C8B-B14F-4D97-AF65-F5344CB8AC3E}">
+        <p14:creationId xmlns:p14="http://schemas.microsoft.com/office/powerpoint/2010/main" val="3496493953"/>
+      </p:ext>
+    </p:extLst>
   </p:cSld>
   <p:clrMapOvr>
     <a:masterClrMapping/>
@@ -14879,11 +14824,7 @@
             </a:r>
             <a:r>
               <a:rPr lang="en-US" dirty="0" smtClean="0"/>
-              <a:t> in the ZIP model</a:t>
-            </a:r>
-            <a:r>
-              <a:rPr lang="en-US" dirty="0" smtClean="0"/>
-              <a:t>.</a:t>
+              <a:t> in the ZIP model.</a:t>
             </a:r>
           </a:p>
           <a:p>
@@ -14917,7 +14858,7 @@
           <a:graphicData uri="http://schemas.openxmlformats.org/presentationml/2006/ole">
             <mc:AlternateContent xmlns:mc="http://schemas.openxmlformats.org/markup-compatibility/2006">
               <mc:Choice xmlns:v="urn:schemas-microsoft-com:vml" Requires="v">
-                <p:oleObj spid="_x0000_s27694" name="Equation" r:id="rId3" imgW="114120" imgH="215640" progId="Equation.3">
+                <p:oleObj spid="_x0000_s27699" name="Equation" r:id="rId3" imgW="114120" imgH="215640" progId="Equation.3">
                   <p:embed/>
                 </p:oleObj>
               </mc:Choice>
@@ -15077,7 +15018,7 @@
           <a:graphicData uri="http://schemas.openxmlformats.org/presentationml/2006/ole">
             <mc:AlternateContent xmlns:mc="http://schemas.openxmlformats.org/markup-compatibility/2006">
               <mc:Choice xmlns:v="urn:schemas-microsoft-com:vml" Requires="v">
-                <p:oleObj spid="_x0000_s10936" name="Equation" r:id="rId3" imgW="114120" imgH="215640" progId="Equation.3">
+                <p:oleObj spid="_x0000_s10976" name="Equation" r:id="rId3" imgW="114120" imgH="215640" progId="Equation.3">
                   <p:embed/>
                 </p:oleObj>
               </mc:Choice>
@@ -15147,7 +15088,7 @@
           <a:graphicData uri="http://schemas.openxmlformats.org/presentationml/2006/ole">
             <mc:AlternateContent xmlns:mc="http://schemas.openxmlformats.org/markup-compatibility/2006">
               <mc:Choice xmlns:v="urn:schemas-microsoft-com:vml" Requires="v">
-                <p:oleObj spid="_x0000_s10937" name="Equation" r:id="rId5" imgW="4076640" imgH="558720" progId="Equation.3">
+                <p:oleObj spid="_x0000_s10977" name="Equation" r:id="rId5" imgW="4076640" imgH="558720" progId="Equation.3">
                   <p:embed/>
                 </p:oleObj>
               </mc:Choice>
@@ -15217,7 +15158,7 @@
           <a:graphicData uri="http://schemas.openxmlformats.org/presentationml/2006/ole">
             <mc:AlternateContent xmlns:mc="http://schemas.openxmlformats.org/markup-compatibility/2006">
               <mc:Choice xmlns:v="urn:schemas-microsoft-com:vml" Requires="v">
-                <p:oleObj spid="_x0000_s10938" name="Equation" r:id="rId7" imgW="4038480" imgH="558720" progId="Equation.3">
+                <p:oleObj spid="_x0000_s10978" name="Equation" r:id="rId7" imgW="4038480" imgH="558720" progId="Equation.3">
                   <p:embed/>
                 </p:oleObj>
               </mc:Choice>
@@ -15293,7 +15234,7 @@
           <a:graphicData uri="http://schemas.openxmlformats.org/presentationml/2006/ole">
             <mc:AlternateContent xmlns:mc="http://schemas.openxmlformats.org/markup-compatibility/2006">
               <mc:Choice xmlns:v="urn:schemas-microsoft-com:vml" Requires="v">
-                <p:oleObj spid="_x0000_s10939" name="Equation" r:id="rId9" imgW="1777680" imgH="241200" progId="Equation.3">
+                <p:oleObj spid="_x0000_s10979" name="Equation" r:id="rId9" imgW="1777680" imgH="241200" progId="Equation.3">
                   <p:embed/>
                 </p:oleObj>
               </mc:Choice>
@@ -15363,7 +15304,7 @@
           <a:graphicData uri="http://schemas.openxmlformats.org/presentationml/2006/ole">
             <mc:AlternateContent xmlns:mc="http://schemas.openxmlformats.org/markup-compatibility/2006">
               <mc:Choice xmlns:v="urn:schemas-microsoft-com:vml" Requires="v">
-                <p:oleObj spid="_x0000_s10940" name="Equation" r:id="rId11" imgW="977760" imgH="228600" progId="Equation.3">
+                <p:oleObj spid="_x0000_s10980" name="Equation" r:id="rId11" imgW="977760" imgH="228600" progId="Equation.3">
                   <p:embed/>
                 </p:oleObj>
               </mc:Choice>
@@ -15433,7 +15374,7 @@
           <a:graphicData uri="http://schemas.openxmlformats.org/presentationml/2006/ole">
             <mc:AlternateContent xmlns:mc="http://schemas.openxmlformats.org/markup-compatibility/2006">
               <mc:Choice xmlns:v="urn:schemas-microsoft-com:vml" Requires="v">
-                <p:oleObj spid="_x0000_s10941" name="Equation" r:id="rId13" imgW="1536480" imgH="482400" progId="Equation.3">
+                <p:oleObj spid="_x0000_s10981" name="Equation" r:id="rId13" imgW="1536480" imgH="482400" progId="Equation.3">
                   <p:embed/>
                 </p:oleObj>
               </mc:Choice>
@@ -15503,7 +15444,7 @@
           <a:graphicData uri="http://schemas.openxmlformats.org/presentationml/2006/ole">
             <mc:AlternateContent xmlns:mc="http://schemas.openxmlformats.org/markup-compatibility/2006">
               <mc:Choice xmlns:v="urn:schemas-microsoft-com:vml" Requires="v">
-                <p:oleObj spid="_x0000_s10942" name="Equation" r:id="rId15" imgW="2145960" imgH="431640" progId="Equation.3">
+                <p:oleObj spid="_x0000_s10982" name="Equation" r:id="rId15" imgW="2145960" imgH="431640" progId="Equation.3">
                   <p:embed/>
                 </p:oleObj>
               </mc:Choice>
@@ -15573,7 +15514,7 @@
           <a:graphicData uri="http://schemas.openxmlformats.org/presentationml/2006/ole">
             <mc:AlternateContent xmlns:mc="http://schemas.openxmlformats.org/markup-compatibility/2006">
               <mc:Choice xmlns:v="urn:schemas-microsoft-com:vml" Requires="v">
-                <p:oleObj spid="_x0000_s10943" name="Equation" r:id="rId17" imgW="1612800" imgH="228600" progId="Equation.3">
+                <p:oleObj spid="_x0000_s10983" name="Equation" r:id="rId17" imgW="1612800" imgH="228600" progId="Equation.3">
                   <p:embed/>
                 </p:oleObj>
               </mc:Choice>
@@ -16467,7 +16408,7 @@
           <a:graphicData uri="http://schemas.openxmlformats.org/presentationml/2006/ole">
             <mc:AlternateContent xmlns:mc="http://schemas.openxmlformats.org/markup-compatibility/2006">
               <mc:Choice xmlns:v="urn:schemas-microsoft-com:vml" Requires="v">
-                <p:oleObj spid="_x0000_s28858" name="Equation" r:id="rId3" imgW="114120" imgH="215640" progId="Equation.3">
+                <p:oleObj spid="_x0000_s28878" name="Equation" r:id="rId3" imgW="114120" imgH="215640" progId="Equation.3">
                   <p:embed/>
                 </p:oleObj>
               </mc:Choice>
@@ -16543,7 +16484,7 @@
           <a:graphicData uri="http://schemas.openxmlformats.org/presentationml/2006/ole">
             <mc:AlternateContent xmlns:mc="http://schemas.openxmlformats.org/markup-compatibility/2006">
               <mc:Choice xmlns:v="urn:schemas-microsoft-com:vml" Requires="v">
-                <p:oleObj spid="_x0000_s28859" name="Equation" r:id="rId5" imgW="10756800" imgH="1143000" progId="Equation.3">
+                <p:oleObj spid="_x0000_s28879" name="Equation" r:id="rId5" imgW="10756800" imgH="1143000" progId="Equation.3">
                   <p:embed/>
                 </p:oleObj>
               </mc:Choice>
@@ -16605,7 +16546,7 @@
           <a:graphicData uri="http://schemas.openxmlformats.org/presentationml/2006/ole">
             <mc:AlternateContent xmlns:mc="http://schemas.openxmlformats.org/markup-compatibility/2006">
               <mc:Choice xmlns:v="urn:schemas-microsoft-com:vml" Requires="v">
-                <p:oleObj spid="_x0000_s28860" name="Equation" r:id="rId7" imgW="2145960" imgH="431640" progId="Equation.3">
+                <p:oleObj spid="_x0000_s28880" name="Equation" r:id="rId7" imgW="2145960" imgH="431640" progId="Equation.3">
                   <p:embed/>
                 </p:oleObj>
               </mc:Choice>
@@ -16694,7 +16635,7 @@
           <a:graphicData uri="http://schemas.openxmlformats.org/presentationml/2006/ole">
             <mc:AlternateContent xmlns:mc="http://schemas.openxmlformats.org/markup-compatibility/2006">
               <mc:Choice xmlns:v="urn:schemas-microsoft-com:vml" Requires="v">
-                <p:oleObj spid="_x0000_s28861" name="Equation" r:id="rId9" imgW="10553400" imgH="1143000" progId="Equation.3">
+                <p:oleObj spid="_x0000_s28881" name="Equation" r:id="rId9" imgW="10553400" imgH="1143000" progId="Equation.3">
                   <p:embed/>
                 </p:oleObj>
               </mc:Choice>
@@ -17102,7 +17043,15 @@
             <a:pPr lvl="1"/>
             <a:r>
               <a:rPr lang="en-US" sz="2000" dirty="0" smtClean="0"/>
-              <a:t>Range B(emergency steady-state):107V-127V (RMS)</a:t>
+              <a:t>Range </a:t>
+            </a:r>
+            <a:r>
+              <a:rPr lang="en-US" sz="2000" dirty="0" smtClean="0"/>
+              <a:t>B (</a:t>
+            </a:r>
+            <a:r>
+              <a:rPr lang="en-US" sz="2000" dirty="0" smtClean="0"/>
+              <a:t>emergency steady-state):107V-127V (RMS)</a:t>
             </a:r>
           </a:p>
           <a:p>
@@ -17209,7 +17158,7 @@
           <a:graphicData uri="http://schemas.openxmlformats.org/presentationml/2006/ole">
             <mc:AlternateContent xmlns:mc="http://schemas.openxmlformats.org/markup-compatibility/2006">
               <mc:Choice xmlns:v="urn:schemas-microsoft-com:vml" Requires="v">
-                <p:oleObj spid="_x0000_s11859" name="Equation" r:id="rId3" imgW="114120" imgH="215640" progId="Equation.3">
+                <p:oleObj spid="_x0000_s11894" name="Equation" r:id="rId3" imgW="114120" imgH="215640" progId="Equation.3">
                   <p:embed/>
                 </p:oleObj>
               </mc:Choice>
@@ -17279,7 +17228,7 @@
           <a:graphicData uri="http://schemas.openxmlformats.org/presentationml/2006/ole">
             <mc:AlternateContent xmlns:mc="http://schemas.openxmlformats.org/markup-compatibility/2006">
               <mc:Choice xmlns:v="urn:schemas-microsoft-com:vml" Requires="v">
-                <p:oleObj spid="_x0000_s11860" name="Equation" r:id="rId5" imgW="1803240" imgH="482400" progId="Equation.3">
+                <p:oleObj spid="_x0000_s11895" name="Equation" r:id="rId5" imgW="1803240" imgH="482400" progId="Equation.3">
                   <p:embed/>
                 </p:oleObj>
               </mc:Choice>
@@ -17349,7 +17298,7 @@
           <a:graphicData uri="http://schemas.openxmlformats.org/presentationml/2006/ole">
             <mc:AlternateContent xmlns:mc="http://schemas.openxmlformats.org/markup-compatibility/2006">
               <mc:Choice xmlns:v="urn:schemas-microsoft-com:vml" Requires="v">
-                <p:oleObj spid="_x0000_s11861" name="Equation" r:id="rId7" imgW="1790640" imgH="266400" progId="Equation.3">
+                <p:oleObj spid="_x0000_s11896" name="Equation" r:id="rId7" imgW="1790640" imgH="266400" progId="Equation.3">
                   <p:embed/>
                 </p:oleObj>
               </mc:Choice>
@@ -17425,7 +17374,7 @@
           <a:graphicData uri="http://schemas.openxmlformats.org/presentationml/2006/ole">
             <mc:AlternateContent xmlns:mc="http://schemas.openxmlformats.org/markup-compatibility/2006">
               <mc:Choice xmlns:v="urn:schemas-microsoft-com:vml" Requires="v">
-                <p:oleObj spid="_x0000_s11862" name="Equation" r:id="rId9" imgW="2145960" imgH="431640" progId="Equation.3">
+                <p:oleObj spid="_x0000_s11897" name="Equation" r:id="rId9" imgW="2145960" imgH="431640" progId="Equation.3">
                   <p:embed/>
                 </p:oleObj>
               </mc:Choice>
@@ -17489,7 +17438,7 @@
           <a:graphicData uri="http://schemas.openxmlformats.org/presentationml/2006/ole">
             <mc:AlternateContent xmlns:mc="http://schemas.openxmlformats.org/markup-compatibility/2006">
               <mc:Choice xmlns:v="urn:schemas-microsoft-com:vml" Requires="v">
-                <p:oleObj spid="_x0000_s11863" name="Equation" r:id="rId11" imgW="2450880" imgH="228600" progId="Equation.3">
+                <p:oleObj spid="_x0000_s11898" name="Equation" r:id="rId11" imgW="2450880" imgH="228600" progId="Equation.3">
                   <p:embed/>
                 </p:oleObj>
               </mc:Choice>
@@ -17559,7 +17508,7 @@
           <a:graphicData uri="http://schemas.openxmlformats.org/presentationml/2006/ole">
             <mc:AlternateContent xmlns:mc="http://schemas.openxmlformats.org/markup-compatibility/2006">
               <mc:Choice xmlns:v="urn:schemas-microsoft-com:vml" Requires="v">
-                <p:oleObj spid="_x0000_s11864" name="Equation" r:id="rId13" imgW="634680" imgH="215640" progId="Equation.3">
+                <p:oleObj spid="_x0000_s11899" name="Equation" r:id="rId13" imgW="634680" imgH="215640" progId="Equation.3">
                   <p:embed/>
                 </p:oleObj>
               </mc:Choice>
@@ -17689,7 +17638,7 @@
           <a:graphicData uri="http://schemas.openxmlformats.org/presentationml/2006/ole">
             <mc:AlternateContent xmlns:mc="http://schemas.openxmlformats.org/markup-compatibility/2006">
               <mc:Choice xmlns:v="urn:schemas-microsoft-com:vml" Requires="v">
-                <p:oleObj spid="_x0000_s11865" name="Equation" r:id="rId15" imgW="1333440" imgH="1218960" progId="Equation.3">
+                <p:oleObj spid="_x0000_s11900" name="Equation" r:id="rId15" imgW="1333440" imgH="1218960" progId="Equation.3">
                   <p:embed/>
                 </p:oleObj>
               </mc:Choice>
@@ -18424,7 +18373,7 @@
           <a:graphicData uri="http://schemas.openxmlformats.org/presentationml/2006/ole">
             <mc:AlternateContent xmlns:mc="http://schemas.openxmlformats.org/markup-compatibility/2006">
               <mc:Choice xmlns:v="urn:schemas-microsoft-com:vml" Requires="v">
-                <p:oleObj spid="_x0000_s12549" name="Equation" r:id="rId3" imgW="114120" imgH="215640" progId="Equation.3">
+                <p:oleObj spid="_x0000_s12559" name="Equation" r:id="rId3" imgW="114120" imgH="215640" progId="Equation.3">
                   <p:embed/>
                 </p:oleObj>
               </mc:Choice>
@@ -18500,7 +18449,7 @@
           <a:graphicData uri="http://schemas.openxmlformats.org/presentationml/2006/ole">
             <mc:AlternateContent xmlns:mc="http://schemas.openxmlformats.org/markup-compatibility/2006">
               <mc:Choice xmlns:v="urn:schemas-microsoft-com:vml" Requires="v">
-                <p:oleObj spid="_x0000_s12550" name="Equation" r:id="rId5" imgW="1015920" imgH="1612800" progId="Equation.3">
+                <p:oleObj spid="_x0000_s12560" name="Equation" r:id="rId5" imgW="1015920" imgH="1612800" progId="Equation.3">
                   <p:embed/>
                 </p:oleObj>
               </mc:Choice>
@@ -18969,7 +18918,7 @@
           <a:graphicData uri="http://schemas.openxmlformats.org/presentationml/2006/ole">
             <mc:AlternateContent xmlns:mc="http://schemas.openxmlformats.org/markup-compatibility/2006">
               <mc:Choice xmlns:v="urn:schemas-microsoft-com:vml" Requires="v">
-                <p:oleObj spid="_x0000_s30774" name="Equation" r:id="rId3" imgW="5333760" imgH="558720" progId="Equation.3">
+                <p:oleObj spid="_x0000_s30784" name="Equation" r:id="rId3" imgW="5333760" imgH="558720" progId="Equation.3">
                   <p:embed/>
                 </p:oleObj>
               </mc:Choice>
@@ -19033,7 +18982,7 @@
           <a:graphicData uri="http://schemas.openxmlformats.org/presentationml/2006/ole">
             <mc:AlternateContent xmlns:mc="http://schemas.openxmlformats.org/markup-compatibility/2006">
               <mc:Choice xmlns:v="urn:schemas-microsoft-com:vml" Requires="v">
-                <p:oleObj spid="_x0000_s30775" name="Equation" r:id="rId5" imgW="5295600" imgH="558720" progId="Equation.3">
+                <p:oleObj spid="_x0000_s30785" name="Equation" r:id="rId5" imgW="5295600" imgH="558720" progId="Equation.3">
                   <p:embed/>
                 </p:oleObj>
               </mc:Choice>
@@ -19717,7 +19666,7 @@
           <a:graphicData uri="http://schemas.openxmlformats.org/presentationml/2006/ole">
             <mc:AlternateContent xmlns:mc="http://schemas.openxmlformats.org/markup-compatibility/2006">
               <mc:Choice xmlns:v="urn:schemas-microsoft-com:vml" Requires="v">
-                <p:oleObj spid="_x0000_s29739" name="Equation" r:id="rId3" imgW="1942920" imgH="761760" progId="Equation.3">
+                <p:oleObj spid="_x0000_s29744" name="Equation" r:id="rId3" imgW="1942920" imgH="761760" progId="Equation.3">
                   <p:embed/>
                 </p:oleObj>
               </mc:Choice>
@@ -19926,15 +19875,7 @@
           <a:p>
             <a:r>
               <a:rPr lang="en-US" sz="2000" dirty="0" smtClean="0"/>
-              <a:t>As a result, the amount of time the unit must consume electricity, i.e</a:t>
-            </a:r>
-            <a:r>
-              <a:rPr lang="en-US" sz="2000" dirty="0" smtClean="0"/>
-              <a:t>., </a:t>
-            </a:r>
-            <a:r>
-              <a:rPr lang="en-US" sz="2000" dirty="0" smtClean="0"/>
-              <a:t>time it is on, will vary based on the line voltage.</a:t>
+              <a:t>As a result, the amount of time the unit must consume electricity, i.e., time it is on, will vary based on the line voltage.</a:t>
             </a:r>
           </a:p>
           <a:p>
@@ -20982,7 +20923,7 @@
           <a:graphicData uri="http://schemas.openxmlformats.org/presentationml/2006/ole">
             <mc:AlternateContent xmlns:mc="http://schemas.openxmlformats.org/markup-compatibility/2006">
               <mc:Choice xmlns:v="urn:schemas-microsoft-com:vml" Requires="v">
-                <p:oleObj spid="_x0000_s3240" name="Equation" r:id="rId4" imgW="3759120" imgH="431640" progId="Equation.3">
+                <p:oleObj spid="_x0000_s3250" name="Equation" r:id="rId4" imgW="3759120" imgH="431640" progId="Equation.3">
                   <p:embed/>
                 </p:oleObj>
               </mc:Choice>
@@ -21050,7 +20991,7 @@
           <a:graphicData uri="http://schemas.openxmlformats.org/presentationml/2006/ole">
             <mc:AlternateContent xmlns:mc="http://schemas.openxmlformats.org/markup-compatibility/2006">
               <mc:Choice xmlns:v="urn:schemas-microsoft-com:vml" Requires="v">
-                <p:oleObj spid="_x0000_s3241" name="Equation" r:id="rId6" imgW="2489040" imgH="431640" progId="Equation.3">
+                <p:oleObj spid="_x0000_s3251" name="Equation" r:id="rId6" imgW="2489040" imgH="431640" progId="Equation.3">
                   <p:embed/>
                 </p:oleObj>
               </mc:Choice>
@@ -21421,15 +21362,7 @@
             </a:r>
             <a:r>
               <a:rPr lang="en-US" sz="1600" dirty="0" smtClean="0"/>
-              <a:t>: The </a:t>
-            </a:r>
-            <a:r>
-              <a:rPr lang="en-US" sz="1600" dirty="0" smtClean="0"/>
-              <a:t>temperature </a:t>
-            </a:r>
-            <a:r>
-              <a:rPr lang="en-US" sz="1600" dirty="0" smtClean="0"/>
-              <a:t>below which the auxiliary heating elements turn on.</a:t>
+              <a:t>: The temperature below which the auxiliary heating elements turn on.</a:t>
             </a:r>
             <a:endParaRPr lang="en-US" sz="1600" dirty="0"/>
           </a:p>
@@ -21517,15 +21450,11 @@
           <a:p>
             <a:r>
               <a:rPr lang="en-US" dirty="0" smtClean="0"/>
-              <a:t>Part 1: </a:t>
-            </a:r>
-            <a:r>
-              <a:rPr lang="en-US" dirty="0"/>
-              <a:t>O</a:t>
+              <a:t>Operational </a:t>
             </a:r>
             <a:r>
               <a:rPr lang="en-US" dirty="0" smtClean="0"/>
-              <a:t>perational Voltage Control</a:t>
+              <a:t>Voltage Control</a:t>
             </a:r>
             <a:endParaRPr lang="en-US" dirty="0"/>
           </a:p>
@@ -21555,15 +21484,7 @@
           <a:p>
             <a:r>
               <a:rPr lang="en-US" sz="2000" dirty="0" smtClean="0"/>
-              <a:t>The voltage supplied to the customer is generally maintained within the limits set by </a:t>
-            </a:r>
-            <a:r>
-              <a:rPr lang="en-US" sz="2000" dirty="0" smtClean="0"/>
-              <a:t>ANSI </a:t>
-            </a:r>
-            <a:r>
-              <a:rPr lang="en-US" sz="2000" dirty="0" smtClean="0"/>
-              <a:t>C84.1.</a:t>
+              <a:t>The voltage supplied to the customer is generally maintained within the limits set by ANSI C84.1.</a:t>
             </a:r>
           </a:p>
           <a:p>
@@ -21752,7 +21673,7 @@
           <a:graphicData uri="http://schemas.openxmlformats.org/presentationml/2006/ole">
             <mc:AlternateContent xmlns:mc="http://schemas.openxmlformats.org/markup-compatibility/2006">
               <mc:Choice xmlns:v="urn:schemas-microsoft-com:vml" Requires="v">
-                <p:oleObj spid="_x0000_s4184" r:id="rId3" imgW="3235112" imgH="3234987" progId="Msxml2.SAXXMLReader.5.0">
+                <p:oleObj spid="_x0000_s4189" r:id="rId3" imgW="3235112" imgH="3234987" progId="Msxml2.SAXXMLReader.5.0">
                   <p:embed/>
                 </p:oleObj>
               </mc:Choice>
@@ -23257,7 +23178,7 @@
           <p:nvPr>
             <p:extLst>
               <p:ext uri="{D42A27DB-BD31-4B8C-83A1-F6EECF244321}">
-                <p14:modId xmlns:p14="http://schemas.microsoft.com/office/powerpoint/2010/main" val="783309510"/>
+                <p14:modId xmlns:p14="http://schemas.microsoft.com/office/powerpoint/2010/main" val="1709383805"/>
               </p:ext>
             </p:extLst>
           </p:nvPr>
@@ -23270,7 +23191,7 @@
           <a:graphicData uri="http://schemas.openxmlformats.org/presentationml/2006/ole">
             <mc:AlternateContent xmlns:mc="http://schemas.openxmlformats.org/markup-compatibility/2006">
               <mc:Choice xmlns:v="urn:schemas-microsoft-com:vml" Requires="v">
-                <p:oleObj spid="_x0000_s33845" name="Equation" r:id="rId5" imgW="3073320" imgH="1447560" progId="Equation.3">
+                <p:oleObj spid="_x0000_s38916" name="Equation" r:id="rId5" imgW="3073320" imgH="1447560" progId="Equation.3">
                   <p:embed/>
                 </p:oleObj>
               </mc:Choice>
@@ -23340,7 +23261,7 @@
           <p:nvPr>
             <p:extLst>
               <p:ext uri="{D42A27DB-BD31-4B8C-83A1-F6EECF244321}">
-                <p14:modId xmlns:p14="http://schemas.microsoft.com/office/powerpoint/2010/main" val="469499919"/>
+                <p14:modId xmlns:p14="http://schemas.microsoft.com/office/powerpoint/2010/main" val="3050949746"/>
               </p:ext>
             </p:extLst>
           </p:nvPr>
@@ -23353,7 +23274,7 @@
           <a:graphicData uri="http://schemas.openxmlformats.org/presentationml/2006/ole">
             <mc:AlternateContent xmlns:mc="http://schemas.openxmlformats.org/markup-compatibility/2006">
               <mc:Choice xmlns:v="urn:schemas-microsoft-com:vml" Requires="v">
-                <p:oleObj spid="_x0000_s33846" name="Equation" r:id="rId7" imgW="3073320" imgH="1447560" progId="Equation.3">
+                <p:oleObj spid="_x0000_s38917" name="Equation" r:id="rId7" imgW="3073320" imgH="1447560" progId="Equation.3">
                   <p:embed/>
                 </p:oleObj>
               </mc:Choice>
@@ -23571,7 +23492,7 @@
     </p:spTree>
     <p:extLst>
       <p:ext uri="{BB962C8B-B14F-4D97-AF65-F5344CB8AC3E}">
-        <p14:creationId xmlns:p14="http://schemas.microsoft.com/office/powerpoint/2010/main" val="4057389906"/>
+        <p14:creationId xmlns:p14="http://schemas.microsoft.com/office/powerpoint/2010/main" val="3424162449"/>
       </p:ext>
     </p:extLst>
   </p:cSld>
@@ -24189,7 +24110,7 @@
           <p:nvPr>
             <p:extLst>
               <p:ext uri="{D42A27DB-BD31-4B8C-83A1-F6EECF244321}">
-                <p14:modId xmlns:p14="http://schemas.microsoft.com/office/powerpoint/2010/main" val="1826537020"/>
+                <p14:modId xmlns:p14="http://schemas.microsoft.com/office/powerpoint/2010/main" val="2948589072"/>
               </p:ext>
             </p:extLst>
           </p:nvPr>
@@ -24202,7 +24123,7 @@
           <a:graphicData uri="http://schemas.openxmlformats.org/presentationml/2006/ole">
             <mc:AlternateContent xmlns:mc="http://schemas.openxmlformats.org/markup-compatibility/2006">
               <mc:Choice xmlns:v="urn:schemas-microsoft-com:vml" Requires="v">
-                <p:oleObj spid="_x0000_s34874" name="Equation" r:id="rId5" imgW="3073320" imgH="1447560" progId="Equation.3">
+                <p:oleObj spid="_x0000_s39938" name="Equation" r:id="rId5" imgW="3073320" imgH="1447560" progId="Equation.3">
                   <p:embed/>
                 </p:oleObj>
               </mc:Choice>
@@ -24211,7 +24132,7 @@
                   <p:embed/>
                   <p:pic>
                     <p:nvPicPr>
-                      <p:cNvPr id="0" name="Object 12"/>
+                      <p:cNvPr id="0" name=""/>
                       <p:cNvPicPr>
                         <a:picLocks noChangeAspect="1" noChangeArrowheads="1"/>
                       </p:cNvPicPr>
@@ -24272,7 +24193,7 @@
           <p:nvPr>
             <p:extLst>
               <p:ext uri="{D42A27DB-BD31-4B8C-83A1-F6EECF244321}">
-                <p14:modId xmlns:p14="http://schemas.microsoft.com/office/powerpoint/2010/main" val="2444215128"/>
+                <p14:modId xmlns:p14="http://schemas.microsoft.com/office/powerpoint/2010/main" val="2074342645"/>
               </p:ext>
             </p:extLst>
           </p:nvPr>
@@ -24285,7 +24206,7 @@
           <a:graphicData uri="http://schemas.openxmlformats.org/presentationml/2006/ole">
             <mc:AlternateContent xmlns:mc="http://schemas.openxmlformats.org/markup-compatibility/2006">
               <mc:Choice xmlns:v="urn:schemas-microsoft-com:vml" Requires="v">
-                <p:oleObj spid="_x0000_s34875" name="Equation" r:id="rId7" imgW="3085920" imgH="1447560" progId="Equation.3">
+                <p:oleObj spid="_x0000_s39939" name="Equation" r:id="rId7" imgW="3085920" imgH="1447560" progId="Equation.3">
                   <p:embed/>
                 </p:oleObj>
               </mc:Choice>
@@ -24294,7 +24215,7 @@
                   <p:embed/>
                   <p:pic>
                     <p:nvPicPr>
-                      <p:cNvPr id="0" name="Object 10"/>
+                      <p:cNvPr id="0" name=""/>
                       <p:cNvPicPr>
                         <a:picLocks noChangeAspect="1" noChangeArrowheads="1"/>
                       </p:cNvPicPr>
@@ -24373,7 +24294,7 @@
     </p:spTree>
     <p:extLst>
       <p:ext uri="{BB962C8B-B14F-4D97-AF65-F5344CB8AC3E}">
-        <p14:creationId xmlns:p14="http://schemas.microsoft.com/office/powerpoint/2010/main" val="4244969699"/>
+        <p14:creationId xmlns:p14="http://schemas.microsoft.com/office/powerpoint/2010/main" val="4106065401"/>
       </p:ext>
     </p:extLst>
   </p:cSld>
@@ -24761,7 +24682,7 @@
           <p:nvPr>
             <p:extLst>
               <p:ext uri="{D42A27DB-BD31-4B8C-83A1-F6EECF244321}">
-                <p14:modId xmlns:p14="http://schemas.microsoft.com/office/powerpoint/2010/main" val="3275955885"/>
+                <p14:modId xmlns:p14="http://schemas.microsoft.com/office/powerpoint/2010/main" val="3596234537"/>
               </p:ext>
             </p:extLst>
           </p:nvPr>
@@ -24774,7 +24695,7 @@
           <a:graphicData uri="http://schemas.openxmlformats.org/presentationml/2006/ole">
             <mc:AlternateContent xmlns:mc="http://schemas.openxmlformats.org/markup-compatibility/2006">
               <mc:Choice xmlns:v="urn:schemas-microsoft-com:vml" Requires="v">
-                <p:oleObj spid="_x0000_s35879" name="Equation" r:id="rId4" imgW="3073320" imgH="1447560" progId="Equation.3">
+                <p:oleObj spid="_x0000_s40962" name="Equation" r:id="rId4" imgW="3073320" imgH="1447560" progId="Equation.3">
                   <p:embed/>
                 </p:oleObj>
               </mc:Choice>
@@ -24783,20 +24704,14 @@
                   <p:embed/>
                   <p:pic>
                     <p:nvPicPr>
-                      <p:cNvPr id="0" name="Object 10"/>
+                      <p:cNvPr id="0" name=""/>
                       <p:cNvPicPr>
                         <a:picLocks noChangeAspect="1" noChangeArrowheads="1"/>
                       </p:cNvPicPr>
                       <p:nvPr/>
                     </p:nvPicPr>
                     <p:blipFill>
-                      <a:blip r:embed="rId5">
-                        <a:extLst>
-                          <a:ext uri="{28A0092B-C50C-407E-A947-70E740481C1C}">
-                            <a14:useLocalDpi xmlns:a14="http://schemas.microsoft.com/office/drawing/2010/main" val="0"/>
-                          </a:ext>
-                        </a:extLst>
-                      </a:blip>
+                      <a:blip r:embed="rId5"/>
                       <a:srcRect/>
                       <a:stretch>
                         <a:fillRect/>
@@ -25025,7 +24940,7 @@
           <p:nvPr>
             <p:extLst>
               <p:ext uri="{D42A27DB-BD31-4B8C-83A1-F6EECF244321}">
-                <p14:modId xmlns:p14="http://schemas.microsoft.com/office/powerpoint/2010/main" val="1467778346"/>
+                <p14:modId xmlns:p14="http://schemas.microsoft.com/office/powerpoint/2010/main" val="3682359969"/>
               </p:ext>
             </p:extLst>
           </p:nvPr>
@@ -25038,7 +24953,7 @@
           <a:graphicData uri="http://schemas.openxmlformats.org/presentationml/2006/ole">
             <mc:AlternateContent xmlns:mc="http://schemas.openxmlformats.org/markup-compatibility/2006">
               <mc:Choice xmlns:v="urn:schemas-microsoft-com:vml" Requires="v">
-                <p:oleObj spid="_x0000_s35880" name="Equation" r:id="rId9" imgW="3073320" imgH="1447560" progId="Equation.3">
+                <p:oleObj spid="_x0000_s40963" name="Equation" r:id="rId9" imgW="3073320" imgH="1447560" progId="Equation.3">
                   <p:embed/>
                 </p:oleObj>
               </mc:Choice>
@@ -25047,7 +24962,7 @@
                   <p:embed/>
                   <p:pic>
                     <p:nvPicPr>
-                      <p:cNvPr id="0" name="Object 10"/>
+                      <p:cNvPr id="0" name=""/>
                       <p:cNvPicPr>
                         <a:picLocks noChangeAspect="1" noChangeArrowheads="1"/>
                       </p:cNvPicPr>
@@ -25126,7 +25041,7 @@
     </p:spTree>
     <p:extLst>
       <p:ext uri="{BB962C8B-B14F-4D97-AF65-F5344CB8AC3E}">
-        <p14:creationId xmlns:p14="http://schemas.microsoft.com/office/powerpoint/2010/main" val="2312722046"/>
+        <p14:creationId xmlns:p14="http://schemas.microsoft.com/office/powerpoint/2010/main" val="698721699"/>
       </p:ext>
     </p:extLst>
   </p:cSld>
@@ -25493,7 +25408,7 @@
           <a:graphicData uri="http://schemas.openxmlformats.org/presentationml/2006/ole">
             <mc:AlternateContent xmlns:mc="http://schemas.openxmlformats.org/markup-compatibility/2006">
               <mc:Choice xmlns:v="urn:schemas-microsoft-com:vml" Requires="v">
-                <p:oleObj spid="_x0000_s32875" name="Equation" r:id="rId3" imgW="3301920" imgH="228600" progId="Equation.3">
+                <p:oleObj spid="_x0000_s32885" name="Equation" r:id="rId3" imgW="3301920" imgH="228600" progId="Equation.3">
                   <p:embed/>
                 </p:oleObj>
               </mc:Choice>
@@ -25557,7 +25472,7 @@
           <a:graphicData uri="http://schemas.openxmlformats.org/presentationml/2006/ole">
             <mc:AlternateContent xmlns:mc="http://schemas.openxmlformats.org/markup-compatibility/2006">
               <mc:Choice xmlns:v="urn:schemas-microsoft-com:vml" Requires="v">
-                <p:oleObj spid="_x0000_s32876" name="Equation" r:id="rId5" imgW="3314520" imgH="228600" progId="Equation.3">
+                <p:oleObj spid="_x0000_s32886" name="Equation" r:id="rId5" imgW="3314520" imgH="228600" progId="Equation.3">
                   <p:embed/>
                 </p:oleObj>
               </mc:Choice>
@@ -26371,15 +26286,7 @@
           <a:p>
             <a:r>
               <a:rPr lang="en-US" sz="2000" dirty="0" smtClean="0"/>
-              <a:t>While distribution </a:t>
-            </a:r>
-            <a:r>
-              <a:rPr lang="en-US" sz="2000" dirty="0" smtClean="0"/>
-              <a:t>systems </a:t>
-            </a:r>
-            <a:r>
-              <a:rPr lang="en-US" sz="2000" dirty="0" smtClean="0"/>
-              <a:t>generally do not examine the no load condition, a measure between peak load and minimu</a:t>
+              <a:t>While distribution systems generally do not examine the no load condition, a measure between peak load and minimu</a:t>
             </a:r>
             <a:r>
               <a:rPr lang="en-US" sz="2000" dirty="0"/>
@@ -26414,29 +26321,53 @@
           </a:p>
         </p:txBody>
       </p:sp>
+      <p:sp>
+        <p:nvSpPr>
+          <p:cNvPr id="5" name="Slide Number Placeholder 4"/>
+          <p:cNvSpPr>
+            <a:spLocks noGrp="1"/>
+          </p:cNvSpPr>
+          <p:nvPr>
+            <p:ph type="sldNum" sz="quarter" idx="12"/>
+          </p:nvPr>
+        </p:nvSpPr>
+        <p:spPr/>
+        <p:txBody>
+          <a:bodyPr/>
+          <a:lstStyle/>
+          <a:p>
+            <a:fld id="{B6F15528-21DE-4FAA-801E-634DDDAF4B2B}" type="slidenum">
+              <a:rPr lang="en-US" smtClean="0"/>
+              <a:pPr/>
+              <a:t>7</a:t>
+            </a:fld>
+            <a:endParaRPr lang="en-US"/>
+          </a:p>
+        </p:txBody>
+      </p:sp>
       <p:graphicFrame>
         <p:nvGraphicFramePr>
-          <p:cNvPr id="4" name="Object 3"/>
+          <p:cNvPr id="6" name="Object 5"/>
           <p:cNvGraphicFramePr>
             <a:graphicFrameLocks noChangeAspect="1"/>
           </p:cNvGraphicFramePr>
           <p:nvPr>
             <p:extLst>
               <p:ext uri="{D42A27DB-BD31-4B8C-83A1-F6EECF244321}">
-                <p14:modId xmlns:p14="http://schemas.microsoft.com/office/powerpoint/2010/main" val="2828727024"/>
+                <p14:modId xmlns:p14="http://schemas.microsoft.com/office/powerpoint/2010/main" val="3521841639"/>
               </p:ext>
             </p:extLst>
           </p:nvPr>
         </p:nvGraphicFramePr>
         <p:xfrm>
-          <a:off x="1928812" y="4953000"/>
-          <a:ext cx="5233988" cy="781050"/>
+          <a:off x="1928813" y="4953000"/>
+          <a:ext cx="5233987" cy="781050"/>
         </p:xfrm>
         <a:graphic>
           <a:graphicData uri="http://schemas.openxmlformats.org/presentationml/2006/ole">
             <mc:AlternateContent xmlns:mc="http://schemas.openxmlformats.org/markup-compatibility/2006">
               <mc:Choice xmlns:v="urn:schemas-microsoft-com:vml" Requires="v">
-                <p:oleObj spid="_x0000_s17485" name="Equation" r:id="rId3" imgW="3149280" imgH="469800" progId="Equation.3">
+                <p:oleObj spid="_x0000_s17491" name="Equation" r:id="rId3" imgW="3149280" imgH="469800" progId="Equation.3">
                   <p:embed/>
                 </p:oleObj>
               </mc:Choice>
@@ -26445,14 +26376,20 @@
                   <p:embed/>
                   <p:pic>
                     <p:nvPicPr>
-                      <p:cNvPr id="0" name="Object 29"/>
+                      <p:cNvPr id="0" name="Object 3"/>
                       <p:cNvPicPr>
                         <a:picLocks noChangeAspect="1" noChangeArrowheads="1"/>
                       </p:cNvPicPr>
                       <p:nvPr/>
                     </p:nvPicPr>
                     <p:blipFill>
-                      <a:blip r:embed="rId4"/>
+                      <a:blip r:embed="rId4">
+                        <a:extLst>
+                          <a:ext uri="{28A0092B-C50C-407E-A947-70E740481C1C}">
+                            <a14:useLocalDpi xmlns:a14="http://schemas.microsoft.com/office/drawing/2010/main" val="0"/>
+                          </a:ext>
+                        </a:extLst>
+                      </a:blip>
                       <a:srcRect/>
                       <a:stretch>
                         <a:fillRect/>
@@ -26460,8 +26397,8 @@
                     </p:blipFill>
                     <p:spPr bwMode="auto">
                       <a:xfrm>
-                        <a:off x="1928812" y="4953000"/>
-                        <a:ext cx="5233988" cy="781050"/>
+                        <a:off x="1928813" y="4953000"/>
+                        <a:ext cx="5233987" cy="781050"/>
                       </a:xfrm>
                       <a:prstGeom prst="rect">
                         <a:avLst/>
@@ -26470,6 +26407,25 @@
                       <a:ln>
                         <a:noFill/>
                       </a:ln>
+                      <a:extLst>
+                        <a:ext uri="{909E8E84-426E-40DD-AFC4-6F175D3DCCD1}">
+                          <a14:hiddenFill xmlns:a14="http://schemas.microsoft.com/office/drawing/2010/main">
+                            <a:solidFill>
+                              <a:srgbClr val="FFFFFF"/>
+                            </a:solidFill>
+                          </a14:hiddenFill>
+                        </a:ext>
+                        <a:ext uri="{91240B29-F687-4F45-9708-019B960494DF}">
+                          <a14:hiddenLine xmlns:a14="http://schemas.microsoft.com/office/drawing/2010/main" w="9525">
+                            <a:solidFill>
+                              <a:srgbClr val="000000"/>
+                            </a:solidFill>
+                            <a:miter lim="800000"/>
+                            <a:headEnd/>
+                            <a:tailEnd/>
+                          </a14:hiddenLine>
+                        </a:ext>
+                      </a:extLst>
                     </p:spPr>
                   </p:pic>
                 </p:oleObj>
@@ -26478,30 +26434,6 @@
           </a:graphicData>
         </a:graphic>
       </p:graphicFrame>
-      <p:sp>
-        <p:nvSpPr>
-          <p:cNvPr id="5" name="Slide Number Placeholder 4"/>
-          <p:cNvSpPr>
-            <a:spLocks noGrp="1"/>
-          </p:cNvSpPr>
-          <p:nvPr>
-            <p:ph type="sldNum" sz="quarter" idx="12"/>
-          </p:nvPr>
-        </p:nvSpPr>
-        <p:spPr/>
-        <p:txBody>
-          <a:bodyPr/>
-          <a:lstStyle/>
-          <a:p>
-            <a:fld id="{B6F15528-21DE-4FAA-801E-634DDDAF4B2B}" type="slidenum">
-              <a:rPr lang="en-US" smtClean="0"/>
-              <a:pPr/>
-              <a:t>7</a:t>
-            </a:fld>
-            <a:endParaRPr lang="en-US"/>
-          </a:p>
-        </p:txBody>
-      </p:sp>
     </p:spTree>
     <p:extLst>
       <p:ext uri="{BB962C8B-B14F-4D97-AF65-F5344CB8AC3E}">
@@ -26515,7 +26447,75 @@
   <p:timing>
     <p:tnLst>
       <p:par>
-        <p:cTn id="1" dur="indefinite" restart="never" nodeType="tmRoot"/>
+        <p:cTn id="1" dur="indefinite" restart="never" nodeType="tmRoot">
+          <p:childTnLst>
+            <p:seq concurrent="1" nextAc="seek">
+              <p:cTn id="2" dur="indefinite" nodeType="mainSeq">
+                <p:childTnLst>
+                  <p:par>
+                    <p:cTn id="3" fill="hold">
+                      <p:stCondLst>
+                        <p:cond delay="indefinite"/>
+                      </p:stCondLst>
+                      <p:childTnLst>
+                        <p:par>
+                          <p:cTn id="4" fill="hold">
+                            <p:stCondLst>
+                              <p:cond delay="0"/>
+                            </p:stCondLst>
+                            <p:childTnLst>
+                              <p:par>
+                                <p:cTn id="5" presetID="1" presetClass="entr" presetSubtype="0" fill="hold" nodeType="clickEffect">
+                                  <p:stCondLst>
+                                    <p:cond delay="0"/>
+                                  </p:stCondLst>
+                                  <p:childTnLst>
+                                    <p:set>
+                                      <p:cBhvr>
+                                        <p:cTn id="6" dur="1" fill="hold">
+                                          <p:stCondLst>
+                                            <p:cond delay="0"/>
+                                          </p:stCondLst>
+                                        </p:cTn>
+                                        <p:tgtEl>
+                                          <p:spTgt spid="6"/>
+                                        </p:tgtEl>
+                                        <p:attrNameLst>
+                                          <p:attrName>style.visibility</p:attrName>
+                                        </p:attrNameLst>
+                                      </p:cBhvr>
+                                      <p:to>
+                                        <p:strVal val="visible"/>
+                                      </p:to>
+                                    </p:set>
+                                  </p:childTnLst>
+                                </p:cTn>
+                              </p:par>
+                            </p:childTnLst>
+                          </p:cTn>
+                        </p:par>
+                      </p:childTnLst>
+                    </p:cTn>
+                  </p:par>
+                </p:childTnLst>
+              </p:cTn>
+              <p:prevCondLst>
+                <p:cond evt="onPrev" delay="0">
+                  <p:tgtEl>
+                    <p:sldTgt/>
+                  </p:tgtEl>
+                </p:cond>
+              </p:prevCondLst>
+              <p:nextCondLst>
+                <p:cond evt="onNext" delay="0">
+                  <p:tgtEl>
+                    <p:sldTgt/>
+                  </p:tgtEl>
+                </p:cond>
+              </p:nextCondLst>
+            </p:seq>
+          </p:childTnLst>
+        </p:cTn>
       </p:par>
     </p:tnLst>
   </p:timing>
@@ -26541,124 +26541,58 @@
       </p:grpSpPr>
       <p:sp>
         <p:nvSpPr>
-          <p:cNvPr id="43010" name="Rectangle 2"/>
-          <p:cNvSpPr>
-            <a:spLocks noGrp="1" noChangeArrowheads="1"/>
-          </p:cNvSpPr>
-          <p:nvPr>
-            <p:ph type="title"/>
+          <p:cNvPr id="2" name="Title 1"/>
+          <p:cNvSpPr>
+            <a:spLocks noGrp="1"/>
+          </p:cNvSpPr>
+          <p:nvPr>
+            <p:ph type="ctrTitle"/>
           </p:nvPr>
         </p:nvSpPr>
         <p:spPr/>
-        <p:txBody>
-          <a:bodyPr/>
-          <a:lstStyle/>
-          <a:p>
-            <a:r>
-              <a:rPr lang="en-US" smtClean="0"/>
-              <a:t>Module 4 </a:t>
-            </a:r>
-            <a:r>
-              <a:rPr lang="en-US" dirty="0" smtClean="0"/>
-              <a:t>Concluding Comments</a:t>
-            </a:r>
-            <a:endParaRPr lang="en-US" dirty="0"/>
-          </a:p>
-        </p:txBody>
-      </p:sp>
-      <p:sp>
-        <p:nvSpPr>
-          <p:cNvPr id="43011" name="Rectangle 3"/>
-          <p:cNvSpPr>
-            <a:spLocks noGrp="1" noChangeArrowheads="1"/>
-          </p:cNvSpPr>
-          <p:nvPr>
-            <p:ph type="body" idx="1"/>
-          </p:nvPr>
-        </p:nvSpPr>
-        <p:spPr>
-          <a:xfrm>
-            <a:off x="379143" y="1295400"/>
-            <a:ext cx="8612457" cy="4953000"/>
-          </a:xfrm>
-        </p:spPr>
         <p:txBody>
           <a:bodyPr>
             <a:normAutofit/>
           </a:bodyPr>
           <a:lstStyle/>
           <a:p>
-            <a:pPr>
-              <a:lnSpc>
-                <a:spcPct val="100000"/>
-              </a:lnSpc>
-              <a:spcBef>
-                <a:spcPts val="900"/>
-              </a:spcBef>
-            </a:pPr>
-            <a:r>
-              <a:rPr lang="en-US" sz="2200" dirty="0" smtClean="0"/>
-              <a:t>1</a:t>
-            </a:r>
-          </a:p>
-          <a:p>
-            <a:pPr>
-              <a:lnSpc>
-                <a:spcPct val="100000"/>
-              </a:lnSpc>
-              <a:spcBef>
-                <a:spcPts val="900"/>
-              </a:spcBef>
-            </a:pPr>
-            <a:r>
-              <a:rPr lang="en-US" sz="2200" dirty="0" smtClean="0"/>
-              <a:t>2</a:t>
-            </a:r>
-          </a:p>
-          <a:p>
-            <a:pPr>
-              <a:lnSpc>
-                <a:spcPct val="100000"/>
-              </a:lnSpc>
-              <a:spcBef>
-                <a:spcPts val="900"/>
-              </a:spcBef>
-            </a:pPr>
-            <a:r>
-              <a:rPr lang="en-US" sz="2200" dirty="0" smtClean="0"/>
-              <a:t>3</a:t>
-            </a:r>
-          </a:p>
-          <a:p>
-            <a:pPr>
-              <a:lnSpc>
-                <a:spcPct val="100000"/>
-              </a:lnSpc>
-              <a:spcBef>
-                <a:spcPts val="900"/>
-              </a:spcBef>
-            </a:pPr>
-            <a:r>
-              <a:rPr lang="en-US" sz="2200" smtClean="0"/>
-              <a:t>4</a:t>
-            </a:r>
-          </a:p>
-          <a:p>
-            <a:pPr>
-              <a:lnSpc>
-                <a:spcPct val="100000"/>
-              </a:lnSpc>
-              <a:spcBef>
-                <a:spcPts val="900"/>
-              </a:spcBef>
-            </a:pPr>
-            <a:endParaRPr lang="en-US" sz="2200" dirty="0" smtClean="0"/>
-          </a:p>
-        </p:txBody>
-      </p:sp>
-      <p:sp>
-        <p:nvSpPr>
-          <p:cNvPr id="2" name="Slide Number Placeholder 1"/>
+            <a:r>
+              <a:rPr lang="en-US" sz="3600" dirty="0" smtClean="0"/>
+              <a:t>Substation and Distribution Automation</a:t>
+            </a:r>
+            <a:endParaRPr lang="en-US" sz="3600" dirty="0"/>
+          </a:p>
+        </p:txBody>
+      </p:sp>
+      <p:sp>
+        <p:nvSpPr>
+          <p:cNvPr id="3" name="Subtitle 2"/>
+          <p:cNvSpPr>
+            <a:spLocks noGrp="1"/>
+          </p:cNvSpPr>
+          <p:nvPr>
+            <p:ph type="subTitle" idx="1"/>
+          </p:nvPr>
+        </p:nvSpPr>
+        <p:spPr/>
+        <p:txBody>
+          <a:bodyPr/>
+          <a:lstStyle/>
+          <a:p>
+            <a:r>
+              <a:rPr lang="en-US" sz="2000" dirty="0" smtClean="0"/>
+              <a:t>Conclusion of Module 4: Voltage Control Devices</a:t>
+            </a:r>
+            <a:endParaRPr lang="en-US" sz="2000" dirty="0"/>
+          </a:p>
+          <a:p>
+            <a:endParaRPr lang="en-US" sz="2000" dirty="0"/>
+          </a:p>
+        </p:txBody>
+      </p:sp>
+      <p:sp>
+        <p:nvSpPr>
+          <p:cNvPr id="4" name="Slide Number Placeholder 3"/>
           <p:cNvSpPr>
             <a:spLocks noGrp="1"/>
           </p:cNvSpPr>
@@ -26683,7 +26617,7 @@
     </p:spTree>
     <p:extLst>
       <p:ext uri="{BB962C8B-B14F-4D97-AF65-F5344CB8AC3E}">
-        <p14:creationId xmlns:p14="http://schemas.microsoft.com/office/powerpoint/2010/main" val="1211036302"/>
+        <p14:creationId xmlns:p14="http://schemas.microsoft.com/office/powerpoint/2010/main" val="3145729577"/>
       </p:ext>
     </p:extLst>
   </p:cSld>
@@ -26778,7 +26712,7 @@
           <p:nvPr>
             <p:extLst>
               <p:ext uri="{D42A27DB-BD31-4B8C-83A1-F6EECF244321}">
-                <p14:modId xmlns:p14="http://schemas.microsoft.com/office/powerpoint/2010/main" val="3443305235"/>
+                <p14:modId xmlns:p14="http://schemas.microsoft.com/office/powerpoint/2010/main" val="2162212678"/>
               </p:ext>
             </p:extLst>
           </p:nvPr>
@@ -26791,7 +26725,7 @@
           <a:graphicData uri="http://schemas.openxmlformats.org/presentationml/2006/ole">
             <mc:AlternateContent xmlns:mc="http://schemas.openxmlformats.org/markup-compatibility/2006">
               <mc:Choice xmlns:v="urn:schemas-microsoft-com:vml" Requires="v">
-                <p:oleObj spid="_x0000_s18579" name="Equation" r:id="rId3" imgW="3377880" imgH="469800" progId="Equation.3">
+                <p:oleObj spid="_x0000_s36868" name="Equation" r:id="rId3" imgW="3377880" imgH="469800" progId="Equation.3">
                   <p:embed/>
                 </p:oleObj>
               </mc:Choice>
@@ -26800,7 +26734,7 @@
                   <p:embed/>
                   <p:pic>
                     <p:nvPicPr>
-                      <p:cNvPr id="0" name="Object 3"/>
+                      <p:cNvPr id="0" name=""/>
                       <p:cNvPicPr>
                         <a:picLocks noChangeAspect="1" noChangeArrowheads="1"/>
                       </p:cNvPicPr>
@@ -26842,7 +26776,7 @@
           <p:nvPr>
             <p:extLst>
               <p:ext uri="{D42A27DB-BD31-4B8C-83A1-F6EECF244321}">
-                <p14:modId xmlns:p14="http://schemas.microsoft.com/office/powerpoint/2010/main" val="2819226766"/>
+                <p14:modId xmlns:p14="http://schemas.microsoft.com/office/powerpoint/2010/main" val="768801995"/>
               </p:ext>
             </p:extLst>
           </p:nvPr>
@@ -26855,7 +26789,7 @@
           <a:graphicData uri="http://schemas.openxmlformats.org/presentationml/2006/ole">
             <mc:AlternateContent xmlns:mc="http://schemas.openxmlformats.org/markup-compatibility/2006">
               <mc:Choice xmlns:v="urn:schemas-microsoft-com:vml" Requires="v">
-                <p:oleObj spid="_x0000_s18580" name="Equation" r:id="rId5" imgW="3377880" imgH="469800" progId="Equation.3">
+                <p:oleObj spid="_x0000_s36869" name="Equation" r:id="rId5" imgW="3377880" imgH="469800" progId="Equation.3">
                   <p:embed/>
                 </p:oleObj>
               </mc:Choice>
@@ -26864,7 +26798,7 @@
                   <p:embed/>
                   <p:pic>
                     <p:nvPicPr>
-                      <p:cNvPr id="0" name="Object 5"/>
+                      <p:cNvPr id="0" name=""/>
                       <p:cNvPicPr>
                         <a:picLocks noChangeAspect="1" noChangeArrowheads="1"/>
                       </p:cNvPicPr>
@@ -27060,7 +26994,7 @@
     </p:spTree>
     <p:extLst>
       <p:ext uri="{BB962C8B-B14F-4D97-AF65-F5344CB8AC3E}">
-        <p14:creationId xmlns:p14="http://schemas.microsoft.com/office/powerpoint/2010/main" val="3976736554"/>
+        <p14:creationId xmlns:p14="http://schemas.microsoft.com/office/powerpoint/2010/main" val="353307972"/>
       </p:ext>
     </p:extLst>
   </p:cSld>
@@ -27401,7 +27335,7 @@
           <p:nvPr>
             <p:extLst>
               <p:ext uri="{D42A27DB-BD31-4B8C-83A1-F6EECF244321}">
-                <p14:modId xmlns:p14="http://schemas.microsoft.com/office/powerpoint/2010/main" val="2380283667"/>
+                <p14:modId xmlns:p14="http://schemas.microsoft.com/office/powerpoint/2010/main" val="942803673"/>
               </p:ext>
             </p:extLst>
           </p:nvPr>
@@ -27414,7 +27348,7 @@
           <a:graphicData uri="http://schemas.openxmlformats.org/presentationml/2006/ole">
             <mc:AlternateContent xmlns:mc="http://schemas.openxmlformats.org/markup-compatibility/2006">
               <mc:Choice xmlns:v="urn:schemas-microsoft-com:vml" Requires="v">
-                <p:oleObj spid="_x0000_s19601" name="Equation" r:id="rId4" imgW="3377880" imgH="469800" progId="Equation.3">
+                <p:oleObj spid="_x0000_s37892" name="Equation" r:id="rId4" imgW="3377880" imgH="469800" progId="Equation.3">
                   <p:embed/>
                 </p:oleObj>
               </mc:Choice>
@@ -27423,20 +27357,14 @@
                   <p:embed/>
                   <p:pic>
                     <p:nvPicPr>
-                      <p:cNvPr id="0" name="Object 6"/>
+                      <p:cNvPr id="0" name=""/>
                       <p:cNvPicPr>
                         <a:picLocks noChangeAspect="1" noChangeArrowheads="1"/>
                       </p:cNvPicPr>
                       <p:nvPr/>
                     </p:nvPicPr>
                     <p:blipFill>
-                      <a:blip r:embed="rId5">
-                        <a:extLst>
-                          <a:ext uri="{28A0092B-C50C-407E-A947-70E740481C1C}">
-                            <a14:useLocalDpi xmlns:a14="http://schemas.microsoft.com/office/drawing/2010/main" val="0"/>
-                          </a:ext>
-                        </a:extLst>
-                      </a:blip>
+                      <a:blip r:embed="rId5"/>
                       <a:srcRect/>
                       <a:stretch>
                         <a:fillRect/>
@@ -27490,7 +27418,7 @@
           <p:nvPr>
             <p:extLst>
               <p:ext uri="{D42A27DB-BD31-4B8C-83A1-F6EECF244321}">
-                <p14:modId xmlns:p14="http://schemas.microsoft.com/office/powerpoint/2010/main" val="3487715284"/>
+                <p14:modId xmlns:p14="http://schemas.microsoft.com/office/powerpoint/2010/main" val="4125148091"/>
               </p:ext>
             </p:extLst>
           </p:nvPr>
@@ -27503,7 +27431,7 @@
           <a:graphicData uri="http://schemas.openxmlformats.org/presentationml/2006/ole">
             <mc:AlternateContent xmlns:mc="http://schemas.openxmlformats.org/markup-compatibility/2006">
               <mc:Choice xmlns:v="urn:schemas-microsoft-com:vml" Requires="v">
-                <p:oleObj spid="_x0000_s19602" name="Equation" r:id="rId6" imgW="3187440" imgH="469800" progId="Equation.3">
+                <p:oleObj spid="_x0000_s37893" name="Equation" r:id="rId6" imgW="3187440" imgH="469800" progId="Equation.3">
                   <p:embed/>
                 </p:oleObj>
               </mc:Choice>
@@ -27512,7 +27440,7 @@
                   <p:embed/>
                   <p:pic>
                     <p:nvPicPr>
-                      <p:cNvPr id="0" name="Object 3"/>
+                      <p:cNvPr id="0" name=""/>
                       <p:cNvPicPr>
                         <a:picLocks noChangeAspect="1" noChangeArrowheads="1"/>
                       </p:cNvPicPr>
@@ -27589,6 +27517,11 @@
         </p:txBody>
       </p:sp>
     </p:spTree>
+    <p:extLst>
+      <p:ext uri="{BB962C8B-B14F-4D97-AF65-F5344CB8AC3E}">
+        <p14:creationId xmlns:p14="http://schemas.microsoft.com/office/powerpoint/2010/main" val="1132048550"/>
+      </p:ext>
+    </p:extLst>
   </p:cSld>
   <p:clrMapOvr>
     <a:masterClrMapping/>

--- a/University of Washington Class/Module 4 - Voltage control devices.pptx
+++ b/University of Washington Class/Module 4 - Voltage control devices.pptx
@@ -4815,7 +4815,7 @@
           <a:graphicData uri="http://schemas.openxmlformats.org/presentationml/2006/ole">
             <mc:AlternateContent xmlns:mc="http://schemas.openxmlformats.org/markup-compatibility/2006">
               <mc:Choice xmlns:v="urn:schemas-microsoft-com:vml" Requires="v">
-                <p:oleObj spid="_x0000_s20671" name="Equation" r:id="rId7" imgW="1739880" imgH="228600" progId="Equation.3">
+                <p:oleObj spid="_x0000_s20686" name="Equation" r:id="rId7" imgW="1739880" imgH="228600" progId="Equation.3">
                   <p:embed/>
                 </p:oleObj>
               </mc:Choice>
@@ -4866,25 +4866,25 @@
           <p:nvPr>
             <p:extLst>
               <p:ext uri="{D42A27DB-BD31-4B8C-83A1-F6EECF244321}">
-                <p14:modId xmlns:p14="http://schemas.microsoft.com/office/powerpoint/2010/main" val="3573278064"/>
+                <p14:modId xmlns:p14="http://schemas.microsoft.com/office/powerpoint/2010/main" val="2563085155"/>
               </p:ext>
             </p:extLst>
           </p:nvPr>
         </p:nvGraphicFramePr>
         <p:xfrm>
-          <a:off x="5058311" y="5158641"/>
-          <a:ext cx="3718156" cy="403959"/>
+          <a:off x="5046663" y="5159375"/>
+          <a:ext cx="3740150" cy="403225"/>
         </p:xfrm>
         <a:graphic>
           <a:graphicData uri="http://schemas.openxmlformats.org/presentationml/2006/ole">
             <mc:AlternateContent xmlns:mc="http://schemas.openxmlformats.org/markup-compatibility/2006">
               <mc:Choice xmlns:v="urn:schemas-microsoft-com:vml" Requires="v">
-                <p:oleObj spid="_x0000_s20672" name="Equation" r:id="rId9" imgW="2108160" imgH="228600" progId="Equation.3">
+                <p:oleObj spid="_x0000_s20687" name="Equation" r:id="rId9" imgW="2120760" imgH="228600" progId="Equation.3">
                   <p:embed/>
                 </p:oleObj>
               </mc:Choice>
               <mc:Fallback>
-                <p:oleObj name="Equation" r:id="rId9" imgW="2108160" imgH="228600" progId="Equation.3">
+                <p:oleObj name="Equation" r:id="rId9" imgW="2120760" imgH="228600" progId="Equation.3">
                   <p:embed/>
                   <p:pic>
                     <p:nvPicPr>
@@ -4903,8 +4903,8 @@
                     </p:blipFill>
                     <p:spPr bwMode="auto">
                       <a:xfrm>
-                        <a:off x="5058311" y="5158641"/>
-                        <a:ext cx="3718156" cy="403959"/>
+                        <a:off x="5046663" y="5159375"/>
+                        <a:ext cx="3740150" cy="403225"/>
                       </a:xfrm>
                       <a:prstGeom prst="rect">
                         <a:avLst/>
@@ -4930,25 +4930,25 @@
           <p:nvPr>
             <p:extLst>
               <p:ext uri="{D42A27DB-BD31-4B8C-83A1-F6EECF244321}">
-                <p14:modId xmlns:p14="http://schemas.microsoft.com/office/powerpoint/2010/main" val="2604544252"/>
+                <p14:modId xmlns:p14="http://schemas.microsoft.com/office/powerpoint/2010/main" val="2332900314"/>
               </p:ext>
             </p:extLst>
           </p:nvPr>
         </p:nvGraphicFramePr>
         <p:xfrm>
-          <a:off x="2632075" y="5997575"/>
-          <a:ext cx="3494088" cy="449263"/>
+          <a:off x="2509838" y="5975350"/>
+          <a:ext cx="3740150" cy="493713"/>
         </p:xfrm>
         <a:graphic>
           <a:graphicData uri="http://schemas.openxmlformats.org/presentationml/2006/ole">
             <mc:AlternateContent xmlns:mc="http://schemas.openxmlformats.org/markup-compatibility/2006">
               <mc:Choice xmlns:v="urn:schemas-microsoft-com:vml" Requires="v">
-                <p:oleObj spid="_x0000_s20673" name="Equation" r:id="rId11" imgW="1981080" imgH="253800" progId="Equation.3">
+                <p:oleObj spid="_x0000_s20688" name="Equation" r:id="rId11" imgW="2120760" imgH="279360" progId="Equation.3">
                   <p:embed/>
                 </p:oleObj>
               </mc:Choice>
               <mc:Fallback>
-                <p:oleObj name="Equation" r:id="rId11" imgW="1981080" imgH="253800" progId="Equation.3">
+                <p:oleObj name="Equation" r:id="rId11" imgW="2120760" imgH="279360" progId="Equation.3">
                   <p:embed/>
                   <p:pic>
                     <p:nvPicPr>
@@ -4967,8 +4967,8 @@
                     </p:blipFill>
                     <p:spPr bwMode="auto">
                       <a:xfrm>
-                        <a:off x="2632075" y="5997575"/>
-                        <a:ext cx="3494088" cy="449263"/>
+                        <a:off x="2509838" y="5975350"/>
+                        <a:ext cx="3740150" cy="493713"/>
                       </a:xfrm>
                       <a:prstGeom prst="rect">
                         <a:avLst/>
@@ -6008,7 +6008,7 @@
           <a:graphicData uri="http://schemas.openxmlformats.org/presentationml/2006/ole">
             <mc:AlternateContent xmlns:mc="http://schemas.openxmlformats.org/markup-compatibility/2006">
               <mc:Choice xmlns:v="urn:schemas-microsoft-com:vml" Requires="v">
-                <p:oleObj spid="_x0000_s24638" name="Equation" r:id="rId3" imgW="850680" imgH="431640" progId="Equation.3">
+                <p:oleObj spid="_x0000_s24643" name="Equation" r:id="rId3" imgW="850680" imgH="431640" progId="Equation.3">
                   <p:embed/>
                 </p:oleObj>
               </mc:Choice>
@@ -6334,7 +6334,7 @@
           <a:graphicData uri="http://schemas.openxmlformats.org/presentationml/2006/ole">
             <mc:AlternateContent xmlns:mc="http://schemas.openxmlformats.org/markup-compatibility/2006">
               <mc:Choice xmlns:v="urn:schemas-microsoft-com:vml" Requires="v">
-                <p:oleObj spid="_x0000_s25709" name="Equation" r:id="rId3" imgW="850680" imgH="431640" progId="Equation.3">
+                <p:oleObj spid="_x0000_s25719" name="Equation" r:id="rId3" imgW="850680" imgH="431640" progId="Equation.3">
                   <p:embed/>
                 </p:oleObj>
               </mc:Choice>
@@ -6423,7 +6423,7 @@
           <a:graphicData uri="http://schemas.openxmlformats.org/presentationml/2006/ole">
             <mc:AlternateContent xmlns:mc="http://schemas.openxmlformats.org/markup-compatibility/2006">
               <mc:Choice xmlns:v="urn:schemas-microsoft-com:vml" Requires="v">
-                <p:oleObj spid="_x0000_s25710" name="Equation" r:id="rId5" imgW="850680" imgH="431640" progId="Equation.3">
+                <p:oleObj spid="_x0000_s25720" name="Equation" r:id="rId5" imgW="850680" imgH="431640" progId="Equation.3">
                   <p:embed/>
                 </p:oleObj>
               </mc:Choice>
@@ -7062,7 +7062,7 @@
           <a:graphicData uri="http://schemas.openxmlformats.org/presentationml/2006/ole">
             <mc:AlternateContent xmlns:mc="http://schemas.openxmlformats.org/markup-compatibility/2006">
               <mc:Choice xmlns:v="urn:schemas-microsoft-com:vml" Requires="v">
-                <p:oleObj spid="_x0000_s21655" name="Equation" r:id="rId3" imgW="850680" imgH="431640" progId="Equation.3">
+                <p:oleObj spid="_x0000_s21665" name="Equation" r:id="rId3" imgW="850680" imgH="431640" progId="Equation.3">
                   <p:embed/>
                 </p:oleObj>
               </mc:Choice>
@@ -7126,7 +7126,7 @@
           <a:graphicData uri="http://schemas.openxmlformats.org/presentationml/2006/ole">
             <mc:AlternateContent xmlns:mc="http://schemas.openxmlformats.org/markup-compatibility/2006">
               <mc:Choice xmlns:v="urn:schemas-microsoft-com:vml" Requires="v">
-                <p:oleObj spid="_x0000_s21656" name="Equation" r:id="rId5" imgW="1193760" imgH="431640" progId="Equation.3">
+                <p:oleObj spid="_x0000_s21666" name="Equation" r:id="rId5" imgW="1193760" imgH="431640" progId="Equation.3">
                   <p:embed/>
                 </p:oleObj>
               </mc:Choice>
@@ -9303,13 +9303,8 @@
             <a:pPr lvl="1"/>
             <a:r>
               <a:rPr lang="en-US" dirty="0" smtClean="0"/>
-              <a:t>Construction of distribution line </a:t>
-            </a:r>
-            <a:r>
-              <a:rPr lang="en-US" dirty="0" smtClean="0"/>
-              <a:t>(impedance)</a:t>
-            </a:r>
-            <a:endParaRPr lang="en-US" dirty="0" smtClean="0"/>
+              <a:t>Construction of distribution line (impedance)</a:t>
+            </a:r>
           </a:p>
           <a:p>
             <a:pPr lvl="1"/>
@@ -11207,7 +11202,7 @@
           <a:graphicData uri="http://schemas.openxmlformats.org/presentationml/2006/ole">
             <mc:AlternateContent xmlns:mc="http://schemas.openxmlformats.org/markup-compatibility/2006">
               <mc:Choice xmlns:v="urn:schemas-microsoft-com:vml" Requires="v">
-                <p:oleObj spid="_x0000_s2350" name="Equation" r:id="rId3" imgW="4203360" imgH="558720" progId="Equation.3">
+                <p:oleObj spid="_x0000_s2365" name="Equation" r:id="rId3" imgW="4203360" imgH="558720" progId="Equation.3">
                   <p:embed/>
                 </p:oleObj>
               </mc:Choice>
@@ -11275,7 +11270,7 @@
           <a:graphicData uri="http://schemas.openxmlformats.org/presentationml/2006/ole">
             <mc:AlternateContent xmlns:mc="http://schemas.openxmlformats.org/markup-compatibility/2006">
               <mc:Choice xmlns:v="urn:schemas-microsoft-com:vml" Requires="v">
-                <p:oleObj spid="_x0000_s2351" name="Equation" r:id="rId5" imgW="4165560" imgH="558720" progId="Equation.3">
+                <p:oleObj spid="_x0000_s2366" name="Equation" r:id="rId5" imgW="4165560" imgH="558720" progId="Equation.3">
                   <p:embed/>
                 </p:oleObj>
               </mc:Choice>
@@ -11343,7 +11338,7 @@
           <a:graphicData uri="http://schemas.openxmlformats.org/presentationml/2006/ole">
             <mc:AlternateContent xmlns:mc="http://schemas.openxmlformats.org/markup-compatibility/2006">
               <mc:Choice xmlns:v="urn:schemas-microsoft-com:vml" Requires="v">
-                <p:oleObj spid="_x0000_s2352" name="Equation" r:id="rId7" imgW="1015920" imgH="228600" progId="Equation.3">
+                <p:oleObj spid="_x0000_s2367" name="Equation" r:id="rId7" imgW="1015920" imgH="228600" progId="Equation.3">
                   <p:embed/>
                 </p:oleObj>
               </mc:Choice>
@@ -12504,7 +12499,7 @@
           <a:graphicData uri="http://schemas.openxmlformats.org/presentationml/2006/ole">
             <mc:AlternateContent xmlns:mc="http://schemas.openxmlformats.org/markup-compatibility/2006">
               <mc:Choice xmlns:v="urn:schemas-microsoft-com:vml" Requires="v">
-                <p:oleObj spid="_x0000_s16547" name="Equation" r:id="rId3" imgW="4965480" imgH="558720" progId="Equation.3">
+                <p:oleObj spid="_x0000_s16557" name="Equation" r:id="rId3" imgW="4965480" imgH="558720" progId="Equation.3">
                   <p:embed/>
                 </p:oleObj>
               </mc:Choice>
@@ -12574,7 +12569,7 @@
           <a:graphicData uri="http://schemas.openxmlformats.org/presentationml/2006/ole">
             <mc:AlternateContent xmlns:mc="http://schemas.openxmlformats.org/markup-compatibility/2006">
               <mc:Choice xmlns:v="urn:schemas-microsoft-com:vml" Requires="v">
-                <p:oleObj spid="_x0000_s16548" name="Equation" r:id="rId5" imgW="4927320" imgH="558720" progId="Equation.3">
+                <p:oleObj spid="_x0000_s16558" name="Equation" r:id="rId5" imgW="4927320" imgH="558720" progId="Equation.3">
                   <p:embed/>
                 </p:oleObj>
               </mc:Choice>
@@ -13023,11 +13018,7 @@
           <a:p>
             <a:r>
               <a:rPr lang="en-US" sz="3200" dirty="0" smtClean="0"/>
-              <a:t>Traditional </a:t>
-            </a:r>
-            <a:r>
-              <a:rPr lang="en-US" sz="3200" dirty="0" smtClean="0"/>
-              <a:t>Voltage Control</a:t>
+              <a:t>Traditional Voltage Control</a:t>
             </a:r>
             <a:endParaRPr lang="en-US" sz="3200" dirty="0"/>
           </a:p>
@@ -14858,7 +14849,7 @@
           <a:graphicData uri="http://schemas.openxmlformats.org/presentationml/2006/ole">
             <mc:AlternateContent xmlns:mc="http://schemas.openxmlformats.org/markup-compatibility/2006">
               <mc:Choice xmlns:v="urn:schemas-microsoft-com:vml" Requires="v">
-                <p:oleObj spid="_x0000_s27699" name="Equation" r:id="rId3" imgW="114120" imgH="215640" progId="Equation.3">
+                <p:oleObj spid="_x0000_s27704" name="Equation" r:id="rId3" imgW="114120" imgH="215640" progId="Equation.3">
                   <p:embed/>
                 </p:oleObj>
               </mc:Choice>
@@ -15018,7 +15009,7 @@
           <a:graphicData uri="http://schemas.openxmlformats.org/presentationml/2006/ole">
             <mc:AlternateContent xmlns:mc="http://schemas.openxmlformats.org/markup-compatibility/2006">
               <mc:Choice xmlns:v="urn:schemas-microsoft-com:vml" Requires="v">
-                <p:oleObj spid="_x0000_s10976" name="Equation" r:id="rId3" imgW="114120" imgH="215640" progId="Equation.3">
+                <p:oleObj spid="_x0000_s11016" name="Equation" r:id="rId3" imgW="114120" imgH="215640" progId="Equation.3">
                   <p:embed/>
                 </p:oleObj>
               </mc:Choice>
@@ -15088,7 +15079,7 @@
           <a:graphicData uri="http://schemas.openxmlformats.org/presentationml/2006/ole">
             <mc:AlternateContent xmlns:mc="http://schemas.openxmlformats.org/markup-compatibility/2006">
               <mc:Choice xmlns:v="urn:schemas-microsoft-com:vml" Requires="v">
-                <p:oleObj spid="_x0000_s10977" name="Equation" r:id="rId5" imgW="4076640" imgH="558720" progId="Equation.3">
+                <p:oleObj spid="_x0000_s11017" name="Equation" r:id="rId5" imgW="4076640" imgH="558720" progId="Equation.3">
                   <p:embed/>
                 </p:oleObj>
               </mc:Choice>
@@ -15158,7 +15149,7 @@
           <a:graphicData uri="http://schemas.openxmlformats.org/presentationml/2006/ole">
             <mc:AlternateContent xmlns:mc="http://schemas.openxmlformats.org/markup-compatibility/2006">
               <mc:Choice xmlns:v="urn:schemas-microsoft-com:vml" Requires="v">
-                <p:oleObj spid="_x0000_s10978" name="Equation" r:id="rId7" imgW="4038480" imgH="558720" progId="Equation.3">
+                <p:oleObj spid="_x0000_s11018" name="Equation" r:id="rId7" imgW="4038480" imgH="558720" progId="Equation.3">
                   <p:embed/>
                 </p:oleObj>
               </mc:Choice>
@@ -15234,7 +15225,7 @@
           <a:graphicData uri="http://schemas.openxmlformats.org/presentationml/2006/ole">
             <mc:AlternateContent xmlns:mc="http://schemas.openxmlformats.org/markup-compatibility/2006">
               <mc:Choice xmlns:v="urn:schemas-microsoft-com:vml" Requires="v">
-                <p:oleObj spid="_x0000_s10979" name="Equation" r:id="rId9" imgW="1777680" imgH="241200" progId="Equation.3">
+                <p:oleObj spid="_x0000_s11019" name="Equation" r:id="rId9" imgW="1777680" imgH="241200" progId="Equation.3">
                   <p:embed/>
                 </p:oleObj>
               </mc:Choice>
@@ -15304,7 +15295,7 @@
           <a:graphicData uri="http://schemas.openxmlformats.org/presentationml/2006/ole">
             <mc:AlternateContent xmlns:mc="http://schemas.openxmlformats.org/markup-compatibility/2006">
               <mc:Choice xmlns:v="urn:schemas-microsoft-com:vml" Requires="v">
-                <p:oleObj spid="_x0000_s10980" name="Equation" r:id="rId11" imgW="977760" imgH="228600" progId="Equation.3">
+                <p:oleObj spid="_x0000_s11020" name="Equation" r:id="rId11" imgW="977760" imgH="228600" progId="Equation.3">
                   <p:embed/>
                 </p:oleObj>
               </mc:Choice>
@@ -15374,7 +15365,7 @@
           <a:graphicData uri="http://schemas.openxmlformats.org/presentationml/2006/ole">
             <mc:AlternateContent xmlns:mc="http://schemas.openxmlformats.org/markup-compatibility/2006">
               <mc:Choice xmlns:v="urn:schemas-microsoft-com:vml" Requires="v">
-                <p:oleObj spid="_x0000_s10981" name="Equation" r:id="rId13" imgW="1536480" imgH="482400" progId="Equation.3">
+                <p:oleObj spid="_x0000_s11021" name="Equation" r:id="rId13" imgW="1536480" imgH="482400" progId="Equation.3">
                   <p:embed/>
                 </p:oleObj>
               </mc:Choice>
@@ -15444,7 +15435,7 @@
           <a:graphicData uri="http://schemas.openxmlformats.org/presentationml/2006/ole">
             <mc:AlternateContent xmlns:mc="http://schemas.openxmlformats.org/markup-compatibility/2006">
               <mc:Choice xmlns:v="urn:schemas-microsoft-com:vml" Requires="v">
-                <p:oleObj spid="_x0000_s10982" name="Equation" r:id="rId15" imgW="2145960" imgH="431640" progId="Equation.3">
+                <p:oleObj spid="_x0000_s11022" name="Equation" r:id="rId15" imgW="2145960" imgH="431640" progId="Equation.3">
                   <p:embed/>
                 </p:oleObj>
               </mc:Choice>
@@ -15514,7 +15505,7 @@
           <a:graphicData uri="http://schemas.openxmlformats.org/presentationml/2006/ole">
             <mc:AlternateContent xmlns:mc="http://schemas.openxmlformats.org/markup-compatibility/2006">
               <mc:Choice xmlns:v="urn:schemas-microsoft-com:vml" Requires="v">
-                <p:oleObj spid="_x0000_s10983" name="Equation" r:id="rId17" imgW="1612800" imgH="228600" progId="Equation.3">
+                <p:oleObj spid="_x0000_s11023" name="Equation" r:id="rId17" imgW="1612800" imgH="228600" progId="Equation.3">
                   <p:embed/>
                 </p:oleObj>
               </mc:Choice>
@@ -16408,7 +16399,7 @@
           <a:graphicData uri="http://schemas.openxmlformats.org/presentationml/2006/ole">
             <mc:AlternateContent xmlns:mc="http://schemas.openxmlformats.org/markup-compatibility/2006">
               <mc:Choice xmlns:v="urn:schemas-microsoft-com:vml" Requires="v">
-                <p:oleObj spid="_x0000_s28878" name="Equation" r:id="rId3" imgW="114120" imgH="215640" progId="Equation.3">
+                <p:oleObj spid="_x0000_s28898" name="Equation" r:id="rId3" imgW="114120" imgH="215640" progId="Equation.3">
                   <p:embed/>
                 </p:oleObj>
               </mc:Choice>
@@ -16484,7 +16475,7 @@
           <a:graphicData uri="http://schemas.openxmlformats.org/presentationml/2006/ole">
             <mc:AlternateContent xmlns:mc="http://schemas.openxmlformats.org/markup-compatibility/2006">
               <mc:Choice xmlns:v="urn:schemas-microsoft-com:vml" Requires="v">
-                <p:oleObj spid="_x0000_s28879" name="Equation" r:id="rId5" imgW="10756800" imgH="1143000" progId="Equation.3">
+                <p:oleObj spid="_x0000_s28899" name="Equation" r:id="rId5" imgW="10756800" imgH="1143000" progId="Equation.3">
                   <p:embed/>
                 </p:oleObj>
               </mc:Choice>
@@ -16546,7 +16537,7 @@
           <a:graphicData uri="http://schemas.openxmlformats.org/presentationml/2006/ole">
             <mc:AlternateContent xmlns:mc="http://schemas.openxmlformats.org/markup-compatibility/2006">
               <mc:Choice xmlns:v="urn:schemas-microsoft-com:vml" Requires="v">
-                <p:oleObj spid="_x0000_s28880" name="Equation" r:id="rId7" imgW="2145960" imgH="431640" progId="Equation.3">
+                <p:oleObj spid="_x0000_s28900" name="Equation" r:id="rId7" imgW="2145960" imgH="431640" progId="Equation.3">
                   <p:embed/>
                 </p:oleObj>
               </mc:Choice>
@@ -16635,7 +16626,7 @@
           <a:graphicData uri="http://schemas.openxmlformats.org/presentationml/2006/ole">
             <mc:AlternateContent xmlns:mc="http://schemas.openxmlformats.org/markup-compatibility/2006">
               <mc:Choice xmlns:v="urn:schemas-microsoft-com:vml" Requires="v">
-                <p:oleObj spid="_x0000_s28881" name="Equation" r:id="rId9" imgW="10553400" imgH="1143000" progId="Equation.3">
+                <p:oleObj spid="_x0000_s28901" name="Equation" r:id="rId9" imgW="10553400" imgH="1143000" progId="Equation.3">
                   <p:embed/>
                 </p:oleObj>
               </mc:Choice>
@@ -17043,15 +17034,7 @@
             <a:pPr lvl="1"/>
             <a:r>
               <a:rPr lang="en-US" sz="2000" dirty="0" smtClean="0"/>
-              <a:t>Range </a:t>
-            </a:r>
-            <a:r>
-              <a:rPr lang="en-US" sz="2000" dirty="0" smtClean="0"/>
-              <a:t>B (</a:t>
-            </a:r>
-            <a:r>
-              <a:rPr lang="en-US" sz="2000" dirty="0" smtClean="0"/>
-              <a:t>emergency steady-state):107V-127V (RMS)</a:t>
+              <a:t>Range B (emergency steady-state):107V-127V (RMS)</a:t>
             </a:r>
           </a:p>
           <a:p>
@@ -17158,7 +17141,7 @@
           <a:graphicData uri="http://schemas.openxmlformats.org/presentationml/2006/ole">
             <mc:AlternateContent xmlns:mc="http://schemas.openxmlformats.org/markup-compatibility/2006">
               <mc:Choice xmlns:v="urn:schemas-microsoft-com:vml" Requires="v">
-                <p:oleObj spid="_x0000_s11894" name="Equation" r:id="rId3" imgW="114120" imgH="215640" progId="Equation.3">
+                <p:oleObj spid="_x0000_s11929" name="Equation" r:id="rId3" imgW="114120" imgH="215640" progId="Equation.3">
                   <p:embed/>
                 </p:oleObj>
               </mc:Choice>
@@ -17228,7 +17211,7 @@
           <a:graphicData uri="http://schemas.openxmlformats.org/presentationml/2006/ole">
             <mc:AlternateContent xmlns:mc="http://schemas.openxmlformats.org/markup-compatibility/2006">
               <mc:Choice xmlns:v="urn:schemas-microsoft-com:vml" Requires="v">
-                <p:oleObj spid="_x0000_s11895" name="Equation" r:id="rId5" imgW="1803240" imgH="482400" progId="Equation.3">
+                <p:oleObj spid="_x0000_s11930" name="Equation" r:id="rId5" imgW="1803240" imgH="482400" progId="Equation.3">
                   <p:embed/>
                 </p:oleObj>
               </mc:Choice>
@@ -17298,7 +17281,7 @@
           <a:graphicData uri="http://schemas.openxmlformats.org/presentationml/2006/ole">
             <mc:AlternateContent xmlns:mc="http://schemas.openxmlformats.org/markup-compatibility/2006">
               <mc:Choice xmlns:v="urn:schemas-microsoft-com:vml" Requires="v">
-                <p:oleObj spid="_x0000_s11896" name="Equation" r:id="rId7" imgW="1790640" imgH="266400" progId="Equation.3">
+                <p:oleObj spid="_x0000_s11931" name="Equation" r:id="rId7" imgW="1790640" imgH="266400" progId="Equation.3">
                   <p:embed/>
                 </p:oleObj>
               </mc:Choice>
@@ -17374,7 +17357,7 @@
           <a:graphicData uri="http://schemas.openxmlformats.org/presentationml/2006/ole">
             <mc:AlternateContent xmlns:mc="http://schemas.openxmlformats.org/markup-compatibility/2006">
               <mc:Choice xmlns:v="urn:schemas-microsoft-com:vml" Requires="v">
-                <p:oleObj spid="_x0000_s11897" name="Equation" r:id="rId9" imgW="2145960" imgH="431640" progId="Equation.3">
+                <p:oleObj spid="_x0000_s11932" name="Equation" r:id="rId9" imgW="2145960" imgH="431640" progId="Equation.3">
                   <p:embed/>
                 </p:oleObj>
               </mc:Choice>
@@ -17438,7 +17421,7 @@
           <a:graphicData uri="http://schemas.openxmlformats.org/presentationml/2006/ole">
             <mc:AlternateContent xmlns:mc="http://schemas.openxmlformats.org/markup-compatibility/2006">
               <mc:Choice xmlns:v="urn:schemas-microsoft-com:vml" Requires="v">
-                <p:oleObj spid="_x0000_s11898" name="Equation" r:id="rId11" imgW="2450880" imgH="228600" progId="Equation.3">
+                <p:oleObj spid="_x0000_s11933" name="Equation" r:id="rId11" imgW="2450880" imgH="228600" progId="Equation.3">
                   <p:embed/>
                 </p:oleObj>
               </mc:Choice>
@@ -17508,7 +17491,7 @@
           <a:graphicData uri="http://schemas.openxmlformats.org/presentationml/2006/ole">
             <mc:AlternateContent xmlns:mc="http://schemas.openxmlformats.org/markup-compatibility/2006">
               <mc:Choice xmlns:v="urn:schemas-microsoft-com:vml" Requires="v">
-                <p:oleObj spid="_x0000_s11899" name="Equation" r:id="rId13" imgW="634680" imgH="215640" progId="Equation.3">
+                <p:oleObj spid="_x0000_s11934" name="Equation" r:id="rId13" imgW="634680" imgH="215640" progId="Equation.3">
                   <p:embed/>
                 </p:oleObj>
               </mc:Choice>
@@ -17638,7 +17621,7 @@
           <a:graphicData uri="http://schemas.openxmlformats.org/presentationml/2006/ole">
             <mc:AlternateContent xmlns:mc="http://schemas.openxmlformats.org/markup-compatibility/2006">
               <mc:Choice xmlns:v="urn:schemas-microsoft-com:vml" Requires="v">
-                <p:oleObj spid="_x0000_s11900" name="Equation" r:id="rId15" imgW="1333440" imgH="1218960" progId="Equation.3">
+                <p:oleObj spid="_x0000_s11935" name="Equation" r:id="rId15" imgW="1333440" imgH="1218960" progId="Equation.3">
                   <p:embed/>
                 </p:oleObj>
               </mc:Choice>
@@ -18373,7 +18356,7 @@
           <a:graphicData uri="http://schemas.openxmlformats.org/presentationml/2006/ole">
             <mc:AlternateContent xmlns:mc="http://schemas.openxmlformats.org/markup-compatibility/2006">
               <mc:Choice xmlns:v="urn:schemas-microsoft-com:vml" Requires="v">
-                <p:oleObj spid="_x0000_s12559" name="Equation" r:id="rId3" imgW="114120" imgH="215640" progId="Equation.3">
+                <p:oleObj spid="_x0000_s12569" name="Equation" r:id="rId3" imgW="114120" imgH="215640" progId="Equation.3">
                   <p:embed/>
                 </p:oleObj>
               </mc:Choice>
@@ -18449,7 +18432,7 @@
           <a:graphicData uri="http://schemas.openxmlformats.org/presentationml/2006/ole">
             <mc:AlternateContent xmlns:mc="http://schemas.openxmlformats.org/markup-compatibility/2006">
               <mc:Choice xmlns:v="urn:schemas-microsoft-com:vml" Requires="v">
-                <p:oleObj spid="_x0000_s12560" name="Equation" r:id="rId5" imgW="1015920" imgH="1612800" progId="Equation.3">
+                <p:oleObj spid="_x0000_s12570" name="Equation" r:id="rId5" imgW="1015920" imgH="1612800" progId="Equation.3">
                   <p:embed/>
                 </p:oleObj>
               </mc:Choice>
@@ -18918,7 +18901,7 @@
           <a:graphicData uri="http://schemas.openxmlformats.org/presentationml/2006/ole">
             <mc:AlternateContent xmlns:mc="http://schemas.openxmlformats.org/markup-compatibility/2006">
               <mc:Choice xmlns:v="urn:schemas-microsoft-com:vml" Requires="v">
-                <p:oleObj spid="_x0000_s30784" name="Equation" r:id="rId3" imgW="5333760" imgH="558720" progId="Equation.3">
+                <p:oleObj spid="_x0000_s30794" name="Equation" r:id="rId3" imgW="5333760" imgH="558720" progId="Equation.3">
                   <p:embed/>
                 </p:oleObj>
               </mc:Choice>
@@ -18982,7 +18965,7 @@
           <a:graphicData uri="http://schemas.openxmlformats.org/presentationml/2006/ole">
             <mc:AlternateContent xmlns:mc="http://schemas.openxmlformats.org/markup-compatibility/2006">
               <mc:Choice xmlns:v="urn:schemas-microsoft-com:vml" Requires="v">
-                <p:oleObj spid="_x0000_s30785" name="Equation" r:id="rId5" imgW="5295600" imgH="558720" progId="Equation.3">
+                <p:oleObj spid="_x0000_s30795" name="Equation" r:id="rId5" imgW="5295600" imgH="558720" progId="Equation.3">
                   <p:embed/>
                 </p:oleObj>
               </mc:Choice>
@@ -19666,7 +19649,7 @@
           <a:graphicData uri="http://schemas.openxmlformats.org/presentationml/2006/ole">
             <mc:AlternateContent xmlns:mc="http://schemas.openxmlformats.org/markup-compatibility/2006">
               <mc:Choice xmlns:v="urn:schemas-microsoft-com:vml" Requires="v">
-                <p:oleObj spid="_x0000_s29744" name="Equation" r:id="rId3" imgW="1942920" imgH="761760" progId="Equation.3">
+                <p:oleObj spid="_x0000_s29749" name="Equation" r:id="rId3" imgW="1942920" imgH="761760" progId="Equation.3">
                   <p:embed/>
                 </p:oleObj>
               </mc:Choice>
@@ -20923,7 +20906,7 @@
           <a:graphicData uri="http://schemas.openxmlformats.org/presentationml/2006/ole">
             <mc:AlternateContent xmlns:mc="http://schemas.openxmlformats.org/markup-compatibility/2006">
               <mc:Choice xmlns:v="urn:schemas-microsoft-com:vml" Requires="v">
-                <p:oleObj spid="_x0000_s3250" name="Equation" r:id="rId4" imgW="3759120" imgH="431640" progId="Equation.3">
+                <p:oleObj spid="_x0000_s3260" name="Equation" r:id="rId4" imgW="3759120" imgH="431640" progId="Equation.3">
                   <p:embed/>
                 </p:oleObj>
               </mc:Choice>
@@ -20991,7 +20974,7 @@
           <a:graphicData uri="http://schemas.openxmlformats.org/presentationml/2006/ole">
             <mc:AlternateContent xmlns:mc="http://schemas.openxmlformats.org/markup-compatibility/2006">
               <mc:Choice xmlns:v="urn:schemas-microsoft-com:vml" Requires="v">
-                <p:oleObj spid="_x0000_s3251" name="Equation" r:id="rId6" imgW="2489040" imgH="431640" progId="Equation.3">
+                <p:oleObj spid="_x0000_s3261" name="Equation" r:id="rId6" imgW="2489040" imgH="431640" progId="Equation.3">
                   <p:embed/>
                 </p:oleObj>
               </mc:Choice>
@@ -21450,11 +21433,7 @@
           <a:p>
             <a:r>
               <a:rPr lang="en-US" dirty="0" smtClean="0"/>
-              <a:t>Operational </a:t>
-            </a:r>
-            <a:r>
-              <a:rPr lang="en-US" dirty="0" smtClean="0"/>
-              <a:t>Voltage Control</a:t>
+              <a:t>Operational Voltage Control</a:t>
             </a:r>
             <a:endParaRPr lang="en-US" dirty="0"/>
           </a:p>
@@ -21673,7 +21652,7 @@
           <a:graphicData uri="http://schemas.openxmlformats.org/presentationml/2006/ole">
             <mc:AlternateContent xmlns:mc="http://schemas.openxmlformats.org/markup-compatibility/2006">
               <mc:Choice xmlns:v="urn:schemas-microsoft-com:vml" Requires="v">
-                <p:oleObj spid="_x0000_s4189" r:id="rId3" imgW="3235112" imgH="3234987" progId="Msxml2.SAXXMLReader.5.0">
+                <p:oleObj spid="_x0000_s4194" r:id="rId3" imgW="3235112" imgH="3234987" progId="Msxml2.SAXXMLReader.5.0">
                   <p:embed/>
                 </p:oleObj>
               </mc:Choice>
@@ -23191,7 +23170,7 @@
           <a:graphicData uri="http://schemas.openxmlformats.org/presentationml/2006/ole">
             <mc:AlternateContent xmlns:mc="http://schemas.openxmlformats.org/markup-compatibility/2006">
               <mc:Choice xmlns:v="urn:schemas-microsoft-com:vml" Requires="v">
-                <p:oleObj spid="_x0000_s38916" name="Equation" r:id="rId5" imgW="3073320" imgH="1447560" progId="Equation.3">
+                <p:oleObj spid="_x0000_s38926" name="Equation" r:id="rId5" imgW="3073320" imgH="1447560" progId="Equation.3">
                   <p:embed/>
                 </p:oleObj>
               </mc:Choice>
@@ -23274,7 +23253,7 @@
           <a:graphicData uri="http://schemas.openxmlformats.org/presentationml/2006/ole">
             <mc:AlternateContent xmlns:mc="http://schemas.openxmlformats.org/markup-compatibility/2006">
               <mc:Choice xmlns:v="urn:schemas-microsoft-com:vml" Requires="v">
-                <p:oleObj spid="_x0000_s38917" name="Equation" r:id="rId7" imgW="3073320" imgH="1447560" progId="Equation.3">
+                <p:oleObj spid="_x0000_s38927" name="Equation" r:id="rId7" imgW="3073320" imgH="1447560" progId="Equation.3">
                   <p:embed/>
                 </p:oleObj>
               </mc:Choice>
@@ -24123,7 +24102,7 @@
           <a:graphicData uri="http://schemas.openxmlformats.org/presentationml/2006/ole">
             <mc:AlternateContent xmlns:mc="http://schemas.openxmlformats.org/markup-compatibility/2006">
               <mc:Choice xmlns:v="urn:schemas-microsoft-com:vml" Requires="v">
-                <p:oleObj spid="_x0000_s39938" name="Equation" r:id="rId5" imgW="3073320" imgH="1447560" progId="Equation.3">
+                <p:oleObj spid="_x0000_s39948" name="Equation" r:id="rId5" imgW="3073320" imgH="1447560" progId="Equation.3">
                   <p:embed/>
                 </p:oleObj>
               </mc:Choice>
@@ -24206,7 +24185,7 @@
           <a:graphicData uri="http://schemas.openxmlformats.org/presentationml/2006/ole">
             <mc:AlternateContent xmlns:mc="http://schemas.openxmlformats.org/markup-compatibility/2006">
               <mc:Choice xmlns:v="urn:schemas-microsoft-com:vml" Requires="v">
-                <p:oleObj spid="_x0000_s39939" name="Equation" r:id="rId7" imgW="3085920" imgH="1447560" progId="Equation.3">
+                <p:oleObj spid="_x0000_s39949" name="Equation" r:id="rId7" imgW="3085920" imgH="1447560" progId="Equation.3">
                   <p:embed/>
                 </p:oleObj>
               </mc:Choice>
@@ -24695,7 +24674,7 @@
           <a:graphicData uri="http://schemas.openxmlformats.org/presentationml/2006/ole">
             <mc:AlternateContent xmlns:mc="http://schemas.openxmlformats.org/markup-compatibility/2006">
               <mc:Choice xmlns:v="urn:schemas-microsoft-com:vml" Requires="v">
-                <p:oleObj spid="_x0000_s40962" name="Equation" r:id="rId4" imgW="3073320" imgH="1447560" progId="Equation.3">
+                <p:oleObj spid="_x0000_s40972" name="Equation" r:id="rId4" imgW="3073320" imgH="1447560" progId="Equation.3">
                   <p:embed/>
                 </p:oleObj>
               </mc:Choice>
@@ -24953,7 +24932,7 @@
           <a:graphicData uri="http://schemas.openxmlformats.org/presentationml/2006/ole">
             <mc:AlternateContent xmlns:mc="http://schemas.openxmlformats.org/markup-compatibility/2006">
               <mc:Choice xmlns:v="urn:schemas-microsoft-com:vml" Requires="v">
-                <p:oleObj spid="_x0000_s40963" name="Equation" r:id="rId9" imgW="3073320" imgH="1447560" progId="Equation.3">
+                <p:oleObj spid="_x0000_s40973" name="Equation" r:id="rId9" imgW="3073320" imgH="1447560" progId="Equation.3">
                   <p:embed/>
                 </p:oleObj>
               </mc:Choice>
@@ -25408,7 +25387,7 @@
           <a:graphicData uri="http://schemas.openxmlformats.org/presentationml/2006/ole">
             <mc:AlternateContent xmlns:mc="http://schemas.openxmlformats.org/markup-compatibility/2006">
               <mc:Choice xmlns:v="urn:schemas-microsoft-com:vml" Requires="v">
-                <p:oleObj spid="_x0000_s32885" name="Equation" r:id="rId3" imgW="3301920" imgH="228600" progId="Equation.3">
+                <p:oleObj spid="_x0000_s32895" name="Equation" r:id="rId3" imgW="3301920" imgH="228600" progId="Equation.3">
                   <p:embed/>
                 </p:oleObj>
               </mc:Choice>
@@ -25472,7 +25451,7 @@
           <a:graphicData uri="http://schemas.openxmlformats.org/presentationml/2006/ole">
             <mc:AlternateContent xmlns:mc="http://schemas.openxmlformats.org/markup-compatibility/2006">
               <mc:Choice xmlns:v="urn:schemas-microsoft-com:vml" Requires="v">
-                <p:oleObj spid="_x0000_s32886" name="Equation" r:id="rId5" imgW="3314520" imgH="228600" progId="Equation.3">
+                <p:oleObj spid="_x0000_s32896" name="Equation" r:id="rId5" imgW="3314520" imgH="228600" progId="Equation.3">
                   <p:embed/>
                 </p:oleObj>
               </mc:Choice>
@@ -26367,7 +26346,7 @@
           <a:graphicData uri="http://schemas.openxmlformats.org/presentationml/2006/ole">
             <mc:AlternateContent xmlns:mc="http://schemas.openxmlformats.org/markup-compatibility/2006">
               <mc:Choice xmlns:v="urn:schemas-microsoft-com:vml" Requires="v">
-                <p:oleObj spid="_x0000_s17491" name="Equation" r:id="rId3" imgW="3149280" imgH="469800" progId="Equation.3">
+                <p:oleObj spid="_x0000_s17496" name="Equation" r:id="rId3" imgW="3149280" imgH="469800" progId="Equation.3">
                   <p:embed/>
                 </p:oleObj>
               </mc:Choice>
@@ -26725,7 +26704,7 @@
           <a:graphicData uri="http://schemas.openxmlformats.org/presentationml/2006/ole">
             <mc:AlternateContent xmlns:mc="http://schemas.openxmlformats.org/markup-compatibility/2006">
               <mc:Choice xmlns:v="urn:schemas-microsoft-com:vml" Requires="v">
-                <p:oleObj spid="_x0000_s36868" name="Equation" r:id="rId3" imgW="3377880" imgH="469800" progId="Equation.3">
+                <p:oleObj spid="_x0000_s36878" name="Equation" r:id="rId3" imgW="3377880" imgH="469800" progId="Equation.3">
                   <p:embed/>
                 </p:oleObj>
               </mc:Choice>
@@ -26789,7 +26768,7 @@
           <a:graphicData uri="http://schemas.openxmlformats.org/presentationml/2006/ole">
             <mc:AlternateContent xmlns:mc="http://schemas.openxmlformats.org/markup-compatibility/2006">
               <mc:Choice xmlns:v="urn:schemas-microsoft-com:vml" Requires="v">
-                <p:oleObj spid="_x0000_s36869" name="Equation" r:id="rId5" imgW="3377880" imgH="469800" progId="Equation.3">
+                <p:oleObj spid="_x0000_s36879" name="Equation" r:id="rId5" imgW="3377880" imgH="469800" progId="Equation.3">
                   <p:embed/>
                 </p:oleObj>
               </mc:Choice>
@@ -27250,7 +27229,15 @@
           <a:p>
             <a:r>
               <a:rPr lang="en-US" sz="2000" dirty="0" smtClean="0"/>
-              <a:t>The figure below shows a feeder a two different tap positions, one for peak load and one for minimum load.</a:t>
+              <a:t>The figure below shows a feeder </a:t>
+            </a:r>
+            <a:r>
+              <a:rPr lang="en-US" sz="2000" dirty="0" smtClean="0"/>
+              <a:t>at </a:t>
+            </a:r>
+            <a:r>
+              <a:rPr lang="en-US" sz="2000" dirty="0" smtClean="0"/>
+              <a:t>two different tap positions, one for peak load and one for minimum load.</a:t>
             </a:r>
           </a:p>
           <a:p>
@@ -27262,70 +27249,6 @@
           </a:p>
         </p:txBody>
       </p:sp>
-      <p:pic>
-        <p:nvPicPr>
-          <p:cNvPr id="19459" name="Picture 3"/>
-          <p:cNvPicPr>
-            <a:picLocks noChangeAspect="1" noChangeArrowheads="1"/>
-          </p:cNvPicPr>
-          <p:nvPr/>
-        </p:nvPicPr>
-        <p:blipFill>
-          <a:blip r:embed="rId3">
-            <a:extLst>
-              <a:ext uri="{28A0092B-C50C-407E-A947-70E740481C1C}">
-                <a14:useLocalDpi xmlns:a14="http://schemas.microsoft.com/office/drawing/2010/main" val="0"/>
-              </a:ext>
-            </a:extLst>
-          </a:blip>
-          <a:srcRect/>
-          <a:stretch>
-            <a:fillRect/>
-          </a:stretch>
-        </p:blipFill>
-        <p:spPr bwMode="auto">
-          <a:xfrm>
-            <a:off x="228600" y="4038600"/>
-            <a:ext cx="5033963" cy="2492375"/>
-          </a:xfrm>
-          <a:prstGeom prst="rect">
-            <a:avLst/>
-          </a:prstGeom>
-          <a:noFill/>
-          <a:ln>
-            <a:noFill/>
-          </a:ln>
-          <a:effectLst/>
-          <a:extLst>
-            <a:ext uri="{909E8E84-426E-40DD-AFC4-6F175D3DCCD1}">
-              <a14:hiddenFill xmlns:a14="http://schemas.microsoft.com/office/drawing/2010/main">
-                <a:solidFill>
-                  <a:schemeClr val="accent1"/>
-                </a:solidFill>
-              </a14:hiddenFill>
-            </a:ext>
-            <a:ext uri="{91240B29-F687-4F45-9708-019B960494DF}">
-              <a14:hiddenLine xmlns:a14="http://schemas.microsoft.com/office/drawing/2010/main" w="9525">
-                <a:solidFill>
-                  <a:schemeClr val="tx1"/>
-                </a:solidFill>
-                <a:miter lim="800000"/>
-                <a:headEnd/>
-                <a:tailEnd/>
-              </a14:hiddenLine>
-            </a:ext>
-            <a:ext uri="{AF507438-7753-43E0-B8FC-AC1667EBCBE1}">
-              <a14:hiddenEffects xmlns:a14="http://schemas.microsoft.com/office/drawing/2010/main">
-                <a:effectLst>
-                  <a:outerShdw dist="35921" dir="2700000" algn="ctr" rotWithShape="0">
-                    <a:schemeClr val="bg2"/>
-                  </a:outerShdw>
-                </a:effectLst>
-              </a14:hiddenEffects>
-            </a:ext>
-          </a:extLst>
-        </p:spPr>
-      </p:pic>
       <p:graphicFrame>
         <p:nvGraphicFramePr>
           <p:cNvPr id="4" name="Object 3"/>
@@ -27348,12 +27271,12 @@
           <a:graphicData uri="http://schemas.openxmlformats.org/presentationml/2006/ole">
             <mc:AlternateContent xmlns:mc="http://schemas.openxmlformats.org/markup-compatibility/2006">
               <mc:Choice xmlns:v="urn:schemas-microsoft-com:vml" Requires="v">
-                <p:oleObj spid="_x0000_s37892" name="Equation" r:id="rId4" imgW="3377880" imgH="469800" progId="Equation.3">
+                <p:oleObj spid="_x0000_s37903" name="Equation" r:id="rId3" imgW="3377880" imgH="469800" progId="Equation.3">
                   <p:embed/>
                 </p:oleObj>
               </mc:Choice>
               <mc:Fallback>
-                <p:oleObj name="Equation" r:id="rId4" imgW="3377880" imgH="469800" progId="Equation.3">
+                <p:oleObj name="Equation" r:id="rId3" imgW="3377880" imgH="469800" progId="Equation.3">
                   <p:embed/>
                   <p:pic>
                     <p:nvPicPr>
@@ -27364,7 +27287,7 @@
                       <p:nvPr/>
                     </p:nvPicPr>
                     <p:blipFill>
-                      <a:blip r:embed="rId5"/>
+                      <a:blip r:embed="rId4"/>
                       <a:srcRect/>
                       <a:stretch>
                         <a:fillRect/>
@@ -27431,12 +27354,12 @@
           <a:graphicData uri="http://schemas.openxmlformats.org/presentationml/2006/ole">
             <mc:AlternateContent xmlns:mc="http://schemas.openxmlformats.org/markup-compatibility/2006">
               <mc:Choice xmlns:v="urn:schemas-microsoft-com:vml" Requires="v">
-                <p:oleObj spid="_x0000_s37893" name="Equation" r:id="rId6" imgW="3187440" imgH="469800" progId="Equation.3">
+                <p:oleObj spid="_x0000_s37904" name="Equation" r:id="rId5" imgW="3187440" imgH="469800" progId="Equation.3">
                   <p:embed/>
                 </p:oleObj>
               </mc:Choice>
               <mc:Fallback>
-                <p:oleObj name="Equation" r:id="rId6" imgW="3187440" imgH="469800" progId="Equation.3">
+                <p:oleObj name="Equation" r:id="rId5" imgW="3187440" imgH="469800" progId="Equation.3">
                   <p:embed/>
                   <p:pic>
                     <p:nvPicPr>
@@ -27447,7 +27370,7 @@
                       <p:nvPr/>
                     </p:nvPicPr>
                     <p:blipFill>
-                      <a:blip r:embed="rId7"/>
+                      <a:blip r:embed="rId6"/>
                       <a:srcRect/>
                       <a:stretch>
                         <a:fillRect/>
@@ -27516,6 +27439,70 @@
           </a:p>
         </p:txBody>
       </p:sp>
+      <p:pic>
+        <p:nvPicPr>
+          <p:cNvPr id="37896" name="Picture 8"/>
+          <p:cNvPicPr>
+            <a:picLocks noChangeAspect="1" noChangeArrowheads="1"/>
+          </p:cNvPicPr>
+          <p:nvPr/>
+        </p:nvPicPr>
+        <p:blipFill>
+          <a:blip r:embed="rId7">
+            <a:extLst>
+              <a:ext uri="{28A0092B-C50C-407E-A947-70E740481C1C}">
+                <a14:useLocalDpi xmlns:a14="http://schemas.microsoft.com/office/drawing/2010/main" val="0"/>
+              </a:ext>
+            </a:extLst>
+          </a:blip>
+          <a:srcRect/>
+          <a:stretch>
+            <a:fillRect/>
+          </a:stretch>
+        </p:blipFill>
+        <p:spPr bwMode="auto">
+          <a:xfrm>
+            <a:off x="228599" y="4038600"/>
+            <a:ext cx="5033963" cy="2492375"/>
+          </a:xfrm>
+          <a:prstGeom prst="rect">
+            <a:avLst/>
+          </a:prstGeom>
+          <a:noFill/>
+          <a:ln>
+            <a:noFill/>
+          </a:ln>
+          <a:effectLst/>
+          <a:extLst>
+            <a:ext uri="{909E8E84-426E-40DD-AFC4-6F175D3DCCD1}">
+              <a14:hiddenFill xmlns:a14="http://schemas.microsoft.com/office/drawing/2010/main">
+                <a:solidFill>
+                  <a:schemeClr val="accent1"/>
+                </a:solidFill>
+              </a14:hiddenFill>
+            </a:ext>
+            <a:ext uri="{91240B29-F687-4F45-9708-019B960494DF}">
+              <a14:hiddenLine xmlns:a14="http://schemas.microsoft.com/office/drawing/2010/main" w="9525">
+                <a:solidFill>
+                  <a:schemeClr val="tx1"/>
+                </a:solidFill>
+                <a:miter lim="800000"/>
+                <a:headEnd/>
+                <a:tailEnd/>
+              </a14:hiddenLine>
+            </a:ext>
+            <a:ext uri="{AF507438-7753-43E0-B8FC-AC1667EBCBE1}">
+              <a14:hiddenEffects xmlns:a14="http://schemas.microsoft.com/office/drawing/2010/main">
+                <a:effectLst>
+                  <a:outerShdw dist="35921" dir="2700000" algn="ctr" rotWithShape="0">
+                    <a:schemeClr val="bg2"/>
+                  </a:outerShdw>
+                </a:effectLst>
+              </a14:hiddenEffects>
+            </a:ext>
+          </a:extLst>
+        </p:spPr>
+      </p:pic>
     </p:spTree>
     <p:extLst>
       <p:ext uri="{BB962C8B-B14F-4D97-AF65-F5344CB8AC3E}">

--- a/University of Washington Class/Module 4 - Voltage control devices.pptx
+++ b/University of Washington Class/Module 4 - Voltage control devices.pptx
@@ -262,7 +262,7 @@
             <a:fld id="{30456DE2-1550-4DE2-8C7A-8D9992B45402}" type="datetimeFigureOut">
               <a:rPr lang="en-US" smtClean="0"/>
               <a:pPr/>
-              <a:t>12/29/2011</a:t>
+              <a:t>1/3/2012</a:t>
             </a:fld>
             <a:endParaRPr lang="en-US"/>
           </a:p>
@@ -714,7 +714,7 @@
           <a:p>
             <a:fld id="{F5373481-B42A-4D4F-86EA-A88290C58964}" type="datetime1">
               <a:rPr lang="en-US" smtClean="0"/>
-              <a:t>12/29/2011</a:t>
+              <a:t>1/3/2012</a:t>
             </a:fld>
             <a:endParaRPr lang="en-US"/>
           </a:p>
@@ -983,7 +983,7 @@
           <a:p>
             <a:fld id="{03F670FF-8926-4709-96F6-FC2958129ED2}" type="datetime1">
               <a:rPr lang="en-US" smtClean="0"/>
-              <a:t>12/29/2011</a:t>
+              <a:t>1/3/2012</a:t>
             </a:fld>
             <a:endParaRPr lang="en-US"/>
           </a:p>
@@ -1159,7 +1159,7 @@
           <a:p>
             <a:fld id="{1BF16CE4-EFFC-4BDF-B5A4-4A15C47E021B}" type="datetime1">
               <a:rPr lang="en-US" smtClean="0"/>
-              <a:t>12/29/2011</a:t>
+              <a:t>1/3/2012</a:t>
             </a:fld>
             <a:endParaRPr lang="en-US"/>
           </a:p>
@@ -1349,7 +1349,7 @@
           <a:p>
             <a:fld id="{D89124DC-29B6-4231-9D25-0C78D5EFDDC9}" type="datetime1">
               <a:rPr lang="en-US" smtClean="0"/>
-              <a:t>12/29/2011</a:t>
+              <a:t>1/3/2012</a:t>
             </a:fld>
             <a:endParaRPr lang="en-US" dirty="0"/>
           </a:p>
@@ -1598,7 +1598,7 @@
           <a:p>
             <a:fld id="{63DA24F3-3618-4EAF-A9E8-EEFE221E1493}" type="datetime1">
               <a:rPr lang="en-US" smtClean="0"/>
-              <a:t>12/29/2011</a:t>
+              <a:t>1/3/2012</a:t>
             </a:fld>
             <a:endParaRPr lang="en-US"/>
           </a:p>
@@ -1882,7 +1882,7 @@
           <a:p>
             <a:fld id="{69D8CDEA-265C-4EA9-A607-0D7D771780DB}" type="datetime1">
               <a:rPr lang="en-US" smtClean="0"/>
-              <a:t>12/29/2011</a:t>
+              <a:t>1/3/2012</a:t>
             </a:fld>
             <a:endParaRPr lang="en-US"/>
           </a:p>
@@ -2300,7 +2300,7 @@
           <a:p>
             <a:fld id="{ACFA6542-36F3-4A89-93B6-B9FED0856CDB}" type="datetime1">
               <a:rPr lang="en-US" smtClean="0"/>
-              <a:t>12/29/2011</a:t>
+              <a:t>1/3/2012</a:t>
             </a:fld>
             <a:endParaRPr lang="en-US"/>
           </a:p>
@@ -2414,7 +2414,7 @@
           <a:p>
             <a:fld id="{AE3B9829-009A-44FD-B649-E323418E7E5E}" type="datetime1">
               <a:rPr lang="en-US" smtClean="0"/>
-              <a:t>12/29/2011</a:t>
+              <a:t>1/3/2012</a:t>
             </a:fld>
             <a:endParaRPr lang="en-US"/>
           </a:p>
@@ -2505,7 +2505,7 @@
           <a:p>
             <a:fld id="{4391B5C5-7D92-4C37-8071-F3311CBE73D5}" type="datetime1">
               <a:rPr lang="en-US" smtClean="0"/>
-              <a:t>12/29/2011</a:t>
+              <a:t>1/3/2012</a:t>
             </a:fld>
             <a:endParaRPr lang="en-US"/>
           </a:p>
@@ -2778,7 +2778,7 @@
           <a:p>
             <a:fld id="{4689F7FE-6C86-4059-B972-0BBDA5F301D9}" type="datetime1">
               <a:rPr lang="en-US" smtClean="0"/>
-              <a:t>12/29/2011</a:t>
+              <a:t>1/3/2012</a:t>
             </a:fld>
             <a:endParaRPr lang="en-US"/>
           </a:p>
@@ -3027,7 +3027,7 @@
           <a:p>
             <a:fld id="{F09338A6-2CCC-46F1-9871-B278557BB635}" type="datetime1">
               <a:rPr lang="en-US" smtClean="0"/>
-              <a:t>12/29/2011</a:t>
+              <a:t>1/3/2012</a:t>
             </a:fld>
             <a:endParaRPr lang="en-US"/>
           </a:p>
@@ -3240,7 +3240,7 @@
           <a:p>
             <a:fld id="{14FE97D8-1050-4CA4-8B4F-E964B5B645D9}" type="datetime1">
               <a:rPr lang="en-US" smtClean="0"/>
-              <a:t>12/29/2011</a:t>
+              <a:t>1/3/2012</a:t>
             </a:fld>
             <a:endParaRPr lang="en-US" dirty="0"/>
           </a:p>
@@ -4815,7 +4815,7 @@
           <a:graphicData uri="http://schemas.openxmlformats.org/presentationml/2006/ole">
             <mc:AlternateContent xmlns:mc="http://schemas.openxmlformats.org/markup-compatibility/2006">
               <mc:Choice xmlns:v="urn:schemas-microsoft-com:vml" Requires="v">
-                <p:oleObj spid="_x0000_s20686" name="Equation" r:id="rId7" imgW="1739880" imgH="228600" progId="Equation.3">
+                <p:oleObj spid="_x0000_s20710" name="Equation" r:id="rId7" imgW="1739880" imgH="228600" progId="Equation.3">
                   <p:embed/>
                 </p:oleObj>
               </mc:Choice>
@@ -4879,7 +4879,7 @@
           <a:graphicData uri="http://schemas.openxmlformats.org/presentationml/2006/ole">
             <mc:AlternateContent xmlns:mc="http://schemas.openxmlformats.org/markup-compatibility/2006">
               <mc:Choice xmlns:v="urn:schemas-microsoft-com:vml" Requires="v">
-                <p:oleObj spid="_x0000_s20687" name="Equation" r:id="rId9" imgW="2120760" imgH="228600" progId="Equation.3">
+                <p:oleObj spid="_x0000_s20711" name="Equation" r:id="rId9" imgW="2120760" imgH="228600" progId="Equation.3">
                   <p:embed/>
                 </p:oleObj>
               </mc:Choice>
@@ -4943,7 +4943,7 @@
           <a:graphicData uri="http://schemas.openxmlformats.org/presentationml/2006/ole">
             <mc:AlternateContent xmlns:mc="http://schemas.openxmlformats.org/markup-compatibility/2006">
               <mc:Choice xmlns:v="urn:schemas-microsoft-com:vml" Requires="v">
-                <p:oleObj spid="_x0000_s20688" name="Equation" r:id="rId11" imgW="2120760" imgH="279360" progId="Equation.3">
+                <p:oleObj spid="_x0000_s20712" name="Equation" r:id="rId11" imgW="2120760" imgH="279360" progId="Equation.3">
                   <p:embed/>
                 </p:oleObj>
               </mc:Choice>
@@ -5550,14 +5550,38 @@
           </a:p>
         </p:txBody>
       </p:sp>
+      <p:sp>
+        <p:nvSpPr>
+          <p:cNvPr id="2" name="Slide Number Placeholder 1"/>
+          <p:cNvSpPr>
+            <a:spLocks noGrp="1"/>
+          </p:cNvSpPr>
+          <p:nvPr>
+            <p:ph type="sldNum" sz="quarter" idx="12"/>
+          </p:nvPr>
+        </p:nvSpPr>
+        <p:spPr/>
+        <p:txBody>
+          <a:bodyPr/>
+          <a:lstStyle/>
+          <a:p>
+            <a:fld id="{B6F15528-21DE-4FAA-801E-634DDDAF4B2B}" type="slidenum">
+              <a:rPr lang="en-US" smtClean="0"/>
+              <a:pPr/>
+              <a:t>14</a:t>
+            </a:fld>
+            <a:endParaRPr lang="en-US"/>
+          </a:p>
+        </p:txBody>
+      </p:sp>
       <p:pic>
         <p:nvPicPr>
-          <p:cNvPr id="13314" name="Picture 2" descr="C:\PNNL Work\Current Projects\FOA-152 WSU\Photos\Regulators\IMG_0061.JPG"/>
+          <p:cNvPr id="9" name="Picture 2" descr="C:\PNNL Work\Current Projects\FOA-152 WSU\Photos\Regulators\IMG_0061.JPG"/>
           <p:cNvPicPr>
             <a:picLocks noGrp="1" noChangeAspect="1" noChangeArrowheads="1"/>
           </p:cNvPicPr>
           <p:nvPr>
-            <p:ph sz="half" idx="1"/>
+            <p:ph sz="half" idx="2"/>
           </p:nvPr>
         </p:nvPicPr>
         <p:blipFill>
@@ -5568,15 +5592,14 @@
               </a:ext>
             </a:extLst>
           </a:blip>
-          <a:srcRect/>
           <a:stretch>
             <a:fillRect/>
           </a:stretch>
         </p:blipFill>
         <p:spPr bwMode="auto">
           <a:xfrm>
-            <a:off x="779264" y="1600200"/>
-            <a:ext cx="3394472" cy="4525963"/>
+            <a:off x="4969744" y="1600200"/>
+            <a:ext cx="3395511" cy="4525963"/>
           </a:xfrm>
           <a:prstGeom prst="rect">
             <a:avLst/>
@@ -5602,12 +5625,12 @@
       </p:pic>
       <p:pic>
         <p:nvPicPr>
-          <p:cNvPr id="13315" name="Picture 3" descr="C:\PNNL Work\Current Projects\FOA-152 WSU\Photos\Regulators\IMG_1665.JPG"/>
+          <p:cNvPr id="11" name="Picture 2" descr="C:\PNNL Work\Current Projects\FOA-152 WSU\Photos\Substations\Pateros\IMG_0267.JPG"/>
           <p:cNvPicPr>
             <a:picLocks noGrp="1" noChangeAspect="1" noChangeArrowheads="1"/>
           </p:cNvPicPr>
           <p:nvPr>
-            <p:ph sz="half" idx="2"/>
+            <p:ph sz="half" idx="1"/>
           </p:nvPr>
         </p:nvPicPr>
         <p:blipFill>
@@ -5618,15 +5641,14 @@
               </a:ext>
             </a:extLst>
           </a:blip>
-          <a:srcRect/>
           <a:stretch>
             <a:fillRect/>
           </a:stretch>
         </p:blipFill>
         <p:spPr bwMode="auto">
           <a:xfrm>
-            <a:off x="4970264" y="1600200"/>
-            <a:ext cx="3394472" cy="4525963"/>
+            <a:off x="458585" y="2350265"/>
+            <a:ext cx="4035829" cy="3025833"/>
           </a:xfrm>
           <a:prstGeom prst="rect">
             <a:avLst/>
@@ -5650,30 +5672,6 @@
           </a:extLst>
         </p:spPr>
       </p:pic>
-      <p:sp>
-        <p:nvSpPr>
-          <p:cNvPr id="2" name="Slide Number Placeholder 1"/>
-          <p:cNvSpPr>
-            <a:spLocks noGrp="1"/>
-          </p:cNvSpPr>
-          <p:nvPr>
-            <p:ph type="sldNum" sz="quarter" idx="12"/>
-          </p:nvPr>
-        </p:nvSpPr>
-        <p:spPr/>
-        <p:txBody>
-          <a:bodyPr/>
-          <a:lstStyle/>
-          <a:p>
-            <a:fld id="{B6F15528-21DE-4FAA-801E-634DDDAF4B2B}" type="slidenum">
-              <a:rPr lang="en-US" smtClean="0"/>
-              <a:pPr/>
-              <a:t>14</a:t>
-            </a:fld>
-            <a:endParaRPr lang="en-US"/>
-          </a:p>
-        </p:txBody>
-      </p:sp>
     </p:spTree>
     <p:extLst>
       <p:ext uri="{BB962C8B-B14F-4D97-AF65-F5344CB8AC3E}">
@@ -6008,7 +6006,7 @@
           <a:graphicData uri="http://schemas.openxmlformats.org/presentationml/2006/ole">
             <mc:AlternateContent xmlns:mc="http://schemas.openxmlformats.org/markup-compatibility/2006">
               <mc:Choice xmlns:v="urn:schemas-microsoft-com:vml" Requires="v">
-                <p:oleObj spid="_x0000_s24643" name="Equation" r:id="rId3" imgW="850680" imgH="431640" progId="Equation.3">
+                <p:oleObj spid="_x0000_s24651" name="Equation" r:id="rId3" imgW="850680" imgH="431640" progId="Equation.3">
                   <p:embed/>
                 </p:oleObj>
               </mc:Choice>
@@ -6334,7 +6332,7 @@
           <a:graphicData uri="http://schemas.openxmlformats.org/presentationml/2006/ole">
             <mc:AlternateContent xmlns:mc="http://schemas.openxmlformats.org/markup-compatibility/2006">
               <mc:Choice xmlns:v="urn:schemas-microsoft-com:vml" Requires="v">
-                <p:oleObj spid="_x0000_s25719" name="Equation" r:id="rId3" imgW="850680" imgH="431640" progId="Equation.3">
+                <p:oleObj spid="_x0000_s25735" name="Equation" r:id="rId3" imgW="850680" imgH="431640" progId="Equation.3">
                   <p:embed/>
                 </p:oleObj>
               </mc:Choice>
@@ -6423,7 +6421,7 @@
           <a:graphicData uri="http://schemas.openxmlformats.org/presentationml/2006/ole">
             <mc:AlternateContent xmlns:mc="http://schemas.openxmlformats.org/markup-compatibility/2006">
               <mc:Choice xmlns:v="urn:schemas-microsoft-com:vml" Requires="v">
-                <p:oleObj spid="_x0000_s25720" name="Equation" r:id="rId5" imgW="850680" imgH="431640" progId="Equation.3">
+                <p:oleObj spid="_x0000_s25736" name="Equation" r:id="rId5" imgW="850680" imgH="431640" progId="Equation.3">
                   <p:embed/>
                 </p:oleObj>
               </mc:Choice>
@@ -7062,7 +7060,7 @@
           <a:graphicData uri="http://schemas.openxmlformats.org/presentationml/2006/ole">
             <mc:AlternateContent xmlns:mc="http://schemas.openxmlformats.org/markup-compatibility/2006">
               <mc:Choice xmlns:v="urn:schemas-microsoft-com:vml" Requires="v">
-                <p:oleObj spid="_x0000_s21665" name="Equation" r:id="rId3" imgW="850680" imgH="431640" progId="Equation.3">
+                <p:oleObj spid="_x0000_s21681" name="Equation" r:id="rId3" imgW="850680" imgH="431640" progId="Equation.3">
                   <p:embed/>
                 </p:oleObj>
               </mc:Choice>
@@ -7126,7 +7124,7 @@
           <a:graphicData uri="http://schemas.openxmlformats.org/presentationml/2006/ole">
             <mc:AlternateContent xmlns:mc="http://schemas.openxmlformats.org/markup-compatibility/2006">
               <mc:Choice xmlns:v="urn:schemas-microsoft-com:vml" Requires="v">
-                <p:oleObj spid="_x0000_s21666" name="Equation" r:id="rId5" imgW="1193760" imgH="431640" progId="Equation.3">
+                <p:oleObj spid="_x0000_s21682" name="Equation" r:id="rId5" imgW="1193760" imgH="431640" progId="Equation.3">
                   <p:embed/>
                 </p:oleObj>
               </mc:Choice>
@@ -8635,14 +8633,38 @@
           </a:p>
         </p:txBody>
       </p:sp>
+      <p:sp>
+        <p:nvSpPr>
+          <p:cNvPr id="2" name="Slide Number Placeholder 1"/>
+          <p:cNvSpPr>
+            <a:spLocks noGrp="1"/>
+          </p:cNvSpPr>
+          <p:nvPr>
+            <p:ph type="sldNum" sz="quarter" idx="12"/>
+          </p:nvPr>
+        </p:nvSpPr>
+        <p:spPr/>
+        <p:txBody>
+          <a:bodyPr/>
+          <a:lstStyle/>
+          <a:p>
+            <a:fld id="{B6F15528-21DE-4FAA-801E-634DDDAF4B2B}" type="slidenum">
+              <a:rPr lang="en-US" smtClean="0"/>
+              <a:pPr/>
+              <a:t>26</a:t>
+            </a:fld>
+            <a:endParaRPr lang="en-US"/>
+          </a:p>
+        </p:txBody>
+      </p:sp>
       <p:pic>
         <p:nvPicPr>
-          <p:cNvPr id="4" name="Picture 2" descr="C:\PNNL Work\Current Projects\FOA-152 WSU\Photos\Capacitors\IMG_0092.JPG"/>
+          <p:cNvPr id="8" name="Picture 2" descr="C:\PNNL Work\Current Projects\FOA-152 WSU\Photos\Capacitors\IMG_0092.JPG"/>
           <p:cNvPicPr>
             <a:picLocks noGrp="1" noChangeAspect="1" noChangeArrowheads="1"/>
           </p:cNvPicPr>
           <p:nvPr>
-            <p:ph sz="half" idx="1"/>
+            <p:ph sz="half" idx="2"/>
           </p:nvPr>
         </p:nvPicPr>
         <p:blipFill>
@@ -8660,8 +8682,8 @@
         </p:blipFill>
         <p:spPr bwMode="auto">
           <a:xfrm>
-            <a:off x="457200" y="2348706"/>
-            <a:ext cx="4038600" cy="3028950"/>
+            <a:off x="4649585" y="2350265"/>
+            <a:ext cx="4035829" cy="3025833"/>
           </a:xfrm>
           <a:prstGeom prst="rect">
             <a:avLst/>
@@ -8687,12 +8709,12 @@
       </p:pic>
       <p:pic>
         <p:nvPicPr>
-          <p:cNvPr id="14340" name="Picture 4" descr="C:\PNNL Work\Current Projects\FOA-152 WSU\Photos\Substations\U-District\Substation Capacitors.JPG"/>
+          <p:cNvPr id="10" name="Picture 4" descr="C:\PNNL Work\Current Projects\FOA-152 WSU\Photos\Substations\U-District\Substation Capacitors.JPG"/>
           <p:cNvPicPr>
             <a:picLocks noGrp="1" noChangeAspect="1" noChangeArrowheads="1"/>
           </p:cNvPicPr>
           <p:nvPr>
-            <p:ph sz="half" idx="2"/>
+            <p:ph sz="half" idx="1"/>
           </p:nvPr>
         </p:nvPicPr>
         <p:blipFill>
@@ -8710,8 +8732,8 @@
         </p:blipFill>
         <p:spPr bwMode="auto">
           <a:xfrm>
-            <a:off x="4648200" y="2348706"/>
-            <a:ext cx="4038600" cy="3028950"/>
+            <a:off x="458585" y="2350265"/>
+            <a:ext cx="4035829" cy="3025833"/>
           </a:xfrm>
           <a:prstGeom prst="rect">
             <a:avLst/>
@@ -8735,30 +8757,6 @@
           </a:extLst>
         </p:spPr>
       </p:pic>
-      <p:sp>
-        <p:nvSpPr>
-          <p:cNvPr id="2" name="Slide Number Placeholder 1"/>
-          <p:cNvSpPr>
-            <a:spLocks noGrp="1"/>
-          </p:cNvSpPr>
-          <p:nvPr>
-            <p:ph type="sldNum" sz="quarter" idx="12"/>
-          </p:nvPr>
-        </p:nvSpPr>
-        <p:spPr/>
-        <p:txBody>
-          <a:bodyPr/>
-          <a:lstStyle/>
-          <a:p>
-            <a:fld id="{B6F15528-21DE-4FAA-801E-634DDDAF4B2B}" type="slidenum">
-              <a:rPr lang="en-US" smtClean="0"/>
-              <a:pPr/>
-              <a:t>26</a:t>
-            </a:fld>
-            <a:endParaRPr lang="en-US"/>
-          </a:p>
-        </p:txBody>
-      </p:sp>
     </p:spTree>
     <p:extLst>
       <p:ext uri="{BB962C8B-B14F-4D97-AF65-F5344CB8AC3E}">
@@ -10294,7 +10292,15 @@
           <a:p>
             <a:r>
               <a:rPr lang="en-US" dirty="0" smtClean="0"/>
-              <a:t>Traditional transmission level powerflow analysis assumes that all load are constant power, for both real (P) and reactive (Q).  As a result, power and energy consumption are independent of line voltage.</a:t>
+              <a:t>Traditional transmission level powerflow analysis assumes that all </a:t>
+            </a:r>
+            <a:r>
+              <a:rPr lang="en-US" dirty="0" smtClean="0"/>
+              <a:t>loads </a:t>
+            </a:r>
+            <a:r>
+              <a:rPr lang="en-US" dirty="0" smtClean="0"/>
+              <a:t>are constant power, for both real (P) and reactive (Q).  As a result, power and energy consumption are independent of line voltage.</a:t>
             </a:r>
           </a:p>
           <a:p>
@@ -11202,7 +11208,7 @@
           <a:graphicData uri="http://schemas.openxmlformats.org/presentationml/2006/ole">
             <mc:AlternateContent xmlns:mc="http://schemas.openxmlformats.org/markup-compatibility/2006">
               <mc:Choice xmlns:v="urn:schemas-microsoft-com:vml" Requires="v">
-                <p:oleObj spid="_x0000_s2365" name="Equation" r:id="rId3" imgW="4203360" imgH="558720" progId="Equation.3">
+                <p:oleObj spid="_x0000_s2389" name="Equation" r:id="rId3" imgW="4203360" imgH="558720" progId="Equation.3">
                   <p:embed/>
                 </p:oleObj>
               </mc:Choice>
@@ -11270,7 +11276,7 @@
           <a:graphicData uri="http://schemas.openxmlformats.org/presentationml/2006/ole">
             <mc:AlternateContent xmlns:mc="http://schemas.openxmlformats.org/markup-compatibility/2006">
               <mc:Choice xmlns:v="urn:schemas-microsoft-com:vml" Requires="v">
-                <p:oleObj spid="_x0000_s2366" name="Equation" r:id="rId5" imgW="4165560" imgH="558720" progId="Equation.3">
+                <p:oleObj spid="_x0000_s2390" name="Equation" r:id="rId5" imgW="4165560" imgH="558720" progId="Equation.3">
                   <p:embed/>
                 </p:oleObj>
               </mc:Choice>
@@ -11338,7 +11344,7 @@
           <a:graphicData uri="http://schemas.openxmlformats.org/presentationml/2006/ole">
             <mc:AlternateContent xmlns:mc="http://schemas.openxmlformats.org/markup-compatibility/2006">
               <mc:Choice xmlns:v="urn:schemas-microsoft-com:vml" Requires="v">
-                <p:oleObj spid="_x0000_s2367" name="Equation" r:id="rId7" imgW="1015920" imgH="228600" progId="Equation.3">
+                <p:oleObj spid="_x0000_s2391" name="Equation" r:id="rId7" imgW="1015920" imgH="228600" progId="Equation.3">
                   <p:embed/>
                 </p:oleObj>
               </mc:Choice>
@@ -12499,7 +12505,7 @@
           <a:graphicData uri="http://schemas.openxmlformats.org/presentationml/2006/ole">
             <mc:AlternateContent xmlns:mc="http://schemas.openxmlformats.org/markup-compatibility/2006">
               <mc:Choice xmlns:v="urn:schemas-microsoft-com:vml" Requires="v">
-                <p:oleObj spid="_x0000_s16557" name="Equation" r:id="rId3" imgW="4965480" imgH="558720" progId="Equation.3">
+                <p:oleObj spid="_x0000_s16573" name="Equation" r:id="rId3" imgW="4965480" imgH="558720" progId="Equation.3">
                   <p:embed/>
                 </p:oleObj>
               </mc:Choice>
@@ -12569,7 +12575,7 @@
           <a:graphicData uri="http://schemas.openxmlformats.org/presentationml/2006/ole">
             <mc:AlternateContent xmlns:mc="http://schemas.openxmlformats.org/markup-compatibility/2006">
               <mc:Choice xmlns:v="urn:schemas-microsoft-com:vml" Requires="v">
-                <p:oleObj spid="_x0000_s16558" name="Equation" r:id="rId5" imgW="4927320" imgH="558720" progId="Equation.3">
+                <p:oleObj spid="_x0000_s16574" name="Equation" r:id="rId5" imgW="4927320" imgH="558720" progId="Equation.3">
                   <p:embed/>
                 </p:oleObj>
               </mc:Choice>
@@ -13814,76 +13820,6 @@
       </p:sp>
       <p:pic>
         <p:nvPicPr>
-          <p:cNvPr id="7170" name="Picture 2"/>
-          <p:cNvPicPr>
-            <a:picLocks noGrp="1" noChangeAspect="1" noChangeArrowheads="1"/>
-          </p:cNvPicPr>
-          <p:nvPr>
-            <p:ph sz="half" idx="1"/>
-          </p:nvPr>
-        </p:nvPicPr>
-        <p:blipFill>
-          <a:blip r:embed="rId2" cstate="print"/>
-          <a:srcRect/>
-          <a:stretch>
-            <a:fillRect/>
-          </a:stretch>
-        </p:blipFill>
-        <p:spPr bwMode="auto">
-          <a:xfrm>
-            <a:off x="457200" y="2562615"/>
-            <a:ext cx="4038600" cy="2601132"/>
-          </a:xfrm>
-          <a:prstGeom prst="rect">
-            <a:avLst/>
-          </a:prstGeom>
-          <a:noFill/>
-          <a:ln w="9525">
-            <a:noFill/>
-            <a:miter lim="800000"/>
-            <a:headEnd/>
-            <a:tailEnd/>
-          </a:ln>
-          <a:effectLst/>
-        </p:spPr>
-      </p:pic>
-      <p:pic>
-        <p:nvPicPr>
-          <p:cNvPr id="7171" name="Picture 3"/>
-          <p:cNvPicPr>
-            <a:picLocks noGrp="1" noChangeAspect="1" noChangeArrowheads="1"/>
-          </p:cNvPicPr>
-          <p:nvPr>
-            <p:ph sz="half" idx="2"/>
-          </p:nvPr>
-        </p:nvPicPr>
-        <p:blipFill>
-          <a:blip r:embed="rId3" cstate="print"/>
-          <a:srcRect/>
-          <a:stretch>
-            <a:fillRect/>
-          </a:stretch>
-        </p:blipFill>
-        <p:spPr bwMode="auto">
-          <a:xfrm>
-            <a:off x="4648200" y="2635447"/>
-            <a:ext cx="4038600" cy="2455469"/>
-          </a:xfrm>
-          <a:prstGeom prst="rect">
-            <a:avLst/>
-          </a:prstGeom>
-          <a:noFill/>
-          <a:ln w="9525">
-            <a:noFill/>
-            <a:miter lim="800000"/>
-            <a:headEnd/>
-            <a:tailEnd/>
-          </a:ln>
-          <a:effectLst/>
-        </p:spPr>
-      </p:pic>
-      <p:pic>
-        <p:nvPicPr>
           <p:cNvPr id="7172" name="Picture 4"/>
           <p:cNvPicPr>
             <a:picLocks noChangeAspect="1" noChangeArrowheads="1"/>
@@ -13891,7 +13827,7 @@
           <p:nvPr/>
         </p:nvPicPr>
         <p:blipFill>
-          <a:blip r:embed="rId4" cstate="print"/>
+          <a:blip r:embed="rId2" cstate="print"/>
           <a:srcRect/>
           <a:stretch>
             <a:fillRect/>
@@ -13939,6 +13875,138 @@
           </a:p>
         </p:txBody>
       </p:sp>
+      <p:pic>
+        <p:nvPicPr>
+          <p:cNvPr id="9" name="Picture 2"/>
+          <p:cNvPicPr>
+            <a:picLocks noGrp="1" noChangeAspect="1" noChangeArrowheads="1"/>
+          </p:cNvPicPr>
+          <p:nvPr>
+            <p:ph sz="half" idx="1"/>
+          </p:nvPr>
+        </p:nvPicPr>
+        <p:blipFill>
+          <a:blip r:embed="rId3">
+            <a:extLst>
+              <a:ext uri="{28A0092B-C50C-407E-A947-70E740481C1C}">
+                <a14:useLocalDpi xmlns:a14="http://schemas.microsoft.com/office/drawing/2010/main" val="0"/>
+              </a:ext>
+            </a:extLst>
+          </a:blip>
+          <a:srcRect/>
+          <a:stretch>
+            <a:fillRect/>
+          </a:stretch>
+        </p:blipFill>
+        <p:spPr bwMode="auto">
+          <a:xfrm>
+            <a:off x="457200" y="2564651"/>
+            <a:ext cx="4038600" cy="2597060"/>
+          </a:xfrm>
+          <a:prstGeom prst="rect">
+            <a:avLst/>
+          </a:prstGeom>
+          <a:noFill/>
+          <a:ln>
+            <a:noFill/>
+          </a:ln>
+          <a:effectLst/>
+          <a:extLst>
+            <a:ext uri="{909E8E84-426E-40DD-AFC4-6F175D3DCCD1}">
+              <a14:hiddenFill xmlns:a14="http://schemas.microsoft.com/office/drawing/2010/main">
+                <a:solidFill>
+                  <a:schemeClr val="accent1"/>
+                </a:solidFill>
+              </a14:hiddenFill>
+            </a:ext>
+            <a:ext uri="{91240B29-F687-4F45-9708-019B960494DF}">
+              <a14:hiddenLine xmlns:a14="http://schemas.microsoft.com/office/drawing/2010/main" w="9525">
+                <a:solidFill>
+                  <a:schemeClr val="tx1"/>
+                </a:solidFill>
+                <a:miter lim="800000"/>
+                <a:headEnd/>
+                <a:tailEnd/>
+              </a14:hiddenLine>
+            </a:ext>
+            <a:ext uri="{AF507438-7753-43E0-B8FC-AC1667EBCBE1}">
+              <a14:hiddenEffects xmlns:a14="http://schemas.microsoft.com/office/drawing/2010/main">
+                <a:effectLst>
+                  <a:outerShdw dist="35921" dir="2700000" algn="ctr" rotWithShape="0">
+                    <a:schemeClr val="bg2"/>
+                  </a:outerShdw>
+                </a:effectLst>
+              </a14:hiddenEffects>
+            </a:ext>
+          </a:extLst>
+        </p:spPr>
+      </p:pic>
+      <p:pic>
+        <p:nvPicPr>
+          <p:cNvPr id="10" name="Picture 3"/>
+          <p:cNvPicPr>
+            <a:picLocks noGrp="1" noChangeAspect="1" noChangeArrowheads="1"/>
+          </p:cNvPicPr>
+          <p:nvPr>
+            <p:ph sz="half" idx="2"/>
+          </p:nvPr>
+        </p:nvPicPr>
+        <p:blipFill>
+          <a:blip r:embed="rId4">
+            <a:extLst>
+              <a:ext uri="{28A0092B-C50C-407E-A947-70E740481C1C}">
+                <a14:useLocalDpi xmlns:a14="http://schemas.microsoft.com/office/drawing/2010/main" val="0"/>
+              </a:ext>
+            </a:extLst>
+          </a:blip>
+          <a:srcRect/>
+          <a:stretch>
+            <a:fillRect/>
+          </a:stretch>
+        </p:blipFill>
+        <p:spPr bwMode="auto">
+          <a:xfrm>
+            <a:off x="4648200" y="2637563"/>
+            <a:ext cx="4038600" cy="2451236"/>
+          </a:xfrm>
+          <a:prstGeom prst="rect">
+            <a:avLst/>
+          </a:prstGeom>
+          <a:noFill/>
+          <a:ln>
+            <a:noFill/>
+          </a:ln>
+          <a:effectLst/>
+          <a:extLst>
+            <a:ext uri="{909E8E84-426E-40DD-AFC4-6F175D3DCCD1}">
+              <a14:hiddenFill xmlns:a14="http://schemas.microsoft.com/office/drawing/2010/main">
+                <a:solidFill>
+                  <a:schemeClr val="accent1"/>
+                </a:solidFill>
+              </a14:hiddenFill>
+            </a:ext>
+            <a:ext uri="{91240B29-F687-4F45-9708-019B960494DF}">
+              <a14:hiddenLine xmlns:a14="http://schemas.microsoft.com/office/drawing/2010/main" w="9525">
+                <a:solidFill>
+                  <a:schemeClr val="tx1"/>
+                </a:solidFill>
+                <a:miter lim="800000"/>
+                <a:headEnd/>
+                <a:tailEnd/>
+              </a14:hiddenLine>
+            </a:ext>
+            <a:ext uri="{AF507438-7753-43E0-B8FC-AC1667EBCBE1}">
+              <a14:hiddenEffects xmlns:a14="http://schemas.microsoft.com/office/drawing/2010/main">
+                <a:effectLst>
+                  <a:outerShdw dist="35921" dir="2700000" algn="ctr" rotWithShape="0">
+                    <a:schemeClr val="bg2"/>
+                  </a:outerShdw>
+                </a:effectLst>
+              </a14:hiddenEffects>
+            </a:ext>
+          </a:extLst>
+        </p:spPr>
+      </p:pic>
     </p:spTree>
   </p:cSld>
   <p:clrMapOvr>
@@ -14849,7 +14917,7 @@
           <a:graphicData uri="http://schemas.openxmlformats.org/presentationml/2006/ole">
             <mc:AlternateContent xmlns:mc="http://schemas.openxmlformats.org/markup-compatibility/2006">
               <mc:Choice xmlns:v="urn:schemas-microsoft-com:vml" Requires="v">
-                <p:oleObj spid="_x0000_s27704" name="Equation" r:id="rId3" imgW="114120" imgH="215640" progId="Equation.3">
+                <p:oleObj spid="_x0000_s27712" name="Equation" r:id="rId3" imgW="114120" imgH="215640" progId="Equation.3">
                   <p:embed/>
                 </p:oleObj>
               </mc:Choice>
@@ -15009,7 +15077,7 @@
           <a:graphicData uri="http://schemas.openxmlformats.org/presentationml/2006/ole">
             <mc:AlternateContent xmlns:mc="http://schemas.openxmlformats.org/markup-compatibility/2006">
               <mc:Choice xmlns:v="urn:schemas-microsoft-com:vml" Requires="v">
-                <p:oleObj spid="_x0000_s11016" name="Equation" r:id="rId3" imgW="114120" imgH="215640" progId="Equation.3">
+                <p:oleObj spid="_x0000_s11080" name="Equation" r:id="rId3" imgW="114120" imgH="215640" progId="Equation.3">
                   <p:embed/>
                 </p:oleObj>
               </mc:Choice>
@@ -15079,7 +15147,7 @@
           <a:graphicData uri="http://schemas.openxmlformats.org/presentationml/2006/ole">
             <mc:AlternateContent xmlns:mc="http://schemas.openxmlformats.org/markup-compatibility/2006">
               <mc:Choice xmlns:v="urn:schemas-microsoft-com:vml" Requires="v">
-                <p:oleObj spid="_x0000_s11017" name="Equation" r:id="rId5" imgW="4076640" imgH="558720" progId="Equation.3">
+                <p:oleObj spid="_x0000_s11081" name="Equation" r:id="rId5" imgW="4076640" imgH="558720" progId="Equation.3">
                   <p:embed/>
                 </p:oleObj>
               </mc:Choice>
@@ -15149,7 +15217,7 @@
           <a:graphicData uri="http://schemas.openxmlformats.org/presentationml/2006/ole">
             <mc:AlternateContent xmlns:mc="http://schemas.openxmlformats.org/markup-compatibility/2006">
               <mc:Choice xmlns:v="urn:schemas-microsoft-com:vml" Requires="v">
-                <p:oleObj spid="_x0000_s11018" name="Equation" r:id="rId7" imgW="4038480" imgH="558720" progId="Equation.3">
+                <p:oleObj spid="_x0000_s11082" name="Equation" r:id="rId7" imgW="4038480" imgH="558720" progId="Equation.3">
                   <p:embed/>
                 </p:oleObj>
               </mc:Choice>
@@ -15225,7 +15293,7 @@
           <a:graphicData uri="http://schemas.openxmlformats.org/presentationml/2006/ole">
             <mc:AlternateContent xmlns:mc="http://schemas.openxmlformats.org/markup-compatibility/2006">
               <mc:Choice xmlns:v="urn:schemas-microsoft-com:vml" Requires="v">
-                <p:oleObj spid="_x0000_s11019" name="Equation" r:id="rId9" imgW="1777680" imgH="241200" progId="Equation.3">
+                <p:oleObj spid="_x0000_s11083" name="Equation" r:id="rId9" imgW="1777680" imgH="241200" progId="Equation.3">
                   <p:embed/>
                 </p:oleObj>
               </mc:Choice>
@@ -15295,7 +15363,7 @@
           <a:graphicData uri="http://schemas.openxmlformats.org/presentationml/2006/ole">
             <mc:AlternateContent xmlns:mc="http://schemas.openxmlformats.org/markup-compatibility/2006">
               <mc:Choice xmlns:v="urn:schemas-microsoft-com:vml" Requires="v">
-                <p:oleObj spid="_x0000_s11020" name="Equation" r:id="rId11" imgW="977760" imgH="228600" progId="Equation.3">
+                <p:oleObj spid="_x0000_s11084" name="Equation" r:id="rId11" imgW="977760" imgH="228600" progId="Equation.3">
                   <p:embed/>
                 </p:oleObj>
               </mc:Choice>
@@ -15365,7 +15433,7 @@
           <a:graphicData uri="http://schemas.openxmlformats.org/presentationml/2006/ole">
             <mc:AlternateContent xmlns:mc="http://schemas.openxmlformats.org/markup-compatibility/2006">
               <mc:Choice xmlns:v="urn:schemas-microsoft-com:vml" Requires="v">
-                <p:oleObj spid="_x0000_s11021" name="Equation" r:id="rId13" imgW="1536480" imgH="482400" progId="Equation.3">
+                <p:oleObj spid="_x0000_s11085" name="Equation" r:id="rId13" imgW="1536480" imgH="482400" progId="Equation.3">
                   <p:embed/>
                 </p:oleObj>
               </mc:Choice>
@@ -15435,7 +15503,7 @@
           <a:graphicData uri="http://schemas.openxmlformats.org/presentationml/2006/ole">
             <mc:AlternateContent xmlns:mc="http://schemas.openxmlformats.org/markup-compatibility/2006">
               <mc:Choice xmlns:v="urn:schemas-microsoft-com:vml" Requires="v">
-                <p:oleObj spid="_x0000_s11022" name="Equation" r:id="rId15" imgW="2145960" imgH="431640" progId="Equation.3">
+                <p:oleObj spid="_x0000_s11086" name="Equation" r:id="rId15" imgW="2145960" imgH="431640" progId="Equation.3">
                   <p:embed/>
                 </p:oleObj>
               </mc:Choice>
@@ -15505,7 +15573,7 @@
           <a:graphicData uri="http://schemas.openxmlformats.org/presentationml/2006/ole">
             <mc:AlternateContent xmlns:mc="http://schemas.openxmlformats.org/markup-compatibility/2006">
               <mc:Choice xmlns:v="urn:schemas-microsoft-com:vml" Requires="v">
-                <p:oleObj spid="_x0000_s11023" name="Equation" r:id="rId17" imgW="1612800" imgH="228600" progId="Equation.3">
+                <p:oleObj spid="_x0000_s11087" name="Equation" r:id="rId17" imgW="1612800" imgH="228600" progId="Equation.3">
                   <p:embed/>
                 </p:oleObj>
               </mc:Choice>
@@ -16399,7 +16467,7 @@
           <a:graphicData uri="http://schemas.openxmlformats.org/presentationml/2006/ole">
             <mc:AlternateContent xmlns:mc="http://schemas.openxmlformats.org/markup-compatibility/2006">
               <mc:Choice xmlns:v="urn:schemas-microsoft-com:vml" Requires="v">
-                <p:oleObj spid="_x0000_s28898" name="Equation" r:id="rId3" imgW="114120" imgH="215640" progId="Equation.3">
+                <p:oleObj spid="_x0000_s28930" name="Equation" r:id="rId3" imgW="114120" imgH="215640" progId="Equation.3">
                   <p:embed/>
                 </p:oleObj>
               </mc:Choice>
@@ -16475,7 +16543,7 @@
           <a:graphicData uri="http://schemas.openxmlformats.org/presentationml/2006/ole">
             <mc:AlternateContent xmlns:mc="http://schemas.openxmlformats.org/markup-compatibility/2006">
               <mc:Choice xmlns:v="urn:schemas-microsoft-com:vml" Requires="v">
-                <p:oleObj spid="_x0000_s28899" name="Equation" r:id="rId5" imgW="10756800" imgH="1143000" progId="Equation.3">
+                <p:oleObj spid="_x0000_s28931" name="Equation" r:id="rId5" imgW="10756800" imgH="1143000" progId="Equation.3">
                   <p:embed/>
                 </p:oleObj>
               </mc:Choice>
@@ -16537,7 +16605,7 @@
           <a:graphicData uri="http://schemas.openxmlformats.org/presentationml/2006/ole">
             <mc:AlternateContent xmlns:mc="http://schemas.openxmlformats.org/markup-compatibility/2006">
               <mc:Choice xmlns:v="urn:schemas-microsoft-com:vml" Requires="v">
-                <p:oleObj spid="_x0000_s28900" name="Equation" r:id="rId7" imgW="2145960" imgH="431640" progId="Equation.3">
+                <p:oleObj spid="_x0000_s28932" name="Equation" r:id="rId7" imgW="2145960" imgH="431640" progId="Equation.3">
                   <p:embed/>
                 </p:oleObj>
               </mc:Choice>
@@ -16626,7 +16694,7 @@
           <a:graphicData uri="http://schemas.openxmlformats.org/presentationml/2006/ole">
             <mc:AlternateContent xmlns:mc="http://schemas.openxmlformats.org/markup-compatibility/2006">
               <mc:Choice xmlns:v="urn:schemas-microsoft-com:vml" Requires="v">
-                <p:oleObj spid="_x0000_s28901" name="Equation" r:id="rId9" imgW="10553400" imgH="1143000" progId="Equation.3">
+                <p:oleObj spid="_x0000_s28933" name="Equation" r:id="rId9" imgW="10553400" imgH="1143000" progId="Equation.3">
                   <p:embed/>
                 </p:oleObj>
               </mc:Choice>
@@ -17141,7 +17209,7 @@
           <a:graphicData uri="http://schemas.openxmlformats.org/presentationml/2006/ole">
             <mc:AlternateContent xmlns:mc="http://schemas.openxmlformats.org/markup-compatibility/2006">
               <mc:Choice xmlns:v="urn:schemas-microsoft-com:vml" Requires="v">
-                <p:oleObj spid="_x0000_s11929" name="Equation" r:id="rId3" imgW="114120" imgH="215640" progId="Equation.3">
+                <p:oleObj spid="_x0000_s11985" name="Equation" r:id="rId3" imgW="114120" imgH="215640" progId="Equation.3">
                   <p:embed/>
                 </p:oleObj>
               </mc:Choice>
@@ -17211,7 +17279,7 @@
           <a:graphicData uri="http://schemas.openxmlformats.org/presentationml/2006/ole">
             <mc:AlternateContent xmlns:mc="http://schemas.openxmlformats.org/markup-compatibility/2006">
               <mc:Choice xmlns:v="urn:schemas-microsoft-com:vml" Requires="v">
-                <p:oleObj spid="_x0000_s11930" name="Equation" r:id="rId5" imgW="1803240" imgH="482400" progId="Equation.3">
+                <p:oleObj spid="_x0000_s11986" name="Equation" r:id="rId5" imgW="1803240" imgH="482400" progId="Equation.3">
                   <p:embed/>
                 </p:oleObj>
               </mc:Choice>
@@ -17281,7 +17349,7 @@
           <a:graphicData uri="http://schemas.openxmlformats.org/presentationml/2006/ole">
             <mc:AlternateContent xmlns:mc="http://schemas.openxmlformats.org/markup-compatibility/2006">
               <mc:Choice xmlns:v="urn:schemas-microsoft-com:vml" Requires="v">
-                <p:oleObj spid="_x0000_s11931" name="Equation" r:id="rId7" imgW="1790640" imgH="266400" progId="Equation.3">
+                <p:oleObj spid="_x0000_s11987" name="Equation" r:id="rId7" imgW="1790640" imgH="266400" progId="Equation.3">
                   <p:embed/>
                 </p:oleObj>
               </mc:Choice>
@@ -17357,7 +17425,7 @@
           <a:graphicData uri="http://schemas.openxmlformats.org/presentationml/2006/ole">
             <mc:AlternateContent xmlns:mc="http://schemas.openxmlformats.org/markup-compatibility/2006">
               <mc:Choice xmlns:v="urn:schemas-microsoft-com:vml" Requires="v">
-                <p:oleObj spid="_x0000_s11932" name="Equation" r:id="rId9" imgW="2145960" imgH="431640" progId="Equation.3">
+                <p:oleObj spid="_x0000_s11988" name="Equation" r:id="rId9" imgW="2145960" imgH="431640" progId="Equation.3">
                   <p:embed/>
                 </p:oleObj>
               </mc:Choice>
@@ -17421,7 +17489,7 @@
           <a:graphicData uri="http://schemas.openxmlformats.org/presentationml/2006/ole">
             <mc:AlternateContent xmlns:mc="http://schemas.openxmlformats.org/markup-compatibility/2006">
               <mc:Choice xmlns:v="urn:schemas-microsoft-com:vml" Requires="v">
-                <p:oleObj spid="_x0000_s11933" name="Equation" r:id="rId11" imgW="2450880" imgH="228600" progId="Equation.3">
+                <p:oleObj spid="_x0000_s11989" name="Equation" r:id="rId11" imgW="2450880" imgH="228600" progId="Equation.3">
                   <p:embed/>
                 </p:oleObj>
               </mc:Choice>
@@ -17491,7 +17559,7 @@
           <a:graphicData uri="http://schemas.openxmlformats.org/presentationml/2006/ole">
             <mc:AlternateContent xmlns:mc="http://schemas.openxmlformats.org/markup-compatibility/2006">
               <mc:Choice xmlns:v="urn:schemas-microsoft-com:vml" Requires="v">
-                <p:oleObj spid="_x0000_s11934" name="Equation" r:id="rId13" imgW="634680" imgH="215640" progId="Equation.3">
+                <p:oleObj spid="_x0000_s11990" name="Equation" r:id="rId13" imgW="634680" imgH="215640" progId="Equation.3">
                   <p:embed/>
                 </p:oleObj>
               </mc:Choice>
@@ -17621,7 +17689,7 @@
           <a:graphicData uri="http://schemas.openxmlformats.org/presentationml/2006/ole">
             <mc:AlternateContent xmlns:mc="http://schemas.openxmlformats.org/markup-compatibility/2006">
               <mc:Choice xmlns:v="urn:schemas-microsoft-com:vml" Requires="v">
-                <p:oleObj spid="_x0000_s11935" name="Equation" r:id="rId15" imgW="1333440" imgH="1218960" progId="Equation.3">
+                <p:oleObj spid="_x0000_s11991" name="Equation" r:id="rId15" imgW="1333440" imgH="1218960" progId="Equation.3">
                   <p:embed/>
                 </p:oleObj>
               </mc:Choice>
@@ -18356,7 +18424,7 @@
           <a:graphicData uri="http://schemas.openxmlformats.org/presentationml/2006/ole">
             <mc:AlternateContent xmlns:mc="http://schemas.openxmlformats.org/markup-compatibility/2006">
               <mc:Choice xmlns:v="urn:schemas-microsoft-com:vml" Requires="v">
-                <p:oleObj spid="_x0000_s12569" name="Equation" r:id="rId3" imgW="114120" imgH="215640" progId="Equation.3">
+                <p:oleObj spid="_x0000_s12585" name="Equation" r:id="rId3" imgW="114120" imgH="215640" progId="Equation.3">
                   <p:embed/>
                 </p:oleObj>
               </mc:Choice>
@@ -18432,7 +18500,7 @@
           <a:graphicData uri="http://schemas.openxmlformats.org/presentationml/2006/ole">
             <mc:AlternateContent xmlns:mc="http://schemas.openxmlformats.org/markup-compatibility/2006">
               <mc:Choice xmlns:v="urn:schemas-microsoft-com:vml" Requires="v">
-                <p:oleObj spid="_x0000_s12570" name="Equation" r:id="rId5" imgW="1015920" imgH="1612800" progId="Equation.3">
+                <p:oleObj spid="_x0000_s12586" name="Equation" r:id="rId5" imgW="1015920" imgH="1612800" progId="Equation.3">
                   <p:embed/>
                 </p:oleObj>
               </mc:Choice>
@@ -18777,7 +18845,7 @@
               <a:t>I</a:t>
             </a:r>
             <a:r>
-              <a:rPr lang="en-US" sz="1600" i="1" baseline="-25000" dirty="0">
+              <a:rPr lang="en-US" sz="1600" i="1" baseline="-25000" dirty="0" smtClean="0">
                 <a:cs typeface="Times New Roman" pitchFamily="18" charset="0"/>
               </a:rPr>
               <a:t>%</a:t>
@@ -18786,7 +18854,13 @@
               <a:rPr lang="en-US" sz="1600" dirty="0">
                 <a:cs typeface="Times New Roman" pitchFamily="18" charset="0"/>
               </a:rPr>
-              <a:t>: </a:t>
+              <a:t>,</a:t>
+            </a:r>
+            <a:r>
+              <a:rPr lang="en-US" sz="1600" dirty="0" smtClean="0">
+                <a:cs typeface="Times New Roman" pitchFamily="18" charset="0"/>
+              </a:rPr>
+              <a:t> </a:t>
             </a:r>
             <a:r>
               <a:rPr lang="en-US" sz="1600" i="1" dirty="0">
@@ -18901,7 +18975,7 @@
           <a:graphicData uri="http://schemas.openxmlformats.org/presentationml/2006/ole">
             <mc:AlternateContent xmlns:mc="http://schemas.openxmlformats.org/markup-compatibility/2006">
               <mc:Choice xmlns:v="urn:schemas-microsoft-com:vml" Requires="v">
-                <p:oleObj spid="_x0000_s30794" name="Equation" r:id="rId3" imgW="5333760" imgH="558720" progId="Equation.3">
+                <p:oleObj spid="_x0000_s30812" name="Equation" r:id="rId3" imgW="5333760" imgH="558720" progId="Equation.3">
                   <p:embed/>
                 </p:oleObj>
               </mc:Choice>
@@ -18965,7 +19039,7 @@
           <a:graphicData uri="http://schemas.openxmlformats.org/presentationml/2006/ole">
             <mc:AlternateContent xmlns:mc="http://schemas.openxmlformats.org/markup-compatibility/2006">
               <mc:Choice xmlns:v="urn:schemas-microsoft-com:vml" Requires="v">
-                <p:oleObj spid="_x0000_s30795" name="Equation" r:id="rId5" imgW="5295600" imgH="558720" progId="Equation.3">
+                <p:oleObj spid="_x0000_s30813" name="Equation" r:id="rId5" imgW="5295600" imgH="558720" progId="Equation.3">
                   <p:embed/>
                 </p:oleObj>
               </mc:Choice>
@@ -19649,7 +19723,7 @@
           <a:graphicData uri="http://schemas.openxmlformats.org/presentationml/2006/ole">
             <mc:AlternateContent xmlns:mc="http://schemas.openxmlformats.org/markup-compatibility/2006">
               <mc:Choice xmlns:v="urn:schemas-microsoft-com:vml" Requires="v">
-                <p:oleObj spid="_x0000_s29749" name="Equation" r:id="rId3" imgW="1942920" imgH="761760" progId="Equation.3">
+                <p:oleObj spid="_x0000_s29757" name="Equation" r:id="rId3" imgW="1942920" imgH="761760" progId="Equation.3">
                   <p:embed/>
                 </p:oleObj>
               </mc:Choice>
@@ -20906,7 +20980,7 @@
           <a:graphicData uri="http://schemas.openxmlformats.org/presentationml/2006/ole">
             <mc:AlternateContent xmlns:mc="http://schemas.openxmlformats.org/markup-compatibility/2006">
               <mc:Choice xmlns:v="urn:schemas-microsoft-com:vml" Requires="v">
-                <p:oleObj spid="_x0000_s3260" name="Equation" r:id="rId4" imgW="3759120" imgH="431640" progId="Equation.3">
+                <p:oleObj spid="_x0000_s3276" name="Equation" r:id="rId4" imgW="3759120" imgH="431640" progId="Equation.3">
                   <p:embed/>
                 </p:oleObj>
               </mc:Choice>
@@ -20974,7 +21048,7 @@
           <a:graphicData uri="http://schemas.openxmlformats.org/presentationml/2006/ole">
             <mc:AlternateContent xmlns:mc="http://schemas.openxmlformats.org/markup-compatibility/2006">
               <mc:Choice xmlns:v="urn:schemas-microsoft-com:vml" Requires="v">
-                <p:oleObj spid="_x0000_s3261" name="Equation" r:id="rId6" imgW="2489040" imgH="431640" progId="Equation.3">
+                <p:oleObj spid="_x0000_s3277" name="Equation" r:id="rId6" imgW="2489040" imgH="431640" progId="Equation.3">
                   <p:embed/>
                 </p:oleObj>
               </mc:Choice>
@@ -21652,7 +21726,7 @@
           <a:graphicData uri="http://schemas.openxmlformats.org/presentationml/2006/ole">
             <mc:AlternateContent xmlns:mc="http://schemas.openxmlformats.org/markup-compatibility/2006">
               <mc:Choice xmlns:v="urn:schemas-microsoft-com:vml" Requires="v">
-                <p:oleObj spid="_x0000_s4194" r:id="rId3" imgW="3235112" imgH="3234987" progId="Msxml2.SAXXMLReader.5.0">
+                <p:oleObj spid="_x0000_s4202" r:id="rId3" imgW="3235112" imgH="3234987" progId="Msxml2.SAXXMLReader.5.0">
                   <p:embed/>
                 </p:oleObj>
               </mc:Choice>
@@ -22798,7 +22872,15 @@
             </a:r>
             <a:r>
               <a:rPr lang="en-US" sz="1600" dirty="0" smtClean="0"/>
-              <a:t> capacitor have been added at node 675.</a:t>
+              <a:t> capacitor </a:t>
+            </a:r>
+            <a:r>
+              <a:rPr lang="en-US" sz="1600" dirty="0" smtClean="0"/>
+              <a:t>has </a:t>
+            </a:r>
+            <a:r>
+              <a:rPr lang="en-US" sz="1600" dirty="0" smtClean="0"/>
+              <a:t>been added at node 675.</a:t>
             </a:r>
           </a:p>
           <a:p>
@@ -23170,7 +23252,7 @@
           <a:graphicData uri="http://schemas.openxmlformats.org/presentationml/2006/ole">
             <mc:AlternateContent xmlns:mc="http://schemas.openxmlformats.org/markup-compatibility/2006">
               <mc:Choice xmlns:v="urn:schemas-microsoft-com:vml" Requires="v">
-                <p:oleObj spid="_x0000_s38926" name="Equation" r:id="rId5" imgW="3073320" imgH="1447560" progId="Equation.3">
+                <p:oleObj spid="_x0000_s38942" name="Equation" r:id="rId5" imgW="3073320" imgH="1447560" progId="Equation.3">
                   <p:embed/>
                 </p:oleObj>
               </mc:Choice>
@@ -23253,7 +23335,7 @@
           <a:graphicData uri="http://schemas.openxmlformats.org/presentationml/2006/ole">
             <mc:AlternateContent xmlns:mc="http://schemas.openxmlformats.org/markup-compatibility/2006">
               <mc:Choice xmlns:v="urn:schemas-microsoft-com:vml" Requires="v">
-                <p:oleObj spid="_x0000_s38927" name="Equation" r:id="rId7" imgW="3073320" imgH="1447560" progId="Equation.3">
+                <p:oleObj spid="_x0000_s38943" name="Equation" r:id="rId7" imgW="3073320" imgH="1447560" progId="Equation.3">
                   <p:embed/>
                 </p:oleObj>
               </mc:Choice>
@@ -24102,7 +24184,7 @@
           <a:graphicData uri="http://schemas.openxmlformats.org/presentationml/2006/ole">
             <mc:AlternateContent xmlns:mc="http://schemas.openxmlformats.org/markup-compatibility/2006">
               <mc:Choice xmlns:v="urn:schemas-microsoft-com:vml" Requires="v">
-                <p:oleObj spid="_x0000_s39948" name="Equation" r:id="rId5" imgW="3073320" imgH="1447560" progId="Equation.3">
+                <p:oleObj spid="_x0000_s39964" name="Equation" r:id="rId5" imgW="3073320" imgH="1447560" progId="Equation.3">
                   <p:embed/>
                 </p:oleObj>
               </mc:Choice>
@@ -24185,7 +24267,7 @@
           <a:graphicData uri="http://schemas.openxmlformats.org/presentationml/2006/ole">
             <mc:AlternateContent xmlns:mc="http://schemas.openxmlformats.org/markup-compatibility/2006">
               <mc:Choice xmlns:v="urn:schemas-microsoft-com:vml" Requires="v">
-                <p:oleObj spid="_x0000_s39949" name="Equation" r:id="rId7" imgW="3085920" imgH="1447560" progId="Equation.3">
+                <p:oleObj spid="_x0000_s39965" name="Equation" r:id="rId7" imgW="3085920" imgH="1447560" progId="Equation.3">
                   <p:embed/>
                 </p:oleObj>
               </mc:Choice>
@@ -24674,7 +24756,7 @@
           <a:graphicData uri="http://schemas.openxmlformats.org/presentationml/2006/ole">
             <mc:AlternateContent xmlns:mc="http://schemas.openxmlformats.org/markup-compatibility/2006">
               <mc:Choice xmlns:v="urn:schemas-microsoft-com:vml" Requires="v">
-                <p:oleObj spid="_x0000_s40972" name="Equation" r:id="rId4" imgW="3073320" imgH="1447560" progId="Equation.3">
+                <p:oleObj spid="_x0000_s40988" name="Equation" r:id="rId4" imgW="3073320" imgH="1447560" progId="Equation.3">
                   <p:embed/>
                 </p:oleObj>
               </mc:Choice>
@@ -24932,7 +25014,7 @@
           <a:graphicData uri="http://schemas.openxmlformats.org/presentationml/2006/ole">
             <mc:AlternateContent xmlns:mc="http://schemas.openxmlformats.org/markup-compatibility/2006">
               <mc:Choice xmlns:v="urn:schemas-microsoft-com:vml" Requires="v">
-                <p:oleObj spid="_x0000_s40973" name="Equation" r:id="rId9" imgW="3073320" imgH="1447560" progId="Equation.3">
+                <p:oleObj spid="_x0000_s40989" name="Equation" r:id="rId9" imgW="3073320" imgH="1447560" progId="Equation.3">
                   <p:embed/>
                 </p:oleObj>
               </mc:Choice>
@@ -25387,7 +25469,7 @@
           <a:graphicData uri="http://schemas.openxmlformats.org/presentationml/2006/ole">
             <mc:AlternateContent xmlns:mc="http://schemas.openxmlformats.org/markup-compatibility/2006">
               <mc:Choice xmlns:v="urn:schemas-microsoft-com:vml" Requires="v">
-                <p:oleObj spid="_x0000_s32895" name="Equation" r:id="rId3" imgW="3301920" imgH="228600" progId="Equation.3">
+                <p:oleObj spid="_x0000_s32911" name="Equation" r:id="rId3" imgW="3301920" imgH="228600" progId="Equation.3">
                   <p:embed/>
                 </p:oleObj>
               </mc:Choice>
@@ -25451,7 +25533,7 @@
           <a:graphicData uri="http://schemas.openxmlformats.org/presentationml/2006/ole">
             <mc:AlternateContent xmlns:mc="http://schemas.openxmlformats.org/markup-compatibility/2006">
               <mc:Choice xmlns:v="urn:schemas-microsoft-com:vml" Requires="v">
-                <p:oleObj spid="_x0000_s32896" name="Equation" r:id="rId5" imgW="3314520" imgH="228600" progId="Equation.3">
+                <p:oleObj spid="_x0000_s32912" name="Equation" r:id="rId5" imgW="3314520" imgH="228600" progId="Equation.3">
                   <p:embed/>
                 </p:oleObj>
               </mc:Choice>
@@ -26346,7 +26428,7 @@
           <a:graphicData uri="http://schemas.openxmlformats.org/presentationml/2006/ole">
             <mc:AlternateContent xmlns:mc="http://schemas.openxmlformats.org/markup-compatibility/2006">
               <mc:Choice xmlns:v="urn:schemas-microsoft-com:vml" Requires="v">
-                <p:oleObj spid="_x0000_s17496" name="Equation" r:id="rId3" imgW="3149280" imgH="469800" progId="Equation.3">
+                <p:oleObj spid="_x0000_s17504" name="Equation" r:id="rId3" imgW="3149280" imgH="469800" progId="Equation.3">
                   <p:embed/>
                 </p:oleObj>
               </mc:Choice>
@@ -26704,7 +26786,7 @@
           <a:graphicData uri="http://schemas.openxmlformats.org/presentationml/2006/ole">
             <mc:AlternateContent xmlns:mc="http://schemas.openxmlformats.org/markup-compatibility/2006">
               <mc:Choice xmlns:v="urn:schemas-microsoft-com:vml" Requires="v">
-                <p:oleObj spid="_x0000_s36878" name="Equation" r:id="rId3" imgW="3377880" imgH="469800" progId="Equation.3">
+                <p:oleObj spid="_x0000_s36894" name="Equation" r:id="rId3" imgW="3377880" imgH="469800" progId="Equation.3">
                   <p:embed/>
                 </p:oleObj>
               </mc:Choice>
@@ -26768,7 +26850,7 @@
           <a:graphicData uri="http://schemas.openxmlformats.org/presentationml/2006/ole">
             <mc:AlternateContent xmlns:mc="http://schemas.openxmlformats.org/markup-compatibility/2006">
               <mc:Choice xmlns:v="urn:schemas-microsoft-com:vml" Requires="v">
-                <p:oleObj spid="_x0000_s36879" name="Equation" r:id="rId5" imgW="3377880" imgH="469800" progId="Equation.3">
+                <p:oleObj spid="_x0000_s36895" name="Equation" r:id="rId5" imgW="3377880" imgH="469800" progId="Equation.3">
                   <p:embed/>
                 </p:oleObj>
               </mc:Choice>
@@ -27229,15 +27311,7 @@
           <a:p>
             <a:r>
               <a:rPr lang="en-US" sz="2000" dirty="0" smtClean="0"/>
-              <a:t>The figure below shows a feeder </a:t>
-            </a:r>
-            <a:r>
-              <a:rPr lang="en-US" sz="2000" dirty="0" smtClean="0"/>
-              <a:t>at </a:t>
-            </a:r>
-            <a:r>
-              <a:rPr lang="en-US" sz="2000" dirty="0" smtClean="0"/>
-              <a:t>two different tap positions, one for peak load and one for minimum load.</a:t>
+              <a:t>The figure below shows a feeder at two different tap positions, one for peak load and one for minimum load.</a:t>
             </a:r>
           </a:p>
           <a:p>
@@ -27271,7 +27345,7 @@
           <a:graphicData uri="http://schemas.openxmlformats.org/presentationml/2006/ole">
             <mc:AlternateContent xmlns:mc="http://schemas.openxmlformats.org/markup-compatibility/2006">
               <mc:Choice xmlns:v="urn:schemas-microsoft-com:vml" Requires="v">
-                <p:oleObj spid="_x0000_s37903" name="Equation" r:id="rId3" imgW="3377880" imgH="469800" progId="Equation.3">
+                <p:oleObj spid="_x0000_s37919" name="Equation" r:id="rId3" imgW="3377880" imgH="469800" progId="Equation.3">
                   <p:embed/>
                 </p:oleObj>
               </mc:Choice>
@@ -27354,7 +27428,7 @@
           <a:graphicData uri="http://schemas.openxmlformats.org/presentationml/2006/ole">
             <mc:AlternateContent xmlns:mc="http://schemas.openxmlformats.org/markup-compatibility/2006">
               <mc:Choice xmlns:v="urn:schemas-microsoft-com:vml" Requires="v">
-                <p:oleObj spid="_x0000_s37904" name="Equation" r:id="rId5" imgW="3187440" imgH="469800" progId="Equation.3">
+                <p:oleObj spid="_x0000_s37920" name="Equation" r:id="rId5" imgW="3187440" imgH="469800" progId="Equation.3">
                   <p:embed/>
                 </p:oleObj>
               </mc:Choice>

--- a/University of Washington Class/Module 4 - Voltage control devices.pptx
+++ b/University of Washington Class/Module 4 - Voltage control devices.pptx
@@ -5,7 +5,7 @@
     <p:sldMasterId id="2147483648" r:id="rId1"/>
   </p:sldMasterIdLst>
   <p:notesMasterIdLst>
-    <p:notesMasterId r:id="rId72"/>
+    <p:notesMasterId r:id="rId73"/>
   </p:notesMasterIdLst>
   <p:sldIdLst>
     <p:sldId id="256" r:id="rId2"/>
@@ -77,7 +77,8 @@
     <p:sldId id="374" r:id="rId68"/>
     <p:sldId id="375" r:id="rId69"/>
     <p:sldId id="364" r:id="rId70"/>
-    <p:sldId id="370" r:id="rId71"/>
+    <p:sldId id="376" r:id="rId71"/>
+    <p:sldId id="370" r:id="rId72"/>
   </p:sldIdLst>
   <p:sldSz cx="9144000" cy="6858000" type="screen4x3"/>
   <p:notesSz cx="6858000" cy="9144000"/>
@@ -262,7 +263,7 @@
             <a:fld id="{30456DE2-1550-4DE2-8C7A-8D9992B45402}" type="datetimeFigureOut">
               <a:rPr lang="en-US" smtClean="0"/>
               <a:pPr/>
-              <a:t>1/3/2012</a:t>
+              <a:t>1/17/2012</a:t>
             </a:fld>
             <a:endParaRPr lang="en-US"/>
           </a:p>
@@ -714,7 +715,7 @@
           <a:p>
             <a:fld id="{F5373481-B42A-4D4F-86EA-A88290C58964}" type="datetime1">
               <a:rPr lang="en-US" smtClean="0"/>
-              <a:t>1/3/2012</a:t>
+              <a:t>1/17/2012</a:t>
             </a:fld>
             <a:endParaRPr lang="en-US"/>
           </a:p>
@@ -983,7 +984,7 @@
           <a:p>
             <a:fld id="{03F670FF-8926-4709-96F6-FC2958129ED2}" type="datetime1">
               <a:rPr lang="en-US" smtClean="0"/>
-              <a:t>1/3/2012</a:t>
+              <a:t>1/17/2012</a:t>
             </a:fld>
             <a:endParaRPr lang="en-US"/>
           </a:p>
@@ -1159,7 +1160,7 @@
           <a:p>
             <a:fld id="{1BF16CE4-EFFC-4BDF-B5A4-4A15C47E021B}" type="datetime1">
               <a:rPr lang="en-US" smtClean="0"/>
-              <a:t>1/3/2012</a:t>
+              <a:t>1/17/2012</a:t>
             </a:fld>
             <a:endParaRPr lang="en-US"/>
           </a:p>
@@ -1349,7 +1350,7 @@
           <a:p>
             <a:fld id="{D89124DC-29B6-4231-9D25-0C78D5EFDDC9}" type="datetime1">
               <a:rPr lang="en-US" smtClean="0"/>
-              <a:t>1/3/2012</a:t>
+              <a:t>1/17/2012</a:t>
             </a:fld>
             <a:endParaRPr lang="en-US" dirty="0"/>
           </a:p>
@@ -1598,7 +1599,7 @@
           <a:p>
             <a:fld id="{63DA24F3-3618-4EAF-A9E8-EEFE221E1493}" type="datetime1">
               <a:rPr lang="en-US" smtClean="0"/>
-              <a:t>1/3/2012</a:t>
+              <a:t>1/17/2012</a:t>
             </a:fld>
             <a:endParaRPr lang="en-US"/>
           </a:p>
@@ -1882,7 +1883,7 @@
           <a:p>
             <a:fld id="{69D8CDEA-265C-4EA9-A607-0D7D771780DB}" type="datetime1">
               <a:rPr lang="en-US" smtClean="0"/>
-              <a:t>1/3/2012</a:t>
+              <a:t>1/17/2012</a:t>
             </a:fld>
             <a:endParaRPr lang="en-US"/>
           </a:p>
@@ -2300,7 +2301,7 @@
           <a:p>
             <a:fld id="{ACFA6542-36F3-4A89-93B6-B9FED0856CDB}" type="datetime1">
               <a:rPr lang="en-US" smtClean="0"/>
-              <a:t>1/3/2012</a:t>
+              <a:t>1/17/2012</a:t>
             </a:fld>
             <a:endParaRPr lang="en-US"/>
           </a:p>
@@ -2414,7 +2415,7 @@
           <a:p>
             <a:fld id="{AE3B9829-009A-44FD-B649-E323418E7E5E}" type="datetime1">
               <a:rPr lang="en-US" smtClean="0"/>
-              <a:t>1/3/2012</a:t>
+              <a:t>1/17/2012</a:t>
             </a:fld>
             <a:endParaRPr lang="en-US"/>
           </a:p>
@@ -2505,7 +2506,7 @@
           <a:p>
             <a:fld id="{4391B5C5-7D92-4C37-8071-F3311CBE73D5}" type="datetime1">
               <a:rPr lang="en-US" smtClean="0"/>
-              <a:t>1/3/2012</a:t>
+              <a:t>1/17/2012</a:t>
             </a:fld>
             <a:endParaRPr lang="en-US"/>
           </a:p>
@@ -2778,7 +2779,7 @@
           <a:p>
             <a:fld id="{4689F7FE-6C86-4059-B972-0BBDA5F301D9}" type="datetime1">
               <a:rPr lang="en-US" smtClean="0"/>
-              <a:t>1/3/2012</a:t>
+              <a:t>1/17/2012</a:t>
             </a:fld>
             <a:endParaRPr lang="en-US"/>
           </a:p>
@@ -3027,7 +3028,7 @@
           <a:p>
             <a:fld id="{F09338A6-2CCC-46F1-9871-B278557BB635}" type="datetime1">
               <a:rPr lang="en-US" smtClean="0"/>
-              <a:t>1/3/2012</a:t>
+              <a:t>1/17/2012</a:t>
             </a:fld>
             <a:endParaRPr lang="en-US"/>
           </a:p>
@@ -3240,7 +3241,7 @@
           <a:p>
             <a:fld id="{14FE97D8-1050-4CA4-8B4F-E964B5B645D9}" type="datetime1">
               <a:rPr lang="en-US" smtClean="0"/>
-              <a:t>1/3/2012</a:t>
+              <a:t>1/17/2012</a:t>
             </a:fld>
             <a:endParaRPr lang="en-US" dirty="0"/>
           </a:p>
@@ -4815,7 +4816,7 @@
           <a:graphicData uri="http://schemas.openxmlformats.org/presentationml/2006/ole">
             <mc:AlternateContent xmlns:mc="http://schemas.openxmlformats.org/markup-compatibility/2006">
               <mc:Choice xmlns:v="urn:schemas-microsoft-com:vml" Requires="v">
-                <p:oleObj spid="_x0000_s20710" name="Equation" r:id="rId7" imgW="1739880" imgH="228600" progId="Equation.3">
+                <p:oleObj spid="_x0000_s20713" name="Equation" r:id="rId7" imgW="1739880" imgH="228600" progId="Equation.3">
                   <p:embed/>
                 </p:oleObj>
               </mc:Choice>
@@ -4879,7 +4880,7 @@
           <a:graphicData uri="http://schemas.openxmlformats.org/presentationml/2006/ole">
             <mc:AlternateContent xmlns:mc="http://schemas.openxmlformats.org/markup-compatibility/2006">
               <mc:Choice xmlns:v="urn:schemas-microsoft-com:vml" Requires="v">
-                <p:oleObj spid="_x0000_s20711" name="Equation" r:id="rId9" imgW="2120760" imgH="228600" progId="Equation.3">
+                <p:oleObj spid="_x0000_s20714" name="Equation" r:id="rId9" imgW="2120760" imgH="228600" progId="Equation.3">
                   <p:embed/>
                 </p:oleObj>
               </mc:Choice>
@@ -4943,7 +4944,7 @@
           <a:graphicData uri="http://schemas.openxmlformats.org/presentationml/2006/ole">
             <mc:AlternateContent xmlns:mc="http://schemas.openxmlformats.org/markup-compatibility/2006">
               <mc:Choice xmlns:v="urn:schemas-microsoft-com:vml" Requires="v">
-                <p:oleObj spid="_x0000_s20712" name="Equation" r:id="rId11" imgW="2120760" imgH="279360" progId="Equation.3">
+                <p:oleObj spid="_x0000_s20715" name="Equation" r:id="rId11" imgW="2120760" imgH="279360" progId="Equation.3">
                   <p:embed/>
                 </p:oleObj>
               </mc:Choice>
@@ -6006,7 +6007,7 @@
           <a:graphicData uri="http://schemas.openxmlformats.org/presentationml/2006/ole">
             <mc:AlternateContent xmlns:mc="http://schemas.openxmlformats.org/markup-compatibility/2006">
               <mc:Choice xmlns:v="urn:schemas-microsoft-com:vml" Requires="v">
-                <p:oleObj spid="_x0000_s24651" name="Equation" r:id="rId3" imgW="850680" imgH="431640" progId="Equation.3">
+                <p:oleObj spid="_x0000_s24652" name="Equation" r:id="rId3" imgW="850680" imgH="431640" progId="Equation.3">
                   <p:embed/>
                 </p:oleObj>
               </mc:Choice>
@@ -6332,7 +6333,7 @@
           <a:graphicData uri="http://schemas.openxmlformats.org/presentationml/2006/ole">
             <mc:AlternateContent xmlns:mc="http://schemas.openxmlformats.org/markup-compatibility/2006">
               <mc:Choice xmlns:v="urn:schemas-microsoft-com:vml" Requires="v">
-                <p:oleObj spid="_x0000_s25735" name="Equation" r:id="rId3" imgW="850680" imgH="431640" progId="Equation.3">
+                <p:oleObj spid="_x0000_s25737" name="Equation" r:id="rId3" imgW="850680" imgH="431640" progId="Equation.3">
                   <p:embed/>
                 </p:oleObj>
               </mc:Choice>
@@ -6421,7 +6422,7 @@
           <a:graphicData uri="http://schemas.openxmlformats.org/presentationml/2006/ole">
             <mc:AlternateContent xmlns:mc="http://schemas.openxmlformats.org/markup-compatibility/2006">
               <mc:Choice xmlns:v="urn:schemas-microsoft-com:vml" Requires="v">
-                <p:oleObj spid="_x0000_s25736" name="Equation" r:id="rId5" imgW="850680" imgH="431640" progId="Equation.3">
+                <p:oleObj spid="_x0000_s25738" name="Equation" r:id="rId5" imgW="850680" imgH="431640" progId="Equation.3">
                   <p:embed/>
                 </p:oleObj>
               </mc:Choice>
@@ -7060,7 +7061,7 @@
           <a:graphicData uri="http://schemas.openxmlformats.org/presentationml/2006/ole">
             <mc:AlternateContent xmlns:mc="http://schemas.openxmlformats.org/markup-compatibility/2006">
               <mc:Choice xmlns:v="urn:schemas-microsoft-com:vml" Requires="v">
-                <p:oleObj spid="_x0000_s21681" name="Equation" r:id="rId3" imgW="850680" imgH="431640" progId="Equation.3">
+                <p:oleObj spid="_x0000_s21683" name="Equation" r:id="rId3" imgW="850680" imgH="431640" progId="Equation.3">
                   <p:embed/>
                 </p:oleObj>
               </mc:Choice>
@@ -7124,7 +7125,7 @@
           <a:graphicData uri="http://schemas.openxmlformats.org/presentationml/2006/ole">
             <mc:AlternateContent xmlns:mc="http://schemas.openxmlformats.org/markup-compatibility/2006">
               <mc:Choice xmlns:v="urn:schemas-microsoft-com:vml" Requires="v">
-                <p:oleObj spid="_x0000_s21682" name="Equation" r:id="rId5" imgW="1193760" imgH="431640" progId="Equation.3">
+                <p:oleObj spid="_x0000_s21684" name="Equation" r:id="rId5" imgW="1193760" imgH="431640" progId="Equation.3">
                   <p:embed/>
                 </p:oleObj>
               </mc:Choice>
@@ -10292,15 +10293,7 @@
           <a:p>
             <a:r>
               <a:rPr lang="en-US" dirty="0" smtClean="0"/>
-              <a:t>Traditional transmission level powerflow analysis assumes that all </a:t>
-            </a:r>
-            <a:r>
-              <a:rPr lang="en-US" dirty="0" smtClean="0"/>
-              <a:t>loads </a:t>
-            </a:r>
-            <a:r>
-              <a:rPr lang="en-US" dirty="0" smtClean="0"/>
-              <a:t>are constant power, for both real (P) and reactive (Q).  As a result, power and energy consumption are independent of line voltage.</a:t>
+              <a:t>Traditional transmission level powerflow analysis assumes that all loads are constant power, for both real (P) and reactive (Q).  As a result, power and energy consumption are independent of line voltage.</a:t>
             </a:r>
           </a:p>
           <a:p>
@@ -11208,7 +11201,7 @@
           <a:graphicData uri="http://schemas.openxmlformats.org/presentationml/2006/ole">
             <mc:AlternateContent xmlns:mc="http://schemas.openxmlformats.org/markup-compatibility/2006">
               <mc:Choice xmlns:v="urn:schemas-microsoft-com:vml" Requires="v">
-                <p:oleObj spid="_x0000_s2389" name="Equation" r:id="rId3" imgW="4203360" imgH="558720" progId="Equation.3">
+                <p:oleObj spid="_x0000_s2392" name="Equation" r:id="rId3" imgW="4203360" imgH="558720" progId="Equation.3">
                   <p:embed/>
                 </p:oleObj>
               </mc:Choice>
@@ -11276,7 +11269,7 @@
           <a:graphicData uri="http://schemas.openxmlformats.org/presentationml/2006/ole">
             <mc:AlternateContent xmlns:mc="http://schemas.openxmlformats.org/markup-compatibility/2006">
               <mc:Choice xmlns:v="urn:schemas-microsoft-com:vml" Requires="v">
-                <p:oleObj spid="_x0000_s2390" name="Equation" r:id="rId5" imgW="4165560" imgH="558720" progId="Equation.3">
+                <p:oleObj spid="_x0000_s2393" name="Equation" r:id="rId5" imgW="4165560" imgH="558720" progId="Equation.3">
                   <p:embed/>
                 </p:oleObj>
               </mc:Choice>
@@ -11344,7 +11337,7 @@
           <a:graphicData uri="http://schemas.openxmlformats.org/presentationml/2006/ole">
             <mc:AlternateContent xmlns:mc="http://schemas.openxmlformats.org/markup-compatibility/2006">
               <mc:Choice xmlns:v="urn:schemas-microsoft-com:vml" Requires="v">
-                <p:oleObj spid="_x0000_s2391" name="Equation" r:id="rId7" imgW="1015920" imgH="228600" progId="Equation.3">
+                <p:oleObj spid="_x0000_s2394" name="Equation" r:id="rId7" imgW="1015920" imgH="228600" progId="Equation.3">
                   <p:embed/>
                 </p:oleObj>
               </mc:Choice>
@@ -12505,7 +12498,7 @@
           <a:graphicData uri="http://schemas.openxmlformats.org/presentationml/2006/ole">
             <mc:AlternateContent xmlns:mc="http://schemas.openxmlformats.org/markup-compatibility/2006">
               <mc:Choice xmlns:v="urn:schemas-microsoft-com:vml" Requires="v">
-                <p:oleObj spid="_x0000_s16573" name="Equation" r:id="rId3" imgW="4965480" imgH="558720" progId="Equation.3">
+                <p:oleObj spid="_x0000_s16575" name="Equation" r:id="rId3" imgW="4965480" imgH="558720" progId="Equation.3">
                   <p:embed/>
                 </p:oleObj>
               </mc:Choice>
@@ -12575,7 +12568,7 @@
           <a:graphicData uri="http://schemas.openxmlformats.org/presentationml/2006/ole">
             <mc:AlternateContent xmlns:mc="http://schemas.openxmlformats.org/markup-compatibility/2006">
               <mc:Choice xmlns:v="urn:schemas-microsoft-com:vml" Requires="v">
-                <p:oleObj spid="_x0000_s16574" name="Equation" r:id="rId5" imgW="4927320" imgH="558720" progId="Equation.3">
+                <p:oleObj spid="_x0000_s16576" name="Equation" r:id="rId5" imgW="4927320" imgH="558720" progId="Equation.3">
                   <p:embed/>
                 </p:oleObj>
               </mc:Choice>
@@ -14917,7 +14910,7 @@
           <a:graphicData uri="http://schemas.openxmlformats.org/presentationml/2006/ole">
             <mc:AlternateContent xmlns:mc="http://schemas.openxmlformats.org/markup-compatibility/2006">
               <mc:Choice xmlns:v="urn:schemas-microsoft-com:vml" Requires="v">
-                <p:oleObj spid="_x0000_s27712" name="Equation" r:id="rId3" imgW="114120" imgH="215640" progId="Equation.3">
+                <p:oleObj spid="_x0000_s27713" name="Equation" r:id="rId3" imgW="114120" imgH="215640" progId="Equation.3">
                   <p:embed/>
                 </p:oleObj>
               </mc:Choice>
@@ -15077,7 +15070,7 @@
           <a:graphicData uri="http://schemas.openxmlformats.org/presentationml/2006/ole">
             <mc:AlternateContent xmlns:mc="http://schemas.openxmlformats.org/markup-compatibility/2006">
               <mc:Choice xmlns:v="urn:schemas-microsoft-com:vml" Requires="v">
-                <p:oleObj spid="_x0000_s11080" name="Equation" r:id="rId3" imgW="114120" imgH="215640" progId="Equation.3">
+                <p:oleObj spid="_x0000_s11088" name="Equation" r:id="rId3" imgW="114120" imgH="215640" progId="Equation.3">
                   <p:embed/>
                 </p:oleObj>
               </mc:Choice>
@@ -15147,7 +15140,7 @@
           <a:graphicData uri="http://schemas.openxmlformats.org/presentationml/2006/ole">
             <mc:AlternateContent xmlns:mc="http://schemas.openxmlformats.org/markup-compatibility/2006">
               <mc:Choice xmlns:v="urn:schemas-microsoft-com:vml" Requires="v">
-                <p:oleObj spid="_x0000_s11081" name="Equation" r:id="rId5" imgW="4076640" imgH="558720" progId="Equation.3">
+                <p:oleObj spid="_x0000_s11089" name="Equation" r:id="rId5" imgW="4076640" imgH="558720" progId="Equation.3">
                   <p:embed/>
                 </p:oleObj>
               </mc:Choice>
@@ -15217,7 +15210,7 @@
           <a:graphicData uri="http://schemas.openxmlformats.org/presentationml/2006/ole">
             <mc:AlternateContent xmlns:mc="http://schemas.openxmlformats.org/markup-compatibility/2006">
               <mc:Choice xmlns:v="urn:schemas-microsoft-com:vml" Requires="v">
-                <p:oleObj spid="_x0000_s11082" name="Equation" r:id="rId7" imgW="4038480" imgH="558720" progId="Equation.3">
+                <p:oleObj spid="_x0000_s11090" name="Equation" r:id="rId7" imgW="4038480" imgH="558720" progId="Equation.3">
                   <p:embed/>
                 </p:oleObj>
               </mc:Choice>
@@ -15293,7 +15286,7 @@
           <a:graphicData uri="http://schemas.openxmlformats.org/presentationml/2006/ole">
             <mc:AlternateContent xmlns:mc="http://schemas.openxmlformats.org/markup-compatibility/2006">
               <mc:Choice xmlns:v="urn:schemas-microsoft-com:vml" Requires="v">
-                <p:oleObj spid="_x0000_s11083" name="Equation" r:id="rId9" imgW="1777680" imgH="241200" progId="Equation.3">
+                <p:oleObj spid="_x0000_s11091" name="Equation" r:id="rId9" imgW="1777680" imgH="241200" progId="Equation.3">
                   <p:embed/>
                 </p:oleObj>
               </mc:Choice>
@@ -15363,7 +15356,7 @@
           <a:graphicData uri="http://schemas.openxmlformats.org/presentationml/2006/ole">
             <mc:AlternateContent xmlns:mc="http://schemas.openxmlformats.org/markup-compatibility/2006">
               <mc:Choice xmlns:v="urn:schemas-microsoft-com:vml" Requires="v">
-                <p:oleObj spid="_x0000_s11084" name="Equation" r:id="rId11" imgW="977760" imgH="228600" progId="Equation.3">
+                <p:oleObj spid="_x0000_s11092" name="Equation" r:id="rId11" imgW="977760" imgH="228600" progId="Equation.3">
                   <p:embed/>
                 </p:oleObj>
               </mc:Choice>
@@ -15433,7 +15426,7 @@
           <a:graphicData uri="http://schemas.openxmlformats.org/presentationml/2006/ole">
             <mc:AlternateContent xmlns:mc="http://schemas.openxmlformats.org/markup-compatibility/2006">
               <mc:Choice xmlns:v="urn:schemas-microsoft-com:vml" Requires="v">
-                <p:oleObj spid="_x0000_s11085" name="Equation" r:id="rId13" imgW="1536480" imgH="482400" progId="Equation.3">
+                <p:oleObj spid="_x0000_s11093" name="Equation" r:id="rId13" imgW="1536480" imgH="482400" progId="Equation.3">
                   <p:embed/>
                 </p:oleObj>
               </mc:Choice>
@@ -15503,7 +15496,7 @@
           <a:graphicData uri="http://schemas.openxmlformats.org/presentationml/2006/ole">
             <mc:AlternateContent xmlns:mc="http://schemas.openxmlformats.org/markup-compatibility/2006">
               <mc:Choice xmlns:v="urn:schemas-microsoft-com:vml" Requires="v">
-                <p:oleObj spid="_x0000_s11086" name="Equation" r:id="rId15" imgW="2145960" imgH="431640" progId="Equation.3">
+                <p:oleObj spid="_x0000_s11094" name="Equation" r:id="rId15" imgW="2145960" imgH="431640" progId="Equation.3">
                   <p:embed/>
                 </p:oleObj>
               </mc:Choice>
@@ -15573,7 +15566,7 @@
           <a:graphicData uri="http://schemas.openxmlformats.org/presentationml/2006/ole">
             <mc:AlternateContent xmlns:mc="http://schemas.openxmlformats.org/markup-compatibility/2006">
               <mc:Choice xmlns:v="urn:schemas-microsoft-com:vml" Requires="v">
-                <p:oleObj spid="_x0000_s11087" name="Equation" r:id="rId17" imgW="1612800" imgH="228600" progId="Equation.3">
+                <p:oleObj spid="_x0000_s11095" name="Equation" r:id="rId17" imgW="1612800" imgH="228600" progId="Equation.3">
                   <p:embed/>
                 </p:oleObj>
               </mc:Choice>
@@ -16467,7 +16460,7 @@
           <a:graphicData uri="http://schemas.openxmlformats.org/presentationml/2006/ole">
             <mc:AlternateContent xmlns:mc="http://schemas.openxmlformats.org/markup-compatibility/2006">
               <mc:Choice xmlns:v="urn:schemas-microsoft-com:vml" Requires="v">
-                <p:oleObj spid="_x0000_s28930" name="Equation" r:id="rId3" imgW="114120" imgH="215640" progId="Equation.3">
+                <p:oleObj spid="_x0000_s28934" name="Equation" r:id="rId3" imgW="114120" imgH="215640" progId="Equation.3">
                   <p:embed/>
                 </p:oleObj>
               </mc:Choice>
@@ -16543,7 +16536,7 @@
           <a:graphicData uri="http://schemas.openxmlformats.org/presentationml/2006/ole">
             <mc:AlternateContent xmlns:mc="http://schemas.openxmlformats.org/markup-compatibility/2006">
               <mc:Choice xmlns:v="urn:schemas-microsoft-com:vml" Requires="v">
-                <p:oleObj spid="_x0000_s28931" name="Equation" r:id="rId5" imgW="10756800" imgH="1143000" progId="Equation.3">
+                <p:oleObj spid="_x0000_s28935" name="Equation" r:id="rId5" imgW="10756800" imgH="1143000" progId="Equation.3">
                   <p:embed/>
                 </p:oleObj>
               </mc:Choice>
@@ -16605,7 +16598,7 @@
           <a:graphicData uri="http://schemas.openxmlformats.org/presentationml/2006/ole">
             <mc:AlternateContent xmlns:mc="http://schemas.openxmlformats.org/markup-compatibility/2006">
               <mc:Choice xmlns:v="urn:schemas-microsoft-com:vml" Requires="v">
-                <p:oleObj spid="_x0000_s28932" name="Equation" r:id="rId7" imgW="2145960" imgH="431640" progId="Equation.3">
+                <p:oleObj spid="_x0000_s28936" name="Equation" r:id="rId7" imgW="2145960" imgH="431640" progId="Equation.3">
                   <p:embed/>
                 </p:oleObj>
               </mc:Choice>
@@ -16694,7 +16687,7 @@
           <a:graphicData uri="http://schemas.openxmlformats.org/presentationml/2006/ole">
             <mc:AlternateContent xmlns:mc="http://schemas.openxmlformats.org/markup-compatibility/2006">
               <mc:Choice xmlns:v="urn:schemas-microsoft-com:vml" Requires="v">
-                <p:oleObj spid="_x0000_s28933" name="Equation" r:id="rId9" imgW="10553400" imgH="1143000" progId="Equation.3">
+                <p:oleObj spid="_x0000_s28937" name="Equation" r:id="rId9" imgW="10553400" imgH="1143000" progId="Equation.3">
                   <p:embed/>
                 </p:oleObj>
               </mc:Choice>
@@ -17209,7 +17202,7 @@
           <a:graphicData uri="http://schemas.openxmlformats.org/presentationml/2006/ole">
             <mc:AlternateContent xmlns:mc="http://schemas.openxmlformats.org/markup-compatibility/2006">
               <mc:Choice xmlns:v="urn:schemas-microsoft-com:vml" Requires="v">
-                <p:oleObj spid="_x0000_s11985" name="Equation" r:id="rId3" imgW="114120" imgH="215640" progId="Equation.3">
+                <p:oleObj spid="_x0000_s11992" name="Equation" r:id="rId3" imgW="114120" imgH="215640" progId="Equation.3">
                   <p:embed/>
                 </p:oleObj>
               </mc:Choice>
@@ -17279,7 +17272,7 @@
           <a:graphicData uri="http://schemas.openxmlformats.org/presentationml/2006/ole">
             <mc:AlternateContent xmlns:mc="http://schemas.openxmlformats.org/markup-compatibility/2006">
               <mc:Choice xmlns:v="urn:schemas-microsoft-com:vml" Requires="v">
-                <p:oleObj spid="_x0000_s11986" name="Equation" r:id="rId5" imgW="1803240" imgH="482400" progId="Equation.3">
+                <p:oleObj spid="_x0000_s11993" name="Equation" r:id="rId5" imgW="1803240" imgH="482400" progId="Equation.3">
                   <p:embed/>
                 </p:oleObj>
               </mc:Choice>
@@ -17349,7 +17342,7 @@
           <a:graphicData uri="http://schemas.openxmlformats.org/presentationml/2006/ole">
             <mc:AlternateContent xmlns:mc="http://schemas.openxmlformats.org/markup-compatibility/2006">
               <mc:Choice xmlns:v="urn:schemas-microsoft-com:vml" Requires="v">
-                <p:oleObj spid="_x0000_s11987" name="Equation" r:id="rId7" imgW="1790640" imgH="266400" progId="Equation.3">
+                <p:oleObj spid="_x0000_s11994" name="Equation" r:id="rId7" imgW="1790640" imgH="266400" progId="Equation.3">
                   <p:embed/>
                 </p:oleObj>
               </mc:Choice>
@@ -17425,7 +17418,7 @@
           <a:graphicData uri="http://schemas.openxmlformats.org/presentationml/2006/ole">
             <mc:AlternateContent xmlns:mc="http://schemas.openxmlformats.org/markup-compatibility/2006">
               <mc:Choice xmlns:v="urn:schemas-microsoft-com:vml" Requires="v">
-                <p:oleObj spid="_x0000_s11988" name="Equation" r:id="rId9" imgW="2145960" imgH="431640" progId="Equation.3">
+                <p:oleObj spid="_x0000_s11995" name="Equation" r:id="rId9" imgW="2145960" imgH="431640" progId="Equation.3">
                   <p:embed/>
                 </p:oleObj>
               </mc:Choice>
@@ -17489,7 +17482,7 @@
           <a:graphicData uri="http://schemas.openxmlformats.org/presentationml/2006/ole">
             <mc:AlternateContent xmlns:mc="http://schemas.openxmlformats.org/markup-compatibility/2006">
               <mc:Choice xmlns:v="urn:schemas-microsoft-com:vml" Requires="v">
-                <p:oleObj spid="_x0000_s11989" name="Equation" r:id="rId11" imgW="2450880" imgH="228600" progId="Equation.3">
+                <p:oleObj spid="_x0000_s11996" name="Equation" r:id="rId11" imgW="2450880" imgH="228600" progId="Equation.3">
                   <p:embed/>
                 </p:oleObj>
               </mc:Choice>
@@ -17559,7 +17552,7 @@
           <a:graphicData uri="http://schemas.openxmlformats.org/presentationml/2006/ole">
             <mc:AlternateContent xmlns:mc="http://schemas.openxmlformats.org/markup-compatibility/2006">
               <mc:Choice xmlns:v="urn:schemas-microsoft-com:vml" Requires="v">
-                <p:oleObj spid="_x0000_s11990" name="Equation" r:id="rId13" imgW="634680" imgH="215640" progId="Equation.3">
+                <p:oleObj spid="_x0000_s11997" name="Equation" r:id="rId13" imgW="634680" imgH="215640" progId="Equation.3">
                   <p:embed/>
                 </p:oleObj>
               </mc:Choice>
@@ -17689,7 +17682,7 @@
           <a:graphicData uri="http://schemas.openxmlformats.org/presentationml/2006/ole">
             <mc:AlternateContent xmlns:mc="http://schemas.openxmlformats.org/markup-compatibility/2006">
               <mc:Choice xmlns:v="urn:schemas-microsoft-com:vml" Requires="v">
-                <p:oleObj spid="_x0000_s11991" name="Equation" r:id="rId15" imgW="1333440" imgH="1218960" progId="Equation.3">
+                <p:oleObj spid="_x0000_s11998" name="Equation" r:id="rId15" imgW="1333440" imgH="1218960" progId="Equation.3">
                   <p:embed/>
                 </p:oleObj>
               </mc:Choice>
@@ -18424,7 +18417,7 @@
           <a:graphicData uri="http://schemas.openxmlformats.org/presentationml/2006/ole">
             <mc:AlternateContent xmlns:mc="http://schemas.openxmlformats.org/markup-compatibility/2006">
               <mc:Choice xmlns:v="urn:schemas-microsoft-com:vml" Requires="v">
-                <p:oleObj spid="_x0000_s12585" name="Equation" r:id="rId3" imgW="114120" imgH="215640" progId="Equation.3">
+                <p:oleObj spid="_x0000_s12587" name="Equation" r:id="rId3" imgW="114120" imgH="215640" progId="Equation.3">
                   <p:embed/>
                 </p:oleObj>
               </mc:Choice>
@@ -18500,7 +18493,7 @@
           <a:graphicData uri="http://schemas.openxmlformats.org/presentationml/2006/ole">
             <mc:AlternateContent xmlns:mc="http://schemas.openxmlformats.org/markup-compatibility/2006">
               <mc:Choice xmlns:v="urn:schemas-microsoft-com:vml" Requires="v">
-                <p:oleObj spid="_x0000_s12586" name="Equation" r:id="rId5" imgW="1015920" imgH="1612800" progId="Equation.3">
+                <p:oleObj spid="_x0000_s12588" name="Equation" r:id="rId5" imgW="1015920" imgH="1612800" progId="Equation.3">
                   <p:embed/>
                 </p:oleObj>
               </mc:Choice>
@@ -18975,7 +18968,7 @@
           <a:graphicData uri="http://schemas.openxmlformats.org/presentationml/2006/ole">
             <mc:AlternateContent xmlns:mc="http://schemas.openxmlformats.org/markup-compatibility/2006">
               <mc:Choice xmlns:v="urn:schemas-microsoft-com:vml" Requires="v">
-                <p:oleObj spid="_x0000_s30812" name="Equation" r:id="rId3" imgW="5333760" imgH="558720" progId="Equation.3">
+                <p:oleObj spid="_x0000_s30814" name="Equation" r:id="rId3" imgW="5333760" imgH="558720" progId="Equation.3">
                   <p:embed/>
                 </p:oleObj>
               </mc:Choice>
@@ -19039,7 +19032,7 @@
           <a:graphicData uri="http://schemas.openxmlformats.org/presentationml/2006/ole">
             <mc:AlternateContent xmlns:mc="http://schemas.openxmlformats.org/markup-compatibility/2006">
               <mc:Choice xmlns:v="urn:schemas-microsoft-com:vml" Requires="v">
-                <p:oleObj spid="_x0000_s30813" name="Equation" r:id="rId5" imgW="5295600" imgH="558720" progId="Equation.3">
+                <p:oleObj spid="_x0000_s30815" name="Equation" r:id="rId5" imgW="5295600" imgH="558720" progId="Equation.3">
                   <p:embed/>
                 </p:oleObj>
               </mc:Choice>
@@ -19723,7 +19716,7 @@
           <a:graphicData uri="http://schemas.openxmlformats.org/presentationml/2006/ole">
             <mc:AlternateContent xmlns:mc="http://schemas.openxmlformats.org/markup-compatibility/2006">
               <mc:Choice xmlns:v="urn:schemas-microsoft-com:vml" Requires="v">
-                <p:oleObj spid="_x0000_s29757" name="Equation" r:id="rId3" imgW="1942920" imgH="761760" progId="Equation.3">
+                <p:oleObj spid="_x0000_s29758" name="Equation" r:id="rId3" imgW="1942920" imgH="761760" progId="Equation.3">
                   <p:embed/>
                 </p:oleObj>
               </mc:Choice>
@@ -20980,7 +20973,7 @@
           <a:graphicData uri="http://schemas.openxmlformats.org/presentationml/2006/ole">
             <mc:AlternateContent xmlns:mc="http://schemas.openxmlformats.org/markup-compatibility/2006">
               <mc:Choice xmlns:v="urn:schemas-microsoft-com:vml" Requires="v">
-                <p:oleObj spid="_x0000_s3276" name="Equation" r:id="rId4" imgW="3759120" imgH="431640" progId="Equation.3">
+                <p:oleObj spid="_x0000_s3278" name="Equation" r:id="rId4" imgW="3759120" imgH="431640" progId="Equation.3">
                   <p:embed/>
                 </p:oleObj>
               </mc:Choice>
@@ -21048,7 +21041,7 @@
           <a:graphicData uri="http://schemas.openxmlformats.org/presentationml/2006/ole">
             <mc:AlternateContent xmlns:mc="http://schemas.openxmlformats.org/markup-compatibility/2006">
               <mc:Choice xmlns:v="urn:schemas-microsoft-com:vml" Requires="v">
-                <p:oleObj spid="_x0000_s3277" name="Equation" r:id="rId6" imgW="2489040" imgH="431640" progId="Equation.3">
+                <p:oleObj spid="_x0000_s3279" name="Equation" r:id="rId6" imgW="2489040" imgH="431640" progId="Equation.3">
                   <p:embed/>
                 </p:oleObj>
               </mc:Choice>
@@ -21726,7 +21719,7 @@
           <a:graphicData uri="http://schemas.openxmlformats.org/presentationml/2006/ole">
             <mc:AlternateContent xmlns:mc="http://schemas.openxmlformats.org/markup-compatibility/2006">
               <mc:Choice xmlns:v="urn:schemas-microsoft-com:vml" Requires="v">
-                <p:oleObj spid="_x0000_s4202" r:id="rId3" imgW="3235112" imgH="3234987" progId="Msxml2.SAXXMLReader.5.0">
+                <p:oleObj spid="_x0000_s4203" r:id="rId3" imgW="3235112" imgH="3234987" progId="Msxml2.SAXXMLReader.5.0">
                   <p:embed/>
                 </p:oleObj>
               </mc:Choice>
@@ -22872,15 +22865,7 @@
             </a:r>
             <a:r>
               <a:rPr lang="en-US" sz="1600" dirty="0" smtClean="0"/>
-              <a:t> capacitor </a:t>
-            </a:r>
-            <a:r>
-              <a:rPr lang="en-US" sz="1600" dirty="0" smtClean="0"/>
-              <a:t>has </a:t>
-            </a:r>
-            <a:r>
-              <a:rPr lang="en-US" sz="1600" dirty="0" smtClean="0"/>
-              <a:t>been added at node 675.</a:t>
+              <a:t> capacitor has been added at node 675.</a:t>
             </a:r>
           </a:p>
           <a:p>
@@ -23252,7 +23237,7 @@
           <a:graphicData uri="http://schemas.openxmlformats.org/presentationml/2006/ole">
             <mc:AlternateContent xmlns:mc="http://schemas.openxmlformats.org/markup-compatibility/2006">
               <mc:Choice xmlns:v="urn:schemas-microsoft-com:vml" Requires="v">
-                <p:oleObj spid="_x0000_s38942" name="Equation" r:id="rId5" imgW="3073320" imgH="1447560" progId="Equation.3">
+                <p:oleObj spid="_x0000_s38944" name="Equation" r:id="rId5" imgW="3073320" imgH="1447560" progId="Equation.3">
                   <p:embed/>
                 </p:oleObj>
               </mc:Choice>
@@ -23335,7 +23320,7 @@
           <a:graphicData uri="http://schemas.openxmlformats.org/presentationml/2006/ole">
             <mc:AlternateContent xmlns:mc="http://schemas.openxmlformats.org/markup-compatibility/2006">
               <mc:Choice xmlns:v="urn:schemas-microsoft-com:vml" Requires="v">
-                <p:oleObj spid="_x0000_s38943" name="Equation" r:id="rId7" imgW="3073320" imgH="1447560" progId="Equation.3">
+                <p:oleObj spid="_x0000_s38945" name="Equation" r:id="rId7" imgW="3073320" imgH="1447560" progId="Equation.3">
                   <p:embed/>
                 </p:oleObj>
               </mc:Choice>
@@ -24184,7 +24169,7 @@
           <a:graphicData uri="http://schemas.openxmlformats.org/presentationml/2006/ole">
             <mc:AlternateContent xmlns:mc="http://schemas.openxmlformats.org/markup-compatibility/2006">
               <mc:Choice xmlns:v="urn:schemas-microsoft-com:vml" Requires="v">
-                <p:oleObj spid="_x0000_s39964" name="Equation" r:id="rId5" imgW="3073320" imgH="1447560" progId="Equation.3">
+                <p:oleObj spid="_x0000_s39966" name="Equation" r:id="rId5" imgW="3073320" imgH="1447560" progId="Equation.3">
                   <p:embed/>
                 </p:oleObj>
               </mc:Choice>
@@ -24267,7 +24252,7 @@
           <a:graphicData uri="http://schemas.openxmlformats.org/presentationml/2006/ole">
             <mc:AlternateContent xmlns:mc="http://schemas.openxmlformats.org/markup-compatibility/2006">
               <mc:Choice xmlns:v="urn:schemas-microsoft-com:vml" Requires="v">
-                <p:oleObj spid="_x0000_s39965" name="Equation" r:id="rId7" imgW="3085920" imgH="1447560" progId="Equation.3">
+                <p:oleObj spid="_x0000_s39967" name="Equation" r:id="rId7" imgW="3085920" imgH="1447560" progId="Equation.3">
                   <p:embed/>
                 </p:oleObj>
               </mc:Choice>
@@ -24756,7 +24741,7 @@
           <a:graphicData uri="http://schemas.openxmlformats.org/presentationml/2006/ole">
             <mc:AlternateContent xmlns:mc="http://schemas.openxmlformats.org/markup-compatibility/2006">
               <mc:Choice xmlns:v="urn:schemas-microsoft-com:vml" Requires="v">
-                <p:oleObj spid="_x0000_s40988" name="Equation" r:id="rId4" imgW="3073320" imgH="1447560" progId="Equation.3">
+                <p:oleObj spid="_x0000_s40990" name="Equation" r:id="rId4" imgW="3073320" imgH="1447560" progId="Equation.3">
                   <p:embed/>
                 </p:oleObj>
               </mc:Choice>
@@ -25014,7 +24999,7 @@
           <a:graphicData uri="http://schemas.openxmlformats.org/presentationml/2006/ole">
             <mc:AlternateContent xmlns:mc="http://schemas.openxmlformats.org/markup-compatibility/2006">
               <mc:Choice xmlns:v="urn:schemas-microsoft-com:vml" Requires="v">
-                <p:oleObj spid="_x0000_s40989" name="Equation" r:id="rId9" imgW="3073320" imgH="1447560" progId="Equation.3">
+                <p:oleObj spid="_x0000_s40991" name="Equation" r:id="rId9" imgW="3073320" imgH="1447560" progId="Equation.3">
                   <p:embed/>
                 </p:oleObj>
               </mc:Choice>
@@ -25469,7 +25454,7 @@
           <a:graphicData uri="http://schemas.openxmlformats.org/presentationml/2006/ole">
             <mc:AlternateContent xmlns:mc="http://schemas.openxmlformats.org/markup-compatibility/2006">
               <mc:Choice xmlns:v="urn:schemas-microsoft-com:vml" Requires="v">
-                <p:oleObj spid="_x0000_s32911" name="Equation" r:id="rId3" imgW="3301920" imgH="228600" progId="Equation.3">
+                <p:oleObj spid="_x0000_s32913" name="Equation" r:id="rId3" imgW="3301920" imgH="228600" progId="Equation.3">
                   <p:embed/>
                 </p:oleObj>
               </mc:Choice>
@@ -25533,7 +25518,7 @@
           <a:graphicData uri="http://schemas.openxmlformats.org/presentationml/2006/ole">
             <mc:AlternateContent xmlns:mc="http://schemas.openxmlformats.org/markup-compatibility/2006">
               <mc:Choice xmlns:v="urn:schemas-microsoft-com:vml" Requires="v">
-                <p:oleObj spid="_x0000_s32912" name="Equation" r:id="rId5" imgW="3314520" imgH="228600" progId="Equation.3">
+                <p:oleObj spid="_x0000_s32914" name="Equation" r:id="rId5" imgW="3314520" imgH="228600" progId="Equation.3">
                   <p:embed/>
                 </p:oleObj>
               </mc:Choice>
@@ -26428,7 +26413,7 @@
           <a:graphicData uri="http://schemas.openxmlformats.org/presentationml/2006/ole">
             <mc:AlternateContent xmlns:mc="http://schemas.openxmlformats.org/markup-compatibility/2006">
               <mc:Choice xmlns:v="urn:schemas-microsoft-com:vml" Requires="v">
-                <p:oleObj spid="_x0000_s17504" name="Equation" r:id="rId3" imgW="3149280" imgH="469800" progId="Equation.3">
+                <p:oleObj spid="_x0000_s17505" name="Equation" r:id="rId3" imgW="3149280" imgH="469800" progId="Equation.3">
                   <p:embed/>
                 </p:oleObj>
               </mc:Choice>
@@ -26607,6 +26592,212 @@
             <a:spLocks noGrp="1"/>
           </p:cNvSpPr>
           <p:nvPr>
+            <p:ph type="title"/>
+          </p:nvPr>
+        </p:nvSpPr>
+        <p:spPr/>
+        <p:txBody>
+          <a:bodyPr/>
+          <a:lstStyle/>
+          <a:p>
+            <a:r>
+              <a:rPr lang="en-US" smtClean="0"/>
+              <a:t>Module 4 </a:t>
+            </a:r>
+            <a:r>
+              <a:rPr lang="en-US" dirty="0" smtClean="0"/>
+              <a:t>Concluding Comments</a:t>
+            </a:r>
+            <a:endParaRPr lang="en-US" dirty="0"/>
+          </a:p>
+        </p:txBody>
+      </p:sp>
+      <p:sp>
+        <p:nvSpPr>
+          <p:cNvPr id="3" name="Content Placeholder 2"/>
+          <p:cNvSpPr>
+            <a:spLocks noGrp="1"/>
+          </p:cNvSpPr>
+          <p:nvPr>
+            <p:ph idx="1"/>
+          </p:nvPr>
+        </p:nvSpPr>
+        <p:spPr/>
+        <p:txBody>
+          <a:bodyPr>
+            <a:normAutofit fontScale="77500" lnSpcReduction="20000"/>
+          </a:bodyPr>
+          <a:lstStyle/>
+          <a:p>
+            <a:r>
+              <a:rPr lang="en-US" dirty="0"/>
+              <a:t>Traditionally, voltage control has been achieved thorough the operation of devices operating only on local information.</a:t>
+            </a:r>
+          </a:p>
+          <a:p>
+            <a:pPr lvl="1"/>
+            <a:r>
+              <a:rPr lang="en-US" dirty="0"/>
+              <a:t>Transmission: Voltage regulators at central generators and shunt capacitors</a:t>
+            </a:r>
+          </a:p>
+          <a:p>
+            <a:pPr lvl="1"/>
+            <a:r>
+              <a:rPr lang="en-US" dirty="0"/>
+              <a:t>Distribution: Voltage regulators and shunt capacitors</a:t>
+            </a:r>
+          </a:p>
+          <a:p>
+            <a:endParaRPr lang="en-US" dirty="0"/>
+          </a:p>
+          <a:p>
+            <a:r>
+              <a:rPr lang="en-US" dirty="0"/>
+              <a:t>Voltage control is essential to ensure the proper operation of the end-use loads.</a:t>
+            </a:r>
+          </a:p>
+          <a:p>
+            <a:endParaRPr lang="en-US" dirty="0"/>
+          </a:p>
+          <a:p>
+            <a:r>
+              <a:rPr lang="en-US" dirty="0"/>
+              <a:t>Additionally, the energy consumption of end-use loads is a function of the supply voltage.</a:t>
+            </a:r>
+          </a:p>
+          <a:p>
+            <a:endParaRPr lang="en-US" dirty="0"/>
+          </a:p>
+          <a:p>
+            <a:r>
+              <a:rPr lang="en-US" dirty="0"/>
+              <a:t>The voltage dependent nature of end-use loads can be modeled with a number of representations:</a:t>
+            </a:r>
+          </a:p>
+          <a:p>
+            <a:pPr lvl="1"/>
+            <a:r>
+              <a:rPr lang="en-US" dirty="0"/>
+              <a:t>Time-invariant ZIP model</a:t>
+            </a:r>
+          </a:p>
+          <a:p>
+            <a:pPr lvl="1"/>
+            <a:r>
+              <a:rPr lang="en-US" dirty="0"/>
+              <a:t>Time-variant ZIP model</a:t>
+            </a:r>
+          </a:p>
+          <a:p>
+            <a:pPr lvl="1"/>
+            <a:r>
+              <a:rPr lang="en-US" dirty="0"/>
+              <a:t>Physical model</a:t>
+            </a:r>
+          </a:p>
+          <a:p>
+            <a:pPr lvl="1"/>
+            <a:r>
+              <a:rPr lang="en-US" dirty="0"/>
+              <a:t>Multi-state physical model</a:t>
+            </a:r>
+          </a:p>
+          <a:p>
+            <a:pPr lvl="1"/>
+            <a:r>
+              <a:rPr lang="en-US" dirty="0"/>
+              <a:t>Load </a:t>
+            </a:r>
+            <a:r>
+              <a:rPr lang="en-US" dirty="0" smtClean="0"/>
+              <a:t>profile</a:t>
+            </a:r>
+            <a:endParaRPr lang="en-US" dirty="0"/>
+          </a:p>
+        </p:txBody>
+      </p:sp>
+      <p:sp>
+        <p:nvSpPr>
+          <p:cNvPr id="4" name="Slide Number Placeholder 3"/>
+          <p:cNvSpPr>
+            <a:spLocks noGrp="1"/>
+          </p:cNvSpPr>
+          <p:nvPr>
+            <p:ph type="sldNum" sz="quarter" idx="12"/>
+          </p:nvPr>
+        </p:nvSpPr>
+        <p:spPr/>
+        <p:txBody>
+          <a:bodyPr/>
+          <a:lstStyle/>
+          <a:p>
+            <a:pPr>
+              <a:defRPr/>
+            </a:pPr>
+            <a:fld id="{1B01BA5B-7730-4338-A929-CCF4E62AD04F}" type="slidenum">
+              <a:rPr lang="en-US" smtClean="0"/>
+              <a:pPr>
+                <a:defRPr/>
+              </a:pPr>
+              <a:t>70</a:t>
+            </a:fld>
+            <a:endParaRPr lang="en-US"/>
+          </a:p>
+        </p:txBody>
+      </p:sp>
+    </p:spTree>
+    <p:extLst>
+      <p:ext uri="{BB962C8B-B14F-4D97-AF65-F5344CB8AC3E}">
+        <p14:creationId xmlns:p14="http://schemas.microsoft.com/office/powerpoint/2010/main" val="2518113767"/>
+      </p:ext>
+    </p:extLst>
+  </p:cSld>
+  <p:clrMapOvr>
+    <a:masterClrMapping/>
+  </p:clrMapOvr>
+  <mc:AlternateContent xmlns:mc="http://schemas.openxmlformats.org/markup-compatibility/2006" xmlns:p14="http://schemas.microsoft.com/office/powerpoint/2010/main">
+    <mc:Choice Requires="p14">
+      <p:transition spd="slow" p14:dur="2000"/>
+    </mc:Choice>
+    <mc:Fallback xmlns="">
+      <p:transition spd="slow"/>
+    </mc:Fallback>
+  </mc:AlternateContent>
+  <p:timing>
+    <p:tnLst>
+      <p:par>
+        <p:cTn id="1" dur="indefinite" restart="never" nodeType="tmRoot"/>
+      </p:par>
+    </p:tnLst>
+  </p:timing>
+</p:sld>
+</file>
+
+<file path=ppt/slides/slide71.xml><?xml version="1.0" encoding="utf-8"?>
+<p:sld xmlns:a="http://schemas.openxmlformats.org/drawingml/2006/main" xmlns:r="http://schemas.openxmlformats.org/officeDocument/2006/relationships" xmlns:p="http://schemas.openxmlformats.org/presentationml/2006/main">
+  <p:cSld>
+    <p:spTree>
+      <p:nvGrpSpPr>
+        <p:cNvPr id="1" name=""/>
+        <p:cNvGrpSpPr/>
+        <p:nvPr/>
+      </p:nvGrpSpPr>
+      <p:grpSpPr>
+        <a:xfrm>
+          <a:off x="0" y="0"/>
+          <a:ext cx="0" cy="0"/>
+          <a:chOff x="0" y="0"/>
+          <a:chExt cx="0" cy="0"/>
+        </a:xfrm>
+      </p:grpSpPr>
+      <p:sp>
+        <p:nvSpPr>
+          <p:cNvPr id="2" name="Title 1"/>
+          <p:cNvSpPr>
+            <a:spLocks noGrp="1"/>
+          </p:cNvSpPr>
+          <p:nvPr>
             <p:ph type="ctrTitle"/>
           </p:nvPr>
         </p:nvSpPr>
@@ -26669,7 +26860,7 @@
             <a:fld id="{B6F15528-21DE-4FAA-801E-634DDDAF4B2B}" type="slidenum">
               <a:rPr lang="en-US" smtClean="0"/>
               <a:pPr/>
-              <a:t>70</a:t>
+              <a:t>71</a:t>
             </a:fld>
             <a:endParaRPr lang="en-US"/>
           </a:p>
@@ -26786,7 +26977,7 @@
           <a:graphicData uri="http://schemas.openxmlformats.org/presentationml/2006/ole">
             <mc:AlternateContent xmlns:mc="http://schemas.openxmlformats.org/markup-compatibility/2006">
               <mc:Choice xmlns:v="urn:schemas-microsoft-com:vml" Requires="v">
-                <p:oleObj spid="_x0000_s36894" name="Equation" r:id="rId3" imgW="3377880" imgH="469800" progId="Equation.3">
+                <p:oleObj spid="_x0000_s36896" name="Equation" r:id="rId3" imgW="3377880" imgH="469800" progId="Equation.3">
                   <p:embed/>
                 </p:oleObj>
               </mc:Choice>
@@ -26850,7 +27041,7 @@
           <a:graphicData uri="http://schemas.openxmlformats.org/presentationml/2006/ole">
             <mc:AlternateContent xmlns:mc="http://schemas.openxmlformats.org/markup-compatibility/2006">
               <mc:Choice xmlns:v="urn:schemas-microsoft-com:vml" Requires="v">
-                <p:oleObj spid="_x0000_s36895" name="Equation" r:id="rId5" imgW="3377880" imgH="469800" progId="Equation.3">
+                <p:oleObj spid="_x0000_s36897" name="Equation" r:id="rId5" imgW="3377880" imgH="469800" progId="Equation.3">
                   <p:embed/>
                 </p:oleObj>
               </mc:Choice>
@@ -27345,7 +27536,7 @@
           <a:graphicData uri="http://schemas.openxmlformats.org/presentationml/2006/ole">
             <mc:AlternateContent xmlns:mc="http://schemas.openxmlformats.org/markup-compatibility/2006">
               <mc:Choice xmlns:v="urn:schemas-microsoft-com:vml" Requires="v">
-                <p:oleObj spid="_x0000_s37919" name="Equation" r:id="rId3" imgW="3377880" imgH="469800" progId="Equation.3">
+                <p:oleObj spid="_x0000_s37921" name="Equation" r:id="rId3" imgW="3377880" imgH="469800" progId="Equation.3">
                   <p:embed/>
                 </p:oleObj>
               </mc:Choice>
@@ -27428,7 +27619,7 @@
           <a:graphicData uri="http://schemas.openxmlformats.org/presentationml/2006/ole">
             <mc:AlternateContent xmlns:mc="http://schemas.openxmlformats.org/markup-compatibility/2006">
               <mc:Choice xmlns:v="urn:schemas-microsoft-com:vml" Requires="v">
-                <p:oleObj spid="_x0000_s37920" name="Equation" r:id="rId5" imgW="3187440" imgH="469800" progId="Equation.3">
+                <p:oleObj spid="_x0000_s37922" name="Equation" r:id="rId5" imgW="3187440" imgH="469800" progId="Equation.3">
                   <p:embed/>
                 </p:oleObj>
               </mc:Choice>
